--- a/OT_System_Attack_Case_Study/Railway_Signaling/img/designDoc.pptx
+++ b/OT_System_Attack_Case_Study/Railway_Signaling/img/designDoc.pptx
@@ -4,9 +4,16 @@
   <p:sldMasterIdLst>
     <p:sldMasterId id="2147483648" r:id="rId1"/>
   </p:sldMasterIdLst>
+  <p:notesMasterIdLst>
+    <p:notesMasterId r:id="rId8"/>
+  </p:notesMasterIdLst>
   <p:sldIdLst>
     <p:sldId id="256" r:id="rId2"/>
     <p:sldId id="257" r:id="rId3"/>
+    <p:sldId id="258" r:id="rId4"/>
+    <p:sldId id="259" r:id="rId5"/>
+    <p:sldId id="260" r:id="rId6"/>
+    <p:sldId id="261" r:id="rId7"/>
   </p:sldIdLst>
   <p:sldSz cx="12192000" cy="6858000"/>
   <p:notesSz cx="6858000" cy="9144000"/>
@@ -111,6 +118,440 @@
     </p:ext>
   </p:extLst>
 </p:presentation>
+</file>
+
+<file path=ppt/notesMasters/notesMaster1.xml><?xml version="1.0" encoding="utf-8"?>
+<p:notesMaster xmlns:a="http://schemas.openxmlformats.org/drawingml/2006/main" xmlns:r="http://schemas.openxmlformats.org/officeDocument/2006/relationships" xmlns:p="http://schemas.openxmlformats.org/presentationml/2006/main">
+  <p:cSld>
+    <p:bg>
+      <p:bgRef idx="1001">
+        <a:schemeClr val="bg1"/>
+      </p:bgRef>
+    </p:bg>
+    <p:spTree>
+      <p:nvGrpSpPr>
+        <p:cNvPr id="1" name=""/>
+        <p:cNvGrpSpPr/>
+        <p:nvPr/>
+      </p:nvGrpSpPr>
+      <p:grpSpPr>
+        <a:xfrm>
+          <a:off x="0" y="0"/>
+          <a:ext cx="0" cy="0"/>
+          <a:chOff x="0" y="0"/>
+          <a:chExt cx="0" cy="0"/>
+        </a:xfrm>
+      </p:grpSpPr>
+      <p:sp>
+        <p:nvSpPr>
+          <p:cNvPr id="2" name="Header Placeholder 1"/>
+          <p:cNvSpPr>
+            <a:spLocks noGrp="1"/>
+          </p:cNvSpPr>
+          <p:nvPr>
+            <p:ph type="hdr" sz="quarter"/>
+          </p:nvPr>
+        </p:nvSpPr>
+        <p:spPr>
+          <a:xfrm>
+            <a:off x="0" y="0"/>
+            <a:ext cx="2971800" cy="458788"/>
+          </a:xfrm>
+          <a:prstGeom prst="rect">
+            <a:avLst/>
+          </a:prstGeom>
+        </p:spPr>
+        <p:txBody>
+          <a:bodyPr vert="horz" lIns="91440" tIns="45720" rIns="91440" bIns="45720" rtlCol="0"/>
+          <a:lstStyle>
+            <a:lvl1pPr algn="l">
+              <a:defRPr sz="1200"/>
+            </a:lvl1pPr>
+          </a:lstStyle>
+          <a:p>
+            <a:endParaRPr lang="en-SG"/>
+          </a:p>
+        </p:txBody>
+      </p:sp>
+      <p:sp>
+        <p:nvSpPr>
+          <p:cNvPr id="3" name="Date Placeholder 2"/>
+          <p:cNvSpPr>
+            <a:spLocks noGrp="1"/>
+          </p:cNvSpPr>
+          <p:nvPr>
+            <p:ph type="dt" idx="1"/>
+          </p:nvPr>
+        </p:nvSpPr>
+        <p:spPr>
+          <a:xfrm>
+            <a:off x="3884613" y="0"/>
+            <a:ext cx="2971800" cy="458788"/>
+          </a:xfrm>
+          <a:prstGeom prst="rect">
+            <a:avLst/>
+          </a:prstGeom>
+        </p:spPr>
+        <p:txBody>
+          <a:bodyPr vert="horz" lIns="91440" tIns="45720" rIns="91440" bIns="45720" rtlCol="0"/>
+          <a:lstStyle>
+            <a:lvl1pPr algn="r">
+              <a:defRPr sz="1200"/>
+            </a:lvl1pPr>
+          </a:lstStyle>
+          <a:p>
+            <a:fld id="{A0E7EE0D-03FE-41FA-B3B0-0034635591F3}" type="datetimeFigureOut">
+              <a:rPr lang="en-SG" smtClean="0"/>
+              <a:t>19/7/2024</a:t>
+            </a:fld>
+            <a:endParaRPr lang="en-SG"/>
+          </a:p>
+        </p:txBody>
+      </p:sp>
+      <p:sp>
+        <p:nvSpPr>
+          <p:cNvPr id="4" name="Slide Image Placeholder 3"/>
+          <p:cNvSpPr>
+            <a:spLocks noGrp="1" noRot="1" noChangeAspect="1"/>
+          </p:cNvSpPr>
+          <p:nvPr>
+            <p:ph type="sldImg" idx="2"/>
+          </p:nvPr>
+        </p:nvSpPr>
+        <p:spPr>
+          <a:xfrm>
+            <a:off x="685800" y="1143000"/>
+            <a:ext cx="5486400" cy="3086100"/>
+          </a:xfrm>
+          <a:prstGeom prst="rect">
+            <a:avLst/>
+          </a:prstGeom>
+          <a:noFill/>
+          <a:ln w="12700">
+            <a:solidFill>
+              <a:prstClr val="black"/>
+            </a:solidFill>
+          </a:ln>
+        </p:spPr>
+        <p:txBody>
+          <a:bodyPr vert="horz" lIns="91440" tIns="45720" rIns="91440" bIns="45720" rtlCol="0" anchor="ctr"/>
+          <a:lstStyle/>
+          <a:p>
+            <a:endParaRPr lang="en-SG"/>
+          </a:p>
+        </p:txBody>
+      </p:sp>
+      <p:sp>
+        <p:nvSpPr>
+          <p:cNvPr id="5" name="Notes Placeholder 4"/>
+          <p:cNvSpPr>
+            <a:spLocks noGrp="1"/>
+          </p:cNvSpPr>
+          <p:nvPr>
+            <p:ph type="body" sz="quarter" idx="3"/>
+          </p:nvPr>
+        </p:nvSpPr>
+        <p:spPr>
+          <a:xfrm>
+            <a:off x="685800" y="4400550"/>
+            <a:ext cx="5486400" cy="3600450"/>
+          </a:xfrm>
+          <a:prstGeom prst="rect">
+            <a:avLst/>
+          </a:prstGeom>
+        </p:spPr>
+        <p:txBody>
+          <a:bodyPr vert="horz" lIns="91440" tIns="45720" rIns="91440" bIns="45720" rtlCol="0"/>
+          <a:lstStyle/>
+          <a:p>
+            <a:pPr lvl="0"/>
+            <a:r>
+              <a:rPr lang="en-US"/>
+              <a:t>Click to edit Master text styles</a:t>
+            </a:r>
+          </a:p>
+          <a:p>
+            <a:pPr lvl="1"/>
+            <a:r>
+              <a:rPr lang="en-US"/>
+              <a:t>Second level</a:t>
+            </a:r>
+          </a:p>
+          <a:p>
+            <a:pPr lvl="2"/>
+            <a:r>
+              <a:rPr lang="en-US"/>
+              <a:t>Third level</a:t>
+            </a:r>
+          </a:p>
+          <a:p>
+            <a:pPr lvl="3"/>
+            <a:r>
+              <a:rPr lang="en-US"/>
+              <a:t>Fourth level</a:t>
+            </a:r>
+          </a:p>
+          <a:p>
+            <a:pPr lvl="4"/>
+            <a:r>
+              <a:rPr lang="en-US"/>
+              <a:t>Fifth level</a:t>
+            </a:r>
+            <a:endParaRPr lang="en-SG"/>
+          </a:p>
+        </p:txBody>
+      </p:sp>
+      <p:sp>
+        <p:nvSpPr>
+          <p:cNvPr id="6" name="Footer Placeholder 5"/>
+          <p:cNvSpPr>
+            <a:spLocks noGrp="1"/>
+          </p:cNvSpPr>
+          <p:nvPr>
+            <p:ph type="ftr" sz="quarter" idx="4"/>
+          </p:nvPr>
+        </p:nvSpPr>
+        <p:spPr>
+          <a:xfrm>
+            <a:off x="0" y="8685213"/>
+            <a:ext cx="2971800" cy="458787"/>
+          </a:xfrm>
+          <a:prstGeom prst="rect">
+            <a:avLst/>
+          </a:prstGeom>
+        </p:spPr>
+        <p:txBody>
+          <a:bodyPr vert="horz" lIns="91440" tIns="45720" rIns="91440" bIns="45720" rtlCol="0" anchor="b"/>
+          <a:lstStyle>
+            <a:lvl1pPr algn="l">
+              <a:defRPr sz="1200"/>
+            </a:lvl1pPr>
+          </a:lstStyle>
+          <a:p>
+            <a:endParaRPr lang="en-SG"/>
+          </a:p>
+        </p:txBody>
+      </p:sp>
+      <p:sp>
+        <p:nvSpPr>
+          <p:cNvPr id="7" name="Slide Number Placeholder 6"/>
+          <p:cNvSpPr>
+            <a:spLocks noGrp="1"/>
+          </p:cNvSpPr>
+          <p:nvPr>
+            <p:ph type="sldNum" sz="quarter" idx="5"/>
+          </p:nvPr>
+        </p:nvSpPr>
+        <p:spPr>
+          <a:xfrm>
+            <a:off x="3884613" y="8685213"/>
+            <a:ext cx="2971800" cy="458787"/>
+          </a:xfrm>
+          <a:prstGeom prst="rect">
+            <a:avLst/>
+          </a:prstGeom>
+        </p:spPr>
+        <p:txBody>
+          <a:bodyPr vert="horz" lIns="91440" tIns="45720" rIns="91440" bIns="45720" rtlCol="0" anchor="b"/>
+          <a:lstStyle>
+            <a:lvl1pPr algn="r">
+              <a:defRPr sz="1200"/>
+            </a:lvl1pPr>
+          </a:lstStyle>
+          <a:p>
+            <a:fld id="{0619E7A7-CE71-44B2-90E3-D9C359A51CC5}" type="slidenum">
+              <a:rPr lang="en-SG" smtClean="0"/>
+              <a:t>‹#›</a:t>
+            </a:fld>
+            <a:endParaRPr lang="en-SG"/>
+          </a:p>
+        </p:txBody>
+      </p:sp>
+    </p:spTree>
+    <p:extLst>
+      <p:ext uri="{BB962C8B-B14F-4D97-AF65-F5344CB8AC3E}">
+        <p14:creationId xmlns:p14="http://schemas.microsoft.com/office/powerpoint/2010/main" val="1816410755"/>
+      </p:ext>
+    </p:extLst>
+  </p:cSld>
+  <p:clrMap bg1="lt1" tx1="dk1" bg2="lt2" tx2="dk2" accent1="accent1" accent2="accent2" accent3="accent3" accent4="accent4" accent5="accent5" accent6="accent6" hlink="hlink" folHlink="folHlink"/>
+  <p:notesStyle>
+    <a:lvl1pPr marL="0" algn="l" defTabSz="914400" rtl="0" eaLnBrk="1" latinLnBrk="0" hangingPunct="1">
+      <a:defRPr sz="1200" kern="1200">
+        <a:solidFill>
+          <a:schemeClr val="tx1"/>
+        </a:solidFill>
+        <a:latin typeface="+mn-lt"/>
+        <a:ea typeface="+mn-ea"/>
+        <a:cs typeface="+mn-cs"/>
+      </a:defRPr>
+    </a:lvl1pPr>
+    <a:lvl2pPr marL="457200" algn="l" defTabSz="914400" rtl="0" eaLnBrk="1" latinLnBrk="0" hangingPunct="1">
+      <a:defRPr sz="1200" kern="1200">
+        <a:solidFill>
+          <a:schemeClr val="tx1"/>
+        </a:solidFill>
+        <a:latin typeface="+mn-lt"/>
+        <a:ea typeface="+mn-ea"/>
+        <a:cs typeface="+mn-cs"/>
+      </a:defRPr>
+    </a:lvl2pPr>
+    <a:lvl3pPr marL="914400" algn="l" defTabSz="914400" rtl="0" eaLnBrk="1" latinLnBrk="0" hangingPunct="1">
+      <a:defRPr sz="1200" kern="1200">
+        <a:solidFill>
+          <a:schemeClr val="tx1"/>
+        </a:solidFill>
+        <a:latin typeface="+mn-lt"/>
+        <a:ea typeface="+mn-ea"/>
+        <a:cs typeface="+mn-cs"/>
+      </a:defRPr>
+    </a:lvl3pPr>
+    <a:lvl4pPr marL="1371600" algn="l" defTabSz="914400" rtl="0" eaLnBrk="1" latinLnBrk="0" hangingPunct="1">
+      <a:defRPr sz="1200" kern="1200">
+        <a:solidFill>
+          <a:schemeClr val="tx1"/>
+        </a:solidFill>
+        <a:latin typeface="+mn-lt"/>
+        <a:ea typeface="+mn-ea"/>
+        <a:cs typeface="+mn-cs"/>
+      </a:defRPr>
+    </a:lvl4pPr>
+    <a:lvl5pPr marL="1828800" algn="l" defTabSz="914400" rtl="0" eaLnBrk="1" latinLnBrk="0" hangingPunct="1">
+      <a:defRPr sz="1200" kern="1200">
+        <a:solidFill>
+          <a:schemeClr val="tx1"/>
+        </a:solidFill>
+        <a:latin typeface="+mn-lt"/>
+        <a:ea typeface="+mn-ea"/>
+        <a:cs typeface="+mn-cs"/>
+      </a:defRPr>
+    </a:lvl5pPr>
+    <a:lvl6pPr marL="2286000" algn="l" defTabSz="914400" rtl="0" eaLnBrk="1" latinLnBrk="0" hangingPunct="1">
+      <a:defRPr sz="1200" kern="1200">
+        <a:solidFill>
+          <a:schemeClr val="tx1"/>
+        </a:solidFill>
+        <a:latin typeface="+mn-lt"/>
+        <a:ea typeface="+mn-ea"/>
+        <a:cs typeface="+mn-cs"/>
+      </a:defRPr>
+    </a:lvl6pPr>
+    <a:lvl7pPr marL="2743200" algn="l" defTabSz="914400" rtl="0" eaLnBrk="1" latinLnBrk="0" hangingPunct="1">
+      <a:defRPr sz="1200" kern="1200">
+        <a:solidFill>
+          <a:schemeClr val="tx1"/>
+        </a:solidFill>
+        <a:latin typeface="+mn-lt"/>
+        <a:ea typeface="+mn-ea"/>
+        <a:cs typeface="+mn-cs"/>
+      </a:defRPr>
+    </a:lvl7pPr>
+    <a:lvl8pPr marL="3200400" algn="l" defTabSz="914400" rtl="0" eaLnBrk="1" latinLnBrk="0" hangingPunct="1">
+      <a:defRPr sz="1200" kern="1200">
+        <a:solidFill>
+          <a:schemeClr val="tx1"/>
+        </a:solidFill>
+        <a:latin typeface="+mn-lt"/>
+        <a:ea typeface="+mn-ea"/>
+        <a:cs typeface="+mn-cs"/>
+      </a:defRPr>
+    </a:lvl8pPr>
+    <a:lvl9pPr marL="3657600" algn="l" defTabSz="914400" rtl="0" eaLnBrk="1" latinLnBrk="0" hangingPunct="1">
+      <a:defRPr sz="1200" kern="1200">
+        <a:solidFill>
+          <a:schemeClr val="tx1"/>
+        </a:solidFill>
+        <a:latin typeface="+mn-lt"/>
+        <a:ea typeface="+mn-ea"/>
+        <a:cs typeface="+mn-cs"/>
+      </a:defRPr>
+    </a:lvl9pPr>
+  </p:notesStyle>
+</p:notesMaster>
+</file>
+
+<file path=ppt/notesSlides/notesSlide1.xml><?xml version="1.0" encoding="utf-8"?>
+<p:notes xmlns:a="http://schemas.openxmlformats.org/drawingml/2006/main" xmlns:r="http://schemas.openxmlformats.org/officeDocument/2006/relationships" xmlns:p="http://schemas.openxmlformats.org/presentationml/2006/main">
+  <p:cSld>
+    <p:spTree>
+      <p:nvGrpSpPr>
+        <p:cNvPr id="1" name=""/>
+        <p:cNvGrpSpPr/>
+        <p:nvPr/>
+      </p:nvGrpSpPr>
+      <p:grpSpPr>
+        <a:xfrm>
+          <a:off x="0" y="0"/>
+          <a:ext cx="0" cy="0"/>
+          <a:chOff x="0" y="0"/>
+          <a:chExt cx="0" cy="0"/>
+        </a:xfrm>
+      </p:grpSpPr>
+      <p:sp>
+        <p:nvSpPr>
+          <p:cNvPr id="2" name="Slide Image Placeholder 1"/>
+          <p:cNvSpPr>
+            <a:spLocks noGrp="1" noRot="1" noChangeAspect="1"/>
+          </p:cNvSpPr>
+          <p:nvPr>
+            <p:ph type="sldImg"/>
+          </p:nvPr>
+        </p:nvSpPr>
+        <p:spPr/>
+      </p:sp>
+      <p:sp>
+        <p:nvSpPr>
+          <p:cNvPr id="3" name="Notes Placeholder 2"/>
+          <p:cNvSpPr>
+            <a:spLocks noGrp="1"/>
+          </p:cNvSpPr>
+          <p:nvPr>
+            <p:ph type="body" idx="1"/>
+          </p:nvPr>
+        </p:nvSpPr>
+        <p:spPr/>
+        <p:txBody>
+          <a:bodyPr/>
+          <a:lstStyle/>
+          <a:p>
+            <a:endParaRPr lang="en-SG" dirty="0"/>
+          </a:p>
+        </p:txBody>
+      </p:sp>
+      <p:sp>
+        <p:nvSpPr>
+          <p:cNvPr id="4" name="Slide Number Placeholder 3"/>
+          <p:cNvSpPr>
+            <a:spLocks noGrp="1"/>
+          </p:cNvSpPr>
+          <p:nvPr>
+            <p:ph type="sldNum" sz="quarter" idx="5"/>
+          </p:nvPr>
+        </p:nvSpPr>
+        <p:spPr/>
+        <p:txBody>
+          <a:bodyPr/>
+          <a:lstStyle/>
+          <a:p>
+            <a:fld id="{0619E7A7-CE71-44B2-90E3-D9C359A51CC5}" type="slidenum">
+              <a:rPr lang="en-SG" smtClean="0"/>
+              <a:t>2</a:t>
+            </a:fld>
+            <a:endParaRPr lang="en-SG"/>
+          </a:p>
+        </p:txBody>
+      </p:sp>
+    </p:spTree>
+    <p:extLst>
+      <p:ext uri="{BB962C8B-B14F-4D97-AF65-F5344CB8AC3E}">
+        <p14:creationId xmlns:p14="http://schemas.microsoft.com/office/powerpoint/2010/main" val="1961498462"/>
+      </p:ext>
+    </p:extLst>
+  </p:cSld>
+  <p:clrMapOvr>
+    <a:masterClrMapping/>
+  </p:clrMapOvr>
+</p:notes>
 </file>
 
 <file path=ppt/slideLayouts/slideLayout1.xml><?xml version="1.0" encoding="utf-8"?>
@@ -3533,7 +3974,7 @@
           <p:nvPr/>
         </p:nvPicPr>
         <p:blipFill rotWithShape="1">
-          <a:blip r:embed="rId2">
+          <a:blip r:embed="rId3">
             <a:alphaModFix amt="70000"/>
             <a:extLst>
               <a:ext uri="{28A0092B-C50C-407E-A947-70E740481C1C}">
@@ -3579,7 +4020,7 @@
           <p:nvPr/>
         </p:nvPicPr>
         <p:blipFill rotWithShape="1">
-          <a:blip r:embed="rId2">
+          <a:blip r:embed="rId3">
             <a:alphaModFix amt="70000"/>
             <a:extLst>
               <a:ext uri="{28A0092B-C50C-407E-A947-70E740481C1C}">
@@ -3851,10 +4292,10 @@
           <p:nvPr/>
         </p:nvPicPr>
         <p:blipFill>
-          <a:blip r:embed="rId3">
+          <a:blip r:embed="rId4">
             <a:extLst>
               <a:ext uri="{96DAC541-7B7A-43D3-8B79-37D633B846F1}">
-                <asvg:svgBlip xmlns:asvg="http://schemas.microsoft.com/office/drawing/2016/SVG/main" r:embed="rId4"/>
+                <asvg:svgBlip xmlns:asvg="http://schemas.microsoft.com/office/drawing/2016/SVG/main" r:embed="rId5"/>
               </a:ext>
             </a:extLst>
           </a:blip>
@@ -3887,10 +4328,10 @@
           <p:nvPr/>
         </p:nvPicPr>
         <p:blipFill>
-          <a:blip r:embed="rId5">
+          <a:blip r:embed="rId6">
             <a:extLst>
               <a:ext uri="{96DAC541-7B7A-43D3-8B79-37D633B846F1}">
-                <asvg:svgBlip xmlns:asvg="http://schemas.microsoft.com/office/drawing/2016/SVG/main" r:embed="rId6"/>
+                <asvg:svgBlip xmlns:asvg="http://schemas.microsoft.com/office/drawing/2016/SVG/main" r:embed="rId7"/>
               </a:ext>
             </a:extLst>
           </a:blip>
@@ -3923,10 +4364,10 @@
           <p:nvPr/>
         </p:nvPicPr>
         <p:blipFill>
-          <a:blip r:embed="rId5">
+          <a:blip r:embed="rId6">
             <a:extLst>
               <a:ext uri="{96DAC541-7B7A-43D3-8B79-37D633B846F1}">
-                <asvg:svgBlip xmlns:asvg="http://schemas.microsoft.com/office/drawing/2016/SVG/main" r:embed="rId6"/>
+                <asvg:svgBlip xmlns:asvg="http://schemas.microsoft.com/office/drawing/2016/SVG/main" r:embed="rId7"/>
               </a:ext>
             </a:extLst>
           </a:blip>
@@ -3959,10 +4400,10 @@
           <p:nvPr/>
         </p:nvPicPr>
         <p:blipFill>
-          <a:blip r:embed="rId3">
+          <a:blip r:embed="rId4">
             <a:extLst>
               <a:ext uri="{96DAC541-7B7A-43D3-8B79-37D633B846F1}">
-                <asvg:svgBlip xmlns:asvg="http://schemas.microsoft.com/office/drawing/2016/SVG/main" r:embed="rId4"/>
+                <asvg:svgBlip xmlns:asvg="http://schemas.microsoft.com/office/drawing/2016/SVG/main" r:embed="rId5"/>
               </a:ext>
             </a:extLst>
           </a:blip>
@@ -4853,7 +5294,96 @@
         </p:nvSpPr>
         <p:spPr>
           <a:xfrm>
-            <a:off x="1840619" y="2480028"/>
+            <a:off x="1840618" y="2480028"/>
+            <a:ext cx="1210423" cy="276999"/>
+          </a:xfrm>
+          <a:prstGeom prst="rect">
+            <a:avLst/>
+          </a:prstGeom>
+          <a:noFill/>
+        </p:spPr>
+        <p:txBody>
+          <a:bodyPr wrap="square">
+            <a:spAutoFit/>
+          </a:bodyPr>
+          <a:lstStyle/>
+          <a:p>
+            <a:r>
+              <a:rPr lang="en-US" sz="1200" b="1" dirty="0">
+                <a:solidFill>
+                  <a:srgbClr val="C00000"/>
+                </a:solidFill>
+              </a:rPr>
+              <a:t>Locked Block</a:t>
+            </a:r>
+            <a:endParaRPr lang="en-SG" sz="1200" b="1" dirty="0">
+              <a:solidFill>
+                <a:srgbClr val="C00000"/>
+              </a:solidFill>
+            </a:endParaRPr>
+          </a:p>
+        </p:txBody>
+      </p:sp>
+      <p:cxnSp>
+        <p:nvCxnSpPr>
+          <p:cNvPr id="44" name="Straight Arrow Connector 43">
+            <a:extLst>
+              <a:ext uri="{FF2B5EF4-FFF2-40B4-BE49-F238E27FC236}">
+                <a16:creationId xmlns:a16="http://schemas.microsoft.com/office/drawing/2014/main" id="{FD525425-020A-0273-2AAB-801D40E5A2B7}"/>
+              </a:ext>
+            </a:extLst>
+          </p:cNvPr>
+          <p:cNvCxnSpPr>
+            <a:cxnSpLocks/>
+          </p:cNvCxnSpPr>
+          <p:nvPr/>
+        </p:nvCxnSpPr>
+        <p:spPr>
+          <a:xfrm>
+            <a:off x="8249411" y="2493264"/>
+            <a:ext cx="2855810" cy="0"/>
+          </a:xfrm>
+          <a:prstGeom prst="straightConnector1">
+            <a:avLst/>
+          </a:prstGeom>
+          <a:ln>
+            <a:solidFill>
+              <a:srgbClr val="C00000"/>
+            </a:solidFill>
+            <a:headEnd type="triangle"/>
+            <a:tailEnd type="triangle"/>
+          </a:ln>
+        </p:spPr>
+        <p:style>
+          <a:lnRef idx="2">
+            <a:schemeClr val="accent1"/>
+          </a:lnRef>
+          <a:fillRef idx="0">
+            <a:schemeClr val="accent1"/>
+          </a:fillRef>
+          <a:effectRef idx="1">
+            <a:schemeClr val="accent1"/>
+          </a:effectRef>
+          <a:fontRef idx="minor">
+            <a:schemeClr val="tx1"/>
+          </a:fontRef>
+        </p:style>
+      </p:cxnSp>
+      <p:sp>
+        <p:nvSpPr>
+          <p:cNvPr id="46" name="TextBox 45">
+            <a:extLst>
+              <a:ext uri="{FF2B5EF4-FFF2-40B4-BE49-F238E27FC236}">
+                <a16:creationId xmlns:a16="http://schemas.microsoft.com/office/drawing/2014/main" id="{29051C4A-B08B-85B7-89A2-BB66A6A3621F}"/>
+              </a:ext>
+            </a:extLst>
+          </p:cNvPr>
+          <p:cNvSpPr txBox="1"/>
+          <p:nvPr/>
+        </p:nvSpPr>
+        <p:spPr>
+          <a:xfrm>
+            <a:off x="9434709" y="2476340"/>
             <a:ext cx="916672" cy="276999"/>
           </a:xfrm>
           <a:prstGeom prst="rect">
@@ -4883,57 +5413,12 @@
           </a:p>
         </p:txBody>
       </p:sp>
-      <p:cxnSp>
-        <p:nvCxnSpPr>
-          <p:cNvPr id="44" name="Straight Arrow Connector 43">
-            <a:extLst>
-              <a:ext uri="{FF2B5EF4-FFF2-40B4-BE49-F238E27FC236}">
-                <a16:creationId xmlns:a16="http://schemas.microsoft.com/office/drawing/2014/main" id="{FD525425-020A-0273-2AAB-801D40E5A2B7}"/>
-              </a:ext>
-            </a:extLst>
-          </p:cNvPr>
-          <p:cNvCxnSpPr>
-            <a:cxnSpLocks/>
-          </p:cNvCxnSpPr>
-          <p:nvPr/>
-        </p:nvCxnSpPr>
-        <p:spPr>
-          <a:xfrm>
-            <a:off x="8249411" y="2493264"/>
-            <a:ext cx="2855810" cy="0"/>
-          </a:xfrm>
-          <a:prstGeom prst="straightConnector1">
-            <a:avLst/>
-          </a:prstGeom>
-          <a:ln>
-            <a:solidFill>
-              <a:srgbClr val="C00000"/>
-            </a:solidFill>
-            <a:headEnd type="triangle"/>
-            <a:tailEnd type="triangle"/>
-          </a:ln>
-        </p:spPr>
-        <p:style>
-          <a:lnRef idx="2">
-            <a:schemeClr val="accent1"/>
-          </a:lnRef>
-          <a:fillRef idx="0">
-            <a:schemeClr val="accent1"/>
-          </a:fillRef>
-          <a:effectRef idx="1">
-            <a:schemeClr val="accent1"/>
-          </a:effectRef>
-          <a:fontRef idx="minor">
-            <a:schemeClr val="tx1"/>
-          </a:fontRef>
-        </p:style>
-      </p:cxnSp>
-      <p:sp>
-        <p:nvSpPr>
-          <p:cNvPr id="46" name="TextBox 45">
-            <a:extLst>
-              <a:ext uri="{FF2B5EF4-FFF2-40B4-BE49-F238E27FC236}">
-                <a16:creationId xmlns:a16="http://schemas.microsoft.com/office/drawing/2014/main" id="{29051C4A-B08B-85B7-89A2-BB66A6A3621F}"/>
+      <p:sp>
+        <p:nvSpPr>
+          <p:cNvPr id="47" name="TextBox 46">
+            <a:extLst>
+              <a:ext uri="{FF2B5EF4-FFF2-40B4-BE49-F238E27FC236}">
+                <a16:creationId xmlns:a16="http://schemas.microsoft.com/office/drawing/2014/main" id="{A5DFA9F1-0E39-1A72-8BF3-CA253E50DE08}"/>
               </a:ext>
             </a:extLst>
           </p:cNvPr>
@@ -4942,52 +5427,8 @@
         </p:nvSpPr>
         <p:spPr>
           <a:xfrm>
-            <a:off x="9434709" y="2476340"/>
-            <a:ext cx="916672" cy="276999"/>
-          </a:xfrm>
-          <a:prstGeom prst="rect">
-            <a:avLst/>
-          </a:prstGeom>
-          <a:noFill/>
-        </p:spPr>
-        <p:txBody>
-          <a:bodyPr wrap="square">
-            <a:spAutoFit/>
-          </a:bodyPr>
-          <a:lstStyle/>
-          <a:p>
-            <a:r>
-              <a:rPr lang="en-US" sz="1200" b="1" dirty="0">
-                <a:solidFill>
-                  <a:srgbClr val="C00000"/>
-                </a:solidFill>
-              </a:rPr>
-              <a:t>Block</a:t>
-            </a:r>
-            <a:endParaRPr lang="en-SG" sz="1200" b="1" dirty="0">
-              <a:solidFill>
-                <a:srgbClr val="C00000"/>
-              </a:solidFill>
-            </a:endParaRPr>
-          </a:p>
-        </p:txBody>
-      </p:sp>
-      <p:sp>
-        <p:nvSpPr>
-          <p:cNvPr id="47" name="TextBox 46">
-            <a:extLst>
-              <a:ext uri="{FF2B5EF4-FFF2-40B4-BE49-F238E27FC236}">
-                <a16:creationId xmlns:a16="http://schemas.microsoft.com/office/drawing/2014/main" id="{A5DFA9F1-0E39-1A72-8BF3-CA253E50DE08}"/>
-              </a:ext>
-            </a:extLst>
-          </p:cNvPr>
-          <p:cNvSpPr txBox="1"/>
-          <p:nvPr/>
-        </p:nvSpPr>
-        <p:spPr>
-          <a:xfrm>
             <a:off x="4393318" y="2493264"/>
-            <a:ext cx="619492" cy="276999"/>
+            <a:ext cx="952866" cy="276999"/>
           </a:xfrm>
           <a:prstGeom prst="rect">
             <a:avLst/>
@@ -5008,7 +5449,7 @@
                   </a:schemeClr>
                 </a:solidFill>
               </a:rPr>
-              <a:t>Block</a:t>
+              <a:t>Free Block</a:t>
             </a:r>
             <a:endParaRPr lang="en-SG" sz="1200" b="1" dirty="0">
               <a:solidFill>
@@ -5034,8 +5475,8 @@
         </p:nvSpPr>
         <p:spPr>
           <a:xfrm>
-            <a:off x="6721991" y="2480027"/>
-            <a:ext cx="619492" cy="276999"/>
+            <a:off x="6721990" y="2480027"/>
+            <a:ext cx="975169" cy="276999"/>
           </a:xfrm>
           <a:prstGeom prst="rect">
             <a:avLst/>
@@ -5056,7 +5497,7 @@
                   </a:schemeClr>
                 </a:solidFill>
               </a:rPr>
-              <a:t>Block</a:t>
+              <a:t>Free Block</a:t>
             </a:r>
             <a:endParaRPr lang="en-SG" sz="1200" b="1" dirty="0">
               <a:solidFill>
@@ -5335,10 +5776,5736 @@
           </a:p>
         </p:txBody>
       </p:sp>
+      <p:pic>
+        <p:nvPicPr>
+          <p:cNvPr id="64" name="Picture 63">
+            <a:extLst>
+              <a:ext uri="{FF2B5EF4-FFF2-40B4-BE49-F238E27FC236}">
+                <a16:creationId xmlns:a16="http://schemas.microsoft.com/office/drawing/2014/main" id="{468741E8-1C96-B8BD-563F-CF411801F7C7}"/>
+              </a:ext>
+            </a:extLst>
+          </p:cNvPr>
+          <p:cNvPicPr>
+            <a:picLocks noChangeAspect="1"/>
+          </p:cNvPicPr>
+          <p:nvPr/>
+        </p:nvPicPr>
+        <p:blipFill>
+          <a:blip r:embed="rId8"/>
+          <a:stretch>
+            <a:fillRect/>
+          </a:stretch>
+        </p:blipFill>
+        <p:spPr>
+          <a:xfrm>
+            <a:off x="832630" y="3022967"/>
+            <a:ext cx="10552381" cy="1361905"/>
+          </a:xfrm>
+          <a:prstGeom prst="rect">
+            <a:avLst/>
+          </a:prstGeom>
+        </p:spPr>
+      </p:pic>
+      <p:cxnSp>
+        <p:nvCxnSpPr>
+          <p:cNvPr id="66" name="Straight Arrow Connector 65">
+            <a:extLst>
+              <a:ext uri="{FF2B5EF4-FFF2-40B4-BE49-F238E27FC236}">
+                <a16:creationId xmlns:a16="http://schemas.microsoft.com/office/drawing/2014/main" id="{8EE297E6-27DD-0B8B-761A-94267B7DC232}"/>
+              </a:ext>
+            </a:extLst>
+          </p:cNvPr>
+          <p:cNvCxnSpPr>
+            <a:cxnSpLocks/>
+          </p:cNvCxnSpPr>
+          <p:nvPr/>
+        </p:nvCxnSpPr>
+        <p:spPr>
+          <a:xfrm flipV="1">
+            <a:off x="3234956" y="4024913"/>
+            <a:ext cx="0" cy="464791"/>
+          </a:xfrm>
+          <a:prstGeom prst="straightConnector1">
+            <a:avLst/>
+          </a:prstGeom>
+          <a:ln>
+            <a:solidFill>
+              <a:schemeClr val="bg1">
+                <a:lumMod val="65000"/>
+              </a:schemeClr>
+            </a:solidFill>
+            <a:tailEnd type="triangle"/>
+          </a:ln>
+        </p:spPr>
+        <p:style>
+          <a:lnRef idx="2">
+            <a:schemeClr val="accent1"/>
+          </a:lnRef>
+          <a:fillRef idx="0">
+            <a:schemeClr val="accent1"/>
+          </a:fillRef>
+          <a:effectRef idx="1">
+            <a:schemeClr val="accent1"/>
+          </a:effectRef>
+          <a:fontRef idx="minor">
+            <a:schemeClr val="tx1"/>
+          </a:fontRef>
+        </p:style>
+      </p:cxnSp>
+      <p:sp>
+        <p:nvSpPr>
+          <p:cNvPr id="72" name="TextBox 71">
+            <a:extLst>
+              <a:ext uri="{FF2B5EF4-FFF2-40B4-BE49-F238E27FC236}">
+                <a16:creationId xmlns:a16="http://schemas.microsoft.com/office/drawing/2014/main" id="{0E90806F-5053-50D7-363E-F2371B4E3F13}"/>
+              </a:ext>
+            </a:extLst>
+          </p:cNvPr>
+          <p:cNvSpPr txBox="1"/>
+          <p:nvPr/>
+        </p:nvSpPr>
+        <p:spPr>
+          <a:xfrm>
+            <a:off x="2391558" y="4489704"/>
+            <a:ext cx="1669564" cy="261610"/>
+          </a:xfrm>
+          <a:prstGeom prst="rect">
+            <a:avLst/>
+          </a:prstGeom>
+          <a:noFill/>
+        </p:spPr>
+        <p:txBody>
+          <a:bodyPr wrap="square">
+            <a:spAutoFit/>
+          </a:bodyPr>
+          <a:lstStyle/>
+          <a:p>
+            <a:r>
+              <a:rPr lang="en-US" sz="1100" b="1" dirty="0"/>
+              <a:t>Train Detection Sensor</a:t>
+            </a:r>
+            <a:endParaRPr lang="en-SG" sz="1100" b="1" dirty="0"/>
+          </a:p>
+        </p:txBody>
+      </p:sp>
+      <p:sp>
+        <p:nvSpPr>
+          <p:cNvPr id="73" name="Rectangle 72">
+            <a:extLst>
+              <a:ext uri="{FF2B5EF4-FFF2-40B4-BE49-F238E27FC236}">
+                <a16:creationId xmlns:a16="http://schemas.microsoft.com/office/drawing/2014/main" id="{BB1DBF57-0DED-35B9-7390-BDCA27389D9A}"/>
+              </a:ext>
+            </a:extLst>
+          </p:cNvPr>
+          <p:cNvSpPr/>
+          <p:nvPr/>
+        </p:nvSpPr>
+        <p:spPr>
+          <a:xfrm>
+            <a:off x="3883219" y="3703919"/>
+            <a:ext cx="990533" cy="255433"/>
+          </a:xfrm>
+          <a:prstGeom prst="rect">
+            <a:avLst/>
+          </a:prstGeom>
+          <a:noFill/>
+          <a:ln>
+            <a:solidFill>
+              <a:schemeClr val="bg1">
+                <a:lumMod val="85000"/>
+              </a:schemeClr>
+            </a:solidFill>
+            <a:prstDash val="sysDash"/>
+          </a:ln>
+        </p:spPr>
+        <p:style>
+          <a:lnRef idx="2">
+            <a:schemeClr val="accent1">
+              <a:shade val="15000"/>
+            </a:schemeClr>
+          </a:lnRef>
+          <a:fillRef idx="1">
+            <a:schemeClr val="accent1"/>
+          </a:fillRef>
+          <a:effectRef idx="0">
+            <a:schemeClr val="accent1"/>
+          </a:effectRef>
+          <a:fontRef idx="minor">
+            <a:schemeClr val="lt1"/>
+          </a:fontRef>
+        </p:style>
+        <p:txBody>
+          <a:bodyPr rtlCol="0" anchor="ctr"/>
+          <a:lstStyle/>
+          <a:p>
+            <a:pPr algn="ctr"/>
+            <a:endParaRPr lang="en-SG" dirty="0"/>
+          </a:p>
+        </p:txBody>
+      </p:sp>
+      <p:cxnSp>
+        <p:nvCxnSpPr>
+          <p:cNvPr id="74" name="Straight Arrow Connector 73">
+            <a:extLst>
+              <a:ext uri="{FF2B5EF4-FFF2-40B4-BE49-F238E27FC236}">
+                <a16:creationId xmlns:a16="http://schemas.microsoft.com/office/drawing/2014/main" id="{9E472CC7-0868-0C59-92A2-379FD00745E2}"/>
+              </a:ext>
+            </a:extLst>
+          </p:cNvPr>
+          <p:cNvCxnSpPr>
+            <a:cxnSpLocks/>
+          </p:cNvCxnSpPr>
+          <p:nvPr/>
+        </p:nvCxnSpPr>
+        <p:spPr>
+          <a:xfrm flipV="1">
+            <a:off x="4393318" y="4024913"/>
+            <a:ext cx="0" cy="464791"/>
+          </a:xfrm>
+          <a:prstGeom prst="straightConnector1">
+            <a:avLst/>
+          </a:prstGeom>
+          <a:ln>
+            <a:solidFill>
+              <a:schemeClr val="bg1">
+                <a:lumMod val="65000"/>
+              </a:schemeClr>
+            </a:solidFill>
+            <a:tailEnd type="triangle"/>
+          </a:ln>
+        </p:spPr>
+        <p:style>
+          <a:lnRef idx="2">
+            <a:schemeClr val="accent1"/>
+          </a:lnRef>
+          <a:fillRef idx="0">
+            <a:schemeClr val="accent1"/>
+          </a:fillRef>
+          <a:effectRef idx="1">
+            <a:schemeClr val="accent1"/>
+          </a:effectRef>
+          <a:fontRef idx="minor">
+            <a:schemeClr val="tx1"/>
+          </a:fontRef>
+        </p:style>
+      </p:cxnSp>
+      <p:sp>
+        <p:nvSpPr>
+          <p:cNvPr id="75" name="Rectangle 74">
+            <a:extLst>
+              <a:ext uri="{FF2B5EF4-FFF2-40B4-BE49-F238E27FC236}">
+                <a16:creationId xmlns:a16="http://schemas.microsoft.com/office/drawing/2014/main" id="{45B1F7BE-A04D-A029-38E3-5438C408D4A9}"/>
+              </a:ext>
+            </a:extLst>
+          </p:cNvPr>
+          <p:cNvSpPr/>
+          <p:nvPr/>
+        </p:nvSpPr>
+        <p:spPr>
+          <a:xfrm>
+            <a:off x="8444176" y="3703919"/>
+            <a:ext cx="1147880" cy="255433"/>
+          </a:xfrm>
+          <a:prstGeom prst="rect">
+            <a:avLst/>
+          </a:prstGeom>
+          <a:noFill/>
+          <a:ln>
+            <a:solidFill>
+              <a:schemeClr val="bg1">
+                <a:lumMod val="85000"/>
+              </a:schemeClr>
+            </a:solidFill>
+            <a:prstDash val="sysDash"/>
+          </a:ln>
+        </p:spPr>
+        <p:style>
+          <a:lnRef idx="2">
+            <a:schemeClr val="accent1">
+              <a:shade val="15000"/>
+            </a:schemeClr>
+          </a:lnRef>
+          <a:fillRef idx="1">
+            <a:schemeClr val="accent1"/>
+          </a:fillRef>
+          <a:effectRef idx="0">
+            <a:schemeClr val="accent1"/>
+          </a:effectRef>
+          <a:fontRef idx="minor">
+            <a:schemeClr val="lt1"/>
+          </a:fontRef>
+        </p:style>
+        <p:txBody>
+          <a:bodyPr rtlCol="0" anchor="ctr"/>
+          <a:lstStyle/>
+          <a:p>
+            <a:pPr algn="ctr"/>
+            <a:endParaRPr lang="en-SG" dirty="0"/>
+          </a:p>
+        </p:txBody>
+      </p:sp>
+      <p:sp>
+        <p:nvSpPr>
+          <p:cNvPr id="76" name="Rectangle 75">
+            <a:extLst>
+              <a:ext uri="{FF2B5EF4-FFF2-40B4-BE49-F238E27FC236}">
+                <a16:creationId xmlns:a16="http://schemas.microsoft.com/office/drawing/2014/main" id="{A7F9EB25-8617-8139-BBD3-CC238D938DA6}"/>
+              </a:ext>
+            </a:extLst>
+          </p:cNvPr>
+          <p:cNvSpPr/>
+          <p:nvPr/>
+        </p:nvSpPr>
+        <p:spPr>
+          <a:xfrm>
+            <a:off x="5070668" y="3703919"/>
+            <a:ext cx="796732" cy="255433"/>
+          </a:xfrm>
+          <a:prstGeom prst="rect">
+            <a:avLst/>
+          </a:prstGeom>
+          <a:noFill/>
+          <a:ln>
+            <a:solidFill>
+              <a:schemeClr val="bg1">
+                <a:lumMod val="85000"/>
+              </a:schemeClr>
+            </a:solidFill>
+            <a:prstDash val="sysDash"/>
+          </a:ln>
+        </p:spPr>
+        <p:style>
+          <a:lnRef idx="2">
+            <a:schemeClr val="accent1">
+              <a:shade val="15000"/>
+            </a:schemeClr>
+          </a:lnRef>
+          <a:fillRef idx="1">
+            <a:schemeClr val="accent1"/>
+          </a:fillRef>
+          <a:effectRef idx="0">
+            <a:schemeClr val="accent1"/>
+          </a:effectRef>
+          <a:fontRef idx="minor">
+            <a:schemeClr val="lt1"/>
+          </a:fontRef>
+        </p:style>
+        <p:txBody>
+          <a:bodyPr rtlCol="0" anchor="ctr"/>
+          <a:lstStyle/>
+          <a:p>
+            <a:pPr algn="ctr"/>
+            <a:endParaRPr lang="en-SG" dirty="0"/>
+          </a:p>
+        </p:txBody>
+      </p:sp>
+      <p:sp>
+        <p:nvSpPr>
+          <p:cNvPr id="77" name="TextBox 76">
+            <a:extLst>
+              <a:ext uri="{FF2B5EF4-FFF2-40B4-BE49-F238E27FC236}">
+                <a16:creationId xmlns:a16="http://schemas.microsoft.com/office/drawing/2014/main" id="{8BC4BE24-901A-4F19-39C8-7CED698B2530}"/>
+              </a:ext>
+            </a:extLst>
+          </p:cNvPr>
+          <p:cNvSpPr txBox="1"/>
+          <p:nvPr/>
+        </p:nvSpPr>
+        <p:spPr>
+          <a:xfrm>
+            <a:off x="4029118" y="4489704"/>
+            <a:ext cx="1041545" cy="261610"/>
+          </a:xfrm>
+          <a:prstGeom prst="rect">
+            <a:avLst/>
+          </a:prstGeom>
+          <a:noFill/>
+        </p:spPr>
+        <p:txBody>
+          <a:bodyPr wrap="square">
+            <a:spAutoFit/>
+          </a:bodyPr>
+          <a:lstStyle/>
+          <a:p>
+            <a:r>
+              <a:rPr lang="en-US" sz="1100" b="1" dirty="0"/>
+              <a:t>Locked block</a:t>
+            </a:r>
+            <a:endParaRPr lang="en-SG" sz="1100" b="1" dirty="0"/>
+          </a:p>
+        </p:txBody>
+      </p:sp>
+      <p:cxnSp>
+        <p:nvCxnSpPr>
+          <p:cNvPr id="78" name="Straight Arrow Connector 77">
+            <a:extLst>
+              <a:ext uri="{FF2B5EF4-FFF2-40B4-BE49-F238E27FC236}">
+                <a16:creationId xmlns:a16="http://schemas.microsoft.com/office/drawing/2014/main" id="{99023641-9559-2548-5828-44BF633246A1}"/>
+              </a:ext>
+            </a:extLst>
+          </p:cNvPr>
+          <p:cNvCxnSpPr>
+            <a:cxnSpLocks/>
+          </p:cNvCxnSpPr>
+          <p:nvPr/>
+        </p:nvCxnSpPr>
+        <p:spPr>
+          <a:xfrm flipV="1">
+            <a:off x="5807069" y="4024913"/>
+            <a:ext cx="0" cy="464791"/>
+          </a:xfrm>
+          <a:prstGeom prst="straightConnector1">
+            <a:avLst/>
+          </a:prstGeom>
+          <a:ln>
+            <a:solidFill>
+              <a:schemeClr val="bg1">
+                <a:lumMod val="65000"/>
+              </a:schemeClr>
+            </a:solidFill>
+            <a:tailEnd type="triangle"/>
+          </a:ln>
+        </p:spPr>
+        <p:style>
+          <a:lnRef idx="2">
+            <a:schemeClr val="accent1"/>
+          </a:lnRef>
+          <a:fillRef idx="0">
+            <a:schemeClr val="accent1"/>
+          </a:fillRef>
+          <a:effectRef idx="1">
+            <a:schemeClr val="accent1"/>
+          </a:effectRef>
+          <a:fontRef idx="minor">
+            <a:schemeClr val="tx1"/>
+          </a:fontRef>
+        </p:style>
+      </p:cxnSp>
+      <p:sp>
+        <p:nvSpPr>
+          <p:cNvPr id="79" name="TextBox 78">
+            <a:extLst>
+              <a:ext uri="{FF2B5EF4-FFF2-40B4-BE49-F238E27FC236}">
+                <a16:creationId xmlns:a16="http://schemas.microsoft.com/office/drawing/2014/main" id="{883A1E93-D331-F98C-A6A4-FBE04C057BFD}"/>
+              </a:ext>
+            </a:extLst>
+          </p:cNvPr>
+          <p:cNvSpPr txBox="1"/>
+          <p:nvPr/>
+        </p:nvSpPr>
+        <p:spPr>
+          <a:xfrm>
+            <a:off x="5527820" y="4514626"/>
+            <a:ext cx="951688" cy="261610"/>
+          </a:xfrm>
+          <a:prstGeom prst="rect">
+            <a:avLst/>
+          </a:prstGeom>
+          <a:noFill/>
+        </p:spPr>
+        <p:txBody>
+          <a:bodyPr wrap="square">
+            <a:spAutoFit/>
+          </a:bodyPr>
+          <a:lstStyle/>
+          <a:p>
+            <a:r>
+              <a:rPr lang="en-US" sz="1100" b="1" dirty="0"/>
+              <a:t>Free block</a:t>
+            </a:r>
+            <a:endParaRPr lang="en-SG" sz="1100" b="1" dirty="0"/>
+          </a:p>
+        </p:txBody>
+      </p:sp>
+      <p:cxnSp>
+        <p:nvCxnSpPr>
+          <p:cNvPr id="80" name="Straight Arrow Connector 79">
+            <a:extLst>
+              <a:ext uri="{FF2B5EF4-FFF2-40B4-BE49-F238E27FC236}">
+                <a16:creationId xmlns:a16="http://schemas.microsoft.com/office/drawing/2014/main" id="{F0D61E25-AA3A-F86D-ACF0-6B1F13255814}"/>
+              </a:ext>
+            </a:extLst>
+          </p:cNvPr>
+          <p:cNvCxnSpPr>
+            <a:cxnSpLocks/>
+          </p:cNvCxnSpPr>
+          <p:nvPr/>
+        </p:nvCxnSpPr>
+        <p:spPr>
+          <a:xfrm flipV="1">
+            <a:off x="8634653" y="4024913"/>
+            <a:ext cx="0" cy="464791"/>
+          </a:xfrm>
+          <a:prstGeom prst="straightConnector1">
+            <a:avLst/>
+          </a:prstGeom>
+          <a:ln>
+            <a:solidFill>
+              <a:schemeClr val="bg1">
+                <a:lumMod val="65000"/>
+              </a:schemeClr>
+            </a:solidFill>
+            <a:tailEnd type="triangle"/>
+          </a:ln>
+        </p:spPr>
+        <p:style>
+          <a:lnRef idx="2">
+            <a:schemeClr val="accent1"/>
+          </a:lnRef>
+          <a:fillRef idx="0">
+            <a:schemeClr val="accent1"/>
+          </a:fillRef>
+          <a:effectRef idx="1">
+            <a:schemeClr val="accent1"/>
+          </a:effectRef>
+          <a:fontRef idx="minor">
+            <a:schemeClr val="tx1"/>
+          </a:fontRef>
+        </p:style>
+      </p:cxnSp>
+      <p:sp>
+        <p:nvSpPr>
+          <p:cNvPr id="81" name="TextBox 80">
+            <a:extLst>
+              <a:ext uri="{FF2B5EF4-FFF2-40B4-BE49-F238E27FC236}">
+                <a16:creationId xmlns:a16="http://schemas.microsoft.com/office/drawing/2014/main" id="{03CFF3E4-707F-1894-2566-58871D9F63A9}"/>
+              </a:ext>
+            </a:extLst>
+          </p:cNvPr>
+          <p:cNvSpPr txBox="1"/>
+          <p:nvPr/>
+        </p:nvSpPr>
+        <p:spPr>
+          <a:xfrm>
+            <a:off x="8316676" y="4486394"/>
+            <a:ext cx="951688" cy="261610"/>
+          </a:xfrm>
+          <a:prstGeom prst="rect">
+            <a:avLst/>
+          </a:prstGeom>
+          <a:noFill/>
+        </p:spPr>
+        <p:txBody>
+          <a:bodyPr wrap="square">
+            <a:spAutoFit/>
+          </a:bodyPr>
+          <a:lstStyle/>
+          <a:p>
+            <a:r>
+              <a:rPr lang="en-US" sz="1100" b="1" dirty="0"/>
+              <a:t>Free block</a:t>
+            </a:r>
+            <a:endParaRPr lang="en-SG" sz="1100" b="1" dirty="0"/>
+          </a:p>
+        </p:txBody>
+      </p:sp>
+      <p:cxnSp>
+        <p:nvCxnSpPr>
+          <p:cNvPr id="86" name="Straight Arrow Connector 85">
+            <a:extLst>
+              <a:ext uri="{FF2B5EF4-FFF2-40B4-BE49-F238E27FC236}">
+                <a16:creationId xmlns:a16="http://schemas.microsoft.com/office/drawing/2014/main" id="{52BA2BA1-6EED-06E6-FB59-EB3545980CFD}"/>
+              </a:ext>
+            </a:extLst>
+          </p:cNvPr>
+          <p:cNvCxnSpPr>
+            <a:cxnSpLocks/>
+          </p:cNvCxnSpPr>
+          <p:nvPr/>
+        </p:nvCxnSpPr>
+        <p:spPr>
+          <a:xfrm>
+            <a:off x="3800923" y="2977986"/>
+            <a:ext cx="0" cy="451014"/>
+          </a:xfrm>
+          <a:prstGeom prst="straightConnector1">
+            <a:avLst/>
+          </a:prstGeom>
+          <a:ln>
+            <a:solidFill>
+              <a:schemeClr val="bg1">
+                <a:lumMod val="65000"/>
+              </a:schemeClr>
+            </a:solidFill>
+            <a:tailEnd type="triangle"/>
+          </a:ln>
+        </p:spPr>
+        <p:style>
+          <a:lnRef idx="2">
+            <a:schemeClr val="accent1"/>
+          </a:lnRef>
+          <a:fillRef idx="0">
+            <a:schemeClr val="accent1"/>
+          </a:fillRef>
+          <a:effectRef idx="1">
+            <a:schemeClr val="accent1"/>
+          </a:effectRef>
+          <a:fontRef idx="minor">
+            <a:schemeClr val="tx1"/>
+          </a:fontRef>
+        </p:style>
+      </p:cxnSp>
+      <p:sp>
+        <p:nvSpPr>
+          <p:cNvPr id="90" name="TextBox 89">
+            <a:extLst>
+              <a:ext uri="{FF2B5EF4-FFF2-40B4-BE49-F238E27FC236}">
+                <a16:creationId xmlns:a16="http://schemas.microsoft.com/office/drawing/2014/main" id="{E0CA7097-A3EA-4859-2C66-F9B48CFB845E}"/>
+              </a:ext>
+            </a:extLst>
+          </p:cNvPr>
+          <p:cNvSpPr txBox="1"/>
+          <p:nvPr/>
+        </p:nvSpPr>
+        <p:spPr>
+          <a:xfrm>
+            <a:off x="2288709" y="2754172"/>
+            <a:ext cx="1875261" cy="261610"/>
+          </a:xfrm>
+          <a:prstGeom prst="rect">
+            <a:avLst/>
+          </a:prstGeom>
+          <a:noFill/>
+        </p:spPr>
+        <p:txBody>
+          <a:bodyPr wrap="square">
+            <a:spAutoFit/>
+          </a:bodyPr>
+          <a:lstStyle/>
+          <a:p>
+            <a:r>
+              <a:rPr lang="en-US" sz="1100" b="1" dirty="0"/>
+              <a:t>Train Control Signal [ on ]</a:t>
+            </a:r>
+            <a:endParaRPr lang="en-SG" sz="1100" b="1" dirty="0"/>
+          </a:p>
+        </p:txBody>
+      </p:sp>
+      <p:cxnSp>
+        <p:nvCxnSpPr>
+          <p:cNvPr id="92" name="Straight Arrow Connector 91">
+            <a:extLst>
+              <a:ext uri="{FF2B5EF4-FFF2-40B4-BE49-F238E27FC236}">
+                <a16:creationId xmlns:a16="http://schemas.microsoft.com/office/drawing/2014/main" id="{BA6A04DE-F118-31C0-19FD-0EFF13FECCA4}"/>
+              </a:ext>
+            </a:extLst>
+          </p:cNvPr>
+          <p:cNvCxnSpPr>
+            <a:cxnSpLocks/>
+          </p:cNvCxnSpPr>
+          <p:nvPr/>
+        </p:nvCxnSpPr>
+        <p:spPr>
+          <a:xfrm>
+            <a:off x="8366827" y="2968887"/>
+            <a:ext cx="0" cy="451014"/>
+          </a:xfrm>
+          <a:prstGeom prst="straightConnector1">
+            <a:avLst/>
+          </a:prstGeom>
+          <a:ln>
+            <a:solidFill>
+              <a:schemeClr val="bg1">
+                <a:lumMod val="65000"/>
+              </a:schemeClr>
+            </a:solidFill>
+            <a:tailEnd type="triangle"/>
+          </a:ln>
+        </p:spPr>
+        <p:style>
+          <a:lnRef idx="2">
+            <a:schemeClr val="accent1"/>
+          </a:lnRef>
+          <a:fillRef idx="0">
+            <a:schemeClr val="accent1"/>
+          </a:fillRef>
+          <a:effectRef idx="1">
+            <a:schemeClr val="accent1"/>
+          </a:effectRef>
+          <a:fontRef idx="minor">
+            <a:schemeClr val="tx1"/>
+          </a:fontRef>
+        </p:style>
+      </p:cxnSp>
+      <p:sp>
+        <p:nvSpPr>
+          <p:cNvPr id="93" name="TextBox 92">
+            <a:extLst>
+              <a:ext uri="{FF2B5EF4-FFF2-40B4-BE49-F238E27FC236}">
+                <a16:creationId xmlns:a16="http://schemas.microsoft.com/office/drawing/2014/main" id="{EFC2D8BB-D6E1-09A2-5225-3132B973E07C}"/>
+              </a:ext>
+            </a:extLst>
+          </p:cNvPr>
+          <p:cNvSpPr txBox="1"/>
+          <p:nvPr/>
+        </p:nvSpPr>
+        <p:spPr>
+          <a:xfrm>
+            <a:off x="7628304" y="2704489"/>
+            <a:ext cx="1875261" cy="261610"/>
+          </a:xfrm>
+          <a:prstGeom prst="rect">
+            <a:avLst/>
+          </a:prstGeom>
+          <a:noFill/>
+        </p:spPr>
+        <p:txBody>
+          <a:bodyPr wrap="square">
+            <a:spAutoFit/>
+          </a:bodyPr>
+          <a:lstStyle/>
+          <a:p>
+            <a:r>
+              <a:rPr lang="en-US" sz="1100" b="1" dirty="0"/>
+              <a:t>Train Control Signal [ off ]</a:t>
+            </a:r>
+            <a:endParaRPr lang="en-SG" sz="1100" b="1" dirty="0"/>
+          </a:p>
+        </p:txBody>
+      </p:sp>
+      <p:sp>
+        <p:nvSpPr>
+          <p:cNvPr id="94" name="Rectangle 93">
+            <a:extLst>
+              <a:ext uri="{FF2B5EF4-FFF2-40B4-BE49-F238E27FC236}">
+                <a16:creationId xmlns:a16="http://schemas.microsoft.com/office/drawing/2014/main" id="{EF7BB330-8F27-1181-BA17-BADA97DC6CB1}"/>
+              </a:ext>
+            </a:extLst>
+          </p:cNvPr>
+          <p:cNvSpPr/>
+          <p:nvPr/>
+        </p:nvSpPr>
+        <p:spPr>
+          <a:xfrm>
+            <a:off x="6095236" y="3703918"/>
+            <a:ext cx="796732" cy="255433"/>
+          </a:xfrm>
+          <a:prstGeom prst="rect">
+            <a:avLst/>
+          </a:prstGeom>
+          <a:noFill/>
+          <a:ln>
+            <a:solidFill>
+              <a:schemeClr val="bg1">
+                <a:lumMod val="85000"/>
+              </a:schemeClr>
+            </a:solidFill>
+            <a:prstDash val="sysDash"/>
+          </a:ln>
+        </p:spPr>
+        <p:style>
+          <a:lnRef idx="2">
+            <a:schemeClr val="accent1">
+              <a:shade val="15000"/>
+            </a:schemeClr>
+          </a:lnRef>
+          <a:fillRef idx="1">
+            <a:schemeClr val="accent1"/>
+          </a:fillRef>
+          <a:effectRef idx="0">
+            <a:schemeClr val="accent1"/>
+          </a:effectRef>
+          <a:fontRef idx="minor">
+            <a:schemeClr val="lt1"/>
+          </a:fontRef>
+        </p:style>
+        <p:txBody>
+          <a:bodyPr rtlCol="0" anchor="ctr"/>
+          <a:lstStyle/>
+          <a:p>
+            <a:pPr algn="ctr"/>
+            <a:endParaRPr lang="en-SG" dirty="0"/>
+          </a:p>
+        </p:txBody>
+      </p:sp>
+      <p:cxnSp>
+        <p:nvCxnSpPr>
+          <p:cNvPr id="96" name="Straight Arrow Connector 95">
+            <a:extLst>
+              <a:ext uri="{FF2B5EF4-FFF2-40B4-BE49-F238E27FC236}">
+                <a16:creationId xmlns:a16="http://schemas.microsoft.com/office/drawing/2014/main" id="{42204148-878B-6280-C9D1-AC4F5D2E3C86}"/>
+              </a:ext>
+            </a:extLst>
+          </p:cNvPr>
+          <p:cNvCxnSpPr>
+            <a:cxnSpLocks/>
+          </p:cNvCxnSpPr>
+          <p:nvPr/>
+        </p:nvCxnSpPr>
+        <p:spPr>
+          <a:xfrm flipV="1">
+            <a:off x="6179553" y="4036357"/>
+            <a:ext cx="0" cy="464791"/>
+          </a:xfrm>
+          <a:prstGeom prst="straightConnector1">
+            <a:avLst/>
+          </a:prstGeom>
+          <a:ln>
+            <a:solidFill>
+              <a:schemeClr val="bg1">
+                <a:lumMod val="65000"/>
+              </a:schemeClr>
+            </a:solidFill>
+            <a:tailEnd type="triangle"/>
+          </a:ln>
+        </p:spPr>
+        <p:style>
+          <a:lnRef idx="2">
+            <a:schemeClr val="accent1"/>
+          </a:lnRef>
+          <a:fillRef idx="0">
+            <a:schemeClr val="accent1"/>
+          </a:fillRef>
+          <a:effectRef idx="1">
+            <a:schemeClr val="accent1"/>
+          </a:effectRef>
+          <a:fontRef idx="minor">
+            <a:schemeClr val="tx1"/>
+          </a:fontRef>
+        </p:style>
+      </p:cxnSp>
+      <p:cxnSp>
+        <p:nvCxnSpPr>
+          <p:cNvPr id="97" name="Straight Arrow Connector 96">
+            <a:extLst>
+              <a:ext uri="{FF2B5EF4-FFF2-40B4-BE49-F238E27FC236}">
+                <a16:creationId xmlns:a16="http://schemas.microsoft.com/office/drawing/2014/main" id="{76392C22-3D92-7EA7-52FC-6455011D80B8}"/>
+              </a:ext>
+            </a:extLst>
+          </p:cNvPr>
+          <p:cNvCxnSpPr>
+            <a:cxnSpLocks/>
+          </p:cNvCxnSpPr>
+          <p:nvPr/>
+        </p:nvCxnSpPr>
+        <p:spPr>
+          <a:xfrm>
+            <a:off x="4518359" y="2966099"/>
+            <a:ext cx="0" cy="865535"/>
+          </a:xfrm>
+          <a:prstGeom prst="straightConnector1">
+            <a:avLst/>
+          </a:prstGeom>
+          <a:ln>
+            <a:solidFill>
+              <a:schemeClr val="bg1">
+                <a:lumMod val="65000"/>
+              </a:schemeClr>
+            </a:solidFill>
+            <a:tailEnd type="triangle"/>
+          </a:ln>
+        </p:spPr>
+        <p:style>
+          <a:lnRef idx="2">
+            <a:schemeClr val="accent1"/>
+          </a:lnRef>
+          <a:fillRef idx="0">
+            <a:schemeClr val="accent1"/>
+          </a:fillRef>
+          <a:effectRef idx="1">
+            <a:schemeClr val="accent1"/>
+          </a:effectRef>
+          <a:fontRef idx="minor">
+            <a:schemeClr val="tx1"/>
+          </a:fontRef>
+        </p:style>
+      </p:cxnSp>
+      <p:sp>
+        <p:nvSpPr>
+          <p:cNvPr id="100" name="TextBox 99">
+            <a:extLst>
+              <a:ext uri="{FF2B5EF4-FFF2-40B4-BE49-F238E27FC236}">
+                <a16:creationId xmlns:a16="http://schemas.microsoft.com/office/drawing/2014/main" id="{0DCC3932-D87C-FD0C-5921-5C1D474DE637}"/>
+              </a:ext>
+            </a:extLst>
+          </p:cNvPr>
+          <p:cNvSpPr txBox="1"/>
+          <p:nvPr/>
+        </p:nvSpPr>
+        <p:spPr>
+          <a:xfrm>
+            <a:off x="4289919" y="2762408"/>
+            <a:ext cx="579832" cy="261610"/>
+          </a:xfrm>
+          <a:prstGeom prst="rect">
+            <a:avLst/>
+          </a:prstGeom>
+          <a:noFill/>
+        </p:spPr>
+        <p:txBody>
+          <a:bodyPr wrap="square">
+            <a:spAutoFit/>
+          </a:bodyPr>
+          <a:lstStyle/>
+          <a:p>
+            <a:r>
+              <a:rPr lang="en-US" sz="1100" b="1" dirty="0"/>
+              <a:t>Train</a:t>
+            </a:r>
+            <a:endParaRPr lang="en-SG" sz="1100" b="1" dirty="0"/>
+          </a:p>
+        </p:txBody>
+      </p:sp>
+      <p:sp>
+        <p:nvSpPr>
+          <p:cNvPr id="102" name="Rectangle 101">
+            <a:extLst>
+              <a:ext uri="{FF2B5EF4-FFF2-40B4-BE49-F238E27FC236}">
+                <a16:creationId xmlns:a16="http://schemas.microsoft.com/office/drawing/2014/main" id="{FBB093D8-F952-22C9-685B-AEC98CBDD7C7}"/>
+              </a:ext>
+            </a:extLst>
+          </p:cNvPr>
+          <p:cNvSpPr/>
+          <p:nvPr/>
+        </p:nvSpPr>
+        <p:spPr>
+          <a:xfrm>
+            <a:off x="1014302" y="3121412"/>
+            <a:ext cx="1075961" cy="1194556"/>
+          </a:xfrm>
+          <a:prstGeom prst="rect">
+            <a:avLst/>
+          </a:prstGeom>
+          <a:noFill/>
+          <a:ln>
+            <a:solidFill>
+              <a:schemeClr val="bg1">
+                <a:lumMod val="85000"/>
+              </a:schemeClr>
+            </a:solidFill>
+            <a:prstDash val="sysDash"/>
+          </a:ln>
+        </p:spPr>
+        <p:style>
+          <a:lnRef idx="2">
+            <a:schemeClr val="accent1">
+              <a:shade val="15000"/>
+            </a:schemeClr>
+          </a:lnRef>
+          <a:fillRef idx="1">
+            <a:schemeClr val="accent1"/>
+          </a:fillRef>
+          <a:effectRef idx="0">
+            <a:schemeClr val="accent1"/>
+          </a:effectRef>
+          <a:fontRef idx="minor">
+            <a:schemeClr val="lt1"/>
+          </a:fontRef>
+        </p:style>
+        <p:txBody>
+          <a:bodyPr rtlCol="0" anchor="ctr"/>
+          <a:lstStyle/>
+          <a:p>
+            <a:pPr algn="ctr"/>
+            <a:endParaRPr lang="en-SG" dirty="0"/>
+          </a:p>
+        </p:txBody>
+      </p:sp>
+      <p:cxnSp>
+        <p:nvCxnSpPr>
+          <p:cNvPr id="103" name="Straight Arrow Connector 102">
+            <a:extLst>
+              <a:ext uri="{FF2B5EF4-FFF2-40B4-BE49-F238E27FC236}">
+                <a16:creationId xmlns:a16="http://schemas.microsoft.com/office/drawing/2014/main" id="{7680ACCF-5D22-4B60-B425-FE96E10EC2E5}"/>
+              </a:ext>
+            </a:extLst>
+          </p:cNvPr>
+          <p:cNvCxnSpPr>
+            <a:cxnSpLocks/>
+          </p:cNvCxnSpPr>
+          <p:nvPr/>
+        </p:nvCxnSpPr>
+        <p:spPr>
+          <a:xfrm flipV="1">
+            <a:off x="1709996" y="4321784"/>
+            <a:ext cx="0" cy="192842"/>
+          </a:xfrm>
+          <a:prstGeom prst="straightConnector1">
+            <a:avLst/>
+          </a:prstGeom>
+          <a:ln>
+            <a:solidFill>
+              <a:schemeClr val="bg1">
+                <a:lumMod val="65000"/>
+              </a:schemeClr>
+            </a:solidFill>
+            <a:tailEnd type="triangle"/>
+          </a:ln>
+        </p:spPr>
+        <p:style>
+          <a:lnRef idx="2">
+            <a:schemeClr val="accent1"/>
+          </a:lnRef>
+          <a:fillRef idx="0">
+            <a:schemeClr val="accent1"/>
+          </a:fillRef>
+          <a:effectRef idx="1">
+            <a:schemeClr val="accent1"/>
+          </a:effectRef>
+          <a:fontRef idx="minor">
+            <a:schemeClr val="tx1"/>
+          </a:fontRef>
+        </p:style>
+      </p:cxnSp>
+      <p:sp>
+        <p:nvSpPr>
+          <p:cNvPr id="106" name="TextBox 105">
+            <a:extLst>
+              <a:ext uri="{FF2B5EF4-FFF2-40B4-BE49-F238E27FC236}">
+                <a16:creationId xmlns:a16="http://schemas.microsoft.com/office/drawing/2014/main" id="{00512689-6D01-2F93-2DA0-B9579FCB9627}"/>
+              </a:ext>
+            </a:extLst>
+          </p:cNvPr>
+          <p:cNvSpPr txBox="1"/>
+          <p:nvPr/>
+        </p:nvSpPr>
+        <p:spPr>
+          <a:xfrm>
+            <a:off x="924141" y="4480269"/>
+            <a:ext cx="1256281" cy="261610"/>
+          </a:xfrm>
+          <a:prstGeom prst="rect">
+            <a:avLst/>
+          </a:prstGeom>
+          <a:noFill/>
+        </p:spPr>
+        <p:txBody>
+          <a:bodyPr wrap="square">
+            <a:spAutoFit/>
+          </a:bodyPr>
+          <a:lstStyle/>
+          <a:p>
+            <a:r>
+              <a:rPr lang="en-US" sz="1100" b="1" dirty="0"/>
+              <a:t>Junction block</a:t>
+            </a:r>
+            <a:endParaRPr lang="en-SG" sz="1100" b="1" dirty="0"/>
+          </a:p>
+        </p:txBody>
+      </p:sp>
+      <p:cxnSp>
+        <p:nvCxnSpPr>
+          <p:cNvPr id="107" name="Straight Arrow Connector 106">
+            <a:extLst>
+              <a:ext uri="{FF2B5EF4-FFF2-40B4-BE49-F238E27FC236}">
+                <a16:creationId xmlns:a16="http://schemas.microsoft.com/office/drawing/2014/main" id="{EEDD5BD3-8401-85FB-E458-435131700317}"/>
+              </a:ext>
+            </a:extLst>
+          </p:cNvPr>
+          <p:cNvCxnSpPr>
+            <a:cxnSpLocks/>
+          </p:cNvCxnSpPr>
+          <p:nvPr/>
+        </p:nvCxnSpPr>
+        <p:spPr>
+          <a:xfrm flipV="1">
+            <a:off x="7410945" y="4004381"/>
+            <a:ext cx="0" cy="464791"/>
+          </a:xfrm>
+          <a:prstGeom prst="straightConnector1">
+            <a:avLst/>
+          </a:prstGeom>
+          <a:ln>
+            <a:solidFill>
+              <a:schemeClr val="bg1">
+                <a:lumMod val="65000"/>
+              </a:schemeClr>
+            </a:solidFill>
+            <a:tailEnd type="triangle"/>
+          </a:ln>
+        </p:spPr>
+        <p:style>
+          <a:lnRef idx="2">
+            <a:schemeClr val="accent1"/>
+          </a:lnRef>
+          <a:fillRef idx="0">
+            <a:schemeClr val="accent1"/>
+          </a:fillRef>
+          <a:effectRef idx="1">
+            <a:schemeClr val="accent1"/>
+          </a:effectRef>
+          <a:fontRef idx="minor">
+            <a:schemeClr val="tx1"/>
+          </a:fontRef>
+        </p:style>
+      </p:cxnSp>
+      <p:sp>
+        <p:nvSpPr>
+          <p:cNvPr id="108" name="TextBox 107">
+            <a:extLst>
+              <a:ext uri="{FF2B5EF4-FFF2-40B4-BE49-F238E27FC236}">
+                <a16:creationId xmlns:a16="http://schemas.microsoft.com/office/drawing/2014/main" id="{1B133B74-6A46-CF3B-D4B3-9EB1D84FFCEA}"/>
+              </a:ext>
+            </a:extLst>
+          </p:cNvPr>
+          <p:cNvSpPr txBox="1"/>
+          <p:nvPr/>
+        </p:nvSpPr>
+        <p:spPr>
+          <a:xfrm>
+            <a:off x="6936665" y="4512199"/>
+            <a:ext cx="1118972" cy="261610"/>
+          </a:xfrm>
+          <a:prstGeom prst="rect">
+            <a:avLst/>
+          </a:prstGeom>
+          <a:noFill/>
+        </p:spPr>
+        <p:txBody>
+          <a:bodyPr wrap="square">
+            <a:spAutoFit/>
+          </a:bodyPr>
+          <a:lstStyle/>
+          <a:p>
+            <a:r>
+              <a:rPr lang="en-US" sz="1100" b="1" dirty="0"/>
+              <a:t>Station block</a:t>
+            </a:r>
+            <a:endParaRPr lang="en-SG" sz="1100" b="1" dirty="0"/>
+          </a:p>
+        </p:txBody>
+      </p:sp>
+      <p:sp>
+        <p:nvSpPr>
+          <p:cNvPr id="111" name="Arrow: Down 110">
+            <a:extLst>
+              <a:ext uri="{FF2B5EF4-FFF2-40B4-BE49-F238E27FC236}">
+                <a16:creationId xmlns:a16="http://schemas.microsoft.com/office/drawing/2014/main" id="{1F0484EE-86DA-C48B-A3CC-7C3166D73886}"/>
+              </a:ext>
+            </a:extLst>
+          </p:cNvPr>
+          <p:cNvSpPr/>
+          <p:nvPr/>
+        </p:nvSpPr>
+        <p:spPr>
+          <a:xfrm>
+            <a:off x="5714704" y="2704489"/>
+            <a:ext cx="305392" cy="251931"/>
+          </a:xfrm>
+          <a:prstGeom prst="downArrow">
+            <a:avLst/>
+          </a:prstGeom>
+        </p:spPr>
+        <p:style>
+          <a:lnRef idx="2">
+            <a:schemeClr val="accent1">
+              <a:shade val="15000"/>
+            </a:schemeClr>
+          </a:lnRef>
+          <a:fillRef idx="1">
+            <a:schemeClr val="accent1"/>
+          </a:fillRef>
+          <a:effectRef idx="0">
+            <a:schemeClr val="accent1"/>
+          </a:effectRef>
+          <a:fontRef idx="minor">
+            <a:schemeClr val="lt1"/>
+          </a:fontRef>
+        </p:style>
+        <p:txBody>
+          <a:bodyPr rtlCol="0" anchor="ctr"/>
+          <a:lstStyle/>
+          <a:p>
+            <a:pPr algn="ctr"/>
+            <a:endParaRPr lang="en-SG"/>
+          </a:p>
+        </p:txBody>
+      </p:sp>
+      <p:sp>
+        <p:nvSpPr>
+          <p:cNvPr id="42" name="TextBox 41">
+            <a:extLst>
+              <a:ext uri="{FF2B5EF4-FFF2-40B4-BE49-F238E27FC236}">
+                <a16:creationId xmlns:a16="http://schemas.microsoft.com/office/drawing/2014/main" id="{4D217D34-2A9A-2E39-D5CC-F18E703F4232}"/>
+              </a:ext>
+            </a:extLst>
+          </p:cNvPr>
+          <p:cNvSpPr txBox="1"/>
+          <p:nvPr/>
+        </p:nvSpPr>
+        <p:spPr>
+          <a:xfrm>
+            <a:off x="2714362" y="2555950"/>
+            <a:ext cx="1594666" cy="261610"/>
+          </a:xfrm>
+          <a:prstGeom prst="rect">
+            <a:avLst/>
+          </a:prstGeom>
+          <a:noFill/>
+        </p:spPr>
+        <p:txBody>
+          <a:bodyPr wrap="square">
+            <a:spAutoFit/>
+          </a:bodyPr>
+          <a:lstStyle/>
+          <a:p>
+            <a:r>
+              <a:rPr lang="en-US" sz="1100" b="1" dirty="0"/>
+              <a:t>Train Control Signal</a:t>
+            </a:r>
+            <a:endParaRPr lang="en-SG" sz="1100" b="1" dirty="0"/>
+          </a:p>
+        </p:txBody>
+      </p:sp>
     </p:spTree>
     <p:extLst>
       <p:ext uri="{BB962C8B-B14F-4D97-AF65-F5344CB8AC3E}">
         <p14:creationId xmlns:p14="http://schemas.microsoft.com/office/powerpoint/2010/main" val="2653847358"/>
+      </p:ext>
+    </p:extLst>
+  </p:cSld>
+  <p:clrMapOvr>
+    <a:masterClrMapping/>
+  </p:clrMapOvr>
+</p:sld>
+</file>
+
+<file path=ppt/slides/slide3.xml><?xml version="1.0" encoding="utf-8"?>
+<p:sld xmlns:a="http://schemas.openxmlformats.org/drawingml/2006/main" xmlns:r="http://schemas.openxmlformats.org/officeDocument/2006/relationships" xmlns:p="http://schemas.openxmlformats.org/presentationml/2006/main">
+  <p:cSld>
+    <p:spTree>
+      <p:nvGrpSpPr>
+        <p:cNvPr id="1" name=""/>
+        <p:cNvGrpSpPr/>
+        <p:nvPr/>
+      </p:nvGrpSpPr>
+      <p:grpSpPr>
+        <a:xfrm>
+          <a:off x="0" y="0"/>
+          <a:ext cx="0" cy="0"/>
+          <a:chOff x="0" y="0"/>
+          <a:chExt cx="0" cy="0"/>
+        </a:xfrm>
+      </p:grpSpPr>
+      <p:pic>
+        <p:nvPicPr>
+          <p:cNvPr id="5" name="Picture 4">
+            <a:extLst>
+              <a:ext uri="{FF2B5EF4-FFF2-40B4-BE49-F238E27FC236}">
+                <a16:creationId xmlns:a16="http://schemas.microsoft.com/office/drawing/2014/main" id="{7A55A160-680F-0B82-A83C-E609B47103A8}"/>
+              </a:ext>
+            </a:extLst>
+          </p:cNvPr>
+          <p:cNvPicPr>
+            <a:picLocks noChangeAspect="1"/>
+          </p:cNvPicPr>
+          <p:nvPr/>
+        </p:nvPicPr>
+        <p:blipFill>
+          <a:blip r:embed="rId2"/>
+          <a:stretch>
+            <a:fillRect/>
+          </a:stretch>
+        </p:blipFill>
+        <p:spPr>
+          <a:xfrm>
+            <a:off x="607807" y="1571012"/>
+            <a:ext cx="5941662" cy="1793980"/>
+          </a:xfrm>
+          <a:prstGeom prst="rect">
+            <a:avLst/>
+          </a:prstGeom>
+        </p:spPr>
+      </p:pic>
+      <p:pic>
+        <p:nvPicPr>
+          <p:cNvPr id="7" name="Picture 6">
+            <a:extLst>
+              <a:ext uri="{FF2B5EF4-FFF2-40B4-BE49-F238E27FC236}">
+                <a16:creationId xmlns:a16="http://schemas.microsoft.com/office/drawing/2014/main" id="{3760A734-2F0A-03A4-BE92-AEAA0796CB2E}"/>
+              </a:ext>
+            </a:extLst>
+          </p:cNvPr>
+          <p:cNvPicPr>
+            <a:picLocks noChangeAspect="1"/>
+          </p:cNvPicPr>
+          <p:nvPr/>
+        </p:nvPicPr>
+        <p:blipFill>
+          <a:blip r:embed="rId3"/>
+          <a:stretch>
+            <a:fillRect/>
+          </a:stretch>
+        </p:blipFill>
+        <p:spPr>
+          <a:xfrm>
+            <a:off x="7123044" y="1316818"/>
+            <a:ext cx="3529716" cy="3859044"/>
+          </a:xfrm>
+          <a:prstGeom prst="rect">
+            <a:avLst/>
+          </a:prstGeom>
+        </p:spPr>
+      </p:pic>
+      <p:sp>
+        <p:nvSpPr>
+          <p:cNvPr id="8" name="Rectangle 7">
+            <a:extLst>
+              <a:ext uri="{FF2B5EF4-FFF2-40B4-BE49-F238E27FC236}">
+                <a16:creationId xmlns:a16="http://schemas.microsoft.com/office/drawing/2014/main" id="{52E6BEE3-04A7-3437-0B43-B8483E75940A}"/>
+              </a:ext>
+            </a:extLst>
+          </p:cNvPr>
+          <p:cNvSpPr/>
+          <p:nvPr/>
+        </p:nvSpPr>
+        <p:spPr>
+          <a:xfrm>
+            <a:off x="7031736" y="2194559"/>
+            <a:ext cx="3621023" cy="228601"/>
+          </a:xfrm>
+          <a:prstGeom prst="rect">
+            <a:avLst/>
+          </a:prstGeom>
+          <a:noFill/>
+          <a:ln>
+            <a:solidFill>
+              <a:srgbClr val="FF0000"/>
+            </a:solidFill>
+            <a:prstDash val="sysDash"/>
+          </a:ln>
+        </p:spPr>
+        <p:style>
+          <a:lnRef idx="2">
+            <a:schemeClr val="accent1">
+              <a:shade val="15000"/>
+            </a:schemeClr>
+          </a:lnRef>
+          <a:fillRef idx="1">
+            <a:schemeClr val="accent1"/>
+          </a:fillRef>
+          <a:effectRef idx="0">
+            <a:schemeClr val="accent1"/>
+          </a:effectRef>
+          <a:fontRef idx="minor">
+            <a:schemeClr val="lt1"/>
+          </a:fontRef>
+        </p:style>
+        <p:txBody>
+          <a:bodyPr rtlCol="0" anchor="ctr"/>
+          <a:lstStyle/>
+          <a:p>
+            <a:pPr algn="ctr"/>
+            <a:endParaRPr lang="en-SG" dirty="0"/>
+          </a:p>
+        </p:txBody>
+      </p:sp>
+      <p:sp>
+        <p:nvSpPr>
+          <p:cNvPr id="10" name="Rectangle 9">
+            <a:extLst>
+              <a:ext uri="{FF2B5EF4-FFF2-40B4-BE49-F238E27FC236}">
+                <a16:creationId xmlns:a16="http://schemas.microsoft.com/office/drawing/2014/main" id="{5BA74CD6-2277-83DC-839B-89FA4EE07891}"/>
+              </a:ext>
+            </a:extLst>
+          </p:cNvPr>
+          <p:cNvSpPr/>
+          <p:nvPr/>
+        </p:nvSpPr>
+        <p:spPr>
+          <a:xfrm>
+            <a:off x="7068246" y="3691306"/>
+            <a:ext cx="3621023" cy="228601"/>
+          </a:xfrm>
+          <a:prstGeom prst="rect">
+            <a:avLst/>
+          </a:prstGeom>
+          <a:noFill/>
+          <a:ln>
+            <a:solidFill>
+              <a:srgbClr val="FF0000"/>
+            </a:solidFill>
+            <a:prstDash val="sysDash"/>
+          </a:ln>
+        </p:spPr>
+        <p:style>
+          <a:lnRef idx="2">
+            <a:schemeClr val="accent1">
+              <a:shade val="15000"/>
+            </a:schemeClr>
+          </a:lnRef>
+          <a:fillRef idx="1">
+            <a:schemeClr val="accent1"/>
+          </a:fillRef>
+          <a:effectRef idx="0">
+            <a:schemeClr val="accent1"/>
+          </a:effectRef>
+          <a:fontRef idx="minor">
+            <a:schemeClr val="lt1"/>
+          </a:fontRef>
+        </p:style>
+        <p:txBody>
+          <a:bodyPr rtlCol="0" anchor="ctr"/>
+          <a:lstStyle/>
+          <a:p>
+            <a:pPr algn="ctr"/>
+            <a:endParaRPr lang="en-SG" dirty="0"/>
+          </a:p>
+        </p:txBody>
+      </p:sp>
+      <p:cxnSp>
+        <p:nvCxnSpPr>
+          <p:cNvPr id="16" name="Connector: Elbow 15">
+            <a:extLst>
+              <a:ext uri="{FF2B5EF4-FFF2-40B4-BE49-F238E27FC236}">
+                <a16:creationId xmlns:a16="http://schemas.microsoft.com/office/drawing/2014/main" id="{684D394C-067B-C8B6-CC59-113D5765FDCD}"/>
+              </a:ext>
+            </a:extLst>
+          </p:cNvPr>
+          <p:cNvCxnSpPr>
+            <a:cxnSpLocks/>
+            <a:stCxn id="17" idx="3"/>
+            <a:endCxn id="8" idx="1"/>
+          </p:cNvCxnSpPr>
+          <p:nvPr/>
+        </p:nvCxnSpPr>
+        <p:spPr>
+          <a:xfrm>
+            <a:off x="6434328" y="2034113"/>
+            <a:ext cx="597408" cy="274747"/>
+          </a:xfrm>
+          <a:prstGeom prst="bentConnector3">
+            <a:avLst/>
+          </a:prstGeom>
+          <a:ln>
+            <a:solidFill>
+              <a:srgbClr val="C00000"/>
+            </a:solidFill>
+            <a:tailEnd type="triangle"/>
+          </a:ln>
+        </p:spPr>
+        <p:style>
+          <a:lnRef idx="2">
+            <a:schemeClr val="accent1"/>
+          </a:lnRef>
+          <a:fillRef idx="0">
+            <a:schemeClr val="accent1"/>
+          </a:fillRef>
+          <a:effectRef idx="1">
+            <a:schemeClr val="accent1"/>
+          </a:effectRef>
+          <a:fontRef idx="minor">
+            <a:schemeClr val="tx1"/>
+          </a:fontRef>
+        </p:style>
+      </p:cxnSp>
+      <p:sp>
+        <p:nvSpPr>
+          <p:cNvPr id="17" name="Rectangle 16">
+            <a:extLst>
+              <a:ext uri="{FF2B5EF4-FFF2-40B4-BE49-F238E27FC236}">
+                <a16:creationId xmlns:a16="http://schemas.microsoft.com/office/drawing/2014/main" id="{58282C3E-0246-093F-DFA5-1831E6A6DF13}"/>
+              </a:ext>
+            </a:extLst>
+          </p:cNvPr>
+          <p:cNvSpPr/>
+          <p:nvPr/>
+        </p:nvSpPr>
+        <p:spPr>
+          <a:xfrm>
+            <a:off x="6306312" y="1951817"/>
+            <a:ext cx="128016" cy="164592"/>
+          </a:xfrm>
+          <a:prstGeom prst="rect">
+            <a:avLst/>
+          </a:prstGeom>
+          <a:noFill/>
+          <a:ln>
+            <a:solidFill>
+              <a:schemeClr val="bg1"/>
+            </a:solidFill>
+          </a:ln>
+        </p:spPr>
+        <p:style>
+          <a:lnRef idx="2">
+            <a:schemeClr val="accent1">
+              <a:shade val="15000"/>
+            </a:schemeClr>
+          </a:lnRef>
+          <a:fillRef idx="1">
+            <a:schemeClr val="accent1"/>
+          </a:fillRef>
+          <a:effectRef idx="0">
+            <a:schemeClr val="accent1"/>
+          </a:effectRef>
+          <a:fontRef idx="minor">
+            <a:schemeClr val="lt1"/>
+          </a:fontRef>
+        </p:style>
+        <p:txBody>
+          <a:bodyPr rtlCol="0" anchor="ctr"/>
+          <a:lstStyle/>
+          <a:p>
+            <a:pPr algn="ctr"/>
+            <a:endParaRPr lang="en-SG"/>
+          </a:p>
+        </p:txBody>
+      </p:sp>
+      <p:cxnSp>
+        <p:nvCxnSpPr>
+          <p:cNvPr id="21" name="Connector: Elbow 20">
+            <a:extLst>
+              <a:ext uri="{FF2B5EF4-FFF2-40B4-BE49-F238E27FC236}">
+                <a16:creationId xmlns:a16="http://schemas.microsoft.com/office/drawing/2014/main" id="{F9FC8E6C-9C89-E38C-86CB-1C6863020F32}"/>
+              </a:ext>
+            </a:extLst>
+          </p:cNvPr>
+          <p:cNvCxnSpPr>
+            <a:cxnSpLocks/>
+            <a:endCxn id="10" idx="1"/>
+          </p:cNvCxnSpPr>
+          <p:nvPr/>
+        </p:nvCxnSpPr>
+        <p:spPr>
+          <a:xfrm>
+            <a:off x="6434328" y="2313430"/>
+            <a:ext cx="633918" cy="1492177"/>
+          </a:xfrm>
+          <a:prstGeom prst="bentConnector3">
+            <a:avLst>
+              <a:gd name="adj1" fmla="val 28363"/>
+            </a:avLst>
+          </a:prstGeom>
+          <a:ln>
+            <a:solidFill>
+              <a:srgbClr val="C00000"/>
+            </a:solidFill>
+            <a:tailEnd type="triangle"/>
+          </a:ln>
+        </p:spPr>
+        <p:style>
+          <a:lnRef idx="2">
+            <a:schemeClr val="accent1"/>
+          </a:lnRef>
+          <a:fillRef idx="0">
+            <a:schemeClr val="accent1"/>
+          </a:fillRef>
+          <a:effectRef idx="1">
+            <a:schemeClr val="accent1"/>
+          </a:effectRef>
+          <a:fontRef idx="minor">
+            <a:schemeClr val="tx1"/>
+          </a:fontRef>
+        </p:style>
+      </p:cxnSp>
+      <p:sp>
+        <p:nvSpPr>
+          <p:cNvPr id="23" name="Rectangle 22">
+            <a:extLst>
+              <a:ext uri="{FF2B5EF4-FFF2-40B4-BE49-F238E27FC236}">
+                <a16:creationId xmlns:a16="http://schemas.microsoft.com/office/drawing/2014/main" id="{3E2A1C72-AD19-99E8-1666-156BA4CCAFE6}"/>
+              </a:ext>
+            </a:extLst>
+          </p:cNvPr>
+          <p:cNvSpPr/>
+          <p:nvPr/>
+        </p:nvSpPr>
+        <p:spPr>
+          <a:xfrm>
+            <a:off x="7031735" y="2546601"/>
+            <a:ext cx="3621023" cy="228601"/>
+          </a:xfrm>
+          <a:prstGeom prst="rect">
+            <a:avLst/>
+          </a:prstGeom>
+          <a:noFill/>
+          <a:ln>
+            <a:solidFill>
+              <a:srgbClr val="FF0000"/>
+            </a:solidFill>
+            <a:prstDash val="sysDash"/>
+          </a:ln>
+        </p:spPr>
+        <p:style>
+          <a:lnRef idx="2">
+            <a:schemeClr val="accent1">
+              <a:shade val="15000"/>
+            </a:schemeClr>
+          </a:lnRef>
+          <a:fillRef idx="1">
+            <a:schemeClr val="accent1"/>
+          </a:fillRef>
+          <a:effectRef idx="0">
+            <a:schemeClr val="accent1"/>
+          </a:effectRef>
+          <a:fontRef idx="minor">
+            <a:schemeClr val="lt1"/>
+          </a:fontRef>
+        </p:style>
+        <p:txBody>
+          <a:bodyPr rtlCol="0" anchor="ctr"/>
+          <a:lstStyle/>
+          <a:p>
+            <a:pPr algn="ctr"/>
+            <a:endParaRPr lang="en-SG" dirty="0"/>
+          </a:p>
+        </p:txBody>
+      </p:sp>
+      <p:cxnSp>
+        <p:nvCxnSpPr>
+          <p:cNvPr id="26" name="Straight Arrow Connector 25">
+            <a:extLst>
+              <a:ext uri="{FF2B5EF4-FFF2-40B4-BE49-F238E27FC236}">
+                <a16:creationId xmlns:a16="http://schemas.microsoft.com/office/drawing/2014/main" id="{DC55B4CB-6272-C080-4A59-DB2C2304A023}"/>
+              </a:ext>
+            </a:extLst>
+          </p:cNvPr>
+          <p:cNvCxnSpPr>
+            <a:cxnSpLocks/>
+          </p:cNvCxnSpPr>
+          <p:nvPr/>
+        </p:nvCxnSpPr>
+        <p:spPr>
+          <a:xfrm>
+            <a:off x="6434327" y="2633470"/>
+            <a:ext cx="597408" cy="0"/>
+          </a:xfrm>
+          <a:prstGeom prst="straightConnector1">
+            <a:avLst/>
+          </a:prstGeom>
+          <a:ln>
+            <a:solidFill>
+              <a:srgbClr val="C00000"/>
+            </a:solidFill>
+            <a:tailEnd type="triangle"/>
+          </a:ln>
+        </p:spPr>
+        <p:style>
+          <a:lnRef idx="2">
+            <a:schemeClr val="accent1"/>
+          </a:lnRef>
+          <a:fillRef idx="0">
+            <a:schemeClr val="accent1"/>
+          </a:fillRef>
+          <a:effectRef idx="1">
+            <a:schemeClr val="accent1"/>
+          </a:effectRef>
+          <a:fontRef idx="minor">
+            <a:schemeClr val="tx1"/>
+          </a:fontRef>
+        </p:style>
+      </p:cxnSp>
+      <p:sp>
+        <p:nvSpPr>
+          <p:cNvPr id="29" name="Rectangle 28">
+            <a:extLst>
+              <a:ext uri="{FF2B5EF4-FFF2-40B4-BE49-F238E27FC236}">
+                <a16:creationId xmlns:a16="http://schemas.microsoft.com/office/drawing/2014/main" id="{7187336A-C767-8E29-2709-8A466BEF7226}"/>
+              </a:ext>
+            </a:extLst>
+          </p:cNvPr>
+          <p:cNvSpPr/>
+          <p:nvPr/>
+        </p:nvSpPr>
+        <p:spPr>
+          <a:xfrm>
+            <a:off x="7049889" y="3311736"/>
+            <a:ext cx="3621023" cy="228601"/>
+          </a:xfrm>
+          <a:prstGeom prst="rect">
+            <a:avLst/>
+          </a:prstGeom>
+          <a:noFill/>
+          <a:ln>
+            <a:solidFill>
+              <a:srgbClr val="FF0000"/>
+            </a:solidFill>
+            <a:prstDash val="sysDash"/>
+          </a:ln>
+        </p:spPr>
+        <p:style>
+          <a:lnRef idx="2">
+            <a:schemeClr val="accent1">
+              <a:shade val="15000"/>
+            </a:schemeClr>
+          </a:lnRef>
+          <a:fillRef idx="1">
+            <a:schemeClr val="accent1"/>
+          </a:fillRef>
+          <a:effectRef idx="0">
+            <a:schemeClr val="accent1"/>
+          </a:effectRef>
+          <a:fontRef idx="minor">
+            <a:schemeClr val="lt1"/>
+          </a:fontRef>
+        </p:style>
+        <p:txBody>
+          <a:bodyPr rtlCol="0" anchor="ctr"/>
+          <a:lstStyle/>
+          <a:p>
+            <a:pPr algn="ctr"/>
+            <a:endParaRPr lang="en-SG" dirty="0"/>
+          </a:p>
+        </p:txBody>
+      </p:sp>
+      <p:cxnSp>
+        <p:nvCxnSpPr>
+          <p:cNvPr id="31" name="Connector: Elbow 30">
+            <a:extLst>
+              <a:ext uri="{FF2B5EF4-FFF2-40B4-BE49-F238E27FC236}">
+                <a16:creationId xmlns:a16="http://schemas.microsoft.com/office/drawing/2014/main" id="{0E502BBB-C3C6-9952-82A7-AD14F9FDEA74}"/>
+              </a:ext>
+            </a:extLst>
+          </p:cNvPr>
+          <p:cNvCxnSpPr>
+            <a:cxnSpLocks/>
+            <a:endCxn id="29" idx="1"/>
+          </p:cNvCxnSpPr>
+          <p:nvPr/>
+        </p:nvCxnSpPr>
+        <p:spPr>
+          <a:xfrm>
+            <a:off x="6452481" y="2881210"/>
+            <a:ext cx="597408" cy="544827"/>
+          </a:xfrm>
+          <a:prstGeom prst="bentConnector3">
+            <a:avLst/>
+          </a:prstGeom>
+          <a:ln>
+            <a:solidFill>
+              <a:srgbClr val="C00000"/>
+            </a:solidFill>
+            <a:tailEnd type="triangle"/>
+          </a:ln>
+        </p:spPr>
+        <p:style>
+          <a:lnRef idx="2">
+            <a:schemeClr val="accent1"/>
+          </a:lnRef>
+          <a:fillRef idx="0">
+            <a:schemeClr val="accent1"/>
+          </a:fillRef>
+          <a:effectRef idx="1">
+            <a:schemeClr val="accent1"/>
+          </a:effectRef>
+          <a:fontRef idx="minor">
+            <a:schemeClr val="tx1"/>
+          </a:fontRef>
+        </p:style>
+      </p:cxnSp>
+      <p:sp>
+        <p:nvSpPr>
+          <p:cNvPr id="36" name="TextBox 35">
+            <a:extLst>
+              <a:ext uri="{FF2B5EF4-FFF2-40B4-BE49-F238E27FC236}">
+                <a16:creationId xmlns:a16="http://schemas.microsoft.com/office/drawing/2014/main" id="{6ABBDE72-917A-7F4E-742E-22CFE24A5DCD}"/>
+              </a:ext>
+            </a:extLst>
+          </p:cNvPr>
+          <p:cNvSpPr txBox="1"/>
+          <p:nvPr/>
+        </p:nvSpPr>
+        <p:spPr>
+          <a:xfrm>
+            <a:off x="7123044" y="1066526"/>
+            <a:ext cx="3130229" cy="261610"/>
+          </a:xfrm>
+          <a:prstGeom prst="rect">
+            <a:avLst/>
+          </a:prstGeom>
+          <a:noFill/>
+        </p:spPr>
+        <p:txBody>
+          <a:bodyPr wrap="square">
+            <a:spAutoFit/>
+          </a:bodyPr>
+          <a:lstStyle/>
+          <a:p>
+            <a:pPr algn="l"/>
+            <a:r>
+              <a:rPr lang="en-US" sz="1100" b="1" i="0" dirty="0">
+                <a:solidFill>
+                  <a:srgbClr val="404041"/>
+                </a:solidFill>
+                <a:effectLst/>
+              </a:rPr>
+              <a:t>Characteristics Table for the JK Function</a:t>
+            </a:r>
+          </a:p>
+        </p:txBody>
+      </p:sp>
+      <p:pic>
+        <p:nvPicPr>
+          <p:cNvPr id="38" name="Picture 37">
+            <a:extLst>
+              <a:ext uri="{FF2B5EF4-FFF2-40B4-BE49-F238E27FC236}">
+                <a16:creationId xmlns:a16="http://schemas.microsoft.com/office/drawing/2014/main" id="{2520579F-39F4-BAD3-AF8D-338B02D75744}"/>
+              </a:ext>
+            </a:extLst>
+          </p:cNvPr>
+          <p:cNvPicPr>
+            <a:picLocks noChangeAspect="1"/>
+          </p:cNvPicPr>
+          <p:nvPr/>
+        </p:nvPicPr>
+        <p:blipFill>
+          <a:blip r:embed="rId4"/>
+          <a:stretch>
+            <a:fillRect/>
+          </a:stretch>
+        </p:blipFill>
+        <p:spPr>
+          <a:xfrm>
+            <a:off x="691348" y="3364992"/>
+            <a:ext cx="4831628" cy="1828793"/>
+          </a:xfrm>
+          <a:prstGeom prst="rect">
+            <a:avLst/>
+          </a:prstGeom>
+        </p:spPr>
+      </p:pic>
+    </p:spTree>
+    <p:extLst>
+      <p:ext uri="{BB962C8B-B14F-4D97-AF65-F5344CB8AC3E}">
+        <p14:creationId xmlns:p14="http://schemas.microsoft.com/office/powerpoint/2010/main" val="2984483591"/>
+      </p:ext>
+    </p:extLst>
+  </p:cSld>
+  <p:clrMapOvr>
+    <a:masterClrMapping/>
+  </p:clrMapOvr>
+</p:sld>
+</file>
+
+<file path=ppt/slides/slide4.xml><?xml version="1.0" encoding="utf-8"?>
+<p:sld xmlns:a="http://schemas.openxmlformats.org/drawingml/2006/main" xmlns:r="http://schemas.openxmlformats.org/officeDocument/2006/relationships" xmlns:p="http://schemas.openxmlformats.org/presentationml/2006/main">
+  <p:cSld>
+    <p:spTree>
+      <p:nvGrpSpPr>
+        <p:cNvPr id="1" name=""/>
+        <p:cNvGrpSpPr/>
+        <p:nvPr/>
+      </p:nvGrpSpPr>
+      <p:grpSpPr>
+        <a:xfrm>
+          <a:off x="0" y="0"/>
+          <a:ext cx="0" cy="0"/>
+          <a:chOff x="0" y="0"/>
+          <a:chExt cx="0" cy="0"/>
+        </a:xfrm>
+      </p:grpSpPr>
+      <p:cxnSp>
+        <p:nvCxnSpPr>
+          <p:cNvPr id="5" name="Straight Connector 4">
+            <a:extLst>
+              <a:ext uri="{FF2B5EF4-FFF2-40B4-BE49-F238E27FC236}">
+                <a16:creationId xmlns:a16="http://schemas.microsoft.com/office/drawing/2014/main" id="{A4194EB7-2273-D508-4A9E-F58EF0C229BB}"/>
+              </a:ext>
+            </a:extLst>
+          </p:cNvPr>
+          <p:cNvCxnSpPr>
+            <a:cxnSpLocks/>
+          </p:cNvCxnSpPr>
+          <p:nvPr/>
+        </p:nvCxnSpPr>
+        <p:spPr>
+          <a:xfrm>
+            <a:off x="2185042" y="2002536"/>
+            <a:ext cx="1355929" cy="0"/>
+          </a:xfrm>
+          <a:prstGeom prst="line">
+            <a:avLst/>
+          </a:prstGeom>
+        </p:spPr>
+        <p:style>
+          <a:lnRef idx="2">
+            <a:schemeClr val="accent1"/>
+          </a:lnRef>
+          <a:fillRef idx="0">
+            <a:schemeClr val="accent1"/>
+          </a:fillRef>
+          <a:effectRef idx="1">
+            <a:schemeClr val="accent1"/>
+          </a:effectRef>
+          <a:fontRef idx="minor">
+            <a:schemeClr val="tx1"/>
+          </a:fontRef>
+        </p:style>
+      </p:cxnSp>
+      <p:cxnSp>
+        <p:nvCxnSpPr>
+          <p:cNvPr id="6" name="Straight Connector 5">
+            <a:extLst>
+              <a:ext uri="{FF2B5EF4-FFF2-40B4-BE49-F238E27FC236}">
+                <a16:creationId xmlns:a16="http://schemas.microsoft.com/office/drawing/2014/main" id="{23D9E918-4BF6-8B43-A409-F04134B51447}"/>
+              </a:ext>
+            </a:extLst>
+          </p:cNvPr>
+          <p:cNvCxnSpPr>
+            <a:cxnSpLocks/>
+          </p:cNvCxnSpPr>
+          <p:nvPr/>
+        </p:nvCxnSpPr>
+        <p:spPr>
+          <a:xfrm>
+            <a:off x="2185042" y="1496568"/>
+            <a:ext cx="1355929" cy="0"/>
+          </a:xfrm>
+          <a:prstGeom prst="line">
+            <a:avLst/>
+          </a:prstGeom>
+        </p:spPr>
+        <p:style>
+          <a:lnRef idx="2">
+            <a:schemeClr val="accent1"/>
+          </a:lnRef>
+          <a:fillRef idx="0">
+            <a:schemeClr val="accent1"/>
+          </a:fillRef>
+          <a:effectRef idx="1">
+            <a:schemeClr val="accent1"/>
+          </a:effectRef>
+          <a:fontRef idx="minor">
+            <a:schemeClr val="tx1"/>
+          </a:fontRef>
+        </p:style>
+      </p:cxnSp>
+      <p:cxnSp>
+        <p:nvCxnSpPr>
+          <p:cNvPr id="7" name="Straight Connector 6">
+            <a:extLst>
+              <a:ext uri="{FF2B5EF4-FFF2-40B4-BE49-F238E27FC236}">
+                <a16:creationId xmlns:a16="http://schemas.microsoft.com/office/drawing/2014/main" id="{24F34EFE-B032-F33D-AD01-A9BE7F3B1D3F}"/>
+              </a:ext>
+            </a:extLst>
+          </p:cNvPr>
+          <p:cNvCxnSpPr>
+            <a:cxnSpLocks/>
+          </p:cNvCxnSpPr>
+          <p:nvPr/>
+        </p:nvCxnSpPr>
+        <p:spPr>
+          <a:xfrm flipV="1">
+            <a:off x="3540971" y="1225296"/>
+            <a:ext cx="0" cy="271272"/>
+          </a:xfrm>
+          <a:prstGeom prst="line">
+            <a:avLst/>
+          </a:prstGeom>
+        </p:spPr>
+        <p:style>
+          <a:lnRef idx="2">
+            <a:schemeClr val="accent1"/>
+          </a:lnRef>
+          <a:fillRef idx="0">
+            <a:schemeClr val="accent1"/>
+          </a:fillRef>
+          <a:effectRef idx="1">
+            <a:schemeClr val="accent1"/>
+          </a:effectRef>
+          <a:fontRef idx="minor">
+            <a:schemeClr val="tx1"/>
+          </a:fontRef>
+        </p:style>
+      </p:cxnSp>
+      <p:cxnSp>
+        <p:nvCxnSpPr>
+          <p:cNvPr id="8" name="Straight Connector 7">
+            <a:extLst>
+              <a:ext uri="{FF2B5EF4-FFF2-40B4-BE49-F238E27FC236}">
+                <a16:creationId xmlns:a16="http://schemas.microsoft.com/office/drawing/2014/main" id="{10247E3A-CF5C-1607-D3B7-E0FB147B9573}"/>
+              </a:ext>
+            </a:extLst>
+          </p:cNvPr>
+          <p:cNvCxnSpPr>
+            <a:cxnSpLocks/>
+          </p:cNvCxnSpPr>
+          <p:nvPr/>
+        </p:nvCxnSpPr>
+        <p:spPr>
+          <a:xfrm flipV="1">
+            <a:off x="3540971" y="1731264"/>
+            <a:ext cx="0" cy="271272"/>
+          </a:xfrm>
+          <a:prstGeom prst="line">
+            <a:avLst/>
+          </a:prstGeom>
+        </p:spPr>
+        <p:style>
+          <a:lnRef idx="2">
+            <a:schemeClr val="accent1"/>
+          </a:lnRef>
+          <a:fillRef idx="0">
+            <a:schemeClr val="accent1"/>
+          </a:fillRef>
+          <a:effectRef idx="1">
+            <a:schemeClr val="accent1"/>
+          </a:effectRef>
+          <a:fontRef idx="minor">
+            <a:schemeClr val="tx1"/>
+          </a:fontRef>
+        </p:style>
+      </p:cxnSp>
+      <p:cxnSp>
+        <p:nvCxnSpPr>
+          <p:cNvPr id="9" name="Straight Connector 8">
+            <a:extLst>
+              <a:ext uri="{FF2B5EF4-FFF2-40B4-BE49-F238E27FC236}">
+                <a16:creationId xmlns:a16="http://schemas.microsoft.com/office/drawing/2014/main" id="{7096622E-0CE1-8554-FC12-6F34892C9A5D}"/>
+              </a:ext>
+            </a:extLst>
+          </p:cNvPr>
+          <p:cNvCxnSpPr>
+            <a:cxnSpLocks/>
+          </p:cNvCxnSpPr>
+          <p:nvPr/>
+        </p:nvCxnSpPr>
+        <p:spPr>
+          <a:xfrm>
+            <a:off x="3536492" y="1225296"/>
+            <a:ext cx="1355929" cy="0"/>
+          </a:xfrm>
+          <a:prstGeom prst="line">
+            <a:avLst/>
+          </a:prstGeom>
+        </p:spPr>
+        <p:style>
+          <a:lnRef idx="2">
+            <a:schemeClr val="accent1"/>
+          </a:lnRef>
+          <a:fillRef idx="0">
+            <a:schemeClr val="accent1"/>
+          </a:fillRef>
+          <a:effectRef idx="1">
+            <a:schemeClr val="accent1"/>
+          </a:effectRef>
+          <a:fontRef idx="minor">
+            <a:schemeClr val="tx1"/>
+          </a:fontRef>
+        </p:style>
+      </p:cxnSp>
+      <p:cxnSp>
+        <p:nvCxnSpPr>
+          <p:cNvPr id="10" name="Straight Connector 9">
+            <a:extLst>
+              <a:ext uri="{FF2B5EF4-FFF2-40B4-BE49-F238E27FC236}">
+                <a16:creationId xmlns:a16="http://schemas.microsoft.com/office/drawing/2014/main" id="{1E3D8A91-7B09-07A9-47B6-5504292423A6}"/>
+              </a:ext>
+            </a:extLst>
+          </p:cNvPr>
+          <p:cNvCxnSpPr>
+            <a:cxnSpLocks/>
+          </p:cNvCxnSpPr>
+          <p:nvPr/>
+        </p:nvCxnSpPr>
+        <p:spPr>
+          <a:xfrm>
+            <a:off x="3548750" y="1719072"/>
+            <a:ext cx="1355929" cy="0"/>
+          </a:xfrm>
+          <a:prstGeom prst="line">
+            <a:avLst/>
+          </a:prstGeom>
+        </p:spPr>
+        <p:style>
+          <a:lnRef idx="2">
+            <a:schemeClr val="accent1"/>
+          </a:lnRef>
+          <a:fillRef idx="0">
+            <a:schemeClr val="accent1"/>
+          </a:fillRef>
+          <a:effectRef idx="1">
+            <a:schemeClr val="accent1"/>
+          </a:effectRef>
+          <a:fontRef idx="minor">
+            <a:schemeClr val="tx1"/>
+          </a:fontRef>
+        </p:style>
+      </p:cxnSp>
+      <p:sp>
+        <p:nvSpPr>
+          <p:cNvPr id="11" name="Rectangle 10">
+            <a:extLst>
+              <a:ext uri="{FF2B5EF4-FFF2-40B4-BE49-F238E27FC236}">
+                <a16:creationId xmlns:a16="http://schemas.microsoft.com/office/drawing/2014/main" id="{AA2FBBE8-9D93-A59B-2204-90017F7D610A}"/>
+              </a:ext>
+            </a:extLst>
+          </p:cNvPr>
+          <p:cNvSpPr/>
+          <p:nvPr/>
+        </p:nvSpPr>
+        <p:spPr>
+          <a:xfrm>
+            <a:off x="3456432" y="1033272"/>
+            <a:ext cx="208076" cy="1167906"/>
+          </a:xfrm>
+          <a:prstGeom prst="rect">
+            <a:avLst/>
+          </a:prstGeom>
+          <a:noFill/>
+          <a:ln>
+            <a:solidFill>
+              <a:srgbClr val="C00000"/>
+            </a:solidFill>
+            <a:prstDash val="sysDash"/>
+          </a:ln>
+        </p:spPr>
+        <p:style>
+          <a:lnRef idx="2">
+            <a:schemeClr val="accent1">
+              <a:shade val="15000"/>
+            </a:schemeClr>
+          </a:lnRef>
+          <a:fillRef idx="1">
+            <a:schemeClr val="accent1"/>
+          </a:fillRef>
+          <a:effectRef idx="0">
+            <a:schemeClr val="accent1"/>
+          </a:effectRef>
+          <a:fontRef idx="minor">
+            <a:schemeClr val="lt1"/>
+          </a:fontRef>
+        </p:style>
+        <p:txBody>
+          <a:bodyPr rtlCol="0" anchor="ctr"/>
+          <a:lstStyle/>
+          <a:p>
+            <a:pPr algn="ctr"/>
+            <a:endParaRPr lang="en-SG" dirty="0"/>
+          </a:p>
+        </p:txBody>
+      </p:sp>
+      <p:sp>
+        <p:nvSpPr>
+          <p:cNvPr id="20" name="TextBox 19">
+            <a:extLst>
+              <a:ext uri="{FF2B5EF4-FFF2-40B4-BE49-F238E27FC236}">
+                <a16:creationId xmlns:a16="http://schemas.microsoft.com/office/drawing/2014/main" id="{8EB32EB5-5084-12C8-D5FE-777DA421FEF9}"/>
+              </a:ext>
+            </a:extLst>
+          </p:cNvPr>
+          <p:cNvSpPr txBox="1"/>
+          <p:nvPr/>
+        </p:nvSpPr>
+        <p:spPr>
+          <a:xfrm>
+            <a:off x="1831910" y="1225296"/>
+            <a:ext cx="438845" cy="369332"/>
+          </a:xfrm>
+          <a:prstGeom prst="rect">
+            <a:avLst/>
+          </a:prstGeom>
+          <a:noFill/>
+        </p:spPr>
+        <p:txBody>
+          <a:bodyPr wrap="square">
+            <a:spAutoFit/>
+          </a:bodyPr>
+          <a:lstStyle/>
+          <a:p>
+            <a:r>
+              <a:rPr lang="en-US" b="1" dirty="0"/>
+              <a:t>J</a:t>
+            </a:r>
+            <a:endParaRPr lang="en-SG" b="1" dirty="0"/>
+          </a:p>
+        </p:txBody>
+      </p:sp>
+      <p:sp>
+        <p:nvSpPr>
+          <p:cNvPr id="21" name="TextBox 20">
+            <a:extLst>
+              <a:ext uri="{FF2B5EF4-FFF2-40B4-BE49-F238E27FC236}">
+                <a16:creationId xmlns:a16="http://schemas.microsoft.com/office/drawing/2014/main" id="{05D67249-FD66-37B1-FBD7-B1702F2F5742}"/>
+              </a:ext>
+            </a:extLst>
+          </p:cNvPr>
+          <p:cNvSpPr txBox="1"/>
+          <p:nvPr/>
+        </p:nvSpPr>
+        <p:spPr>
+          <a:xfrm>
+            <a:off x="1652006" y="1831848"/>
+            <a:ext cx="746765" cy="369332"/>
+          </a:xfrm>
+          <a:prstGeom prst="rect">
+            <a:avLst/>
+          </a:prstGeom>
+          <a:noFill/>
+        </p:spPr>
+        <p:txBody>
+          <a:bodyPr wrap="square">
+            <a:spAutoFit/>
+          </a:bodyPr>
+          <a:lstStyle/>
+          <a:p>
+            <a:r>
+              <a:rPr lang="en-US" b="1" dirty="0"/>
+              <a:t>CLK</a:t>
+            </a:r>
+            <a:endParaRPr lang="en-SG" b="1" dirty="0"/>
+          </a:p>
+        </p:txBody>
+      </p:sp>
+      <p:cxnSp>
+        <p:nvCxnSpPr>
+          <p:cNvPr id="25" name="Straight Arrow Connector 24">
+            <a:extLst>
+              <a:ext uri="{FF2B5EF4-FFF2-40B4-BE49-F238E27FC236}">
+                <a16:creationId xmlns:a16="http://schemas.microsoft.com/office/drawing/2014/main" id="{2A50183C-6A74-1A2B-E6E3-8BABC1222B9A}"/>
+              </a:ext>
+            </a:extLst>
+          </p:cNvPr>
+          <p:cNvCxnSpPr>
+            <a:cxnSpLocks/>
+          </p:cNvCxnSpPr>
+          <p:nvPr/>
+        </p:nvCxnSpPr>
+        <p:spPr>
+          <a:xfrm flipH="1">
+            <a:off x="3548750" y="1881508"/>
+            <a:ext cx="418399" cy="0"/>
+          </a:xfrm>
+          <a:prstGeom prst="straightConnector1">
+            <a:avLst/>
+          </a:prstGeom>
+          <a:ln>
+            <a:solidFill>
+              <a:schemeClr val="tx1"/>
+            </a:solidFill>
+            <a:tailEnd type="triangle"/>
+          </a:ln>
+        </p:spPr>
+        <p:style>
+          <a:lnRef idx="2">
+            <a:schemeClr val="accent1"/>
+          </a:lnRef>
+          <a:fillRef idx="0">
+            <a:schemeClr val="accent1"/>
+          </a:fillRef>
+          <a:effectRef idx="1">
+            <a:schemeClr val="accent1"/>
+          </a:effectRef>
+          <a:fontRef idx="minor">
+            <a:schemeClr val="tx1"/>
+          </a:fontRef>
+        </p:style>
+      </p:cxnSp>
+      <p:sp>
+        <p:nvSpPr>
+          <p:cNvPr id="28" name="TextBox 27">
+            <a:extLst>
+              <a:ext uri="{FF2B5EF4-FFF2-40B4-BE49-F238E27FC236}">
+                <a16:creationId xmlns:a16="http://schemas.microsoft.com/office/drawing/2014/main" id="{F7FAC7D5-2486-DDBC-9361-8761DD624AE2}"/>
+              </a:ext>
+            </a:extLst>
+          </p:cNvPr>
+          <p:cNvSpPr txBox="1"/>
+          <p:nvPr/>
+        </p:nvSpPr>
+        <p:spPr>
+          <a:xfrm>
+            <a:off x="3967149" y="1769436"/>
+            <a:ext cx="1223077" cy="307777"/>
+          </a:xfrm>
+          <a:prstGeom prst="rect">
+            <a:avLst/>
+          </a:prstGeom>
+          <a:noFill/>
+        </p:spPr>
+        <p:txBody>
+          <a:bodyPr wrap="square">
+            <a:spAutoFit/>
+          </a:bodyPr>
+          <a:lstStyle/>
+          <a:p>
+            <a:pPr algn="l"/>
+            <a:r>
+              <a:rPr lang="en-US" sz="1400" b="1" dirty="0"/>
+              <a:t>CLK </a:t>
+            </a:r>
+            <a:r>
+              <a:rPr lang="en-SG" sz="1400" b="1" i="0" dirty="0">
+                <a:solidFill>
+                  <a:srgbClr val="333333"/>
+                </a:solidFill>
+                <a:effectLst/>
+                <a:highlight>
+                  <a:srgbClr val="FFFFFF"/>
+                </a:highlight>
+                <a:latin typeface="-apple-system"/>
+              </a:rPr>
+              <a:t>pulse</a:t>
+            </a:r>
+            <a:r>
+              <a:rPr lang="en-US" sz="1400" b="1" dirty="0"/>
+              <a:t> </a:t>
+            </a:r>
+            <a:endParaRPr lang="en-SG" sz="1400" b="1" dirty="0"/>
+          </a:p>
+        </p:txBody>
+      </p:sp>
+      <p:cxnSp>
+        <p:nvCxnSpPr>
+          <p:cNvPr id="29" name="Straight Arrow Connector 28">
+            <a:extLst>
+              <a:ext uri="{FF2B5EF4-FFF2-40B4-BE49-F238E27FC236}">
+                <a16:creationId xmlns:a16="http://schemas.microsoft.com/office/drawing/2014/main" id="{69F68D57-3AC1-1BEE-00C0-9A1B83FD8B4F}"/>
+              </a:ext>
+            </a:extLst>
+          </p:cNvPr>
+          <p:cNvCxnSpPr>
+            <a:cxnSpLocks/>
+          </p:cNvCxnSpPr>
+          <p:nvPr/>
+        </p:nvCxnSpPr>
+        <p:spPr>
+          <a:xfrm flipH="1">
+            <a:off x="3536492" y="1345824"/>
+            <a:ext cx="442376" cy="0"/>
+          </a:xfrm>
+          <a:prstGeom prst="straightConnector1">
+            <a:avLst/>
+          </a:prstGeom>
+          <a:ln>
+            <a:solidFill>
+              <a:schemeClr val="tx1"/>
+            </a:solidFill>
+            <a:tailEnd type="triangle"/>
+          </a:ln>
+        </p:spPr>
+        <p:style>
+          <a:lnRef idx="2">
+            <a:schemeClr val="accent1"/>
+          </a:lnRef>
+          <a:fillRef idx="0">
+            <a:schemeClr val="accent1"/>
+          </a:fillRef>
+          <a:effectRef idx="1">
+            <a:schemeClr val="accent1"/>
+          </a:effectRef>
+          <a:fontRef idx="minor">
+            <a:schemeClr val="tx1"/>
+          </a:fontRef>
+        </p:style>
+      </p:cxnSp>
+      <p:sp>
+        <p:nvSpPr>
+          <p:cNvPr id="31" name="TextBox 30">
+            <a:extLst>
+              <a:ext uri="{FF2B5EF4-FFF2-40B4-BE49-F238E27FC236}">
+                <a16:creationId xmlns:a16="http://schemas.microsoft.com/office/drawing/2014/main" id="{E0F430A1-0EAE-256A-6311-B51C9DC29BF4}"/>
+              </a:ext>
+            </a:extLst>
+          </p:cNvPr>
+          <p:cNvSpPr txBox="1"/>
+          <p:nvPr/>
+        </p:nvSpPr>
+        <p:spPr>
+          <a:xfrm>
+            <a:off x="3960581" y="1188791"/>
+            <a:ext cx="1229646" cy="523220"/>
+          </a:xfrm>
+          <a:prstGeom prst="rect">
+            <a:avLst/>
+          </a:prstGeom>
+          <a:noFill/>
+        </p:spPr>
+        <p:txBody>
+          <a:bodyPr wrap="square">
+            <a:spAutoFit/>
+          </a:bodyPr>
+          <a:lstStyle/>
+          <a:p>
+            <a:r>
+              <a:rPr lang="en-US" sz="1400" b="1" dirty="0"/>
+              <a:t>J state unknown</a:t>
+            </a:r>
+            <a:endParaRPr lang="en-SG" sz="1400" b="1" dirty="0"/>
+          </a:p>
+        </p:txBody>
+      </p:sp>
+      <p:sp>
+        <p:nvSpPr>
+          <p:cNvPr id="35" name="TextBox 34">
+            <a:extLst>
+              <a:ext uri="{FF2B5EF4-FFF2-40B4-BE49-F238E27FC236}">
+                <a16:creationId xmlns:a16="http://schemas.microsoft.com/office/drawing/2014/main" id="{33D65203-7691-E6FB-B3D7-D58C138CAE39}"/>
+              </a:ext>
+            </a:extLst>
+          </p:cNvPr>
+          <p:cNvSpPr txBox="1"/>
+          <p:nvPr/>
+        </p:nvSpPr>
+        <p:spPr>
+          <a:xfrm>
+            <a:off x="3207731" y="2258044"/>
+            <a:ext cx="913553" cy="307777"/>
+          </a:xfrm>
+          <a:prstGeom prst="rect">
+            <a:avLst/>
+          </a:prstGeom>
+          <a:noFill/>
+        </p:spPr>
+        <p:txBody>
+          <a:bodyPr wrap="square">
+            <a:spAutoFit/>
+          </a:bodyPr>
+          <a:lstStyle/>
+          <a:p>
+            <a:r>
+              <a:rPr lang="en-US" sz="1400" b="1" dirty="0"/>
+              <a:t>Time-T0</a:t>
+            </a:r>
+            <a:endParaRPr lang="en-SG" sz="1400" b="1" dirty="0"/>
+          </a:p>
+        </p:txBody>
+      </p:sp>
+      <p:sp>
+        <p:nvSpPr>
+          <p:cNvPr id="36" name="TextBox 35">
+            <a:extLst>
+              <a:ext uri="{FF2B5EF4-FFF2-40B4-BE49-F238E27FC236}">
+                <a16:creationId xmlns:a16="http://schemas.microsoft.com/office/drawing/2014/main" id="{328A716D-B241-C5E6-A8B1-7D68FEC3C8D7}"/>
+              </a:ext>
+            </a:extLst>
+          </p:cNvPr>
+          <p:cNvSpPr txBox="1"/>
+          <p:nvPr/>
+        </p:nvSpPr>
+        <p:spPr>
+          <a:xfrm>
+            <a:off x="1760371" y="522912"/>
+            <a:ext cx="2067917" cy="523220"/>
+          </a:xfrm>
+          <a:prstGeom prst="rect">
+            <a:avLst/>
+          </a:prstGeom>
+          <a:noFill/>
+        </p:spPr>
+        <p:txBody>
+          <a:bodyPr wrap="square">
+            <a:spAutoFit/>
+          </a:bodyPr>
+          <a:lstStyle/>
+          <a:p>
+            <a:r>
+              <a:rPr lang="en-US" sz="1400" b="1" dirty="0">
+                <a:solidFill>
+                  <a:srgbClr val="C00000"/>
+                </a:solidFill>
+              </a:rPr>
+              <a:t>Incorrect implementation </a:t>
+            </a:r>
+            <a:endParaRPr lang="en-SG" sz="1400" b="1" dirty="0">
+              <a:solidFill>
+                <a:srgbClr val="C00000"/>
+              </a:solidFill>
+            </a:endParaRPr>
+          </a:p>
+        </p:txBody>
+      </p:sp>
+      <p:cxnSp>
+        <p:nvCxnSpPr>
+          <p:cNvPr id="38" name="Straight Connector 37">
+            <a:extLst>
+              <a:ext uri="{FF2B5EF4-FFF2-40B4-BE49-F238E27FC236}">
+                <a16:creationId xmlns:a16="http://schemas.microsoft.com/office/drawing/2014/main" id="{44200572-44B7-E135-7354-7F25F1FF4F25}"/>
+              </a:ext>
+            </a:extLst>
+          </p:cNvPr>
+          <p:cNvCxnSpPr>
+            <a:cxnSpLocks/>
+          </p:cNvCxnSpPr>
+          <p:nvPr/>
+        </p:nvCxnSpPr>
+        <p:spPr>
+          <a:xfrm>
+            <a:off x="6021586" y="1994021"/>
+            <a:ext cx="1740104" cy="0"/>
+          </a:xfrm>
+          <a:prstGeom prst="line">
+            <a:avLst/>
+          </a:prstGeom>
+        </p:spPr>
+        <p:style>
+          <a:lnRef idx="2">
+            <a:schemeClr val="accent1"/>
+          </a:lnRef>
+          <a:fillRef idx="0">
+            <a:schemeClr val="accent1"/>
+          </a:fillRef>
+          <a:effectRef idx="1">
+            <a:schemeClr val="accent1"/>
+          </a:effectRef>
+          <a:fontRef idx="minor">
+            <a:schemeClr val="tx1"/>
+          </a:fontRef>
+        </p:style>
+      </p:cxnSp>
+      <p:cxnSp>
+        <p:nvCxnSpPr>
+          <p:cNvPr id="39" name="Straight Connector 38">
+            <a:extLst>
+              <a:ext uri="{FF2B5EF4-FFF2-40B4-BE49-F238E27FC236}">
+                <a16:creationId xmlns:a16="http://schemas.microsoft.com/office/drawing/2014/main" id="{A396F419-77E9-F689-C198-74B63FB70540}"/>
+              </a:ext>
+            </a:extLst>
+          </p:cNvPr>
+          <p:cNvCxnSpPr>
+            <a:cxnSpLocks/>
+          </p:cNvCxnSpPr>
+          <p:nvPr/>
+        </p:nvCxnSpPr>
+        <p:spPr>
+          <a:xfrm>
+            <a:off x="5935873" y="1460063"/>
+            <a:ext cx="1355929" cy="0"/>
+          </a:xfrm>
+          <a:prstGeom prst="line">
+            <a:avLst/>
+          </a:prstGeom>
+        </p:spPr>
+        <p:style>
+          <a:lnRef idx="2">
+            <a:schemeClr val="accent1"/>
+          </a:lnRef>
+          <a:fillRef idx="0">
+            <a:schemeClr val="accent1"/>
+          </a:fillRef>
+          <a:effectRef idx="1">
+            <a:schemeClr val="accent1"/>
+          </a:effectRef>
+          <a:fontRef idx="minor">
+            <a:schemeClr val="tx1"/>
+          </a:fontRef>
+        </p:style>
+      </p:cxnSp>
+      <p:cxnSp>
+        <p:nvCxnSpPr>
+          <p:cNvPr id="41" name="Straight Connector 40">
+            <a:extLst>
+              <a:ext uri="{FF2B5EF4-FFF2-40B4-BE49-F238E27FC236}">
+                <a16:creationId xmlns:a16="http://schemas.microsoft.com/office/drawing/2014/main" id="{AD212D5C-5B1A-C460-0FD4-A6FED76AC3CD}"/>
+              </a:ext>
+            </a:extLst>
+          </p:cNvPr>
+          <p:cNvCxnSpPr>
+            <a:cxnSpLocks/>
+          </p:cNvCxnSpPr>
+          <p:nvPr/>
+        </p:nvCxnSpPr>
+        <p:spPr>
+          <a:xfrm flipV="1">
+            <a:off x="7291802" y="1188791"/>
+            <a:ext cx="0" cy="271272"/>
+          </a:xfrm>
+          <a:prstGeom prst="line">
+            <a:avLst/>
+          </a:prstGeom>
+        </p:spPr>
+        <p:style>
+          <a:lnRef idx="2">
+            <a:schemeClr val="accent1"/>
+          </a:lnRef>
+          <a:fillRef idx="0">
+            <a:schemeClr val="accent1"/>
+          </a:fillRef>
+          <a:effectRef idx="1">
+            <a:schemeClr val="accent1"/>
+          </a:effectRef>
+          <a:fontRef idx="minor">
+            <a:schemeClr val="tx1"/>
+          </a:fontRef>
+        </p:style>
+      </p:cxnSp>
+      <p:cxnSp>
+        <p:nvCxnSpPr>
+          <p:cNvPr id="42" name="Straight Connector 41">
+            <a:extLst>
+              <a:ext uri="{FF2B5EF4-FFF2-40B4-BE49-F238E27FC236}">
+                <a16:creationId xmlns:a16="http://schemas.microsoft.com/office/drawing/2014/main" id="{DFD1BC42-0A5A-34B0-E06A-DE3E968590FA}"/>
+              </a:ext>
+            </a:extLst>
+          </p:cNvPr>
+          <p:cNvCxnSpPr>
+            <a:cxnSpLocks/>
+          </p:cNvCxnSpPr>
+          <p:nvPr/>
+        </p:nvCxnSpPr>
+        <p:spPr>
+          <a:xfrm flipV="1">
+            <a:off x="7761690" y="1722749"/>
+            <a:ext cx="0" cy="271272"/>
+          </a:xfrm>
+          <a:prstGeom prst="line">
+            <a:avLst/>
+          </a:prstGeom>
+        </p:spPr>
+        <p:style>
+          <a:lnRef idx="2">
+            <a:schemeClr val="accent1"/>
+          </a:lnRef>
+          <a:fillRef idx="0">
+            <a:schemeClr val="accent1"/>
+          </a:fillRef>
+          <a:effectRef idx="1">
+            <a:schemeClr val="accent1"/>
+          </a:effectRef>
+          <a:fontRef idx="minor">
+            <a:schemeClr val="tx1"/>
+          </a:fontRef>
+        </p:style>
+      </p:cxnSp>
+      <p:cxnSp>
+        <p:nvCxnSpPr>
+          <p:cNvPr id="43" name="Straight Connector 42">
+            <a:extLst>
+              <a:ext uri="{FF2B5EF4-FFF2-40B4-BE49-F238E27FC236}">
+                <a16:creationId xmlns:a16="http://schemas.microsoft.com/office/drawing/2014/main" id="{33BD2800-B03A-464B-EBD9-69D6FCC480C4}"/>
+              </a:ext>
+            </a:extLst>
+          </p:cNvPr>
+          <p:cNvCxnSpPr>
+            <a:cxnSpLocks/>
+          </p:cNvCxnSpPr>
+          <p:nvPr/>
+        </p:nvCxnSpPr>
+        <p:spPr>
+          <a:xfrm>
+            <a:off x="7287323" y="1188791"/>
+            <a:ext cx="1355929" cy="0"/>
+          </a:xfrm>
+          <a:prstGeom prst="line">
+            <a:avLst/>
+          </a:prstGeom>
+        </p:spPr>
+        <p:style>
+          <a:lnRef idx="2">
+            <a:schemeClr val="accent1"/>
+          </a:lnRef>
+          <a:fillRef idx="0">
+            <a:schemeClr val="accent1"/>
+          </a:fillRef>
+          <a:effectRef idx="1">
+            <a:schemeClr val="accent1"/>
+          </a:effectRef>
+          <a:fontRef idx="minor">
+            <a:schemeClr val="tx1"/>
+          </a:fontRef>
+        </p:style>
+      </p:cxnSp>
+      <p:cxnSp>
+        <p:nvCxnSpPr>
+          <p:cNvPr id="44" name="Straight Connector 43">
+            <a:extLst>
+              <a:ext uri="{FF2B5EF4-FFF2-40B4-BE49-F238E27FC236}">
+                <a16:creationId xmlns:a16="http://schemas.microsoft.com/office/drawing/2014/main" id="{4CDAF6BA-992B-6A55-BD62-1C6076572397}"/>
+              </a:ext>
+            </a:extLst>
+          </p:cNvPr>
+          <p:cNvCxnSpPr>
+            <a:cxnSpLocks/>
+          </p:cNvCxnSpPr>
+          <p:nvPr/>
+        </p:nvCxnSpPr>
+        <p:spPr>
+          <a:xfrm>
+            <a:off x="7769469" y="1710557"/>
+            <a:ext cx="873783" cy="0"/>
+          </a:xfrm>
+          <a:prstGeom prst="line">
+            <a:avLst/>
+          </a:prstGeom>
+        </p:spPr>
+        <p:style>
+          <a:lnRef idx="2">
+            <a:schemeClr val="accent1"/>
+          </a:lnRef>
+          <a:fillRef idx="0">
+            <a:schemeClr val="accent1"/>
+          </a:fillRef>
+          <a:effectRef idx="1">
+            <a:schemeClr val="accent1"/>
+          </a:effectRef>
+          <a:fontRef idx="minor">
+            <a:schemeClr val="tx1"/>
+          </a:fontRef>
+        </p:style>
+      </p:cxnSp>
+      <p:sp>
+        <p:nvSpPr>
+          <p:cNvPr id="45" name="Rectangle 44">
+            <a:extLst>
+              <a:ext uri="{FF2B5EF4-FFF2-40B4-BE49-F238E27FC236}">
+                <a16:creationId xmlns:a16="http://schemas.microsoft.com/office/drawing/2014/main" id="{BA5CD786-3E87-404C-624A-1DC48B092B37}"/>
+              </a:ext>
+            </a:extLst>
+          </p:cNvPr>
+          <p:cNvSpPr/>
+          <p:nvPr/>
+        </p:nvSpPr>
+        <p:spPr>
+          <a:xfrm>
+            <a:off x="7665430" y="974170"/>
+            <a:ext cx="208076" cy="1167906"/>
+          </a:xfrm>
+          <a:prstGeom prst="rect">
+            <a:avLst/>
+          </a:prstGeom>
+          <a:noFill/>
+          <a:ln>
+            <a:solidFill>
+              <a:schemeClr val="accent6">
+                <a:lumMod val="75000"/>
+              </a:schemeClr>
+            </a:solidFill>
+            <a:prstDash val="sysDash"/>
+          </a:ln>
+        </p:spPr>
+        <p:style>
+          <a:lnRef idx="2">
+            <a:schemeClr val="accent1">
+              <a:shade val="15000"/>
+            </a:schemeClr>
+          </a:lnRef>
+          <a:fillRef idx="1">
+            <a:schemeClr val="accent1"/>
+          </a:fillRef>
+          <a:effectRef idx="0">
+            <a:schemeClr val="accent1"/>
+          </a:effectRef>
+          <a:fontRef idx="minor">
+            <a:schemeClr val="lt1"/>
+          </a:fontRef>
+        </p:style>
+        <p:txBody>
+          <a:bodyPr rtlCol="0" anchor="ctr"/>
+          <a:lstStyle/>
+          <a:p>
+            <a:pPr algn="ctr"/>
+            <a:endParaRPr lang="en-SG" dirty="0"/>
+          </a:p>
+        </p:txBody>
+      </p:sp>
+      <p:sp>
+        <p:nvSpPr>
+          <p:cNvPr id="46" name="TextBox 45">
+            <a:extLst>
+              <a:ext uri="{FF2B5EF4-FFF2-40B4-BE49-F238E27FC236}">
+                <a16:creationId xmlns:a16="http://schemas.microsoft.com/office/drawing/2014/main" id="{1B6572EA-6AEE-62E2-4E53-C95014F5DB4D}"/>
+              </a:ext>
+            </a:extLst>
+          </p:cNvPr>
+          <p:cNvSpPr txBox="1"/>
+          <p:nvPr/>
+        </p:nvSpPr>
+        <p:spPr>
+          <a:xfrm>
+            <a:off x="5582741" y="1188791"/>
+            <a:ext cx="438845" cy="369332"/>
+          </a:xfrm>
+          <a:prstGeom prst="rect">
+            <a:avLst/>
+          </a:prstGeom>
+          <a:noFill/>
+        </p:spPr>
+        <p:txBody>
+          <a:bodyPr wrap="square">
+            <a:spAutoFit/>
+          </a:bodyPr>
+          <a:lstStyle/>
+          <a:p>
+            <a:r>
+              <a:rPr lang="en-US" b="1" dirty="0"/>
+              <a:t>J</a:t>
+            </a:r>
+            <a:endParaRPr lang="en-SG" b="1" dirty="0"/>
+          </a:p>
+        </p:txBody>
+      </p:sp>
+      <p:sp>
+        <p:nvSpPr>
+          <p:cNvPr id="47" name="TextBox 46">
+            <a:extLst>
+              <a:ext uri="{FF2B5EF4-FFF2-40B4-BE49-F238E27FC236}">
+                <a16:creationId xmlns:a16="http://schemas.microsoft.com/office/drawing/2014/main" id="{B38BAB89-3B71-984B-55D3-EFFC98590E76}"/>
+              </a:ext>
+            </a:extLst>
+          </p:cNvPr>
+          <p:cNvSpPr txBox="1"/>
+          <p:nvPr/>
+        </p:nvSpPr>
+        <p:spPr>
+          <a:xfrm>
+            <a:off x="5402837" y="1795343"/>
+            <a:ext cx="746765" cy="369332"/>
+          </a:xfrm>
+          <a:prstGeom prst="rect">
+            <a:avLst/>
+          </a:prstGeom>
+          <a:noFill/>
+        </p:spPr>
+        <p:txBody>
+          <a:bodyPr wrap="square">
+            <a:spAutoFit/>
+          </a:bodyPr>
+          <a:lstStyle/>
+          <a:p>
+            <a:r>
+              <a:rPr lang="en-US" b="1" dirty="0"/>
+              <a:t>CLK</a:t>
+            </a:r>
+            <a:endParaRPr lang="en-SG" b="1" dirty="0"/>
+          </a:p>
+        </p:txBody>
+      </p:sp>
+      <p:cxnSp>
+        <p:nvCxnSpPr>
+          <p:cNvPr id="48" name="Straight Arrow Connector 47">
+            <a:extLst>
+              <a:ext uri="{FF2B5EF4-FFF2-40B4-BE49-F238E27FC236}">
+                <a16:creationId xmlns:a16="http://schemas.microsoft.com/office/drawing/2014/main" id="{398EA47F-B75B-B16B-B675-A2FACD9FC9C4}"/>
+              </a:ext>
+            </a:extLst>
+          </p:cNvPr>
+          <p:cNvCxnSpPr>
+            <a:cxnSpLocks/>
+          </p:cNvCxnSpPr>
+          <p:nvPr/>
+        </p:nvCxnSpPr>
+        <p:spPr>
+          <a:xfrm flipH="1">
+            <a:off x="7769469" y="1872993"/>
+            <a:ext cx="418399" cy="0"/>
+          </a:xfrm>
+          <a:prstGeom prst="straightConnector1">
+            <a:avLst/>
+          </a:prstGeom>
+          <a:ln>
+            <a:solidFill>
+              <a:schemeClr val="tx1"/>
+            </a:solidFill>
+            <a:tailEnd type="triangle"/>
+          </a:ln>
+        </p:spPr>
+        <p:style>
+          <a:lnRef idx="2">
+            <a:schemeClr val="accent1"/>
+          </a:lnRef>
+          <a:fillRef idx="0">
+            <a:schemeClr val="accent1"/>
+          </a:fillRef>
+          <a:effectRef idx="1">
+            <a:schemeClr val="accent1"/>
+          </a:effectRef>
+          <a:fontRef idx="minor">
+            <a:schemeClr val="tx1"/>
+          </a:fontRef>
+        </p:style>
+      </p:cxnSp>
+      <p:sp>
+        <p:nvSpPr>
+          <p:cNvPr id="49" name="TextBox 48">
+            <a:extLst>
+              <a:ext uri="{FF2B5EF4-FFF2-40B4-BE49-F238E27FC236}">
+                <a16:creationId xmlns:a16="http://schemas.microsoft.com/office/drawing/2014/main" id="{6F9F1A26-113A-EE10-09DC-CAE6E4914E6E}"/>
+              </a:ext>
+            </a:extLst>
+          </p:cNvPr>
+          <p:cNvSpPr txBox="1"/>
+          <p:nvPr/>
+        </p:nvSpPr>
+        <p:spPr>
+          <a:xfrm>
+            <a:off x="8187868" y="1760921"/>
+            <a:ext cx="1223077" cy="307777"/>
+          </a:xfrm>
+          <a:prstGeom prst="rect">
+            <a:avLst/>
+          </a:prstGeom>
+          <a:noFill/>
+        </p:spPr>
+        <p:txBody>
+          <a:bodyPr wrap="square">
+            <a:spAutoFit/>
+          </a:bodyPr>
+          <a:lstStyle/>
+          <a:p>
+            <a:r>
+              <a:rPr lang="en-US" sz="1400" b="1" dirty="0"/>
+              <a:t>CLK pulse </a:t>
+            </a:r>
+            <a:endParaRPr lang="en-SG" sz="1400" b="1" dirty="0"/>
+          </a:p>
+        </p:txBody>
+      </p:sp>
+      <p:cxnSp>
+        <p:nvCxnSpPr>
+          <p:cNvPr id="50" name="Straight Arrow Connector 49">
+            <a:extLst>
+              <a:ext uri="{FF2B5EF4-FFF2-40B4-BE49-F238E27FC236}">
+                <a16:creationId xmlns:a16="http://schemas.microsoft.com/office/drawing/2014/main" id="{5EE56E4A-D051-4C79-B97C-76B004B2E9DB}"/>
+              </a:ext>
+            </a:extLst>
+          </p:cNvPr>
+          <p:cNvCxnSpPr>
+            <a:cxnSpLocks/>
+          </p:cNvCxnSpPr>
+          <p:nvPr/>
+        </p:nvCxnSpPr>
+        <p:spPr>
+          <a:xfrm flipH="1" flipV="1">
+            <a:off x="7778068" y="1232772"/>
+            <a:ext cx="302538" cy="208703"/>
+          </a:xfrm>
+          <a:prstGeom prst="straightConnector1">
+            <a:avLst/>
+          </a:prstGeom>
+          <a:ln>
+            <a:solidFill>
+              <a:schemeClr val="tx1"/>
+            </a:solidFill>
+            <a:tailEnd type="triangle"/>
+          </a:ln>
+        </p:spPr>
+        <p:style>
+          <a:lnRef idx="2">
+            <a:schemeClr val="accent1"/>
+          </a:lnRef>
+          <a:fillRef idx="0">
+            <a:schemeClr val="accent1"/>
+          </a:fillRef>
+          <a:effectRef idx="1">
+            <a:schemeClr val="accent1"/>
+          </a:effectRef>
+          <a:fontRef idx="minor">
+            <a:schemeClr val="tx1"/>
+          </a:fontRef>
+        </p:style>
+      </p:cxnSp>
+      <p:sp>
+        <p:nvSpPr>
+          <p:cNvPr id="51" name="TextBox 50">
+            <a:extLst>
+              <a:ext uri="{FF2B5EF4-FFF2-40B4-BE49-F238E27FC236}">
+                <a16:creationId xmlns:a16="http://schemas.microsoft.com/office/drawing/2014/main" id="{63CC039C-2649-550F-AF43-EEFBF1500D41}"/>
+              </a:ext>
+            </a:extLst>
+          </p:cNvPr>
+          <p:cNvSpPr txBox="1"/>
+          <p:nvPr/>
+        </p:nvSpPr>
+        <p:spPr>
+          <a:xfrm>
+            <a:off x="8044233" y="1303985"/>
+            <a:ext cx="1966272" cy="307777"/>
+          </a:xfrm>
+          <a:prstGeom prst="rect">
+            <a:avLst/>
+          </a:prstGeom>
+          <a:noFill/>
+        </p:spPr>
+        <p:txBody>
+          <a:bodyPr wrap="square">
+            <a:spAutoFit/>
+          </a:bodyPr>
+          <a:lstStyle/>
+          <a:p>
+            <a:r>
+              <a:rPr lang="en-US" sz="1400" b="1" dirty="0"/>
+              <a:t>J state voltage high</a:t>
+            </a:r>
+            <a:endParaRPr lang="en-SG" sz="1400" b="1" dirty="0"/>
+          </a:p>
+        </p:txBody>
+      </p:sp>
+      <p:sp>
+        <p:nvSpPr>
+          <p:cNvPr id="52" name="TextBox 51">
+            <a:extLst>
+              <a:ext uri="{FF2B5EF4-FFF2-40B4-BE49-F238E27FC236}">
+                <a16:creationId xmlns:a16="http://schemas.microsoft.com/office/drawing/2014/main" id="{5EF41B77-9459-4E7C-B251-30E428A0D9A8}"/>
+              </a:ext>
+            </a:extLst>
+          </p:cNvPr>
+          <p:cNvSpPr txBox="1"/>
+          <p:nvPr/>
+        </p:nvSpPr>
+        <p:spPr>
+          <a:xfrm>
+            <a:off x="7208653" y="2257269"/>
+            <a:ext cx="913553" cy="307777"/>
+          </a:xfrm>
+          <a:prstGeom prst="rect">
+            <a:avLst/>
+          </a:prstGeom>
+          <a:noFill/>
+        </p:spPr>
+        <p:txBody>
+          <a:bodyPr wrap="square">
+            <a:spAutoFit/>
+          </a:bodyPr>
+          <a:lstStyle/>
+          <a:p>
+            <a:r>
+              <a:rPr lang="en-US" sz="1400" b="1" dirty="0"/>
+              <a:t>Time-T0’</a:t>
+            </a:r>
+            <a:endParaRPr lang="en-SG" sz="1400" b="1" dirty="0"/>
+          </a:p>
+        </p:txBody>
+      </p:sp>
+      <p:sp>
+        <p:nvSpPr>
+          <p:cNvPr id="58" name="TextBox 57">
+            <a:extLst>
+              <a:ext uri="{FF2B5EF4-FFF2-40B4-BE49-F238E27FC236}">
+                <a16:creationId xmlns:a16="http://schemas.microsoft.com/office/drawing/2014/main" id="{31759093-19B4-79F2-E099-CBD3151C79E7}"/>
+              </a:ext>
+            </a:extLst>
+          </p:cNvPr>
+          <p:cNvSpPr txBox="1"/>
+          <p:nvPr/>
+        </p:nvSpPr>
+        <p:spPr>
+          <a:xfrm>
+            <a:off x="5579878" y="621441"/>
+            <a:ext cx="2067917" cy="523220"/>
+          </a:xfrm>
+          <a:prstGeom prst="rect">
+            <a:avLst/>
+          </a:prstGeom>
+          <a:noFill/>
+        </p:spPr>
+        <p:txBody>
+          <a:bodyPr wrap="square">
+            <a:spAutoFit/>
+          </a:bodyPr>
+          <a:lstStyle/>
+          <a:p>
+            <a:r>
+              <a:rPr lang="en-US" sz="1400" b="1" dirty="0">
+                <a:solidFill>
+                  <a:schemeClr val="accent6">
+                    <a:lumMod val="75000"/>
+                  </a:schemeClr>
+                </a:solidFill>
+              </a:rPr>
+              <a:t>Correct implementation </a:t>
+            </a:r>
+            <a:endParaRPr lang="en-SG" sz="1400" b="1" dirty="0">
+              <a:solidFill>
+                <a:schemeClr val="accent6">
+                  <a:lumMod val="75000"/>
+                </a:schemeClr>
+              </a:solidFill>
+            </a:endParaRPr>
+          </a:p>
+        </p:txBody>
+      </p:sp>
+      <p:pic>
+        <p:nvPicPr>
+          <p:cNvPr id="60" name="Picture 59">
+            <a:extLst>
+              <a:ext uri="{FF2B5EF4-FFF2-40B4-BE49-F238E27FC236}">
+                <a16:creationId xmlns:a16="http://schemas.microsoft.com/office/drawing/2014/main" id="{C6C37412-5EFD-0073-8B3D-F19EF853AA82}"/>
+              </a:ext>
+            </a:extLst>
+          </p:cNvPr>
+          <p:cNvPicPr>
+            <a:picLocks noChangeAspect="1"/>
+          </p:cNvPicPr>
+          <p:nvPr/>
+        </p:nvPicPr>
+        <p:blipFill>
+          <a:blip r:embed="rId2"/>
+          <a:stretch>
+            <a:fillRect/>
+          </a:stretch>
+        </p:blipFill>
+        <p:spPr>
+          <a:xfrm>
+            <a:off x="1210663" y="3310442"/>
+            <a:ext cx="2514286" cy="2514286"/>
+          </a:xfrm>
+          <a:prstGeom prst="rect">
+            <a:avLst/>
+          </a:prstGeom>
+        </p:spPr>
+      </p:pic>
+    </p:spTree>
+    <p:extLst>
+      <p:ext uri="{BB962C8B-B14F-4D97-AF65-F5344CB8AC3E}">
+        <p14:creationId xmlns:p14="http://schemas.microsoft.com/office/powerpoint/2010/main" val="1868961497"/>
+      </p:ext>
+    </p:extLst>
+  </p:cSld>
+  <p:clrMapOvr>
+    <a:masterClrMapping/>
+  </p:clrMapOvr>
+</p:sld>
+</file>
+
+<file path=ppt/slides/slide5.xml><?xml version="1.0" encoding="utf-8"?>
+<p:sld xmlns:a="http://schemas.openxmlformats.org/drawingml/2006/main" xmlns:r="http://schemas.openxmlformats.org/officeDocument/2006/relationships" xmlns:p="http://schemas.openxmlformats.org/presentationml/2006/main">
+  <p:cSld>
+    <p:spTree>
+      <p:nvGrpSpPr>
+        <p:cNvPr id="1" name=""/>
+        <p:cNvGrpSpPr/>
+        <p:nvPr/>
+      </p:nvGrpSpPr>
+      <p:grpSpPr>
+        <a:xfrm>
+          <a:off x="0" y="0"/>
+          <a:ext cx="0" cy="0"/>
+          <a:chOff x="0" y="0"/>
+          <a:chExt cx="0" cy="0"/>
+        </a:xfrm>
+      </p:grpSpPr>
+      <p:pic>
+        <p:nvPicPr>
+          <p:cNvPr id="4" name="Graphic 3" descr="Wireless router with solid fill">
+            <a:extLst>
+              <a:ext uri="{FF2B5EF4-FFF2-40B4-BE49-F238E27FC236}">
+                <a16:creationId xmlns:a16="http://schemas.microsoft.com/office/drawing/2014/main" id="{EF0EDB33-97E5-95C3-09C5-01A818A61A07}"/>
+              </a:ext>
+            </a:extLst>
+          </p:cNvPr>
+          <p:cNvPicPr>
+            <a:picLocks noChangeAspect="1"/>
+          </p:cNvPicPr>
+          <p:nvPr/>
+        </p:nvPicPr>
+        <p:blipFill>
+          <a:blip r:embed="rId2">
+            <a:extLst>
+              <a:ext uri="{96DAC541-7B7A-43D3-8B79-37D633B846F1}">
+                <asvg:svgBlip xmlns:asvg="http://schemas.microsoft.com/office/drawing/2016/SVG/main" r:embed="rId3"/>
+              </a:ext>
+            </a:extLst>
+          </a:blip>
+          <a:stretch>
+            <a:fillRect/>
+          </a:stretch>
+        </p:blipFill>
+        <p:spPr>
+          <a:xfrm>
+            <a:off x="3883219" y="1997981"/>
+            <a:ext cx="329184" cy="329184"/>
+          </a:xfrm>
+          <a:prstGeom prst="rect">
+            <a:avLst/>
+          </a:prstGeom>
+        </p:spPr>
+      </p:pic>
+      <p:pic>
+        <p:nvPicPr>
+          <p:cNvPr id="5" name="Graphic 4" descr="Wireless router with solid fill">
+            <a:extLst>
+              <a:ext uri="{FF2B5EF4-FFF2-40B4-BE49-F238E27FC236}">
+                <a16:creationId xmlns:a16="http://schemas.microsoft.com/office/drawing/2014/main" id="{ED37DE53-9DD2-A81A-6BBE-4E71CD4D0BA2}"/>
+              </a:ext>
+            </a:extLst>
+          </p:cNvPr>
+          <p:cNvPicPr>
+            <a:picLocks noChangeAspect="1"/>
+          </p:cNvPicPr>
+          <p:nvPr/>
+        </p:nvPicPr>
+        <p:blipFill>
+          <a:blip r:embed="rId2">
+            <a:extLst>
+              <a:ext uri="{96DAC541-7B7A-43D3-8B79-37D633B846F1}">
+                <asvg:svgBlip xmlns:asvg="http://schemas.microsoft.com/office/drawing/2016/SVG/main" r:embed="rId3"/>
+              </a:ext>
+            </a:extLst>
+          </a:blip>
+          <a:stretch>
+            <a:fillRect/>
+          </a:stretch>
+        </p:blipFill>
+        <p:spPr>
+          <a:xfrm>
+            <a:off x="6706522" y="1980060"/>
+            <a:ext cx="329184" cy="329184"/>
+          </a:xfrm>
+          <a:prstGeom prst="rect">
+            <a:avLst/>
+          </a:prstGeom>
+        </p:spPr>
+      </p:pic>
+      <p:sp>
+        <p:nvSpPr>
+          <p:cNvPr id="6" name="Rectangle 5">
+            <a:extLst>
+              <a:ext uri="{FF2B5EF4-FFF2-40B4-BE49-F238E27FC236}">
+                <a16:creationId xmlns:a16="http://schemas.microsoft.com/office/drawing/2014/main" id="{2C0616AF-DB5C-4E4A-D129-DA4A27D71BA0}"/>
+              </a:ext>
+            </a:extLst>
+          </p:cNvPr>
+          <p:cNvSpPr/>
+          <p:nvPr/>
+        </p:nvSpPr>
+        <p:spPr>
+          <a:xfrm>
+            <a:off x="3499171" y="1501709"/>
+            <a:ext cx="411479" cy="222033"/>
+          </a:xfrm>
+          <a:prstGeom prst="rect">
+            <a:avLst/>
+          </a:prstGeom>
+          <a:noFill/>
+        </p:spPr>
+        <p:style>
+          <a:lnRef idx="2">
+            <a:schemeClr val="accent1">
+              <a:shade val="15000"/>
+            </a:schemeClr>
+          </a:lnRef>
+          <a:fillRef idx="1">
+            <a:schemeClr val="accent1"/>
+          </a:fillRef>
+          <a:effectRef idx="0">
+            <a:schemeClr val="accent1"/>
+          </a:effectRef>
+          <a:fontRef idx="minor">
+            <a:schemeClr val="lt1"/>
+          </a:fontRef>
+        </p:style>
+        <p:txBody>
+          <a:bodyPr rtlCol="0" anchor="ctr"/>
+          <a:lstStyle/>
+          <a:p>
+            <a:pPr algn="ctr"/>
+            <a:endParaRPr lang="en-SG"/>
+          </a:p>
+        </p:txBody>
+      </p:sp>
+      <p:sp>
+        <p:nvSpPr>
+          <p:cNvPr id="7" name="Oval 6">
+            <a:extLst>
+              <a:ext uri="{FF2B5EF4-FFF2-40B4-BE49-F238E27FC236}">
+                <a16:creationId xmlns:a16="http://schemas.microsoft.com/office/drawing/2014/main" id="{050844E0-94A6-258E-A209-B01789F86AF2}"/>
+              </a:ext>
+            </a:extLst>
+          </p:cNvPr>
+          <p:cNvSpPr/>
+          <p:nvPr/>
+        </p:nvSpPr>
+        <p:spPr>
+          <a:xfrm>
+            <a:off x="3531174" y="1535990"/>
+            <a:ext cx="164592" cy="153469"/>
+          </a:xfrm>
+          <a:prstGeom prst="ellipse">
+            <a:avLst/>
+          </a:prstGeom>
+          <a:solidFill>
+            <a:schemeClr val="accent6">
+              <a:lumMod val="75000"/>
+            </a:schemeClr>
+          </a:solidFill>
+        </p:spPr>
+        <p:style>
+          <a:lnRef idx="2">
+            <a:schemeClr val="accent1">
+              <a:shade val="15000"/>
+            </a:schemeClr>
+          </a:lnRef>
+          <a:fillRef idx="1">
+            <a:schemeClr val="accent1"/>
+          </a:fillRef>
+          <a:effectRef idx="0">
+            <a:schemeClr val="accent1"/>
+          </a:effectRef>
+          <a:fontRef idx="minor">
+            <a:schemeClr val="lt1"/>
+          </a:fontRef>
+        </p:style>
+        <p:txBody>
+          <a:bodyPr rtlCol="0" anchor="ctr"/>
+          <a:lstStyle/>
+          <a:p>
+            <a:pPr algn="ctr"/>
+            <a:endParaRPr lang="en-SG"/>
+          </a:p>
+        </p:txBody>
+      </p:sp>
+      <p:sp>
+        <p:nvSpPr>
+          <p:cNvPr id="8" name="Oval 7">
+            <a:extLst>
+              <a:ext uri="{FF2B5EF4-FFF2-40B4-BE49-F238E27FC236}">
+                <a16:creationId xmlns:a16="http://schemas.microsoft.com/office/drawing/2014/main" id="{25030468-AAD5-FE22-E27E-F043AA34729D}"/>
+              </a:ext>
+            </a:extLst>
+          </p:cNvPr>
+          <p:cNvSpPr/>
+          <p:nvPr/>
+        </p:nvSpPr>
+        <p:spPr>
+          <a:xfrm>
+            <a:off x="3718627" y="1535990"/>
+            <a:ext cx="164592" cy="153469"/>
+          </a:xfrm>
+          <a:prstGeom prst="ellipse">
+            <a:avLst/>
+          </a:prstGeom>
+          <a:noFill/>
+        </p:spPr>
+        <p:style>
+          <a:lnRef idx="2">
+            <a:schemeClr val="accent1">
+              <a:shade val="15000"/>
+            </a:schemeClr>
+          </a:lnRef>
+          <a:fillRef idx="1">
+            <a:schemeClr val="accent1"/>
+          </a:fillRef>
+          <a:effectRef idx="0">
+            <a:schemeClr val="accent1"/>
+          </a:effectRef>
+          <a:fontRef idx="minor">
+            <a:schemeClr val="lt1"/>
+          </a:fontRef>
+        </p:style>
+        <p:txBody>
+          <a:bodyPr rtlCol="0" anchor="ctr"/>
+          <a:lstStyle/>
+          <a:p>
+            <a:pPr algn="ctr"/>
+            <a:endParaRPr lang="en-SG"/>
+          </a:p>
+        </p:txBody>
+      </p:sp>
+      <p:cxnSp>
+        <p:nvCxnSpPr>
+          <p:cNvPr id="9" name="Straight Connector 8">
+            <a:extLst>
+              <a:ext uri="{FF2B5EF4-FFF2-40B4-BE49-F238E27FC236}">
+                <a16:creationId xmlns:a16="http://schemas.microsoft.com/office/drawing/2014/main" id="{DFA02876-5BF4-5A49-8B05-4E800033A793}"/>
+              </a:ext>
+            </a:extLst>
+          </p:cNvPr>
+          <p:cNvCxnSpPr>
+            <a:cxnSpLocks/>
+            <a:stCxn id="6" idx="2"/>
+          </p:cNvCxnSpPr>
+          <p:nvPr/>
+        </p:nvCxnSpPr>
+        <p:spPr>
+          <a:xfrm flipH="1">
+            <a:off x="3704910" y="1723742"/>
+            <a:ext cx="1" cy="964594"/>
+          </a:xfrm>
+          <a:prstGeom prst="line">
+            <a:avLst/>
+          </a:prstGeom>
+        </p:spPr>
+        <p:style>
+          <a:lnRef idx="2">
+            <a:schemeClr val="accent1"/>
+          </a:lnRef>
+          <a:fillRef idx="0">
+            <a:schemeClr val="accent1"/>
+          </a:fillRef>
+          <a:effectRef idx="1">
+            <a:schemeClr val="accent1"/>
+          </a:effectRef>
+          <a:fontRef idx="minor">
+            <a:schemeClr val="tx1"/>
+          </a:fontRef>
+        </p:style>
+      </p:cxnSp>
+      <p:sp>
+        <p:nvSpPr>
+          <p:cNvPr id="17" name="Rectangle 16">
+            <a:extLst>
+              <a:ext uri="{FF2B5EF4-FFF2-40B4-BE49-F238E27FC236}">
+                <a16:creationId xmlns:a16="http://schemas.microsoft.com/office/drawing/2014/main" id="{0A851741-F2B5-A778-B756-12A85DCFCF10}"/>
+              </a:ext>
+            </a:extLst>
+          </p:cNvPr>
+          <p:cNvSpPr/>
+          <p:nvPr/>
+        </p:nvSpPr>
+        <p:spPr>
+          <a:xfrm>
+            <a:off x="3294820" y="2327603"/>
+            <a:ext cx="4349541" cy="84388"/>
+          </a:xfrm>
+          <a:prstGeom prst="rect">
+            <a:avLst/>
+          </a:prstGeom>
+        </p:spPr>
+        <p:style>
+          <a:lnRef idx="2">
+            <a:schemeClr val="accent1">
+              <a:shade val="15000"/>
+            </a:schemeClr>
+          </a:lnRef>
+          <a:fillRef idx="1">
+            <a:schemeClr val="accent1"/>
+          </a:fillRef>
+          <a:effectRef idx="0">
+            <a:schemeClr val="accent1"/>
+          </a:effectRef>
+          <a:fontRef idx="minor">
+            <a:schemeClr val="lt1"/>
+          </a:fontRef>
+        </p:style>
+        <p:txBody>
+          <a:bodyPr rtlCol="0" anchor="ctr"/>
+          <a:lstStyle/>
+          <a:p>
+            <a:pPr algn="ctr"/>
+            <a:endParaRPr lang="en-SG"/>
+          </a:p>
+        </p:txBody>
+      </p:sp>
+      <p:pic>
+        <p:nvPicPr>
+          <p:cNvPr id="19" name="Picture 18">
+            <a:extLst>
+              <a:ext uri="{FF2B5EF4-FFF2-40B4-BE49-F238E27FC236}">
+                <a16:creationId xmlns:a16="http://schemas.microsoft.com/office/drawing/2014/main" id="{9BD3A74F-D4D4-09DF-256B-F8ACEC1A690F}"/>
+              </a:ext>
+            </a:extLst>
+          </p:cNvPr>
+          <p:cNvPicPr>
+            <a:picLocks noChangeAspect="1"/>
+          </p:cNvPicPr>
+          <p:nvPr/>
+        </p:nvPicPr>
+        <p:blipFill>
+          <a:blip r:embed="rId4"/>
+          <a:stretch>
+            <a:fillRect/>
+          </a:stretch>
+        </p:blipFill>
+        <p:spPr>
+          <a:xfrm>
+            <a:off x="4801878" y="3627423"/>
+            <a:ext cx="3200000" cy="1419048"/>
+          </a:xfrm>
+          <a:prstGeom prst="rect">
+            <a:avLst/>
+          </a:prstGeom>
+        </p:spPr>
+      </p:pic>
+      <p:pic>
+        <p:nvPicPr>
+          <p:cNvPr id="20" name="Picture 19">
+            <a:extLst>
+              <a:ext uri="{FF2B5EF4-FFF2-40B4-BE49-F238E27FC236}">
+                <a16:creationId xmlns:a16="http://schemas.microsoft.com/office/drawing/2014/main" id="{1C836FF6-4879-3C46-53F6-9367C56C3CF2}"/>
+              </a:ext>
+            </a:extLst>
+          </p:cNvPr>
+          <p:cNvPicPr>
+            <a:picLocks noChangeAspect="1"/>
+          </p:cNvPicPr>
+          <p:nvPr/>
+        </p:nvPicPr>
+        <p:blipFill>
+          <a:blip r:embed="rId5"/>
+          <a:stretch>
+            <a:fillRect/>
+          </a:stretch>
+        </p:blipFill>
+        <p:spPr>
+          <a:xfrm>
+            <a:off x="3413292" y="4169664"/>
+            <a:ext cx="939854" cy="939854"/>
+          </a:xfrm>
+          <a:prstGeom prst="rect">
+            <a:avLst/>
+          </a:prstGeom>
+        </p:spPr>
+      </p:pic>
+      <p:sp>
+        <p:nvSpPr>
+          <p:cNvPr id="21" name="TextBox 20">
+            <a:extLst>
+              <a:ext uri="{FF2B5EF4-FFF2-40B4-BE49-F238E27FC236}">
+                <a16:creationId xmlns:a16="http://schemas.microsoft.com/office/drawing/2014/main" id="{1DE02F82-031B-8B51-92AA-807665382CAD}"/>
+              </a:ext>
+            </a:extLst>
+          </p:cNvPr>
+          <p:cNvSpPr txBox="1"/>
+          <p:nvPr/>
+        </p:nvSpPr>
+        <p:spPr>
+          <a:xfrm>
+            <a:off x="3864257" y="1789050"/>
+            <a:ext cx="1139639" cy="261610"/>
+          </a:xfrm>
+          <a:prstGeom prst="rect">
+            <a:avLst/>
+          </a:prstGeom>
+          <a:noFill/>
+        </p:spPr>
+        <p:txBody>
+          <a:bodyPr wrap="square">
+            <a:spAutoFit/>
+          </a:bodyPr>
+          <a:lstStyle/>
+          <a:p>
+            <a:r>
+              <a:rPr lang="en-US" sz="1100" b="1" dirty="0"/>
+              <a:t>Sensor(n)</a:t>
+            </a:r>
+            <a:endParaRPr lang="en-SG" sz="1100" b="1" dirty="0"/>
+          </a:p>
+        </p:txBody>
+      </p:sp>
+      <p:sp>
+        <p:nvSpPr>
+          <p:cNvPr id="22" name="TextBox 21">
+            <a:extLst>
+              <a:ext uri="{FF2B5EF4-FFF2-40B4-BE49-F238E27FC236}">
+                <a16:creationId xmlns:a16="http://schemas.microsoft.com/office/drawing/2014/main" id="{948A140B-D0EC-12E9-32D5-20F3C21A76FA}"/>
+              </a:ext>
+            </a:extLst>
+          </p:cNvPr>
+          <p:cNvSpPr txBox="1"/>
+          <p:nvPr/>
+        </p:nvSpPr>
+        <p:spPr>
+          <a:xfrm>
+            <a:off x="6465886" y="1805476"/>
+            <a:ext cx="1139639" cy="261610"/>
+          </a:xfrm>
+          <a:prstGeom prst="rect">
+            <a:avLst/>
+          </a:prstGeom>
+          <a:noFill/>
+        </p:spPr>
+        <p:txBody>
+          <a:bodyPr wrap="square">
+            <a:spAutoFit/>
+          </a:bodyPr>
+          <a:lstStyle/>
+          <a:p>
+            <a:r>
+              <a:rPr lang="en-US" sz="1100" b="1" dirty="0"/>
+              <a:t>Sensor(n+1)</a:t>
+            </a:r>
+            <a:endParaRPr lang="en-SG" sz="1100" b="1" dirty="0"/>
+          </a:p>
+        </p:txBody>
+      </p:sp>
+      <p:sp>
+        <p:nvSpPr>
+          <p:cNvPr id="23" name="TextBox 22">
+            <a:extLst>
+              <a:ext uri="{FF2B5EF4-FFF2-40B4-BE49-F238E27FC236}">
+                <a16:creationId xmlns:a16="http://schemas.microsoft.com/office/drawing/2014/main" id="{50CF5E9D-8072-E06F-DB16-7049F1415F3E}"/>
+              </a:ext>
+            </a:extLst>
+          </p:cNvPr>
+          <p:cNvSpPr txBox="1"/>
+          <p:nvPr/>
+        </p:nvSpPr>
+        <p:spPr>
+          <a:xfrm>
+            <a:off x="3340830" y="1160202"/>
+            <a:ext cx="1139639" cy="261610"/>
+          </a:xfrm>
+          <a:prstGeom prst="rect">
+            <a:avLst/>
+          </a:prstGeom>
+          <a:noFill/>
+        </p:spPr>
+        <p:txBody>
+          <a:bodyPr wrap="square">
+            <a:spAutoFit/>
+          </a:bodyPr>
+          <a:lstStyle/>
+          <a:p>
+            <a:r>
+              <a:rPr lang="en-US" sz="1100" b="1" dirty="0"/>
+              <a:t>Signal(n)</a:t>
+            </a:r>
+            <a:endParaRPr lang="en-SG" sz="1100" b="1" dirty="0"/>
+          </a:p>
+        </p:txBody>
+      </p:sp>
+      <p:cxnSp>
+        <p:nvCxnSpPr>
+          <p:cNvPr id="25" name="Straight Connector 24">
+            <a:extLst>
+              <a:ext uri="{FF2B5EF4-FFF2-40B4-BE49-F238E27FC236}">
+                <a16:creationId xmlns:a16="http://schemas.microsoft.com/office/drawing/2014/main" id="{475485F4-B24D-1168-FFD1-FA1F86D954EF}"/>
+              </a:ext>
+            </a:extLst>
+          </p:cNvPr>
+          <p:cNvCxnSpPr/>
+          <p:nvPr/>
+        </p:nvCxnSpPr>
+        <p:spPr>
+          <a:xfrm>
+            <a:off x="3372183" y="2688336"/>
+            <a:ext cx="4194813" cy="0"/>
+          </a:xfrm>
+          <a:prstGeom prst="line">
+            <a:avLst/>
+          </a:prstGeom>
+        </p:spPr>
+        <p:style>
+          <a:lnRef idx="2">
+            <a:schemeClr val="accent1"/>
+          </a:lnRef>
+          <a:fillRef idx="0">
+            <a:schemeClr val="accent1"/>
+          </a:fillRef>
+          <a:effectRef idx="1">
+            <a:schemeClr val="accent1"/>
+          </a:effectRef>
+          <a:fontRef idx="minor">
+            <a:schemeClr val="tx1"/>
+          </a:fontRef>
+        </p:style>
+      </p:cxnSp>
+      <p:cxnSp>
+        <p:nvCxnSpPr>
+          <p:cNvPr id="26" name="Straight Connector 25">
+            <a:extLst>
+              <a:ext uri="{FF2B5EF4-FFF2-40B4-BE49-F238E27FC236}">
+                <a16:creationId xmlns:a16="http://schemas.microsoft.com/office/drawing/2014/main" id="{49DDB7A3-23E4-FD3B-5534-90A4E58B0230}"/>
+              </a:ext>
+            </a:extLst>
+          </p:cNvPr>
+          <p:cNvCxnSpPr>
+            <a:cxnSpLocks/>
+          </p:cNvCxnSpPr>
+          <p:nvPr/>
+        </p:nvCxnSpPr>
+        <p:spPr>
+          <a:xfrm>
+            <a:off x="3294820" y="2877312"/>
+            <a:ext cx="4272175" cy="0"/>
+          </a:xfrm>
+          <a:prstGeom prst="line">
+            <a:avLst/>
+          </a:prstGeom>
+          <a:ln>
+            <a:solidFill>
+              <a:schemeClr val="accent5">
+                <a:lumMod val="75000"/>
+              </a:schemeClr>
+            </a:solidFill>
+          </a:ln>
+        </p:spPr>
+        <p:style>
+          <a:lnRef idx="2">
+            <a:schemeClr val="accent1"/>
+          </a:lnRef>
+          <a:fillRef idx="0">
+            <a:schemeClr val="accent1"/>
+          </a:fillRef>
+          <a:effectRef idx="1">
+            <a:schemeClr val="accent1"/>
+          </a:effectRef>
+          <a:fontRef idx="minor">
+            <a:schemeClr val="tx1"/>
+          </a:fontRef>
+        </p:style>
+      </p:cxnSp>
+      <p:cxnSp>
+        <p:nvCxnSpPr>
+          <p:cNvPr id="27" name="Straight Connector 26">
+            <a:extLst>
+              <a:ext uri="{FF2B5EF4-FFF2-40B4-BE49-F238E27FC236}">
+                <a16:creationId xmlns:a16="http://schemas.microsoft.com/office/drawing/2014/main" id="{8A01241C-D409-6E8E-4067-A735F8A825CF}"/>
+              </a:ext>
+            </a:extLst>
+          </p:cNvPr>
+          <p:cNvCxnSpPr>
+            <a:cxnSpLocks/>
+          </p:cNvCxnSpPr>
+          <p:nvPr/>
+        </p:nvCxnSpPr>
+        <p:spPr>
+          <a:xfrm>
+            <a:off x="3294820" y="3078480"/>
+            <a:ext cx="4272175" cy="0"/>
+          </a:xfrm>
+          <a:prstGeom prst="line">
+            <a:avLst/>
+          </a:prstGeom>
+          <a:ln>
+            <a:solidFill>
+              <a:schemeClr val="accent2">
+                <a:lumMod val="75000"/>
+              </a:schemeClr>
+            </a:solidFill>
+          </a:ln>
+        </p:spPr>
+        <p:style>
+          <a:lnRef idx="2">
+            <a:schemeClr val="accent1"/>
+          </a:lnRef>
+          <a:fillRef idx="0">
+            <a:schemeClr val="accent1"/>
+          </a:fillRef>
+          <a:effectRef idx="1">
+            <a:schemeClr val="accent1"/>
+          </a:effectRef>
+          <a:fontRef idx="minor">
+            <a:schemeClr val="tx1"/>
+          </a:fontRef>
+        </p:style>
+      </p:cxnSp>
+      <p:cxnSp>
+        <p:nvCxnSpPr>
+          <p:cNvPr id="29" name="Straight Connector 28">
+            <a:extLst>
+              <a:ext uri="{FF2B5EF4-FFF2-40B4-BE49-F238E27FC236}">
+                <a16:creationId xmlns:a16="http://schemas.microsoft.com/office/drawing/2014/main" id="{0550F0DE-9C43-4F73-801C-B9968A5BEF44}"/>
+              </a:ext>
+            </a:extLst>
+          </p:cNvPr>
+          <p:cNvCxnSpPr>
+            <a:cxnSpLocks/>
+          </p:cNvCxnSpPr>
+          <p:nvPr/>
+        </p:nvCxnSpPr>
+        <p:spPr>
+          <a:xfrm>
+            <a:off x="4047811" y="2286015"/>
+            <a:ext cx="0" cy="575359"/>
+          </a:xfrm>
+          <a:prstGeom prst="line">
+            <a:avLst/>
+          </a:prstGeom>
+          <a:ln>
+            <a:solidFill>
+              <a:schemeClr val="accent5">
+                <a:lumMod val="75000"/>
+              </a:schemeClr>
+            </a:solidFill>
+          </a:ln>
+        </p:spPr>
+        <p:style>
+          <a:lnRef idx="2">
+            <a:schemeClr val="accent1"/>
+          </a:lnRef>
+          <a:fillRef idx="0">
+            <a:schemeClr val="accent1"/>
+          </a:fillRef>
+          <a:effectRef idx="1">
+            <a:schemeClr val="accent1"/>
+          </a:effectRef>
+          <a:fontRef idx="minor">
+            <a:schemeClr val="tx1"/>
+          </a:fontRef>
+        </p:style>
+      </p:cxnSp>
+      <p:cxnSp>
+        <p:nvCxnSpPr>
+          <p:cNvPr id="33" name="Straight Connector 32">
+            <a:extLst>
+              <a:ext uri="{FF2B5EF4-FFF2-40B4-BE49-F238E27FC236}">
+                <a16:creationId xmlns:a16="http://schemas.microsoft.com/office/drawing/2014/main" id="{3A02AE41-5510-B9F3-16C3-5DCD884FCAD5}"/>
+              </a:ext>
+            </a:extLst>
+          </p:cNvPr>
+          <p:cNvCxnSpPr>
+            <a:cxnSpLocks/>
+          </p:cNvCxnSpPr>
+          <p:nvPr/>
+        </p:nvCxnSpPr>
+        <p:spPr>
+          <a:xfrm>
+            <a:off x="6871114" y="2411991"/>
+            <a:ext cx="0" cy="666489"/>
+          </a:xfrm>
+          <a:prstGeom prst="line">
+            <a:avLst/>
+          </a:prstGeom>
+          <a:ln>
+            <a:solidFill>
+              <a:schemeClr val="accent2">
+                <a:lumMod val="75000"/>
+              </a:schemeClr>
+            </a:solidFill>
+          </a:ln>
+        </p:spPr>
+        <p:style>
+          <a:lnRef idx="2">
+            <a:schemeClr val="accent1"/>
+          </a:lnRef>
+          <a:fillRef idx="0">
+            <a:schemeClr val="accent1"/>
+          </a:fillRef>
+          <a:effectRef idx="1">
+            <a:schemeClr val="accent1"/>
+          </a:effectRef>
+          <a:fontRef idx="minor">
+            <a:schemeClr val="tx1"/>
+          </a:fontRef>
+        </p:style>
+      </p:cxnSp>
+      <p:cxnSp>
+        <p:nvCxnSpPr>
+          <p:cNvPr id="35" name="Straight Connector 34">
+            <a:extLst>
+              <a:ext uri="{FF2B5EF4-FFF2-40B4-BE49-F238E27FC236}">
+                <a16:creationId xmlns:a16="http://schemas.microsoft.com/office/drawing/2014/main" id="{65474B96-D346-9D2F-CA05-48BE99973F19}"/>
+              </a:ext>
+            </a:extLst>
+          </p:cNvPr>
+          <p:cNvCxnSpPr>
+            <a:cxnSpLocks/>
+          </p:cNvCxnSpPr>
+          <p:nvPr/>
+        </p:nvCxnSpPr>
+        <p:spPr>
+          <a:xfrm>
+            <a:off x="7543426" y="2670947"/>
+            <a:ext cx="0" cy="1309741"/>
+          </a:xfrm>
+          <a:prstGeom prst="line">
+            <a:avLst/>
+          </a:prstGeom>
+        </p:spPr>
+        <p:style>
+          <a:lnRef idx="2">
+            <a:schemeClr val="accent1"/>
+          </a:lnRef>
+          <a:fillRef idx="0">
+            <a:schemeClr val="accent1"/>
+          </a:fillRef>
+          <a:effectRef idx="1">
+            <a:schemeClr val="accent1"/>
+          </a:effectRef>
+          <a:fontRef idx="minor">
+            <a:schemeClr val="tx1"/>
+          </a:fontRef>
+        </p:style>
+      </p:cxnSp>
+      <p:cxnSp>
+        <p:nvCxnSpPr>
+          <p:cNvPr id="37" name="Straight Connector 36">
+            <a:extLst>
+              <a:ext uri="{FF2B5EF4-FFF2-40B4-BE49-F238E27FC236}">
+                <a16:creationId xmlns:a16="http://schemas.microsoft.com/office/drawing/2014/main" id="{10476F5E-8AD1-8912-1373-6AB764FBE491}"/>
+              </a:ext>
+            </a:extLst>
+          </p:cNvPr>
+          <p:cNvCxnSpPr>
+            <a:cxnSpLocks/>
+          </p:cNvCxnSpPr>
+          <p:nvPr/>
+        </p:nvCxnSpPr>
+        <p:spPr>
+          <a:xfrm>
+            <a:off x="4619920" y="3078480"/>
+            <a:ext cx="0" cy="1818995"/>
+          </a:xfrm>
+          <a:prstGeom prst="line">
+            <a:avLst/>
+          </a:prstGeom>
+          <a:ln>
+            <a:solidFill>
+              <a:schemeClr val="accent2">
+                <a:lumMod val="75000"/>
+              </a:schemeClr>
+            </a:solidFill>
+          </a:ln>
+        </p:spPr>
+        <p:style>
+          <a:lnRef idx="2">
+            <a:schemeClr val="accent1"/>
+          </a:lnRef>
+          <a:fillRef idx="0">
+            <a:schemeClr val="accent1"/>
+          </a:fillRef>
+          <a:effectRef idx="1">
+            <a:schemeClr val="accent1"/>
+          </a:effectRef>
+          <a:fontRef idx="minor">
+            <a:schemeClr val="tx1"/>
+          </a:fontRef>
+        </p:style>
+      </p:cxnSp>
+      <p:cxnSp>
+        <p:nvCxnSpPr>
+          <p:cNvPr id="39" name="Straight Connector 38">
+            <a:extLst>
+              <a:ext uri="{FF2B5EF4-FFF2-40B4-BE49-F238E27FC236}">
+                <a16:creationId xmlns:a16="http://schemas.microsoft.com/office/drawing/2014/main" id="{A0889A9F-A06F-F836-55E8-945D4095CCB8}"/>
+              </a:ext>
+            </a:extLst>
+          </p:cNvPr>
+          <p:cNvCxnSpPr>
+            <a:cxnSpLocks/>
+          </p:cNvCxnSpPr>
+          <p:nvPr/>
+        </p:nvCxnSpPr>
+        <p:spPr>
+          <a:xfrm>
+            <a:off x="4619920" y="4897475"/>
+            <a:ext cx="519008" cy="0"/>
+          </a:xfrm>
+          <a:prstGeom prst="line">
+            <a:avLst/>
+          </a:prstGeom>
+          <a:ln>
+            <a:solidFill>
+              <a:schemeClr val="accent2">
+                <a:lumMod val="75000"/>
+              </a:schemeClr>
+            </a:solidFill>
+          </a:ln>
+        </p:spPr>
+        <p:style>
+          <a:lnRef idx="2">
+            <a:schemeClr val="accent1"/>
+          </a:lnRef>
+          <a:fillRef idx="0">
+            <a:schemeClr val="accent1"/>
+          </a:fillRef>
+          <a:effectRef idx="1">
+            <a:schemeClr val="accent1"/>
+          </a:effectRef>
+          <a:fontRef idx="minor">
+            <a:schemeClr val="tx1"/>
+          </a:fontRef>
+        </p:style>
+      </p:cxnSp>
+      <p:cxnSp>
+        <p:nvCxnSpPr>
+          <p:cNvPr id="46" name="Straight Connector 45">
+            <a:extLst>
+              <a:ext uri="{FF2B5EF4-FFF2-40B4-BE49-F238E27FC236}">
+                <a16:creationId xmlns:a16="http://schemas.microsoft.com/office/drawing/2014/main" id="{6053EB9A-FC23-A7A1-1526-A92BF2CA2219}"/>
+              </a:ext>
+            </a:extLst>
+          </p:cNvPr>
+          <p:cNvCxnSpPr>
+            <a:cxnSpLocks/>
+          </p:cNvCxnSpPr>
+          <p:nvPr/>
+        </p:nvCxnSpPr>
+        <p:spPr>
+          <a:xfrm>
+            <a:off x="5178619" y="2877312"/>
+            <a:ext cx="0" cy="999744"/>
+          </a:xfrm>
+          <a:prstGeom prst="line">
+            <a:avLst/>
+          </a:prstGeom>
+          <a:ln>
+            <a:solidFill>
+              <a:schemeClr val="accent5">
+                <a:lumMod val="75000"/>
+              </a:schemeClr>
+            </a:solidFill>
+          </a:ln>
+        </p:spPr>
+        <p:style>
+          <a:lnRef idx="2">
+            <a:schemeClr val="accent1"/>
+          </a:lnRef>
+          <a:fillRef idx="0">
+            <a:schemeClr val="accent1"/>
+          </a:fillRef>
+          <a:effectRef idx="1">
+            <a:schemeClr val="accent1"/>
+          </a:effectRef>
+          <a:fontRef idx="minor">
+            <a:schemeClr val="tx1"/>
+          </a:fontRef>
+        </p:style>
+      </p:cxnSp>
+      <p:cxnSp>
+        <p:nvCxnSpPr>
+          <p:cNvPr id="50" name="Straight Connector 49">
+            <a:extLst>
+              <a:ext uri="{FF2B5EF4-FFF2-40B4-BE49-F238E27FC236}">
+                <a16:creationId xmlns:a16="http://schemas.microsoft.com/office/drawing/2014/main" id="{680D1091-8EBC-5F79-D967-7AF51FCF1439}"/>
+              </a:ext>
+            </a:extLst>
+          </p:cNvPr>
+          <p:cNvCxnSpPr/>
+          <p:nvPr/>
+        </p:nvCxnSpPr>
+        <p:spPr>
+          <a:xfrm flipH="1">
+            <a:off x="4269682" y="4410099"/>
+            <a:ext cx="937647" cy="0"/>
+          </a:xfrm>
+          <a:prstGeom prst="line">
+            <a:avLst/>
+          </a:prstGeom>
+          <a:ln>
+            <a:solidFill>
+              <a:schemeClr val="tx1"/>
+            </a:solidFill>
+          </a:ln>
+        </p:spPr>
+        <p:style>
+          <a:lnRef idx="2">
+            <a:schemeClr val="accent1"/>
+          </a:lnRef>
+          <a:fillRef idx="0">
+            <a:schemeClr val="accent1"/>
+          </a:fillRef>
+          <a:effectRef idx="1">
+            <a:schemeClr val="accent1"/>
+          </a:effectRef>
+          <a:fontRef idx="minor">
+            <a:schemeClr val="tx1"/>
+          </a:fontRef>
+        </p:style>
+      </p:cxnSp>
+      <p:pic>
+        <p:nvPicPr>
+          <p:cNvPr id="52" name="Picture 51">
+            <a:extLst>
+              <a:ext uri="{FF2B5EF4-FFF2-40B4-BE49-F238E27FC236}">
+                <a16:creationId xmlns:a16="http://schemas.microsoft.com/office/drawing/2014/main" id="{DC11965D-E8CA-6ED6-4A74-81FCDF5DD178}"/>
+              </a:ext>
+            </a:extLst>
+          </p:cNvPr>
+          <p:cNvPicPr>
+            <a:picLocks noChangeAspect="1"/>
+          </p:cNvPicPr>
+          <p:nvPr/>
+        </p:nvPicPr>
+        <p:blipFill>
+          <a:blip r:embed="rId6">
+            <a:extLst>
+              <a:ext uri="{28A0092B-C50C-407E-A947-70E740481C1C}">
+                <a14:useLocalDpi xmlns:a14="http://schemas.microsoft.com/office/drawing/2010/main" val="0"/>
+              </a:ext>
+            </a:extLst>
+          </a:blip>
+          <a:stretch>
+            <a:fillRect/>
+          </a:stretch>
+        </p:blipFill>
+        <p:spPr>
+          <a:xfrm rot="5400000">
+            <a:off x="3202956" y="3407772"/>
+            <a:ext cx="476190" cy="409524"/>
+          </a:xfrm>
+          <a:prstGeom prst="rect">
+            <a:avLst/>
+          </a:prstGeom>
+        </p:spPr>
+      </p:pic>
+      <p:cxnSp>
+        <p:nvCxnSpPr>
+          <p:cNvPr id="53" name="Straight Connector 52">
+            <a:extLst>
+              <a:ext uri="{FF2B5EF4-FFF2-40B4-BE49-F238E27FC236}">
+                <a16:creationId xmlns:a16="http://schemas.microsoft.com/office/drawing/2014/main" id="{EA418F5C-06C8-A657-5383-20293E2FDDCC}"/>
+              </a:ext>
+            </a:extLst>
+          </p:cNvPr>
+          <p:cNvCxnSpPr>
+            <a:cxnSpLocks/>
+            <a:endCxn id="52" idx="3"/>
+          </p:cNvCxnSpPr>
+          <p:nvPr/>
+        </p:nvCxnSpPr>
+        <p:spPr>
+          <a:xfrm flipH="1" flipV="1">
+            <a:off x="3441051" y="3850629"/>
+            <a:ext cx="7880" cy="556725"/>
+          </a:xfrm>
+          <a:prstGeom prst="line">
+            <a:avLst/>
+          </a:prstGeom>
+          <a:ln>
+            <a:solidFill>
+              <a:schemeClr val="tx1"/>
+            </a:solidFill>
+          </a:ln>
+        </p:spPr>
+        <p:style>
+          <a:lnRef idx="2">
+            <a:schemeClr val="accent1"/>
+          </a:lnRef>
+          <a:fillRef idx="0">
+            <a:schemeClr val="accent1"/>
+          </a:fillRef>
+          <a:effectRef idx="1">
+            <a:schemeClr val="accent1"/>
+          </a:effectRef>
+          <a:fontRef idx="minor">
+            <a:schemeClr val="tx1"/>
+          </a:fontRef>
+        </p:style>
+      </p:cxnSp>
+      <p:cxnSp>
+        <p:nvCxnSpPr>
+          <p:cNvPr id="58" name="Straight Connector 57">
+            <a:extLst>
+              <a:ext uri="{FF2B5EF4-FFF2-40B4-BE49-F238E27FC236}">
+                <a16:creationId xmlns:a16="http://schemas.microsoft.com/office/drawing/2014/main" id="{10A1B6BB-8F5F-B581-A97A-A33E459C6BD2}"/>
+              </a:ext>
+            </a:extLst>
+          </p:cNvPr>
+          <p:cNvCxnSpPr>
+            <a:cxnSpLocks/>
+          </p:cNvCxnSpPr>
+          <p:nvPr/>
+        </p:nvCxnSpPr>
+        <p:spPr>
+          <a:xfrm>
+            <a:off x="3371377" y="2877312"/>
+            <a:ext cx="0" cy="575359"/>
+          </a:xfrm>
+          <a:prstGeom prst="line">
+            <a:avLst/>
+          </a:prstGeom>
+          <a:ln>
+            <a:solidFill>
+              <a:schemeClr val="accent5">
+                <a:lumMod val="75000"/>
+              </a:schemeClr>
+            </a:solidFill>
+          </a:ln>
+        </p:spPr>
+        <p:style>
+          <a:lnRef idx="2">
+            <a:schemeClr val="accent1"/>
+          </a:lnRef>
+          <a:fillRef idx="0">
+            <a:schemeClr val="accent1"/>
+          </a:fillRef>
+          <a:effectRef idx="1">
+            <a:schemeClr val="accent1"/>
+          </a:effectRef>
+          <a:fontRef idx="minor">
+            <a:schemeClr val="tx1"/>
+          </a:fontRef>
+        </p:style>
+      </p:cxnSp>
+      <p:cxnSp>
+        <p:nvCxnSpPr>
+          <p:cNvPr id="59" name="Straight Connector 58">
+            <a:extLst>
+              <a:ext uri="{FF2B5EF4-FFF2-40B4-BE49-F238E27FC236}">
+                <a16:creationId xmlns:a16="http://schemas.microsoft.com/office/drawing/2014/main" id="{F6A77850-A38C-5FAF-45C2-9FA9BD10906E}"/>
+              </a:ext>
+            </a:extLst>
+          </p:cNvPr>
+          <p:cNvCxnSpPr>
+            <a:cxnSpLocks/>
+          </p:cNvCxnSpPr>
+          <p:nvPr/>
+        </p:nvCxnSpPr>
+        <p:spPr>
+          <a:xfrm>
+            <a:off x="3522952" y="3078480"/>
+            <a:ext cx="0" cy="350520"/>
+          </a:xfrm>
+          <a:prstGeom prst="line">
+            <a:avLst/>
+          </a:prstGeom>
+          <a:ln>
+            <a:solidFill>
+              <a:schemeClr val="accent2">
+                <a:lumMod val="75000"/>
+              </a:schemeClr>
+            </a:solidFill>
+          </a:ln>
+        </p:spPr>
+        <p:style>
+          <a:lnRef idx="2">
+            <a:schemeClr val="accent1"/>
+          </a:lnRef>
+          <a:fillRef idx="0">
+            <a:schemeClr val="accent1"/>
+          </a:fillRef>
+          <a:effectRef idx="1">
+            <a:schemeClr val="accent1"/>
+          </a:effectRef>
+          <a:fontRef idx="minor">
+            <a:schemeClr val="tx1"/>
+          </a:fontRef>
+        </p:style>
+      </p:cxnSp>
+      <p:sp>
+        <p:nvSpPr>
+          <p:cNvPr id="63" name="Oval 62">
+            <a:extLst>
+              <a:ext uri="{FF2B5EF4-FFF2-40B4-BE49-F238E27FC236}">
+                <a16:creationId xmlns:a16="http://schemas.microsoft.com/office/drawing/2014/main" id="{50A2E778-40E8-54A7-A378-B76CD51E62FA}"/>
+              </a:ext>
+            </a:extLst>
+          </p:cNvPr>
+          <p:cNvSpPr/>
+          <p:nvPr/>
+        </p:nvSpPr>
+        <p:spPr>
+          <a:xfrm>
+            <a:off x="3347095" y="2848883"/>
+            <a:ext cx="62346" cy="86009"/>
+          </a:xfrm>
+          <a:prstGeom prst="ellipse">
+            <a:avLst/>
+          </a:prstGeom>
+        </p:spPr>
+        <p:style>
+          <a:lnRef idx="2">
+            <a:schemeClr val="accent1">
+              <a:shade val="15000"/>
+            </a:schemeClr>
+          </a:lnRef>
+          <a:fillRef idx="1">
+            <a:schemeClr val="accent1"/>
+          </a:fillRef>
+          <a:effectRef idx="0">
+            <a:schemeClr val="accent1"/>
+          </a:effectRef>
+          <a:fontRef idx="minor">
+            <a:schemeClr val="lt1"/>
+          </a:fontRef>
+        </p:style>
+        <p:txBody>
+          <a:bodyPr rtlCol="0" anchor="ctr"/>
+          <a:lstStyle/>
+          <a:p>
+            <a:pPr algn="ctr"/>
+            <a:endParaRPr lang="en-SG"/>
+          </a:p>
+        </p:txBody>
+      </p:sp>
+      <p:sp>
+        <p:nvSpPr>
+          <p:cNvPr id="1024" name="Oval 1023">
+            <a:extLst>
+              <a:ext uri="{FF2B5EF4-FFF2-40B4-BE49-F238E27FC236}">
+                <a16:creationId xmlns:a16="http://schemas.microsoft.com/office/drawing/2014/main" id="{D82A510E-2886-FD2F-76C2-DE40F94760DE}"/>
+              </a:ext>
+            </a:extLst>
+          </p:cNvPr>
+          <p:cNvSpPr/>
+          <p:nvPr/>
+        </p:nvSpPr>
+        <p:spPr>
+          <a:xfrm>
+            <a:off x="3665949" y="2627942"/>
+            <a:ext cx="62346" cy="86009"/>
+          </a:xfrm>
+          <a:prstGeom prst="ellipse">
+            <a:avLst/>
+          </a:prstGeom>
+        </p:spPr>
+        <p:style>
+          <a:lnRef idx="2">
+            <a:schemeClr val="accent1">
+              <a:shade val="15000"/>
+            </a:schemeClr>
+          </a:lnRef>
+          <a:fillRef idx="1">
+            <a:schemeClr val="accent1"/>
+          </a:fillRef>
+          <a:effectRef idx="0">
+            <a:schemeClr val="accent1"/>
+          </a:effectRef>
+          <a:fontRef idx="minor">
+            <a:schemeClr val="lt1"/>
+          </a:fontRef>
+        </p:style>
+        <p:txBody>
+          <a:bodyPr rtlCol="0" anchor="ctr"/>
+          <a:lstStyle/>
+          <a:p>
+            <a:pPr algn="ctr"/>
+            <a:endParaRPr lang="en-SG"/>
+          </a:p>
+        </p:txBody>
+      </p:sp>
+      <p:sp>
+        <p:nvSpPr>
+          <p:cNvPr id="1025" name="Oval 1024">
+            <a:extLst>
+              <a:ext uri="{FF2B5EF4-FFF2-40B4-BE49-F238E27FC236}">
+                <a16:creationId xmlns:a16="http://schemas.microsoft.com/office/drawing/2014/main" id="{0118822C-66EB-F053-06DA-C86546CD7A83}"/>
+              </a:ext>
+            </a:extLst>
+          </p:cNvPr>
+          <p:cNvSpPr/>
+          <p:nvPr/>
+        </p:nvSpPr>
+        <p:spPr>
+          <a:xfrm>
+            <a:off x="4019925" y="2840336"/>
+            <a:ext cx="62346" cy="86009"/>
+          </a:xfrm>
+          <a:prstGeom prst="ellipse">
+            <a:avLst/>
+          </a:prstGeom>
+        </p:spPr>
+        <p:style>
+          <a:lnRef idx="2">
+            <a:schemeClr val="accent1">
+              <a:shade val="15000"/>
+            </a:schemeClr>
+          </a:lnRef>
+          <a:fillRef idx="1">
+            <a:schemeClr val="accent1"/>
+          </a:fillRef>
+          <a:effectRef idx="0">
+            <a:schemeClr val="accent1"/>
+          </a:effectRef>
+          <a:fontRef idx="minor">
+            <a:schemeClr val="lt1"/>
+          </a:fontRef>
+        </p:style>
+        <p:txBody>
+          <a:bodyPr rtlCol="0" anchor="ctr"/>
+          <a:lstStyle/>
+          <a:p>
+            <a:pPr algn="ctr"/>
+            <a:endParaRPr lang="en-SG"/>
+          </a:p>
+        </p:txBody>
+      </p:sp>
+      <p:sp>
+        <p:nvSpPr>
+          <p:cNvPr id="1027" name="Oval 1026">
+            <a:extLst>
+              <a:ext uri="{FF2B5EF4-FFF2-40B4-BE49-F238E27FC236}">
+                <a16:creationId xmlns:a16="http://schemas.microsoft.com/office/drawing/2014/main" id="{3A26E532-8593-5BD5-BAD6-2860B62CEFCC}"/>
+              </a:ext>
+            </a:extLst>
+          </p:cNvPr>
+          <p:cNvSpPr/>
+          <p:nvPr/>
+        </p:nvSpPr>
+        <p:spPr>
+          <a:xfrm>
+            <a:off x="3491779" y="3043184"/>
+            <a:ext cx="62346" cy="86009"/>
+          </a:xfrm>
+          <a:prstGeom prst="ellipse">
+            <a:avLst/>
+          </a:prstGeom>
+        </p:spPr>
+        <p:style>
+          <a:lnRef idx="2">
+            <a:schemeClr val="accent1">
+              <a:shade val="15000"/>
+            </a:schemeClr>
+          </a:lnRef>
+          <a:fillRef idx="1">
+            <a:schemeClr val="accent1"/>
+          </a:fillRef>
+          <a:effectRef idx="0">
+            <a:schemeClr val="accent1"/>
+          </a:effectRef>
+          <a:fontRef idx="minor">
+            <a:schemeClr val="lt1"/>
+          </a:fontRef>
+        </p:style>
+        <p:txBody>
+          <a:bodyPr rtlCol="0" anchor="ctr"/>
+          <a:lstStyle/>
+          <a:p>
+            <a:pPr algn="ctr"/>
+            <a:endParaRPr lang="en-SG"/>
+          </a:p>
+        </p:txBody>
+      </p:sp>
+      <p:sp>
+        <p:nvSpPr>
+          <p:cNvPr id="1028" name="Oval 1027">
+            <a:extLst>
+              <a:ext uri="{FF2B5EF4-FFF2-40B4-BE49-F238E27FC236}">
+                <a16:creationId xmlns:a16="http://schemas.microsoft.com/office/drawing/2014/main" id="{6299C61A-CC9E-75E7-7E6D-BCCBABB60CB7}"/>
+              </a:ext>
+            </a:extLst>
+          </p:cNvPr>
+          <p:cNvSpPr/>
+          <p:nvPr/>
+        </p:nvSpPr>
+        <p:spPr>
+          <a:xfrm>
+            <a:off x="4588127" y="3052373"/>
+            <a:ext cx="62346" cy="86009"/>
+          </a:xfrm>
+          <a:prstGeom prst="ellipse">
+            <a:avLst/>
+          </a:prstGeom>
+        </p:spPr>
+        <p:style>
+          <a:lnRef idx="2">
+            <a:schemeClr val="accent1">
+              <a:shade val="15000"/>
+            </a:schemeClr>
+          </a:lnRef>
+          <a:fillRef idx="1">
+            <a:schemeClr val="accent1"/>
+          </a:fillRef>
+          <a:effectRef idx="0">
+            <a:schemeClr val="accent1"/>
+          </a:effectRef>
+          <a:fontRef idx="minor">
+            <a:schemeClr val="lt1"/>
+          </a:fontRef>
+        </p:style>
+        <p:txBody>
+          <a:bodyPr rtlCol="0" anchor="ctr"/>
+          <a:lstStyle/>
+          <a:p>
+            <a:pPr algn="ctr"/>
+            <a:endParaRPr lang="en-SG"/>
+          </a:p>
+        </p:txBody>
+      </p:sp>
+      <p:sp>
+        <p:nvSpPr>
+          <p:cNvPr id="1029" name="Oval 1028">
+            <a:extLst>
+              <a:ext uri="{FF2B5EF4-FFF2-40B4-BE49-F238E27FC236}">
+                <a16:creationId xmlns:a16="http://schemas.microsoft.com/office/drawing/2014/main" id="{1E0C58DB-9C6F-9A81-9183-FCC173BD69A3}"/>
+              </a:ext>
+            </a:extLst>
+          </p:cNvPr>
+          <p:cNvSpPr/>
+          <p:nvPr/>
+        </p:nvSpPr>
+        <p:spPr>
+          <a:xfrm>
+            <a:off x="5145369" y="2851714"/>
+            <a:ext cx="62346" cy="86009"/>
+          </a:xfrm>
+          <a:prstGeom prst="ellipse">
+            <a:avLst/>
+          </a:prstGeom>
+        </p:spPr>
+        <p:style>
+          <a:lnRef idx="2">
+            <a:schemeClr val="accent1">
+              <a:shade val="15000"/>
+            </a:schemeClr>
+          </a:lnRef>
+          <a:fillRef idx="1">
+            <a:schemeClr val="accent1"/>
+          </a:fillRef>
+          <a:effectRef idx="0">
+            <a:schemeClr val="accent1"/>
+          </a:effectRef>
+          <a:fontRef idx="minor">
+            <a:schemeClr val="lt1"/>
+          </a:fontRef>
+        </p:style>
+        <p:txBody>
+          <a:bodyPr rtlCol="0" anchor="ctr"/>
+          <a:lstStyle/>
+          <a:p>
+            <a:pPr algn="ctr"/>
+            <a:endParaRPr lang="en-SG"/>
+          </a:p>
+        </p:txBody>
+      </p:sp>
+      <p:sp>
+        <p:nvSpPr>
+          <p:cNvPr id="1030" name="Oval 1029">
+            <a:extLst>
+              <a:ext uri="{FF2B5EF4-FFF2-40B4-BE49-F238E27FC236}">
+                <a16:creationId xmlns:a16="http://schemas.microsoft.com/office/drawing/2014/main" id="{1DC16E1D-0D9A-AFDE-0973-08C70D16FDA2}"/>
+              </a:ext>
+            </a:extLst>
+          </p:cNvPr>
+          <p:cNvSpPr/>
+          <p:nvPr/>
+        </p:nvSpPr>
+        <p:spPr>
+          <a:xfrm>
+            <a:off x="6839941" y="3032402"/>
+            <a:ext cx="62346" cy="86009"/>
+          </a:xfrm>
+          <a:prstGeom prst="ellipse">
+            <a:avLst/>
+          </a:prstGeom>
+        </p:spPr>
+        <p:style>
+          <a:lnRef idx="2">
+            <a:schemeClr val="accent1">
+              <a:shade val="15000"/>
+            </a:schemeClr>
+          </a:lnRef>
+          <a:fillRef idx="1">
+            <a:schemeClr val="accent1"/>
+          </a:fillRef>
+          <a:effectRef idx="0">
+            <a:schemeClr val="accent1"/>
+          </a:effectRef>
+          <a:fontRef idx="minor">
+            <a:schemeClr val="lt1"/>
+          </a:fontRef>
+        </p:style>
+        <p:txBody>
+          <a:bodyPr rtlCol="0" anchor="ctr"/>
+          <a:lstStyle/>
+          <a:p>
+            <a:pPr algn="ctr"/>
+            <a:endParaRPr lang="en-SG"/>
+          </a:p>
+        </p:txBody>
+      </p:sp>
+      <p:sp>
+        <p:nvSpPr>
+          <p:cNvPr id="1031" name="Oval 1030">
+            <a:extLst>
+              <a:ext uri="{FF2B5EF4-FFF2-40B4-BE49-F238E27FC236}">
+                <a16:creationId xmlns:a16="http://schemas.microsoft.com/office/drawing/2014/main" id="{3E3A1B2D-15DB-F42A-6B3E-BB1ABD9CFFDE}"/>
+              </a:ext>
+            </a:extLst>
+          </p:cNvPr>
+          <p:cNvSpPr/>
+          <p:nvPr/>
+        </p:nvSpPr>
+        <p:spPr>
+          <a:xfrm>
+            <a:off x="7504649" y="2655801"/>
+            <a:ext cx="62346" cy="86009"/>
+          </a:xfrm>
+          <a:prstGeom prst="ellipse">
+            <a:avLst/>
+          </a:prstGeom>
+        </p:spPr>
+        <p:style>
+          <a:lnRef idx="2">
+            <a:schemeClr val="accent1">
+              <a:shade val="15000"/>
+            </a:schemeClr>
+          </a:lnRef>
+          <a:fillRef idx="1">
+            <a:schemeClr val="accent1"/>
+          </a:fillRef>
+          <a:effectRef idx="0">
+            <a:schemeClr val="accent1"/>
+          </a:effectRef>
+          <a:fontRef idx="minor">
+            <a:schemeClr val="lt1"/>
+          </a:fontRef>
+        </p:style>
+        <p:txBody>
+          <a:bodyPr rtlCol="0" anchor="ctr"/>
+          <a:lstStyle/>
+          <a:p>
+            <a:pPr algn="ctr"/>
+            <a:endParaRPr lang="en-SG"/>
+          </a:p>
+        </p:txBody>
+      </p:sp>
+      <p:sp>
+        <p:nvSpPr>
+          <p:cNvPr id="1032" name="Oval 1031">
+            <a:extLst>
+              <a:ext uri="{FF2B5EF4-FFF2-40B4-BE49-F238E27FC236}">
+                <a16:creationId xmlns:a16="http://schemas.microsoft.com/office/drawing/2014/main" id="{F7E5CC97-AEA3-C685-45C6-351FF34A6B34}"/>
+              </a:ext>
+            </a:extLst>
+          </p:cNvPr>
+          <p:cNvSpPr/>
+          <p:nvPr/>
+        </p:nvSpPr>
+        <p:spPr>
+          <a:xfrm>
+            <a:off x="3409441" y="4352092"/>
+            <a:ext cx="62346" cy="86009"/>
+          </a:xfrm>
+          <a:prstGeom prst="ellipse">
+            <a:avLst/>
+          </a:prstGeom>
+        </p:spPr>
+        <p:style>
+          <a:lnRef idx="2">
+            <a:schemeClr val="accent1">
+              <a:shade val="15000"/>
+            </a:schemeClr>
+          </a:lnRef>
+          <a:fillRef idx="1">
+            <a:schemeClr val="accent1"/>
+          </a:fillRef>
+          <a:effectRef idx="0">
+            <a:schemeClr val="accent1"/>
+          </a:effectRef>
+          <a:fontRef idx="minor">
+            <a:schemeClr val="lt1"/>
+          </a:fontRef>
+        </p:style>
+        <p:txBody>
+          <a:bodyPr rtlCol="0" anchor="ctr"/>
+          <a:lstStyle/>
+          <a:p>
+            <a:pPr algn="ctr"/>
+            <a:endParaRPr lang="en-SG"/>
+          </a:p>
+        </p:txBody>
+      </p:sp>
+    </p:spTree>
+    <p:extLst>
+      <p:ext uri="{BB962C8B-B14F-4D97-AF65-F5344CB8AC3E}">
+        <p14:creationId xmlns:p14="http://schemas.microsoft.com/office/powerpoint/2010/main" val="2728532191"/>
+      </p:ext>
+    </p:extLst>
+  </p:cSld>
+  <p:clrMapOvr>
+    <a:masterClrMapping/>
+  </p:clrMapOvr>
+</p:sld>
+</file>
+
+<file path=ppt/slides/slide6.xml><?xml version="1.0" encoding="utf-8"?>
+<p:sld xmlns:a="http://schemas.openxmlformats.org/drawingml/2006/main" xmlns:r="http://schemas.openxmlformats.org/officeDocument/2006/relationships" xmlns:p="http://schemas.openxmlformats.org/presentationml/2006/main">
+  <p:cSld>
+    <p:spTree>
+      <p:nvGrpSpPr>
+        <p:cNvPr id="1" name=""/>
+        <p:cNvGrpSpPr/>
+        <p:nvPr/>
+      </p:nvGrpSpPr>
+      <p:grpSpPr>
+        <a:xfrm>
+          <a:off x="0" y="0"/>
+          <a:ext cx="0" cy="0"/>
+          <a:chOff x="0" y="0"/>
+          <a:chExt cx="0" cy="0"/>
+        </a:xfrm>
+      </p:grpSpPr>
+      <p:pic>
+        <p:nvPicPr>
+          <p:cNvPr id="5" name="Picture 4">
+            <a:extLst>
+              <a:ext uri="{FF2B5EF4-FFF2-40B4-BE49-F238E27FC236}">
+                <a16:creationId xmlns:a16="http://schemas.microsoft.com/office/drawing/2014/main" id="{81500E6E-65A5-4AFF-785D-5855256FFF32}"/>
+              </a:ext>
+            </a:extLst>
+          </p:cNvPr>
+          <p:cNvPicPr>
+            <a:picLocks noChangeAspect="1"/>
+          </p:cNvPicPr>
+          <p:nvPr/>
+        </p:nvPicPr>
+        <p:blipFill>
+          <a:blip r:embed="rId2"/>
+          <a:stretch>
+            <a:fillRect/>
+          </a:stretch>
+        </p:blipFill>
+        <p:spPr>
+          <a:xfrm>
+            <a:off x="1345628" y="609970"/>
+            <a:ext cx="5206247" cy="3144967"/>
+          </a:xfrm>
+          <a:prstGeom prst="rect">
+            <a:avLst/>
+          </a:prstGeom>
+          <a:ln w="6350">
+            <a:solidFill>
+              <a:schemeClr val="tx1"/>
+            </a:solidFill>
+          </a:ln>
+        </p:spPr>
+      </p:pic>
+      <p:pic>
+        <p:nvPicPr>
+          <p:cNvPr id="7" name="Picture 6">
+            <a:extLst>
+              <a:ext uri="{FF2B5EF4-FFF2-40B4-BE49-F238E27FC236}">
+                <a16:creationId xmlns:a16="http://schemas.microsoft.com/office/drawing/2014/main" id="{4DC887D2-4A85-5415-A9D2-406D631777AD}"/>
+              </a:ext>
+            </a:extLst>
+          </p:cNvPr>
+          <p:cNvPicPr>
+            <a:picLocks noChangeAspect="1"/>
+          </p:cNvPicPr>
+          <p:nvPr/>
+        </p:nvPicPr>
+        <p:blipFill>
+          <a:blip r:embed="rId3"/>
+          <a:stretch>
+            <a:fillRect/>
+          </a:stretch>
+        </p:blipFill>
+        <p:spPr>
+          <a:xfrm>
+            <a:off x="7339024" y="607947"/>
+            <a:ext cx="1884489" cy="3142944"/>
+          </a:xfrm>
+          <a:prstGeom prst="rect">
+            <a:avLst/>
+          </a:prstGeom>
+          <a:ln w="6350">
+            <a:solidFill>
+              <a:schemeClr val="tx1"/>
+            </a:solidFill>
+          </a:ln>
+        </p:spPr>
+      </p:pic>
+      <p:sp>
+        <p:nvSpPr>
+          <p:cNvPr id="8" name="Equals 7">
+            <a:extLst>
+              <a:ext uri="{FF2B5EF4-FFF2-40B4-BE49-F238E27FC236}">
+                <a16:creationId xmlns:a16="http://schemas.microsoft.com/office/drawing/2014/main" id="{84BA5E55-B2BD-EF1B-8D22-705FB49812B5}"/>
+              </a:ext>
+            </a:extLst>
+          </p:cNvPr>
+          <p:cNvSpPr/>
+          <p:nvPr/>
+        </p:nvSpPr>
+        <p:spPr>
+          <a:xfrm>
+            <a:off x="6663193" y="2091193"/>
+            <a:ext cx="675831" cy="564542"/>
+          </a:xfrm>
+          <a:prstGeom prst="mathEqual">
+            <a:avLst/>
+          </a:prstGeom>
+        </p:spPr>
+        <p:style>
+          <a:lnRef idx="2">
+            <a:schemeClr val="accent1">
+              <a:shade val="15000"/>
+            </a:schemeClr>
+          </a:lnRef>
+          <a:fillRef idx="1">
+            <a:schemeClr val="accent1"/>
+          </a:fillRef>
+          <a:effectRef idx="0">
+            <a:schemeClr val="accent1"/>
+          </a:effectRef>
+          <a:fontRef idx="minor">
+            <a:schemeClr val="lt1"/>
+          </a:fontRef>
+        </p:style>
+        <p:txBody>
+          <a:bodyPr rtlCol="0" anchor="ctr"/>
+          <a:lstStyle/>
+          <a:p>
+            <a:pPr algn="ctr"/>
+            <a:endParaRPr lang="en-SG">
+              <a:solidFill>
+                <a:schemeClr val="tx1"/>
+              </a:solidFill>
+            </a:endParaRPr>
+          </a:p>
+        </p:txBody>
+      </p:sp>
+      <p:pic>
+        <p:nvPicPr>
+          <p:cNvPr id="9" name="Picture 8">
+            <a:extLst>
+              <a:ext uri="{FF2B5EF4-FFF2-40B4-BE49-F238E27FC236}">
+                <a16:creationId xmlns:a16="http://schemas.microsoft.com/office/drawing/2014/main" id="{5DCFE3A4-F9BC-7970-A8B5-72C6864AC88A}"/>
+              </a:ext>
+            </a:extLst>
+          </p:cNvPr>
+          <p:cNvPicPr>
+            <a:picLocks noChangeAspect="1"/>
+          </p:cNvPicPr>
+          <p:nvPr/>
+        </p:nvPicPr>
+        <p:blipFill>
+          <a:blip r:embed="rId4">
+            <a:extLst>
+              <a:ext uri="{28A0092B-C50C-407E-A947-70E740481C1C}">
+                <a14:useLocalDpi xmlns:a14="http://schemas.microsoft.com/office/drawing/2010/main" val="0"/>
+              </a:ext>
+            </a:extLst>
+          </a:blip>
+          <a:stretch>
+            <a:fillRect/>
+          </a:stretch>
+        </p:blipFill>
+        <p:spPr>
+          <a:xfrm>
+            <a:off x="3486950" y="5712245"/>
+            <a:ext cx="409524" cy="323810"/>
+          </a:xfrm>
+          <a:prstGeom prst="rect">
+            <a:avLst/>
+          </a:prstGeom>
+        </p:spPr>
+      </p:pic>
+      <p:pic>
+        <p:nvPicPr>
+          <p:cNvPr id="10" name="Picture 9">
+            <a:extLst>
+              <a:ext uri="{FF2B5EF4-FFF2-40B4-BE49-F238E27FC236}">
+                <a16:creationId xmlns:a16="http://schemas.microsoft.com/office/drawing/2014/main" id="{852FC146-5D75-1510-8A5A-8C53B0C57CD5}"/>
+              </a:ext>
+            </a:extLst>
+          </p:cNvPr>
+          <p:cNvPicPr>
+            <a:picLocks noChangeAspect="1"/>
+          </p:cNvPicPr>
+          <p:nvPr/>
+        </p:nvPicPr>
+        <p:blipFill>
+          <a:blip r:embed="rId4">
+            <a:extLst>
+              <a:ext uri="{28A0092B-C50C-407E-A947-70E740481C1C}">
+                <a14:useLocalDpi xmlns:a14="http://schemas.microsoft.com/office/drawing/2010/main" val="0"/>
+              </a:ext>
+            </a:extLst>
+          </a:blip>
+          <a:stretch>
+            <a:fillRect/>
+          </a:stretch>
+        </p:blipFill>
+        <p:spPr>
+          <a:xfrm>
+            <a:off x="3483495" y="6274997"/>
+            <a:ext cx="409524" cy="323810"/>
+          </a:xfrm>
+          <a:prstGeom prst="rect">
+            <a:avLst/>
+          </a:prstGeom>
+        </p:spPr>
+      </p:pic>
+      <p:cxnSp>
+        <p:nvCxnSpPr>
+          <p:cNvPr id="11" name="Straight Connector 10">
+            <a:extLst>
+              <a:ext uri="{FF2B5EF4-FFF2-40B4-BE49-F238E27FC236}">
+                <a16:creationId xmlns:a16="http://schemas.microsoft.com/office/drawing/2014/main" id="{A5ACE484-6D69-75C4-E563-1371732E6374}"/>
+              </a:ext>
+            </a:extLst>
+          </p:cNvPr>
+          <p:cNvCxnSpPr>
+            <a:cxnSpLocks/>
+          </p:cNvCxnSpPr>
+          <p:nvPr/>
+        </p:nvCxnSpPr>
+        <p:spPr>
+          <a:xfrm>
+            <a:off x="3893019" y="5863980"/>
+            <a:ext cx="712686" cy="0"/>
+          </a:xfrm>
+          <a:prstGeom prst="line">
+            <a:avLst/>
+          </a:prstGeom>
+        </p:spPr>
+        <p:style>
+          <a:lnRef idx="2">
+            <a:schemeClr val="dk1"/>
+          </a:lnRef>
+          <a:fillRef idx="0">
+            <a:schemeClr val="dk1"/>
+          </a:fillRef>
+          <a:effectRef idx="1">
+            <a:schemeClr val="dk1"/>
+          </a:effectRef>
+          <a:fontRef idx="minor">
+            <a:schemeClr val="tx1"/>
+          </a:fontRef>
+        </p:style>
+      </p:cxnSp>
+      <p:cxnSp>
+        <p:nvCxnSpPr>
+          <p:cNvPr id="12" name="Connector: Elbow 11">
+            <a:extLst>
+              <a:ext uri="{FF2B5EF4-FFF2-40B4-BE49-F238E27FC236}">
+                <a16:creationId xmlns:a16="http://schemas.microsoft.com/office/drawing/2014/main" id="{84F242CB-3B07-723A-7FC0-A4F2FBB46AF4}"/>
+              </a:ext>
+            </a:extLst>
+          </p:cNvPr>
+          <p:cNvCxnSpPr>
+            <a:cxnSpLocks/>
+            <a:stCxn id="10" idx="3"/>
+          </p:cNvCxnSpPr>
+          <p:nvPr/>
+        </p:nvCxnSpPr>
+        <p:spPr>
+          <a:xfrm flipV="1">
+            <a:off x="3893019" y="5863980"/>
+            <a:ext cx="712686" cy="572922"/>
+          </a:xfrm>
+          <a:prstGeom prst="bentConnector3">
+            <a:avLst/>
+          </a:prstGeom>
+        </p:spPr>
+        <p:style>
+          <a:lnRef idx="2">
+            <a:schemeClr val="dk1"/>
+          </a:lnRef>
+          <a:fillRef idx="0">
+            <a:schemeClr val="dk1"/>
+          </a:fillRef>
+          <a:effectRef idx="1">
+            <a:schemeClr val="dk1"/>
+          </a:effectRef>
+          <a:fontRef idx="minor">
+            <a:schemeClr val="tx1"/>
+          </a:fontRef>
+        </p:style>
+      </p:cxnSp>
+      <p:sp>
+        <p:nvSpPr>
+          <p:cNvPr id="13" name="TextBox 12">
+            <a:extLst>
+              <a:ext uri="{FF2B5EF4-FFF2-40B4-BE49-F238E27FC236}">
+                <a16:creationId xmlns:a16="http://schemas.microsoft.com/office/drawing/2014/main" id="{C699EB98-4DB0-C730-06E5-6E2431EF9064}"/>
+              </a:ext>
+            </a:extLst>
+          </p:cNvPr>
+          <p:cNvSpPr txBox="1"/>
+          <p:nvPr/>
+        </p:nvSpPr>
+        <p:spPr>
+          <a:xfrm>
+            <a:off x="3482026" y="5436365"/>
+            <a:ext cx="646455" cy="261610"/>
+          </a:xfrm>
+          <a:prstGeom prst="rect">
+            <a:avLst/>
+          </a:prstGeom>
+          <a:noFill/>
+        </p:spPr>
+        <p:txBody>
+          <a:bodyPr wrap="square" rtlCol="0">
+            <a:spAutoFit/>
+          </a:bodyPr>
+          <a:lstStyle/>
+          <a:p>
+            <a:r>
+              <a:rPr lang="en-US" sz="1100" b="1" dirty="0"/>
+              <a:t>HR1</a:t>
+            </a:r>
+            <a:endParaRPr lang="en-SG" sz="1100" b="1" dirty="0"/>
+          </a:p>
+        </p:txBody>
+      </p:sp>
+      <p:sp>
+        <p:nvSpPr>
+          <p:cNvPr id="14" name="TextBox 13">
+            <a:extLst>
+              <a:ext uri="{FF2B5EF4-FFF2-40B4-BE49-F238E27FC236}">
+                <a16:creationId xmlns:a16="http://schemas.microsoft.com/office/drawing/2014/main" id="{6BD53A8F-5BC9-ECE1-205C-37B34817221E}"/>
+              </a:ext>
+            </a:extLst>
+          </p:cNvPr>
+          <p:cNvSpPr txBox="1"/>
+          <p:nvPr/>
+        </p:nvSpPr>
+        <p:spPr>
+          <a:xfrm>
+            <a:off x="3453688" y="6015716"/>
+            <a:ext cx="646455" cy="261610"/>
+          </a:xfrm>
+          <a:prstGeom prst="rect">
+            <a:avLst/>
+          </a:prstGeom>
+          <a:noFill/>
+        </p:spPr>
+        <p:txBody>
+          <a:bodyPr wrap="square" rtlCol="0">
+            <a:spAutoFit/>
+          </a:bodyPr>
+          <a:lstStyle/>
+          <a:p>
+            <a:r>
+              <a:rPr lang="en-US" sz="1100" b="1" dirty="0"/>
+              <a:t>HR2</a:t>
+            </a:r>
+            <a:endParaRPr lang="en-SG" sz="1100" b="1" dirty="0"/>
+          </a:p>
+        </p:txBody>
+      </p:sp>
+      <p:sp>
+        <p:nvSpPr>
+          <p:cNvPr id="15" name="Rectangle 14">
+            <a:extLst>
+              <a:ext uri="{FF2B5EF4-FFF2-40B4-BE49-F238E27FC236}">
+                <a16:creationId xmlns:a16="http://schemas.microsoft.com/office/drawing/2014/main" id="{98891A40-D410-6371-C98B-69420EA7F5B7}"/>
+              </a:ext>
+            </a:extLst>
+          </p:cNvPr>
+          <p:cNvSpPr/>
+          <p:nvPr/>
+        </p:nvSpPr>
+        <p:spPr>
+          <a:xfrm>
+            <a:off x="6209939" y="4593678"/>
+            <a:ext cx="1129085" cy="1572447"/>
+          </a:xfrm>
+          <a:prstGeom prst="rect">
+            <a:avLst/>
+          </a:prstGeom>
+          <a:noFill/>
+        </p:spPr>
+        <p:style>
+          <a:lnRef idx="2">
+            <a:schemeClr val="accent1">
+              <a:shade val="15000"/>
+            </a:schemeClr>
+          </a:lnRef>
+          <a:fillRef idx="1">
+            <a:schemeClr val="accent1"/>
+          </a:fillRef>
+          <a:effectRef idx="0">
+            <a:schemeClr val="accent1"/>
+          </a:effectRef>
+          <a:fontRef idx="minor">
+            <a:schemeClr val="lt1"/>
+          </a:fontRef>
+        </p:style>
+        <p:txBody>
+          <a:bodyPr rtlCol="0" anchor="ctr"/>
+          <a:lstStyle/>
+          <a:p>
+            <a:pPr algn="ctr"/>
+            <a:endParaRPr lang="en-SG" dirty="0"/>
+          </a:p>
+        </p:txBody>
+      </p:sp>
+      <p:sp>
+        <p:nvSpPr>
+          <p:cNvPr id="16" name="TextBox 15">
+            <a:extLst>
+              <a:ext uri="{FF2B5EF4-FFF2-40B4-BE49-F238E27FC236}">
+                <a16:creationId xmlns:a16="http://schemas.microsoft.com/office/drawing/2014/main" id="{B9CB6F73-DCD9-1FC9-2E07-7C1C83472B60}"/>
+              </a:ext>
+            </a:extLst>
+          </p:cNvPr>
+          <p:cNvSpPr txBox="1"/>
+          <p:nvPr/>
+        </p:nvSpPr>
+        <p:spPr>
+          <a:xfrm>
+            <a:off x="6577291" y="4619418"/>
+            <a:ext cx="462356" cy="307777"/>
+          </a:xfrm>
+          <a:prstGeom prst="rect">
+            <a:avLst/>
+          </a:prstGeom>
+          <a:noFill/>
+        </p:spPr>
+        <p:txBody>
+          <a:bodyPr wrap="square" rtlCol="0">
+            <a:spAutoFit/>
+          </a:bodyPr>
+          <a:lstStyle/>
+          <a:p>
+            <a:r>
+              <a:rPr lang="en-US" sz="1400" b="1" dirty="0"/>
+              <a:t>JK</a:t>
+            </a:r>
+            <a:endParaRPr lang="en-SG" sz="1400" b="1" dirty="0"/>
+          </a:p>
+        </p:txBody>
+      </p:sp>
+      <p:sp>
+        <p:nvSpPr>
+          <p:cNvPr id="17" name="TextBox 16">
+            <a:extLst>
+              <a:ext uri="{FF2B5EF4-FFF2-40B4-BE49-F238E27FC236}">
+                <a16:creationId xmlns:a16="http://schemas.microsoft.com/office/drawing/2014/main" id="{DA6DEC11-525C-ADF7-5F29-F2459E5ECA7E}"/>
+              </a:ext>
+            </a:extLst>
+          </p:cNvPr>
+          <p:cNvSpPr txBox="1"/>
+          <p:nvPr/>
+        </p:nvSpPr>
+        <p:spPr>
+          <a:xfrm>
+            <a:off x="6227311" y="4202266"/>
+            <a:ext cx="1000395" cy="430887"/>
+          </a:xfrm>
+          <a:prstGeom prst="rect">
+            <a:avLst/>
+          </a:prstGeom>
+          <a:noFill/>
+        </p:spPr>
+        <p:txBody>
+          <a:bodyPr wrap="square" rtlCol="0">
+            <a:spAutoFit/>
+          </a:bodyPr>
+          <a:lstStyle/>
+          <a:p>
+            <a:r>
+              <a:rPr lang="en-US" sz="1100" b="1" dirty="0"/>
+              <a:t>FLIP FLOP 1</a:t>
+            </a:r>
+          </a:p>
+          <a:p>
+            <a:r>
+              <a:rPr lang="en-US" sz="1100" b="1" dirty="0"/>
+              <a:t>M1.0</a:t>
+            </a:r>
+            <a:endParaRPr lang="en-SG" sz="1100" b="1" dirty="0"/>
+          </a:p>
+        </p:txBody>
+      </p:sp>
+      <p:pic>
+        <p:nvPicPr>
+          <p:cNvPr id="18" name="Picture 17">
+            <a:extLst>
+              <a:ext uri="{FF2B5EF4-FFF2-40B4-BE49-F238E27FC236}">
+                <a16:creationId xmlns:a16="http://schemas.microsoft.com/office/drawing/2014/main" id="{FFC3CF4E-C964-6B89-526D-A793388811D4}"/>
+              </a:ext>
+            </a:extLst>
+          </p:cNvPr>
+          <p:cNvPicPr>
+            <a:picLocks noChangeAspect="1"/>
+          </p:cNvPicPr>
+          <p:nvPr/>
+        </p:nvPicPr>
+        <p:blipFill>
+          <a:blip r:embed="rId4">
+            <a:extLst>
+              <a:ext uri="{28A0092B-C50C-407E-A947-70E740481C1C}">
+                <a14:useLocalDpi xmlns:a14="http://schemas.microsoft.com/office/drawing/2010/main" val="0"/>
+              </a:ext>
+            </a:extLst>
+          </a:blip>
+          <a:stretch>
+            <a:fillRect/>
+          </a:stretch>
+        </p:blipFill>
+        <p:spPr>
+          <a:xfrm>
+            <a:off x="3534496" y="4563883"/>
+            <a:ext cx="409524" cy="323810"/>
+          </a:xfrm>
+          <a:prstGeom prst="rect">
+            <a:avLst/>
+          </a:prstGeom>
+        </p:spPr>
+      </p:pic>
+      <p:sp>
+        <p:nvSpPr>
+          <p:cNvPr id="19" name="TextBox 18">
+            <a:extLst>
+              <a:ext uri="{FF2B5EF4-FFF2-40B4-BE49-F238E27FC236}">
+                <a16:creationId xmlns:a16="http://schemas.microsoft.com/office/drawing/2014/main" id="{EBBABC97-3D00-E7DF-8B16-53E8346EB611}"/>
+              </a:ext>
+            </a:extLst>
+          </p:cNvPr>
+          <p:cNvSpPr txBox="1"/>
+          <p:nvPr/>
+        </p:nvSpPr>
+        <p:spPr>
+          <a:xfrm>
+            <a:off x="3495515" y="4322011"/>
+            <a:ext cx="646455" cy="261610"/>
+          </a:xfrm>
+          <a:prstGeom prst="rect">
+            <a:avLst/>
+          </a:prstGeom>
+          <a:noFill/>
+        </p:spPr>
+        <p:txBody>
+          <a:bodyPr wrap="square" rtlCol="0">
+            <a:spAutoFit/>
+          </a:bodyPr>
+          <a:lstStyle/>
+          <a:p>
+            <a:r>
+              <a:rPr lang="en-US" sz="1100" b="1" dirty="0"/>
+              <a:t>HR1</a:t>
+            </a:r>
+            <a:endParaRPr lang="en-SG" sz="1100" b="1" dirty="0"/>
+          </a:p>
+        </p:txBody>
+      </p:sp>
+      <p:cxnSp>
+        <p:nvCxnSpPr>
+          <p:cNvPr id="20" name="Straight Connector 19">
+            <a:extLst>
+              <a:ext uri="{FF2B5EF4-FFF2-40B4-BE49-F238E27FC236}">
+                <a16:creationId xmlns:a16="http://schemas.microsoft.com/office/drawing/2014/main" id="{9F36152D-9558-FBA8-AA8F-05185E41A7A3}"/>
+              </a:ext>
+            </a:extLst>
+          </p:cNvPr>
+          <p:cNvCxnSpPr>
+            <a:cxnSpLocks/>
+          </p:cNvCxnSpPr>
+          <p:nvPr/>
+        </p:nvCxnSpPr>
+        <p:spPr>
+          <a:xfrm>
+            <a:off x="3922934" y="4720531"/>
+            <a:ext cx="2265919" cy="9568"/>
+          </a:xfrm>
+          <a:prstGeom prst="line">
+            <a:avLst/>
+          </a:prstGeom>
+        </p:spPr>
+        <p:style>
+          <a:lnRef idx="2">
+            <a:schemeClr val="dk1"/>
+          </a:lnRef>
+          <a:fillRef idx="0">
+            <a:schemeClr val="dk1"/>
+          </a:fillRef>
+          <a:effectRef idx="1">
+            <a:schemeClr val="dk1"/>
+          </a:effectRef>
+          <a:fontRef idx="minor">
+            <a:schemeClr val="tx1"/>
+          </a:fontRef>
+        </p:style>
+      </p:cxnSp>
+      <p:sp>
+        <p:nvSpPr>
+          <p:cNvPr id="25" name="TextBox 24">
+            <a:extLst>
+              <a:ext uri="{FF2B5EF4-FFF2-40B4-BE49-F238E27FC236}">
+                <a16:creationId xmlns:a16="http://schemas.microsoft.com/office/drawing/2014/main" id="{31FE9C47-24FA-6E54-A172-61389FA349D3}"/>
+              </a:ext>
+            </a:extLst>
+          </p:cNvPr>
+          <p:cNvSpPr txBox="1"/>
+          <p:nvPr/>
+        </p:nvSpPr>
+        <p:spPr>
+          <a:xfrm>
+            <a:off x="6227311" y="4626083"/>
+            <a:ext cx="294053" cy="261610"/>
+          </a:xfrm>
+          <a:prstGeom prst="rect">
+            <a:avLst/>
+          </a:prstGeom>
+          <a:noFill/>
+        </p:spPr>
+        <p:txBody>
+          <a:bodyPr wrap="square" rtlCol="0">
+            <a:spAutoFit/>
+          </a:bodyPr>
+          <a:lstStyle/>
+          <a:p>
+            <a:r>
+              <a:rPr lang="en-US" sz="1100" b="1" dirty="0"/>
+              <a:t>J</a:t>
+            </a:r>
+            <a:endParaRPr lang="en-SG" sz="1100" b="1" dirty="0"/>
+          </a:p>
+        </p:txBody>
+      </p:sp>
+      <p:pic>
+        <p:nvPicPr>
+          <p:cNvPr id="26" name="Picture 25">
+            <a:extLst>
+              <a:ext uri="{FF2B5EF4-FFF2-40B4-BE49-F238E27FC236}">
+                <a16:creationId xmlns:a16="http://schemas.microsoft.com/office/drawing/2014/main" id="{15C0EBD7-E308-E901-4A5C-527D94067262}"/>
+              </a:ext>
+            </a:extLst>
+          </p:cNvPr>
+          <p:cNvPicPr>
+            <a:picLocks noChangeAspect="1"/>
+          </p:cNvPicPr>
+          <p:nvPr/>
+        </p:nvPicPr>
+        <p:blipFill>
+          <a:blip r:embed="rId4">
+            <a:extLst>
+              <a:ext uri="{28A0092B-C50C-407E-A947-70E740481C1C}">
+                <a14:useLocalDpi xmlns:a14="http://schemas.microsoft.com/office/drawing/2010/main" val="0"/>
+              </a:ext>
+            </a:extLst>
+          </a:blip>
+          <a:stretch>
+            <a:fillRect/>
+          </a:stretch>
+        </p:blipFill>
+        <p:spPr>
+          <a:xfrm>
+            <a:off x="3511941" y="5107322"/>
+            <a:ext cx="409524" cy="323810"/>
+          </a:xfrm>
+          <a:prstGeom prst="rect">
+            <a:avLst/>
+          </a:prstGeom>
+        </p:spPr>
+      </p:pic>
+      <p:sp>
+        <p:nvSpPr>
+          <p:cNvPr id="27" name="TextBox 26">
+            <a:extLst>
+              <a:ext uri="{FF2B5EF4-FFF2-40B4-BE49-F238E27FC236}">
+                <a16:creationId xmlns:a16="http://schemas.microsoft.com/office/drawing/2014/main" id="{20A4FA42-1A34-3096-F972-183937B5D4C4}"/>
+              </a:ext>
+            </a:extLst>
+          </p:cNvPr>
+          <p:cNvSpPr txBox="1"/>
+          <p:nvPr/>
+        </p:nvSpPr>
+        <p:spPr>
+          <a:xfrm>
+            <a:off x="3511940" y="4899772"/>
+            <a:ext cx="646455" cy="261610"/>
+          </a:xfrm>
+          <a:prstGeom prst="rect">
+            <a:avLst/>
+          </a:prstGeom>
+          <a:noFill/>
+        </p:spPr>
+        <p:txBody>
+          <a:bodyPr wrap="square" rtlCol="0">
+            <a:spAutoFit/>
+          </a:bodyPr>
+          <a:lstStyle/>
+          <a:p>
+            <a:r>
+              <a:rPr lang="en-US" sz="1100" b="1" dirty="0"/>
+              <a:t>HR2</a:t>
+            </a:r>
+            <a:endParaRPr lang="en-SG" sz="1100" b="1" dirty="0"/>
+          </a:p>
+        </p:txBody>
+      </p:sp>
+      <p:cxnSp>
+        <p:nvCxnSpPr>
+          <p:cNvPr id="29" name="Straight Connector 28">
+            <a:extLst>
+              <a:ext uri="{FF2B5EF4-FFF2-40B4-BE49-F238E27FC236}">
+                <a16:creationId xmlns:a16="http://schemas.microsoft.com/office/drawing/2014/main" id="{4AD88B63-4A74-9264-0972-DB355A410CE9}"/>
+              </a:ext>
+            </a:extLst>
+          </p:cNvPr>
+          <p:cNvCxnSpPr>
+            <a:cxnSpLocks/>
+          </p:cNvCxnSpPr>
+          <p:nvPr/>
+        </p:nvCxnSpPr>
+        <p:spPr>
+          <a:xfrm>
+            <a:off x="3916592" y="5261936"/>
+            <a:ext cx="2265919" cy="9568"/>
+          </a:xfrm>
+          <a:prstGeom prst="line">
+            <a:avLst/>
+          </a:prstGeom>
+        </p:spPr>
+        <p:style>
+          <a:lnRef idx="2">
+            <a:schemeClr val="dk1"/>
+          </a:lnRef>
+          <a:fillRef idx="0">
+            <a:schemeClr val="dk1"/>
+          </a:fillRef>
+          <a:effectRef idx="1">
+            <a:schemeClr val="dk1"/>
+          </a:effectRef>
+          <a:fontRef idx="minor">
+            <a:schemeClr val="tx1"/>
+          </a:fontRef>
+        </p:style>
+      </p:cxnSp>
+      <p:sp>
+        <p:nvSpPr>
+          <p:cNvPr id="30" name="TextBox 29">
+            <a:extLst>
+              <a:ext uri="{FF2B5EF4-FFF2-40B4-BE49-F238E27FC236}">
+                <a16:creationId xmlns:a16="http://schemas.microsoft.com/office/drawing/2014/main" id="{E635AFAA-20E6-BA83-0D29-7DB94638CE35}"/>
+              </a:ext>
+            </a:extLst>
+          </p:cNvPr>
+          <p:cNvSpPr txBox="1"/>
+          <p:nvPr/>
+        </p:nvSpPr>
+        <p:spPr>
+          <a:xfrm>
+            <a:off x="6227311" y="5125839"/>
+            <a:ext cx="294053" cy="261610"/>
+          </a:xfrm>
+          <a:prstGeom prst="rect">
+            <a:avLst/>
+          </a:prstGeom>
+          <a:noFill/>
+        </p:spPr>
+        <p:txBody>
+          <a:bodyPr wrap="square" rtlCol="0">
+            <a:spAutoFit/>
+          </a:bodyPr>
+          <a:lstStyle/>
+          <a:p>
+            <a:r>
+              <a:rPr lang="en-US" sz="1100" b="1" dirty="0"/>
+              <a:t>K</a:t>
+            </a:r>
+            <a:endParaRPr lang="en-SG" sz="1100" b="1" dirty="0"/>
+          </a:p>
+        </p:txBody>
+      </p:sp>
+      <p:sp>
+        <p:nvSpPr>
+          <p:cNvPr id="31" name="TextBox 30">
+            <a:extLst>
+              <a:ext uri="{FF2B5EF4-FFF2-40B4-BE49-F238E27FC236}">
+                <a16:creationId xmlns:a16="http://schemas.microsoft.com/office/drawing/2014/main" id="{11CCF077-EDE0-51B8-4496-845BFC02A94C}"/>
+              </a:ext>
+            </a:extLst>
+          </p:cNvPr>
+          <p:cNvSpPr txBox="1"/>
+          <p:nvPr/>
+        </p:nvSpPr>
+        <p:spPr>
+          <a:xfrm>
+            <a:off x="6209939" y="5750985"/>
+            <a:ext cx="462356" cy="261610"/>
+          </a:xfrm>
+          <a:prstGeom prst="rect">
+            <a:avLst/>
+          </a:prstGeom>
+          <a:noFill/>
+        </p:spPr>
+        <p:txBody>
+          <a:bodyPr wrap="square" rtlCol="0">
+            <a:spAutoFit/>
+          </a:bodyPr>
+          <a:lstStyle/>
+          <a:p>
+            <a:r>
+              <a:rPr lang="en-US" sz="1100" b="1" dirty="0"/>
+              <a:t>CLK</a:t>
+            </a:r>
+            <a:endParaRPr lang="en-SG" sz="1100" b="1" dirty="0"/>
+          </a:p>
+        </p:txBody>
+      </p:sp>
+      <p:sp>
+        <p:nvSpPr>
+          <p:cNvPr id="32" name="Rectangle 31">
+            <a:extLst>
+              <a:ext uri="{FF2B5EF4-FFF2-40B4-BE49-F238E27FC236}">
+                <a16:creationId xmlns:a16="http://schemas.microsoft.com/office/drawing/2014/main" id="{CA3E7EE1-79D5-5EBB-4474-FB51163863AE}"/>
+              </a:ext>
+            </a:extLst>
+          </p:cNvPr>
+          <p:cNvSpPr/>
+          <p:nvPr/>
+        </p:nvSpPr>
+        <p:spPr>
+          <a:xfrm>
+            <a:off x="4614520" y="5697179"/>
+            <a:ext cx="840547" cy="871959"/>
+          </a:xfrm>
+          <a:prstGeom prst="rect">
+            <a:avLst/>
+          </a:prstGeom>
+          <a:noFill/>
+        </p:spPr>
+        <p:style>
+          <a:lnRef idx="2">
+            <a:schemeClr val="accent1">
+              <a:shade val="15000"/>
+            </a:schemeClr>
+          </a:lnRef>
+          <a:fillRef idx="1">
+            <a:schemeClr val="accent1"/>
+          </a:fillRef>
+          <a:effectRef idx="0">
+            <a:schemeClr val="accent1"/>
+          </a:effectRef>
+          <a:fontRef idx="minor">
+            <a:schemeClr val="lt1"/>
+          </a:fontRef>
+        </p:style>
+        <p:txBody>
+          <a:bodyPr rtlCol="0" anchor="ctr"/>
+          <a:lstStyle/>
+          <a:p>
+            <a:pPr algn="ctr"/>
+            <a:endParaRPr lang="en-SG" dirty="0"/>
+          </a:p>
+        </p:txBody>
+      </p:sp>
+      <p:sp>
+        <p:nvSpPr>
+          <p:cNvPr id="33" name="TextBox 32">
+            <a:extLst>
+              <a:ext uri="{FF2B5EF4-FFF2-40B4-BE49-F238E27FC236}">
+                <a16:creationId xmlns:a16="http://schemas.microsoft.com/office/drawing/2014/main" id="{677465FE-E824-5756-40F1-6A04FD780097}"/>
+              </a:ext>
+            </a:extLst>
+          </p:cNvPr>
+          <p:cNvSpPr txBox="1"/>
+          <p:nvPr/>
+        </p:nvSpPr>
+        <p:spPr>
+          <a:xfrm>
+            <a:off x="4788036" y="5693096"/>
+            <a:ext cx="646455" cy="261610"/>
+          </a:xfrm>
+          <a:prstGeom prst="rect">
+            <a:avLst/>
+          </a:prstGeom>
+          <a:noFill/>
+        </p:spPr>
+        <p:txBody>
+          <a:bodyPr wrap="square" rtlCol="0">
+            <a:spAutoFit/>
+          </a:bodyPr>
+          <a:lstStyle/>
+          <a:p>
+            <a:r>
+              <a:rPr lang="en-US" sz="1100" b="1" dirty="0"/>
+              <a:t>TON</a:t>
+            </a:r>
+            <a:endParaRPr lang="en-SG" sz="1100" b="1" dirty="0"/>
+          </a:p>
+        </p:txBody>
+      </p:sp>
+      <p:sp>
+        <p:nvSpPr>
+          <p:cNvPr id="34" name="TextBox 33">
+            <a:extLst>
+              <a:ext uri="{FF2B5EF4-FFF2-40B4-BE49-F238E27FC236}">
+                <a16:creationId xmlns:a16="http://schemas.microsoft.com/office/drawing/2014/main" id="{250ABF61-B2B1-02CF-D36A-11619FC9EB63}"/>
+              </a:ext>
+            </a:extLst>
+          </p:cNvPr>
+          <p:cNvSpPr txBox="1"/>
+          <p:nvPr/>
+        </p:nvSpPr>
+        <p:spPr>
+          <a:xfrm>
+            <a:off x="4546867" y="5410556"/>
+            <a:ext cx="1000395" cy="261610"/>
+          </a:xfrm>
+          <a:prstGeom prst="rect">
+            <a:avLst/>
+          </a:prstGeom>
+          <a:noFill/>
+        </p:spPr>
+        <p:txBody>
+          <a:bodyPr wrap="square" rtlCol="0">
+            <a:spAutoFit/>
+          </a:bodyPr>
+          <a:lstStyle/>
+          <a:p>
+            <a:r>
+              <a:rPr lang="en-US" sz="1100" b="1" dirty="0"/>
+              <a:t>Delay Timer</a:t>
+            </a:r>
+            <a:endParaRPr lang="en-SG" sz="1100" b="1" dirty="0"/>
+          </a:p>
+        </p:txBody>
+      </p:sp>
+      <p:sp>
+        <p:nvSpPr>
+          <p:cNvPr id="35" name="TextBox 34">
+            <a:extLst>
+              <a:ext uri="{FF2B5EF4-FFF2-40B4-BE49-F238E27FC236}">
+                <a16:creationId xmlns:a16="http://schemas.microsoft.com/office/drawing/2014/main" id="{FE29B705-8774-DE56-C431-D6E0BC7836CC}"/>
+              </a:ext>
+            </a:extLst>
+          </p:cNvPr>
+          <p:cNvSpPr txBox="1"/>
+          <p:nvPr/>
+        </p:nvSpPr>
+        <p:spPr>
+          <a:xfrm>
+            <a:off x="4721808" y="5985539"/>
+            <a:ext cx="646455" cy="430887"/>
+          </a:xfrm>
+          <a:prstGeom prst="rect">
+            <a:avLst/>
+          </a:prstGeom>
+          <a:noFill/>
+        </p:spPr>
+        <p:txBody>
+          <a:bodyPr wrap="square" rtlCol="0">
+            <a:spAutoFit/>
+          </a:bodyPr>
+          <a:lstStyle/>
+          <a:p>
+            <a:r>
+              <a:rPr lang="en-US" sz="1100" b="1" dirty="0"/>
+              <a:t>Delay (1sec)</a:t>
+            </a:r>
+            <a:endParaRPr lang="en-SG" sz="1100" b="1" dirty="0"/>
+          </a:p>
+        </p:txBody>
+      </p:sp>
+      <p:cxnSp>
+        <p:nvCxnSpPr>
+          <p:cNvPr id="37" name="Straight Connector 36">
+            <a:extLst>
+              <a:ext uri="{FF2B5EF4-FFF2-40B4-BE49-F238E27FC236}">
+                <a16:creationId xmlns:a16="http://schemas.microsoft.com/office/drawing/2014/main" id="{C58D9933-9E4A-A082-3A9F-3FF5B551D983}"/>
+              </a:ext>
+            </a:extLst>
+          </p:cNvPr>
+          <p:cNvCxnSpPr>
+            <a:cxnSpLocks/>
+            <a:endCxn id="31" idx="1"/>
+          </p:cNvCxnSpPr>
+          <p:nvPr/>
+        </p:nvCxnSpPr>
+        <p:spPr>
+          <a:xfrm>
+            <a:off x="5455067" y="5863980"/>
+            <a:ext cx="754872" cy="0"/>
+          </a:xfrm>
+          <a:prstGeom prst="line">
+            <a:avLst/>
+          </a:prstGeom>
+        </p:spPr>
+        <p:style>
+          <a:lnRef idx="2">
+            <a:schemeClr val="dk1"/>
+          </a:lnRef>
+          <a:fillRef idx="0">
+            <a:schemeClr val="dk1"/>
+          </a:fillRef>
+          <a:effectRef idx="1">
+            <a:schemeClr val="dk1"/>
+          </a:effectRef>
+          <a:fontRef idx="minor">
+            <a:schemeClr val="tx1"/>
+          </a:fontRef>
+        </p:style>
+      </p:cxnSp>
+      <p:sp>
+        <p:nvSpPr>
+          <p:cNvPr id="40" name="TextBox 39">
+            <a:extLst>
+              <a:ext uri="{FF2B5EF4-FFF2-40B4-BE49-F238E27FC236}">
+                <a16:creationId xmlns:a16="http://schemas.microsoft.com/office/drawing/2014/main" id="{11FB6842-B327-28F0-0989-9D64ADC6748C}"/>
+              </a:ext>
+            </a:extLst>
+          </p:cNvPr>
+          <p:cNvSpPr txBox="1"/>
+          <p:nvPr/>
+        </p:nvSpPr>
+        <p:spPr>
+          <a:xfrm>
+            <a:off x="7080679" y="4617178"/>
+            <a:ext cx="294053" cy="261610"/>
+          </a:xfrm>
+          <a:prstGeom prst="rect">
+            <a:avLst/>
+          </a:prstGeom>
+          <a:noFill/>
+        </p:spPr>
+        <p:txBody>
+          <a:bodyPr wrap="square" rtlCol="0">
+            <a:spAutoFit/>
+          </a:bodyPr>
+          <a:lstStyle/>
+          <a:p>
+            <a:r>
+              <a:rPr lang="en-US" sz="1100" b="1" dirty="0"/>
+              <a:t>Q</a:t>
+            </a:r>
+            <a:endParaRPr lang="en-SG" sz="1100" b="1" dirty="0"/>
+          </a:p>
+        </p:txBody>
+      </p:sp>
+      <p:cxnSp>
+        <p:nvCxnSpPr>
+          <p:cNvPr id="41" name="Straight Connector 40">
+            <a:extLst>
+              <a:ext uri="{FF2B5EF4-FFF2-40B4-BE49-F238E27FC236}">
+                <a16:creationId xmlns:a16="http://schemas.microsoft.com/office/drawing/2014/main" id="{CE0FE8C3-30AD-8D2D-2D1E-9EF73D2AE7FC}"/>
+              </a:ext>
+            </a:extLst>
+          </p:cNvPr>
+          <p:cNvCxnSpPr>
+            <a:cxnSpLocks/>
+          </p:cNvCxnSpPr>
+          <p:nvPr/>
+        </p:nvCxnSpPr>
+        <p:spPr>
+          <a:xfrm>
+            <a:off x="7339024" y="4749904"/>
+            <a:ext cx="1546601" cy="0"/>
+          </a:xfrm>
+          <a:prstGeom prst="line">
+            <a:avLst/>
+          </a:prstGeom>
+        </p:spPr>
+        <p:style>
+          <a:lnRef idx="2">
+            <a:schemeClr val="dk1"/>
+          </a:lnRef>
+          <a:fillRef idx="0">
+            <a:schemeClr val="dk1"/>
+          </a:fillRef>
+          <a:effectRef idx="1">
+            <a:schemeClr val="dk1"/>
+          </a:effectRef>
+          <a:fontRef idx="minor">
+            <a:schemeClr val="tx1"/>
+          </a:fontRef>
+        </p:style>
+      </p:cxnSp>
+      <p:pic>
+        <p:nvPicPr>
+          <p:cNvPr id="42" name="Picture 41">
+            <a:extLst>
+              <a:ext uri="{FF2B5EF4-FFF2-40B4-BE49-F238E27FC236}">
+                <a16:creationId xmlns:a16="http://schemas.microsoft.com/office/drawing/2014/main" id="{498DA9A3-81FA-9889-A118-F62C0D2A4CCF}"/>
+              </a:ext>
+            </a:extLst>
+          </p:cNvPr>
+          <p:cNvPicPr>
+            <a:picLocks noChangeAspect="1"/>
+          </p:cNvPicPr>
+          <p:nvPr/>
+        </p:nvPicPr>
+        <p:blipFill>
+          <a:blip r:embed="rId5">
+            <a:extLst>
+              <a:ext uri="{28A0092B-C50C-407E-A947-70E740481C1C}">
+                <a14:useLocalDpi xmlns:a14="http://schemas.microsoft.com/office/drawing/2010/main" val="0"/>
+              </a:ext>
+            </a:extLst>
+          </a:blip>
+          <a:stretch>
+            <a:fillRect/>
+          </a:stretch>
+        </p:blipFill>
+        <p:spPr>
+          <a:xfrm>
+            <a:off x="8908043" y="4585459"/>
+            <a:ext cx="438095" cy="342857"/>
+          </a:xfrm>
+          <a:prstGeom prst="rect">
+            <a:avLst/>
+          </a:prstGeom>
+        </p:spPr>
+      </p:pic>
+      <p:sp>
+        <p:nvSpPr>
+          <p:cNvPr id="43" name="TextBox 42">
+            <a:extLst>
+              <a:ext uri="{FF2B5EF4-FFF2-40B4-BE49-F238E27FC236}">
+                <a16:creationId xmlns:a16="http://schemas.microsoft.com/office/drawing/2014/main" id="{0DA6A841-C2D6-8136-3379-526D8EB3BB21}"/>
+              </a:ext>
+            </a:extLst>
+          </p:cNvPr>
+          <p:cNvSpPr txBox="1"/>
+          <p:nvPr/>
+        </p:nvSpPr>
+        <p:spPr>
+          <a:xfrm>
+            <a:off x="8931897" y="4389479"/>
+            <a:ext cx="646455" cy="261610"/>
+          </a:xfrm>
+          <a:prstGeom prst="rect">
+            <a:avLst/>
+          </a:prstGeom>
+          <a:noFill/>
+        </p:spPr>
+        <p:txBody>
+          <a:bodyPr wrap="square" rtlCol="0">
+            <a:spAutoFit/>
+          </a:bodyPr>
+          <a:lstStyle/>
+          <a:p>
+            <a:r>
+              <a:rPr lang="en-US" sz="1100" b="1" dirty="0"/>
+              <a:t>C0</a:t>
+            </a:r>
+            <a:endParaRPr lang="en-SG" sz="1100" b="1" dirty="0"/>
+          </a:p>
+        </p:txBody>
+      </p:sp>
+    </p:spTree>
+    <p:extLst>
+      <p:ext uri="{BB962C8B-B14F-4D97-AF65-F5344CB8AC3E}">
+        <p14:creationId xmlns:p14="http://schemas.microsoft.com/office/powerpoint/2010/main" val="312198306"/>
       </p:ext>
     </p:extLst>
   </p:cSld>
@@ -5661,4 +11828,319 @@
     </a:ext>
   </a:extLst>
 </a:theme>
+</file>
+
+<file path=ppt/theme/theme2.xml><?xml version="1.0" encoding="utf-8"?>
+<a:theme xmlns:a="http://schemas.openxmlformats.org/drawingml/2006/main" name="Office Theme">
+  <a:themeElements>
+    <a:clrScheme name="Office">
+      <a:dk1>
+        <a:sysClr val="windowText" lastClr="000000"/>
+      </a:dk1>
+      <a:lt1>
+        <a:sysClr val="window" lastClr="FFFFFF"/>
+      </a:lt1>
+      <a:dk2>
+        <a:srgbClr val="0E2841"/>
+      </a:dk2>
+      <a:lt2>
+        <a:srgbClr val="E8E8E8"/>
+      </a:lt2>
+      <a:accent1>
+        <a:srgbClr val="156082"/>
+      </a:accent1>
+      <a:accent2>
+        <a:srgbClr val="E97132"/>
+      </a:accent2>
+      <a:accent3>
+        <a:srgbClr val="196B24"/>
+      </a:accent3>
+      <a:accent4>
+        <a:srgbClr val="0F9ED5"/>
+      </a:accent4>
+      <a:accent5>
+        <a:srgbClr val="A02B93"/>
+      </a:accent5>
+      <a:accent6>
+        <a:srgbClr val="4EA72E"/>
+      </a:accent6>
+      <a:hlink>
+        <a:srgbClr val="467886"/>
+      </a:hlink>
+      <a:folHlink>
+        <a:srgbClr val="96607D"/>
+      </a:folHlink>
+    </a:clrScheme>
+    <a:fontScheme name="Office">
+      <a:majorFont>
+        <a:latin typeface="Aptos Display" panose="02110004020202020204"/>
+        <a:ea typeface=""/>
+        <a:cs typeface=""/>
+        <a:font script="Jpan" typeface="游ゴシック Light"/>
+        <a:font script="Hang" typeface="맑은 고딕"/>
+        <a:font script="Hans" typeface="等线 Light"/>
+        <a:font script="Hant" typeface="新細明體"/>
+        <a:font script="Arab" typeface="Times New Roman"/>
+        <a:font script="Hebr" typeface="Times New Roman"/>
+        <a:font script="Thai" typeface="Angsana New"/>
+        <a:font script="Ethi" typeface="Nyala"/>
+        <a:font script="Beng" typeface="Vrinda"/>
+        <a:font script="Gujr" typeface="Shruti"/>
+        <a:font script="Khmr" typeface="MoolBoran"/>
+        <a:font script="Knda" typeface="Tunga"/>
+        <a:font script="Guru" typeface="Raavi"/>
+        <a:font script="Cans" typeface="Euphemia"/>
+        <a:font script="Cher" typeface="Plantagenet Cherokee"/>
+        <a:font script="Yiii" typeface="Microsoft Yi Baiti"/>
+        <a:font script="Tibt" typeface="Microsoft Himalaya"/>
+        <a:font script="Thaa" typeface="MV Boli"/>
+        <a:font script="Deva" typeface="Mangal"/>
+        <a:font script="Telu" typeface="Gautami"/>
+        <a:font script="Taml" typeface="Latha"/>
+        <a:font script="Syrc" typeface="Estrangelo Edessa"/>
+        <a:font script="Orya" typeface="Kalinga"/>
+        <a:font script="Mlym" typeface="Kartika"/>
+        <a:font script="Laoo" typeface="DokChampa"/>
+        <a:font script="Sinh" typeface="Iskoola Pota"/>
+        <a:font script="Mong" typeface="Mongolian Baiti"/>
+        <a:font script="Viet" typeface="Times New Roman"/>
+        <a:font script="Uigh" typeface="Microsoft Uighur"/>
+        <a:font script="Geor" typeface="Sylfaen"/>
+        <a:font script="Armn" typeface="Arial"/>
+        <a:font script="Bugi" typeface="Leelawadee UI"/>
+        <a:font script="Bopo" typeface="Microsoft JhengHei"/>
+        <a:font script="Java" typeface="Javanese Text"/>
+        <a:font script="Lisu" typeface="Segoe UI"/>
+        <a:font script="Mymr" typeface="Myanmar Text"/>
+        <a:font script="Nkoo" typeface="Ebrima"/>
+        <a:font script="Olck" typeface="Nirmala UI"/>
+        <a:font script="Osma" typeface="Ebrima"/>
+        <a:font script="Phag" typeface="Phagspa"/>
+        <a:font script="Syrn" typeface="Estrangelo Edessa"/>
+        <a:font script="Syrj" typeface="Estrangelo Edessa"/>
+        <a:font script="Syre" typeface="Estrangelo Edessa"/>
+        <a:font script="Sora" typeface="Nirmala UI"/>
+        <a:font script="Tale" typeface="Microsoft Tai Le"/>
+        <a:font script="Talu" typeface="Microsoft New Tai Lue"/>
+        <a:font script="Tfng" typeface="Ebrima"/>
+      </a:majorFont>
+      <a:minorFont>
+        <a:latin typeface="Aptos" panose="02110004020202020204"/>
+        <a:ea typeface=""/>
+        <a:cs typeface=""/>
+        <a:font script="Jpan" typeface="游ゴシック"/>
+        <a:font script="Hang" typeface="맑은 고딕"/>
+        <a:font script="Hans" typeface="等线"/>
+        <a:font script="Hant" typeface="新細明體"/>
+        <a:font script="Arab" typeface="Arial"/>
+        <a:font script="Hebr" typeface="Arial"/>
+        <a:font script="Thai" typeface="Cordia New"/>
+        <a:font script="Ethi" typeface="Nyala"/>
+        <a:font script="Beng" typeface="Vrinda"/>
+        <a:font script="Gujr" typeface="Shruti"/>
+        <a:font script="Khmr" typeface="DaunPenh"/>
+        <a:font script="Knda" typeface="Tunga"/>
+        <a:font script="Guru" typeface="Raavi"/>
+        <a:font script="Cans" typeface="Euphemia"/>
+        <a:font script="Cher" typeface="Plantagenet Cherokee"/>
+        <a:font script="Yiii" typeface="Microsoft Yi Baiti"/>
+        <a:font script="Tibt" typeface="Microsoft Himalaya"/>
+        <a:font script="Thaa" typeface="MV Boli"/>
+        <a:font script="Deva" typeface="Mangal"/>
+        <a:font script="Telu" typeface="Gautami"/>
+        <a:font script="Taml" typeface="Latha"/>
+        <a:font script="Syrc" typeface="Estrangelo Edessa"/>
+        <a:font script="Orya" typeface="Kalinga"/>
+        <a:font script="Mlym" typeface="Kartika"/>
+        <a:font script="Laoo" typeface="DokChampa"/>
+        <a:font script="Sinh" typeface="Iskoola Pota"/>
+        <a:font script="Mong" typeface="Mongolian Baiti"/>
+        <a:font script="Viet" typeface="Arial"/>
+        <a:font script="Uigh" typeface="Microsoft Uighur"/>
+        <a:font script="Geor" typeface="Sylfaen"/>
+        <a:font script="Armn" typeface="Arial"/>
+        <a:font script="Bugi" typeface="Leelawadee UI"/>
+        <a:font script="Bopo" typeface="Microsoft JhengHei"/>
+        <a:font script="Java" typeface="Javanese Text"/>
+        <a:font script="Lisu" typeface="Segoe UI"/>
+        <a:font script="Mymr" typeface="Myanmar Text"/>
+        <a:font script="Nkoo" typeface="Ebrima"/>
+        <a:font script="Olck" typeface="Nirmala UI"/>
+        <a:font script="Osma" typeface="Ebrima"/>
+        <a:font script="Phag" typeface="Phagspa"/>
+        <a:font script="Syrn" typeface="Estrangelo Edessa"/>
+        <a:font script="Syrj" typeface="Estrangelo Edessa"/>
+        <a:font script="Syre" typeface="Estrangelo Edessa"/>
+        <a:font script="Sora" typeface="Nirmala UI"/>
+        <a:font script="Tale" typeface="Microsoft Tai Le"/>
+        <a:font script="Talu" typeface="Microsoft New Tai Lue"/>
+        <a:font script="Tfng" typeface="Ebrima"/>
+      </a:minorFont>
+    </a:fontScheme>
+    <a:fmtScheme name="Office">
+      <a:fillStyleLst>
+        <a:solidFill>
+          <a:schemeClr val="phClr"/>
+        </a:solidFill>
+        <a:gradFill rotWithShape="1">
+          <a:gsLst>
+            <a:gs pos="0">
+              <a:schemeClr val="phClr">
+                <a:lumMod val="110000"/>
+                <a:satMod val="105000"/>
+                <a:tint val="67000"/>
+              </a:schemeClr>
+            </a:gs>
+            <a:gs pos="50000">
+              <a:schemeClr val="phClr">
+                <a:lumMod val="105000"/>
+                <a:satMod val="103000"/>
+                <a:tint val="73000"/>
+              </a:schemeClr>
+            </a:gs>
+            <a:gs pos="100000">
+              <a:schemeClr val="phClr">
+                <a:lumMod val="105000"/>
+                <a:satMod val="109000"/>
+                <a:tint val="81000"/>
+              </a:schemeClr>
+            </a:gs>
+          </a:gsLst>
+          <a:lin ang="5400000" scaled="0"/>
+        </a:gradFill>
+        <a:gradFill rotWithShape="1">
+          <a:gsLst>
+            <a:gs pos="0">
+              <a:schemeClr val="phClr">
+                <a:satMod val="103000"/>
+                <a:lumMod val="102000"/>
+                <a:tint val="94000"/>
+              </a:schemeClr>
+            </a:gs>
+            <a:gs pos="50000">
+              <a:schemeClr val="phClr">
+                <a:satMod val="110000"/>
+                <a:lumMod val="100000"/>
+                <a:shade val="100000"/>
+              </a:schemeClr>
+            </a:gs>
+            <a:gs pos="100000">
+              <a:schemeClr val="phClr">
+                <a:lumMod val="99000"/>
+                <a:satMod val="120000"/>
+                <a:shade val="78000"/>
+              </a:schemeClr>
+            </a:gs>
+          </a:gsLst>
+          <a:lin ang="5400000" scaled="0"/>
+        </a:gradFill>
+      </a:fillStyleLst>
+      <a:lnStyleLst>
+        <a:ln w="12700" cap="flat" cmpd="sng" algn="ctr">
+          <a:solidFill>
+            <a:schemeClr val="phClr"/>
+          </a:solidFill>
+          <a:prstDash val="solid"/>
+          <a:miter lim="800000"/>
+        </a:ln>
+        <a:ln w="19050" cap="flat" cmpd="sng" algn="ctr">
+          <a:solidFill>
+            <a:schemeClr val="phClr"/>
+          </a:solidFill>
+          <a:prstDash val="solid"/>
+          <a:miter lim="800000"/>
+        </a:ln>
+        <a:ln w="25400" cap="flat" cmpd="sng" algn="ctr">
+          <a:solidFill>
+            <a:schemeClr val="phClr"/>
+          </a:solidFill>
+          <a:prstDash val="solid"/>
+          <a:miter lim="800000"/>
+        </a:ln>
+      </a:lnStyleLst>
+      <a:effectStyleLst>
+        <a:effectStyle>
+          <a:effectLst/>
+        </a:effectStyle>
+        <a:effectStyle>
+          <a:effectLst/>
+        </a:effectStyle>
+        <a:effectStyle>
+          <a:effectLst>
+            <a:outerShdw blurRad="57150" dist="19050" dir="5400000" algn="ctr" rotWithShape="0">
+              <a:srgbClr val="000000">
+                <a:alpha val="63000"/>
+              </a:srgbClr>
+            </a:outerShdw>
+          </a:effectLst>
+        </a:effectStyle>
+      </a:effectStyleLst>
+      <a:bgFillStyleLst>
+        <a:solidFill>
+          <a:schemeClr val="phClr"/>
+        </a:solidFill>
+        <a:solidFill>
+          <a:schemeClr val="phClr">
+            <a:tint val="95000"/>
+            <a:satMod val="170000"/>
+          </a:schemeClr>
+        </a:solidFill>
+        <a:gradFill rotWithShape="1">
+          <a:gsLst>
+            <a:gs pos="0">
+              <a:schemeClr val="phClr">
+                <a:tint val="93000"/>
+                <a:satMod val="150000"/>
+                <a:shade val="98000"/>
+                <a:lumMod val="102000"/>
+              </a:schemeClr>
+            </a:gs>
+            <a:gs pos="50000">
+              <a:schemeClr val="phClr">
+                <a:tint val="98000"/>
+                <a:satMod val="130000"/>
+                <a:shade val="90000"/>
+                <a:lumMod val="103000"/>
+              </a:schemeClr>
+            </a:gs>
+            <a:gs pos="100000">
+              <a:schemeClr val="phClr">
+                <a:shade val="63000"/>
+                <a:satMod val="120000"/>
+              </a:schemeClr>
+            </a:gs>
+          </a:gsLst>
+          <a:lin ang="5400000" scaled="0"/>
+        </a:gradFill>
+      </a:bgFillStyleLst>
+    </a:fmtScheme>
+  </a:themeElements>
+  <a:objectDefaults>
+    <a:lnDef>
+      <a:spPr/>
+      <a:bodyPr/>
+      <a:lstStyle/>
+      <a:style>
+        <a:lnRef idx="2">
+          <a:schemeClr val="accent1"/>
+        </a:lnRef>
+        <a:fillRef idx="0">
+          <a:schemeClr val="accent1"/>
+        </a:fillRef>
+        <a:effectRef idx="1">
+          <a:schemeClr val="accent1"/>
+        </a:effectRef>
+        <a:fontRef idx="minor">
+          <a:schemeClr val="tx1"/>
+        </a:fontRef>
+      </a:style>
+    </a:lnDef>
+  </a:objectDefaults>
+  <a:extraClrSchemeLst/>
+  <a:extLst>
+    <a:ext uri="{05A4C25C-085E-4340-85A3-A5531E510DB2}">
+      <thm15:themeFamily xmlns:thm15="http://schemas.microsoft.com/office/thememl/2012/main" name="Office Theme" id="{2E142A2C-CD16-42D6-873A-C26D2A0506FA}" vid="{1BDDFF52-6CD6-40A5-AB3C-68EB2F1E4D0A}"/>
+    </a:ext>
+  </a:extLst>
+</a:theme>
 </file>
--- a/OT_System_Attack_Case_Study/Railway_Signaling/img/designDoc.pptx
+++ b/OT_System_Attack_Case_Study/Railway_Signaling/img/designDoc.pptx
@@ -5,7 +5,7 @@
     <p:sldMasterId id="2147483648" r:id="rId1"/>
   </p:sldMasterIdLst>
   <p:notesMasterIdLst>
-    <p:notesMasterId r:id="rId11"/>
+    <p:notesMasterId r:id="rId12"/>
   </p:notesMasterIdLst>
   <p:sldIdLst>
     <p:sldId id="256" r:id="rId2"/>
@@ -17,6 +17,7 @@
     <p:sldId id="261" r:id="rId8"/>
     <p:sldId id="263" r:id="rId9"/>
     <p:sldId id="267" r:id="rId10"/>
+    <p:sldId id="268" r:id="rId11"/>
   </p:sldIdLst>
   <p:sldSz cx="12192000" cy="6858000"/>
   <p:notesSz cx="6858000" cy="9144000"/>
@@ -548,6 +549,90 @@
     <p:extLst>
       <p:ext uri="{BB962C8B-B14F-4D97-AF65-F5344CB8AC3E}">
         <p14:creationId xmlns:p14="http://schemas.microsoft.com/office/powerpoint/2010/main" val="1961498462"/>
+      </p:ext>
+    </p:extLst>
+  </p:cSld>
+  <p:clrMapOvr>
+    <a:masterClrMapping/>
+  </p:clrMapOvr>
+</p:notes>
+</file>
+
+<file path=ppt/notesSlides/notesSlide2.xml><?xml version="1.0" encoding="utf-8"?>
+<p:notes xmlns:a="http://schemas.openxmlformats.org/drawingml/2006/main" xmlns:r="http://schemas.openxmlformats.org/officeDocument/2006/relationships" xmlns:p="http://schemas.openxmlformats.org/presentationml/2006/main">
+  <p:cSld>
+    <p:spTree>
+      <p:nvGrpSpPr>
+        <p:cNvPr id="1" name=""/>
+        <p:cNvGrpSpPr/>
+        <p:nvPr/>
+      </p:nvGrpSpPr>
+      <p:grpSpPr>
+        <a:xfrm>
+          <a:off x="0" y="0"/>
+          <a:ext cx="0" cy="0"/>
+          <a:chOff x="0" y="0"/>
+          <a:chExt cx="0" cy="0"/>
+        </a:xfrm>
+      </p:grpSpPr>
+      <p:sp>
+        <p:nvSpPr>
+          <p:cNvPr id="2" name="Slide Image Placeholder 1"/>
+          <p:cNvSpPr>
+            <a:spLocks noGrp="1" noRot="1" noChangeAspect="1"/>
+          </p:cNvSpPr>
+          <p:nvPr>
+            <p:ph type="sldImg"/>
+          </p:nvPr>
+        </p:nvSpPr>
+        <p:spPr/>
+      </p:sp>
+      <p:sp>
+        <p:nvSpPr>
+          <p:cNvPr id="3" name="Notes Placeholder 2"/>
+          <p:cNvSpPr>
+            <a:spLocks noGrp="1"/>
+          </p:cNvSpPr>
+          <p:nvPr>
+            <p:ph type="body" idx="1"/>
+          </p:nvPr>
+        </p:nvSpPr>
+        <p:spPr/>
+        <p:txBody>
+          <a:bodyPr/>
+          <a:lstStyle/>
+          <a:p>
+            <a:endParaRPr lang="en-SG" dirty="0"/>
+          </a:p>
+        </p:txBody>
+      </p:sp>
+      <p:sp>
+        <p:nvSpPr>
+          <p:cNvPr id="4" name="Slide Number Placeholder 3"/>
+          <p:cNvSpPr>
+            <a:spLocks noGrp="1"/>
+          </p:cNvSpPr>
+          <p:nvPr>
+            <p:ph type="sldNum" sz="quarter" idx="5"/>
+          </p:nvPr>
+        </p:nvSpPr>
+        <p:spPr/>
+        <p:txBody>
+          <a:bodyPr/>
+          <a:lstStyle/>
+          <a:p>
+            <a:fld id="{0619E7A7-CE71-44B2-90E3-D9C359A51CC5}" type="slidenum">
+              <a:rPr lang="en-SG" smtClean="0"/>
+              <a:t>10</a:t>
+            </a:fld>
+            <a:endParaRPr lang="en-SG"/>
+          </a:p>
+        </p:txBody>
+      </p:sp>
+    </p:spTree>
+    <p:extLst>
+      <p:ext uri="{BB962C8B-B14F-4D97-AF65-F5344CB8AC3E}">
+        <p14:creationId xmlns:p14="http://schemas.microsoft.com/office/powerpoint/2010/main" val="3584448199"/>
       </p:ext>
     </p:extLst>
   </p:cSld>
@@ -3945,6 +4030,3608 @@
 </p:sld>
 </file>
 
+<file path=ppt/slides/slide10.xml><?xml version="1.0" encoding="utf-8"?>
+<p:sld xmlns:a="http://schemas.openxmlformats.org/drawingml/2006/main" xmlns:r="http://schemas.openxmlformats.org/officeDocument/2006/relationships" xmlns:p="http://schemas.openxmlformats.org/presentationml/2006/main">
+  <p:cSld>
+    <p:spTree>
+      <p:nvGrpSpPr>
+        <p:cNvPr id="1" name=""/>
+        <p:cNvGrpSpPr/>
+        <p:nvPr/>
+      </p:nvGrpSpPr>
+      <p:grpSpPr>
+        <a:xfrm>
+          <a:off x="0" y="0"/>
+          <a:ext cx="0" cy="0"/>
+          <a:chOff x="0" y="0"/>
+          <a:chExt cx="0" cy="0"/>
+        </a:xfrm>
+      </p:grpSpPr>
+      <p:pic>
+        <p:nvPicPr>
+          <p:cNvPr id="4" name="Graphic 3" descr="Wireless router with solid fill">
+            <a:extLst>
+              <a:ext uri="{FF2B5EF4-FFF2-40B4-BE49-F238E27FC236}">
+                <a16:creationId xmlns:a16="http://schemas.microsoft.com/office/drawing/2014/main" id="{EAA85D6A-22C7-79B5-90E3-C74AB5ADF9B6}"/>
+              </a:ext>
+            </a:extLst>
+          </p:cNvPr>
+          <p:cNvPicPr>
+            <a:picLocks noChangeAspect="1"/>
+          </p:cNvPicPr>
+          <p:nvPr/>
+        </p:nvPicPr>
+        <p:blipFill>
+          <a:blip r:embed="rId3">
+            <a:extLst>
+              <a:ext uri="{96DAC541-7B7A-43D3-8B79-37D633B846F1}">
+                <asvg:svgBlip xmlns:asvg="http://schemas.microsoft.com/office/drawing/2016/SVG/main" r:embed="rId4"/>
+              </a:ext>
+            </a:extLst>
+          </a:blip>
+          <a:stretch>
+            <a:fillRect/>
+          </a:stretch>
+        </p:blipFill>
+        <p:spPr>
+          <a:xfrm>
+            <a:off x="1447939" y="1417450"/>
+            <a:ext cx="329184" cy="329184"/>
+          </a:xfrm>
+          <a:prstGeom prst="rect">
+            <a:avLst/>
+          </a:prstGeom>
+        </p:spPr>
+      </p:pic>
+      <p:pic>
+        <p:nvPicPr>
+          <p:cNvPr id="5" name="Graphic 4" descr="Wireless router with solid fill">
+            <a:extLst>
+              <a:ext uri="{FF2B5EF4-FFF2-40B4-BE49-F238E27FC236}">
+                <a16:creationId xmlns:a16="http://schemas.microsoft.com/office/drawing/2014/main" id="{C0F0E0C4-41FA-7719-4E4D-2AF74CEB1972}"/>
+              </a:ext>
+            </a:extLst>
+          </p:cNvPr>
+          <p:cNvPicPr>
+            <a:picLocks noChangeAspect="1"/>
+          </p:cNvPicPr>
+          <p:nvPr/>
+        </p:nvPicPr>
+        <p:blipFill>
+          <a:blip r:embed="rId3">
+            <a:extLst>
+              <a:ext uri="{96DAC541-7B7A-43D3-8B79-37D633B846F1}">
+                <asvg:svgBlip xmlns:asvg="http://schemas.microsoft.com/office/drawing/2016/SVG/main" r:embed="rId4"/>
+              </a:ext>
+            </a:extLst>
+          </a:blip>
+          <a:stretch>
+            <a:fillRect/>
+          </a:stretch>
+        </p:blipFill>
+        <p:spPr>
+          <a:xfrm>
+            <a:off x="4271242" y="1399529"/>
+            <a:ext cx="329184" cy="329184"/>
+          </a:xfrm>
+          <a:prstGeom prst="rect">
+            <a:avLst/>
+          </a:prstGeom>
+        </p:spPr>
+      </p:pic>
+      <p:sp>
+        <p:nvSpPr>
+          <p:cNvPr id="6" name="Rectangle 5">
+            <a:extLst>
+              <a:ext uri="{FF2B5EF4-FFF2-40B4-BE49-F238E27FC236}">
+                <a16:creationId xmlns:a16="http://schemas.microsoft.com/office/drawing/2014/main" id="{BEB983EE-DEEC-15A8-1028-71F600B0993F}"/>
+              </a:ext>
+            </a:extLst>
+          </p:cNvPr>
+          <p:cNvSpPr/>
+          <p:nvPr/>
+        </p:nvSpPr>
+        <p:spPr>
+          <a:xfrm>
+            <a:off x="1063891" y="921178"/>
+            <a:ext cx="411479" cy="222033"/>
+          </a:xfrm>
+          <a:prstGeom prst="rect">
+            <a:avLst/>
+          </a:prstGeom>
+          <a:noFill/>
+        </p:spPr>
+        <p:style>
+          <a:lnRef idx="2">
+            <a:schemeClr val="accent1">
+              <a:shade val="15000"/>
+            </a:schemeClr>
+          </a:lnRef>
+          <a:fillRef idx="1">
+            <a:schemeClr val="accent1"/>
+          </a:fillRef>
+          <a:effectRef idx="0">
+            <a:schemeClr val="accent1"/>
+          </a:effectRef>
+          <a:fontRef idx="minor">
+            <a:schemeClr val="lt1"/>
+          </a:fontRef>
+        </p:style>
+        <p:txBody>
+          <a:bodyPr rtlCol="0" anchor="ctr"/>
+          <a:lstStyle/>
+          <a:p>
+            <a:pPr algn="ctr"/>
+            <a:endParaRPr lang="en-SG"/>
+          </a:p>
+        </p:txBody>
+      </p:sp>
+      <p:sp>
+        <p:nvSpPr>
+          <p:cNvPr id="7" name="Oval 6">
+            <a:extLst>
+              <a:ext uri="{FF2B5EF4-FFF2-40B4-BE49-F238E27FC236}">
+                <a16:creationId xmlns:a16="http://schemas.microsoft.com/office/drawing/2014/main" id="{3F919DFD-85A9-F620-1AD3-4E5894A79A07}"/>
+              </a:ext>
+            </a:extLst>
+          </p:cNvPr>
+          <p:cNvSpPr/>
+          <p:nvPr/>
+        </p:nvSpPr>
+        <p:spPr>
+          <a:xfrm>
+            <a:off x="1095894" y="955459"/>
+            <a:ext cx="164592" cy="153469"/>
+          </a:xfrm>
+          <a:prstGeom prst="ellipse">
+            <a:avLst/>
+          </a:prstGeom>
+          <a:solidFill>
+            <a:schemeClr val="accent6">
+              <a:lumMod val="75000"/>
+            </a:schemeClr>
+          </a:solidFill>
+        </p:spPr>
+        <p:style>
+          <a:lnRef idx="2">
+            <a:schemeClr val="accent1">
+              <a:shade val="15000"/>
+            </a:schemeClr>
+          </a:lnRef>
+          <a:fillRef idx="1">
+            <a:schemeClr val="accent1"/>
+          </a:fillRef>
+          <a:effectRef idx="0">
+            <a:schemeClr val="accent1"/>
+          </a:effectRef>
+          <a:fontRef idx="minor">
+            <a:schemeClr val="lt1"/>
+          </a:fontRef>
+        </p:style>
+        <p:txBody>
+          <a:bodyPr rtlCol="0" anchor="ctr"/>
+          <a:lstStyle/>
+          <a:p>
+            <a:pPr algn="ctr"/>
+            <a:endParaRPr lang="en-SG"/>
+          </a:p>
+        </p:txBody>
+      </p:sp>
+      <p:sp>
+        <p:nvSpPr>
+          <p:cNvPr id="8" name="Oval 7">
+            <a:extLst>
+              <a:ext uri="{FF2B5EF4-FFF2-40B4-BE49-F238E27FC236}">
+                <a16:creationId xmlns:a16="http://schemas.microsoft.com/office/drawing/2014/main" id="{A52E4E63-8E56-42FC-C187-88482AA6EFD1}"/>
+              </a:ext>
+            </a:extLst>
+          </p:cNvPr>
+          <p:cNvSpPr/>
+          <p:nvPr/>
+        </p:nvSpPr>
+        <p:spPr>
+          <a:xfrm>
+            <a:off x="1283347" y="955459"/>
+            <a:ext cx="164592" cy="153469"/>
+          </a:xfrm>
+          <a:prstGeom prst="ellipse">
+            <a:avLst/>
+          </a:prstGeom>
+          <a:noFill/>
+        </p:spPr>
+        <p:style>
+          <a:lnRef idx="2">
+            <a:schemeClr val="accent1">
+              <a:shade val="15000"/>
+            </a:schemeClr>
+          </a:lnRef>
+          <a:fillRef idx="1">
+            <a:schemeClr val="accent1"/>
+          </a:fillRef>
+          <a:effectRef idx="0">
+            <a:schemeClr val="accent1"/>
+          </a:effectRef>
+          <a:fontRef idx="minor">
+            <a:schemeClr val="lt1"/>
+          </a:fontRef>
+        </p:style>
+        <p:txBody>
+          <a:bodyPr rtlCol="0" anchor="ctr"/>
+          <a:lstStyle/>
+          <a:p>
+            <a:pPr algn="ctr"/>
+            <a:endParaRPr lang="en-SG"/>
+          </a:p>
+        </p:txBody>
+      </p:sp>
+      <p:cxnSp>
+        <p:nvCxnSpPr>
+          <p:cNvPr id="9" name="Straight Connector 8">
+            <a:extLst>
+              <a:ext uri="{FF2B5EF4-FFF2-40B4-BE49-F238E27FC236}">
+                <a16:creationId xmlns:a16="http://schemas.microsoft.com/office/drawing/2014/main" id="{5A029120-CE50-CE45-9C5C-053DF367102E}"/>
+              </a:ext>
+            </a:extLst>
+          </p:cNvPr>
+          <p:cNvCxnSpPr>
+            <a:cxnSpLocks/>
+            <a:stCxn id="6" idx="2"/>
+          </p:cNvCxnSpPr>
+          <p:nvPr/>
+        </p:nvCxnSpPr>
+        <p:spPr>
+          <a:xfrm flipH="1">
+            <a:off x="1269630" y="1143211"/>
+            <a:ext cx="1" cy="964594"/>
+          </a:xfrm>
+          <a:prstGeom prst="line">
+            <a:avLst/>
+          </a:prstGeom>
+        </p:spPr>
+        <p:style>
+          <a:lnRef idx="2">
+            <a:schemeClr val="accent1"/>
+          </a:lnRef>
+          <a:fillRef idx="0">
+            <a:schemeClr val="accent1"/>
+          </a:fillRef>
+          <a:effectRef idx="1">
+            <a:schemeClr val="accent1"/>
+          </a:effectRef>
+          <a:fontRef idx="minor">
+            <a:schemeClr val="tx1"/>
+          </a:fontRef>
+        </p:style>
+      </p:cxnSp>
+      <p:sp>
+        <p:nvSpPr>
+          <p:cNvPr id="10" name="Rectangle 9">
+            <a:extLst>
+              <a:ext uri="{FF2B5EF4-FFF2-40B4-BE49-F238E27FC236}">
+                <a16:creationId xmlns:a16="http://schemas.microsoft.com/office/drawing/2014/main" id="{28B28C78-AAA5-C2D7-64AC-6D402569B396}"/>
+              </a:ext>
+            </a:extLst>
+          </p:cNvPr>
+          <p:cNvSpPr/>
+          <p:nvPr/>
+        </p:nvSpPr>
+        <p:spPr>
+          <a:xfrm>
+            <a:off x="859540" y="1747072"/>
+            <a:ext cx="4349541" cy="84388"/>
+          </a:xfrm>
+          <a:prstGeom prst="rect">
+            <a:avLst/>
+          </a:prstGeom>
+        </p:spPr>
+        <p:style>
+          <a:lnRef idx="2">
+            <a:schemeClr val="accent1">
+              <a:shade val="15000"/>
+            </a:schemeClr>
+          </a:lnRef>
+          <a:fillRef idx="1">
+            <a:schemeClr val="accent1"/>
+          </a:fillRef>
+          <a:effectRef idx="0">
+            <a:schemeClr val="accent1"/>
+          </a:effectRef>
+          <a:fontRef idx="minor">
+            <a:schemeClr val="lt1"/>
+          </a:fontRef>
+        </p:style>
+        <p:txBody>
+          <a:bodyPr rtlCol="0" anchor="ctr"/>
+          <a:lstStyle/>
+          <a:p>
+            <a:pPr algn="ctr"/>
+            <a:endParaRPr lang="en-SG"/>
+          </a:p>
+        </p:txBody>
+      </p:sp>
+      <p:pic>
+        <p:nvPicPr>
+          <p:cNvPr id="11" name="Picture 10">
+            <a:extLst>
+              <a:ext uri="{FF2B5EF4-FFF2-40B4-BE49-F238E27FC236}">
+                <a16:creationId xmlns:a16="http://schemas.microsoft.com/office/drawing/2014/main" id="{18695765-4803-B063-7D1F-BB562AD6CBC6}"/>
+              </a:ext>
+            </a:extLst>
+          </p:cNvPr>
+          <p:cNvPicPr>
+            <a:picLocks noChangeAspect="1"/>
+          </p:cNvPicPr>
+          <p:nvPr/>
+        </p:nvPicPr>
+        <p:blipFill>
+          <a:blip r:embed="rId5"/>
+          <a:stretch>
+            <a:fillRect/>
+          </a:stretch>
+        </p:blipFill>
+        <p:spPr>
+          <a:xfrm>
+            <a:off x="2366598" y="3046892"/>
+            <a:ext cx="3200000" cy="1419048"/>
+          </a:xfrm>
+          <a:prstGeom prst="rect">
+            <a:avLst/>
+          </a:prstGeom>
+        </p:spPr>
+      </p:pic>
+      <p:pic>
+        <p:nvPicPr>
+          <p:cNvPr id="12" name="Picture 11">
+            <a:extLst>
+              <a:ext uri="{FF2B5EF4-FFF2-40B4-BE49-F238E27FC236}">
+                <a16:creationId xmlns:a16="http://schemas.microsoft.com/office/drawing/2014/main" id="{86B3B865-CD5A-9A28-F017-CAF89C9940E2}"/>
+              </a:ext>
+            </a:extLst>
+          </p:cNvPr>
+          <p:cNvPicPr>
+            <a:picLocks noChangeAspect="1"/>
+          </p:cNvPicPr>
+          <p:nvPr/>
+        </p:nvPicPr>
+        <p:blipFill>
+          <a:blip r:embed="rId6"/>
+          <a:stretch>
+            <a:fillRect/>
+          </a:stretch>
+        </p:blipFill>
+        <p:spPr>
+          <a:xfrm>
+            <a:off x="978012" y="3589133"/>
+            <a:ext cx="939854" cy="939854"/>
+          </a:xfrm>
+          <a:prstGeom prst="rect">
+            <a:avLst/>
+          </a:prstGeom>
+        </p:spPr>
+      </p:pic>
+      <p:sp>
+        <p:nvSpPr>
+          <p:cNvPr id="13" name="TextBox 12">
+            <a:extLst>
+              <a:ext uri="{FF2B5EF4-FFF2-40B4-BE49-F238E27FC236}">
+                <a16:creationId xmlns:a16="http://schemas.microsoft.com/office/drawing/2014/main" id="{E8F12B33-7A5A-3B6E-F111-D39922C10793}"/>
+              </a:ext>
+            </a:extLst>
+          </p:cNvPr>
+          <p:cNvSpPr txBox="1"/>
+          <p:nvPr/>
+        </p:nvSpPr>
+        <p:spPr>
+          <a:xfrm>
+            <a:off x="1428977" y="1208519"/>
+            <a:ext cx="1139639" cy="261610"/>
+          </a:xfrm>
+          <a:prstGeom prst="rect">
+            <a:avLst/>
+          </a:prstGeom>
+          <a:noFill/>
+        </p:spPr>
+        <p:txBody>
+          <a:bodyPr wrap="square">
+            <a:spAutoFit/>
+          </a:bodyPr>
+          <a:lstStyle/>
+          <a:p>
+            <a:r>
+              <a:rPr lang="en-US" sz="1100" b="1" dirty="0"/>
+              <a:t>Sensor(n)</a:t>
+            </a:r>
+            <a:endParaRPr lang="en-SG" sz="1100" b="1" dirty="0"/>
+          </a:p>
+        </p:txBody>
+      </p:sp>
+      <p:sp>
+        <p:nvSpPr>
+          <p:cNvPr id="14" name="TextBox 13">
+            <a:extLst>
+              <a:ext uri="{FF2B5EF4-FFF2-40B4-BE49-F238E27FC236}">
+                <a16:creationId xmlns:a16="http://schemas.microsoft.com/office/drawing/2014/main" id="{070992A0-640B-B9D2-7CE9-4F8858001F1E}"/>
+              </a:ext>
+            </a:extLst>
+          </p:cNvPr>
+          <p:cNvSpPr txBox="1"/>
+          <p:nvPr/>
+        </p:nvSpPr>
+        <p:spPr>
+          <a:xfrm>
+            <a:off x="4030606" y="1224945"/>
+            <a:ext cx="1139639" cy="261610"/>
+          </a:xfrm>
+          <a:prstGeom prst="rect">
+            <a:avLst/>
+          </a:prstGeom>
+          <a:noFill/>
+        </p:spPr>
+        <p:txBody>
+          <a:bodyPr wrap="square">
+            <a:spAutoFit/>
+          </a:bodyPr>
+          <a:lstStyle/>
+          <a:p>
+            <a:r>
+              <a:rPr lang="en-US" sz="1100" b="1" dirty="0"/>
+              <a:t>Sensor(n+1)</a:t>
+            </a:r>
+            <a:endParaRPr lang="en-SG" sz="1100" b="1" dirty="0"/>
+          </a:p>
+        </p:txBody>
+      </p:sp>
+      <p:sp>
+        <p:nvSpPr>
+          <p:cNvPr id="15" name="TextBox 14">
+            <a:extLst>
+              <a:ext uri="{FF2B5EF4-FFF2-40B4-BE49-F238E27FC236}">
+                <a16:creationId xmlns:a16="http://schemas.microsoft.com/office/drawing/2014/main" id="{93AB4DFB-AE79-1488-C785-8E1A1DAAFB16}"/>
+              </a:ext>
+            </a:extLst>
+          </p:cNvPr>
+          <p:cNvSpPr txBox="1"/>
+          <p:nvPr/>
+        </p:nvSpPr>
+        <p:spPr>
+          <a:xfrm>
+            <a:off x="905550" y="579671"/>
+            <a:ext cx="1139639" cy="261610"/>
+          </a:xfrm>
+          <a:prstGeom prst="rect">
+            <a:avLst/>
+          </a:prstGeom>
+          <a:noFill/>
+        </p:spPr>
+        <p:txBody>
+          <a:bodyPr wrap="square">
+            <a:spAutoFit/>
+          </a:bodyPr>
+          <a:lstStyle/>
+          <a:p>
+            <a:r>
+              <a:rPr lang="en-US" sz="1100" b="1" dirty="0"/>
+              <a:t>Signal(n)</a:t>
+            </a:r>
+            <a:endParaRPr lang="en-SG" sz="1100" b="1" dirty="0"/>
+          </a:p>
+        </p:txBody>
+      </p:sp>
+      <p:cxnSp>
+        <p:nvCxnSpPr>
+          <p:cNvPr id="16" name="Straight Connector 15">
+            <a:extLst>
+              <a:ext uri="{FF2B5EF4-FFF2-40B4-BE49-F238E27FC236}">
+                <a16:creationId xmlns:a16="http://schemas.microsoft.com/office/drawing/2014/main" id="{C43CA8D4-5D2C-835E-E9E3-7E31454BBD46}"/>
+              </a:ext>
+            </a:extLst>
+          </p:cNvPr>
+          <p:cNvCxnSpPr/>
+          <p:nvPr/>
+        </p:nvCxnSpPr>
+        <p:spPr>
+          <a:xfrm>
+            <a:off x="936903" y="2107805"/>
+            <a:ext cx="4194813" cy="0"/>
+          </a:xfrm>
+          <a:prstGeom prst="line">
+            <a:avLst/>
+          </a:prstGeom>
+        </p:spPr>
+        <p:style>
+          <a:lnRef idx="2">
+            <a:schemeClr val="accent1"/>
+          </a:lnRef>
+          <a:fillRef idx="0">
+            <a:schemeClr val="accent1"/>
+          </a:fillRef>
+          <a:effectRef idx="1">
+            <a:schemeClr val="accent1"/>
+          </a:effectRef>
+          <a:fontRef idx="minor">
+            <a:schemeClr val="tx1"/>
+          </a:fontRef>
+        </p:style>
+      </p:cxnSp>
+      <p:cxnSp>
+        <p:nvCxnSpPr>
+          <p:cNvPr id="17" name="Straight Connector 16">
+            <a:extLst>
+              <a:ext uri="{FF2B5EF4-FFF2-40B4-BE49-F238E27FC236}">
+                <a16:creationId xmlns:a16="http://schemas.microsoft.com/office/drawing/2014/main" id="{8E3E808E-800C-4DA5-88C3-9268A82E4CF0}"/>
+              </a:ext>
+            </a:extLst>
+          </p:cNvPr>
+          <p:cNvCxnSpPr>
+            <a:cxnSpLocks/>
+          </p:cNvCxnSpPr>
+          <p:nvPr/>
+        </p:nvCxnSpPr>
+        <p:spPr>
+          <a:xfrm>
+            <a:off x="859540" y="2296781"/>
+            <a:ext cx="4272175" cy="0"/>
+          </a:xfrm>
+          <a:prstGeom prst="line">
+            <a:avLst/>
+          </a:prstGeom>
+          <a:ln>
+            <a:solidFill>
+              <a:schemeClr val="accent5">
+                <a:lumMod val="75000"/>
+              </a:schemeClr>
+            </a:solidFill>
+          </a:ln>
+        </p:spPr>
+        <p:style>
+          <a:lnRef idx="2">
+            <a:schemeClr val="accent1"/>
+          </a:lnRef>
+          <a:fillRef idx="0">
+            <a:schemeClr val="accent1"/>
+          </a:fillRef>
+          <a:effectRef idx="1">
+            <a:schemeClr val="accent1"/>
+          </a:effectRef>
+          <a:fontRef idx="minor">
+            <a:schemeClr val="tx1"/>
+          </a:fontRef>
+        </p:style>
+      </p:cxnSp>
+      <p:cxnSp>
+        <p:nvCxnSpPr>
+          <p:cNvPr id="18" name="Straight Connector 17">
+            <a:extLst>
+              <a:ext uri="{FF2B5EF4-FFF2-40B4-BE49-F238E27FC236}">
+                <a16:creationId xmlns:a16="http://schemas.microsoft.com/office/drawing/2014/main" id="{38D6C8E9-B8EF-D01B-60BE-3D5ABF8E1375}"/>
+              </a:ext>
+            </a:extLst>
+          </p:cNvPr>
+          <p:cNvCxnSpPr>
+            <a:cxnSpLocks/>
+          </p:cNvCxnSpPr>
+          <p:nvPr/>
+        </p:nvCxnSpPr>
+        <p:spPr>
+          <a:xfrm>
+            <a:off x="859540" y="2497949"/>
+            <a:ext cx="4272175" cy="0"/>
+          </a:xfrm>
+          <a:prstGeom prst="line">
+            <a:avLst/>
+          </a:prstGeom>
+          <a:ln>
+            <a:solidFill>
+              <a:schemeClr val="accent2">
+                <a:lumMod val="75000"/>
+              </a:schemeClr>
+            </a:solidFill>
+          </a:ln>
+        </p:spPr>
+        <p:style>
+          <a:lnRef idx="2">
+            <a:schemeClr val="accent1"/>
+          </a:lnRef>
+          <a:fillRef idx="0">
+            <a:schemeClr val="accent1"/>
+          </a:fillRef>
+          <a:effectRef idx="1">
+            <a:schemeClr val="accent1"/>
+          </a:effectRef>
+          <a:fontRef idx="minor">
+            <a:schemeClr val="tx1"/>
+          </a:fontRef>
+        </p:style>
+      </p:cxnSp>
+      <p:cxnSp>
+        <p:nvCxnSpPr>
+          <p:cNvPr id="19" name="Straight Connector 18">
+            <a:extLst>
+              <a:ext uri="{FF2B5EF4-FFF2-40B4-BE49-F238E27FC236}">
+                <a16:creationId xmlns:a16="http://schemas.microsoft.com/office/drawing/2014/main" id="{922CC1D7-BF7B-9E46-970A-68E6B0528E69}"/>
+              </a:ext>
+            </a:extLst>
+          </p:cNvPr>
+          <p:cNvCxnSpPr>
+            <a:cxnSpLocks/>
+          </p:cNvCxnSpPr>
+          <p:nvPr/>
+        </p:nvCxnSpPr>
+        <p:spPr>
+          <a:xfrm>
+            <a:off x="1612531" y="1705484"/>
+            <a:ext cx="0" cy="575359"/>
+          </a:xfrm>
+          <a:prstGeom prst="line">
+            <a:avLst/>
+          </a:prstGeom>
+          <a:ln>
+            <a:solidFill>
+              <a:schemeClr val="accent5">
+                <a:lumMod val="75000"/>
+              </a:schemeClr>
+            </a:solidFill>
+          </a:ln>
+        </p:spPr>
+        <p:style>
+          <a:lnRef idx="2">
+            <a:schemeClr val="accent1"/>
+          </a:lnRef>
+          <a:fillRef idx="0">
+            <a:schemeClr val="accent1"/>
+          </a:fillRef>
+          <a:effectRef idx="1">
+            <a:schemeClr val="accent1"/>
+          </a:effectRef>
+          <a:fontRef idx="minor">
+            <a:schemeClr val="tx1"/>
+          </a:fontRef>
+        </p:style>
+      </p:cxnSp>
+      <p:cxnSp>
+        <p:nvCxnSpPr>
+          <p:cNvPr id="20" name="Straight Connector 19">
+            <a:extLst>
+              <a:ext uri="{FF2B5EF4-FFF2-40B4-BE49-F238E27FC236}">
+                <a16:creationId xmlns:a16="http://schemas.microsoft.com/office/drawing/2014/main" id="{863D3ADD-9354-0C04-0110-D3DB79ECA8E6}"/>
+              </a:ext>
+            </a:extLst>
+          </p:cNvPr>
+          <p:cNvCxnSpPr>
+            <a:cxnSpLocks/>
+          </p:cNvCxnSpPr>
+          <p:nvPr/>
+        </p:nvCxnSpPr>
+        <p:spPr>
+          <a:xfrm>
+            <a:off x="4435834" y="1831460"/>
+            <a:ext cx="0" cy="666489"/>
+          </a:xfrm>
+          <a:prstGeom prst="line">
+            <a:avLst/>
+          </a:prstGeom>
+          <a:ln>
+            <a:solidFill>
+              <a:schemeClr val="accent2">
+                <a:lumMod val="75000"/>
+              </a:schemeClr>
+            </a:solidFill>
+          </a:ln>
+        </p:spPr>
+        <p:style>
+          <a:lnRef idx="2">
+            <a:schemeClr val="accent1"/>
+          </a:lnRef>
+          <a:fillRef idx="0">
+            <a:schemeClr val="accent1"/>
+          </a:fillRef>
+          <a:effectRef idx="1">
+            <a:schemeClr val="accent1"/>
+          </a:effectRef>
+          <a:fontRef idx="minor">
+            <a:schemeClr val="tx1"/>
+          </a:fontRef>
+        </p:style>
+      </p:cxnSp>
+      <p:cxnSp>
+        <p:nvCxnSpPr>
+          <p:cNvPr id="21" name="Straight Connector 20">
+            <a:extLst>
+              <a:ext uri="{FF2B5EF4-FFF2-40B4-BE49-F238E27FC236}">
+                <a16:creationId xmlns:a16="http://schemas.microsoft.com/office/drawing/2014/main" id="{71BEB5B8-1408-6475-0B28-7A18580C9B7B}"/>
+              </a:ext>
+            </a:extLst>
+          </p:cNvPr>
+          <p:cNvCxnSpPr>
+            <a:cxnSpLocks/>
+          </p:cNvCxnSpPr>
+          <p:nvPr/>
+        </p:nvCxnSpPr>
+        <p:spPr>
+          <a:xfrm>
+            <a:off x="5108146" y="2090416"/>
+            <a:ext cx="0" cy="1309741"/>
+          </a:xfrm>
+          <a:prstGeom prst="line">
+            <a:avLst/>
+          </a:prstGeom>
+        </p:spPr>
+        <p:style>
+          <a:lnRef idx="2">
+            <a:schemeClr val="accent1"/>
+          </a:lnRef>
+          <a:fillRef idx="0">
+            <a:schemeClr val="accent1"/>
+          </a:fillRef>
+          <a:effectRef idx="1">
+            <a:schemeClr val="accent1"/>
+          </a:effectRef>
+          <a:fontRef idx="minor">
+            <a:schemeClr val="tx1"/>
+          </a:fontRef>
+        </p:style>
+      </p:cxnSp>
+      <p:cxnSp>
+        <p:nvCxnSpPr>
+          <p:cNvPr id="22" name="Straight Connector 21">
+            <a:extLst>
+              <a:ext uri="{FF2B5EF4-FFF2-40B4-BE49-F238E27FC236}">
+                <a16:creationId xmlns:a16="http://schemas.microsoft.com/office/drawing/2014/main" id="{3080FB3E-8A8F-E074-A05F-7B2969543C88}"/>
+              </a:ext>
+            </a:extLst>
+          </p:cNvPr>
+          <p:cNvCxnSpPr>
+            <a:cxnSpLocks/>
+          </p:cNvCxnSpPr>
+          <p:nvPr/>
+        </p:nvCxnSpPr>
+        <p:spPr>
+          <a:xfrm>
+            <a:off x="2184640" y="2497949"/>
+            <a:ext cx="0" cy="1818995"/>
+          </a:xfrm>
+          <a:prstGeom prst="line">
+            <a:avLst/>
+          </a:prstGeom>
+          <a:ln>
+            <a:solidFill>
+              <a:schemeClr val="accent2">
+                <a:lumMod val="75000"/>
+              </a:schemeClr>
+            </a:solidFill>
+          </a:ln>
+        </p:spPr>
+        <p:style>
+          <a:lnRef idx="2">
+            <a:schemeClr val="accent1"/>
+          </a:lnRef>
+          <a:fillRef idx="0">
+            <a:schemeClr val="accent1"/>
+          </a:fillRef>
+          <a:effectRef idx="1">
+            <a:schemeClr val="accent1"/>
+          </a:effectRef>
+          <a:fontRef idx="minor">
+            <a:schemeClr val="tx1"/>
+          </a:fontRef>
+        </p:style>
+      </p:cxnSp>
+      <p:cxnSp>
+        <p:nvCxnSpPr>
+          <p:cNvPr id="23" name="Straight Connector 22">
+            <a:extLst>
+              <a:ext uri="{FF2B5EF4-FFF2-40B4-BE49-F238E27FC236}">
+                <a16:creationId xmlns:a16="http://schemas.microsoft.com/office/drawing/2014/main" id="{E0D909CC-25CC-D757-403D-DA55CF1DAC20}"/>
+              </a:ext>
+            </a:extLst>
+          </p:cNvPr>
+          <p:cNvCxnSpPr>
+            <a:cxnSpLocks/>
+          </p:cNvCxnSpPr>
+          <p:nvPr/>
+        </p:nvCxnSpPr>
+        <p:spPr>
+          <a:xfrm>
+            <a:off x="2184640" y="4316944"/>
+            <a:ext cx="519008" cy="0"/>
+          </a:xfrm>
+          <a:prstGeom prst="line">
+            <a:avLst/>
+          </a:prstGeom>
+          <a:ln>
+            <a:solidFill>
+              <a:schemeClr val="accent2">
+                <a:lumMod val="75000"/>
+              </a:schemeClr>
+            </a:solidFill>
+          </a:ln>
+        </p:spPr>
+        <p:style>
+          <a:lnRef idx="2">
+            <a:schemeClr val="accent1"/>
+          </a:lnRef>
+          <a:fillRef idx="0">
+            <a:schemeClr val="accent1"/>
+          </a:fillRef>
+          <a:effectRef idx="1">
+            <a:schemeClr val="accent1"/>
+          </a:effectRef>
+          <a:fontRef idx="minor">
+            <a:schemeClr val="tx1"/>
+          </a:fontRef>
+        </p:style>
+      </p:cxnSp>
+      <p:cxnSp>
+        <p:nvCxnSpPr>
+          <p:cNvPr id="24" name="Straight Connector 23">
+            <a:extLst>
+              <a:ext uri="{FF2B5EF4-FFF2-40B4-BE49-F238E27FC236}">
+                <a16:creationId xmlns:a16="http://schemas.microsoft.com/office/drawing/2014/main" id="{AA6D9B3C-6B9B-2E0B-5D17-F288EC48D4B4}"/>
+              </a:ext>
+            </a:extLst>
+          </p:cNvPr>
+          <p:cNvCxnSpPr>
+            <a:cxnSpLocks/>
+          </p:cNvCxnSpPr>
+          <p:nvPr/>
+        </p:nvCxnSpPr>
+        <p:spPr>
+          <a:xfrm>
+            <a:off x="2743339" y="2296781"/>
+            <a:ext cx="0" cy="999744"/>
+          </a:xfrm>
+          <a:prstGeom prst="line">
+            <a:avLst/>
+          </a:prstGeom>
+          <a:ln>
+            <a:solidFill>
+              <a:schemeClr val="accent5">
+                <a:lumMod val="75000"/>
+              </a:schemeClr>
+            </a:solidFill>
+          </a:ln>
+        </p:spPr>
+        <p:style>
+          <a:lnRef idx="2">
+            <a:schemeClr val="accent1"/>
+          </a:lnRef>
+          <a:fillRef idx="0">
+            <a:schemeClr val="accent1"/>
+          </a:fillRef>
+          <a:effectRef idx="1">
+            <a:schemeClr val="accent1"/>
+          </a:effectRef>
+          <a:fontRef idx="minor">
+            <a:schemeClr val="tx1"/>
+          </a:fontRef>
+        </p:style>
+      </p:cxnSp>
+      <p:cxnSp>
+        <p:nvCxnSpPr>
+          <p:cNvPr id="25" name="Straight Connector 24">
+            <a:extLst>
+              <a:ext uri="{FF2B5EF4-FFF2-40B4-BE49-F238E27FC236}">
+                <a16:creationId xmlns:a16="http://schemas.microsoft.com/office/drawing/2014/main" id="{4A605D0A-C0AB-0E51-0B4F-8A650BB1FD4E}"/>
+              </a:ext>
+            </a:extLst>
+          </p:cNvPr>
+          <p:cNvCxnSpPr/>
+          <p:nvPr/>
+        </p:nvCxnSpPr>
+        <p:spPr>
+          <a:xfrm flipH="1">
+            <a:off x="1834402" y="3829568"/>
+            <a:ext cx="937647" cy="0"/>
+          </a:xfrm>
+          <a:prstGeom prst="line">
+            <a:avLst/>
+          </a:prstGeom>
+          <a:ln>
+            <a:solidFill>
+              <a:schemeClr val="tx1"/>
+            </a:solidFill>
+          </a:ln>
+        </p:spPr>
+        <p:style>
+          <a:lnRef idx="2">
+            <a:schemeClr val="accent1"/>
+          </a:lnRef>
+          <a:fillRef idx="0">
+            <a:schemeClr val="accent1"/>
+          </a:fillRef>
+          <a:effectRef idx="1">
+            <a:schemeClr val="accent1"/>
+          </a:effectRef>
+          <a:fontRef idx="minor">
+            <a:schemeClr val="tx1"/>
+          </a:fontRef>
+        </p:style>
+      </p:cxnSp>
+      <p:pic>
+        <p:nvPicPr>
+          <p:cNvPr id="26" name="Picture 25">
+            <a:extLst>
+              <a:ext uri="{FF2B5EF4-FFF2-40B4-BE49-F238E27FC236}">
+                <a16:creationId xmlns:a16="http://schemas.microsoft.com/office/drawing/2014/main" id="{E617DE16-D55E-ADA5-EF83-51C3D5034556}"/>
+              </a:ext>
+            </a:extLst>
+          </p:cNvPr>
+          <p:cNvPicPr>
+            <a:picLocks noChangeAspect="1"/>
+          </p:cNvPicPr>
+          <p:nvPr/>
+        </p:nvPicPr>
+        <p:blipFill>
+          <a:blip r:embed="rId7">
+            <a:extLst>
+              <a:ext uri="{28A0092B-C50C-407E-A947-70E740481C1C}">
+                <a14:useLocalDpi xmlns:a14="http://schemas.microsoft.com/office/drawing/2010/main" val="0"/>
+              </a:ext>
+            </a:extLst>
+          </a:blip>
+          <a:stretch>
+            <a:fillRect/>
+          </a:stretch>
+        </p:blipFill>
+        <p:spPr>
+          <a:xfrm rot="5400000">
+            <a:off x="767676" y="2827241"/>
+            <a:ext cx="476190" cy="409524"/>
+          </a:xfrm>
+          <a:prstGeom prst="rect">
+            <a:avLst/>
+          </a:prstGeom>
+        </p:spPr>
+      </p:pic>
+      <p:cxnSp>
+        <p:nvCxnSpPr>
+          <p:cNvPr id="27" name="Straight Connector 26">
+            <a:extLst>
+              <a:ext uri="{FF2B5EF4-FFF2-40B4-BE49-F238E27FC236}">
+                <a16:creationId xmlns:a16="http://schemas.microsoft.com/office/drawing/2014/main" id="{6DCC1D5D-472E-F9AF-77AD-D2446574341A}"/>
+              </a:ext>
+            </a:extLst>
+          </p:cNvPr>
+          <p:cNvCxnSpPr>
+            <a:cxnSpLocks/>
+            <a:endCxn id="26" idx="3"/>
+          </p:cNvCxnSpPr>
+          <p:nvPr/>
+        </p:nvCxnSpPr>
+        <p:spPr>
+          <a:xfrm flipH="1" flipV="1">
+            <a:off x="1005771" y="3270098"/>
+            <a:ext cx="7880" cy="556725"/>
+          </a:xfrm>
+          <a:prstGeom prst="line">
+            <a:avLst/>
+          </a:prstGeom>
+          <a:ln>
+            <a:solidFill>
+              <a:schemeClr val="tx1"/>
+            </a:solidFill>
+          </a:ln>
+        </p:spPr>
+        <p:style>
+          <a:lnRef idx="2">
+            <a:schemeClr val="accent1"/>
+          </a:lnRef>
+          <a:fillRef idx="0">
+            <a:schemeClr val="accent1"/>
+          </a:fillRef>
+          <a:effectRef idx="1">
+            <a:schemeClr val="accent1"/>
+          </a:effectRef>
+          <a:fontRef idx="minor">
+            <a:schemeClr val="tx1"/>
+          </a:fontRef>
+        </p:style>
+      </p:cxnSp>
+      <p:cxnSp>
+        <p:nvCxnSpPr>
+          <p:cNvPr id="28" name="Straight Connector 27">
+            <a:extLst>
+              <a:ext uri="{FF2B5EF4-FFF2-40B4-BE49-F238E27FC236}">
+                <a16:creationId xmlns:a16="http://schemas.microsoft.com/office/drawing/2014/main" id="{2EBCC380-5933-033C-192D-DCB7B2286E30}"/>
+              </a:ext>
+            </a:extLst>
+          </p:cNvPr>
+          <p:cNvCxnSpPr>
+            <a:cxnSpLocks/>
+          </p:cNvCxnSpPr>
+          <p:nvPr/>
+        </p:nvCxnSpPr>
+        <p:spPr>
+          <a:xfrm>
+            <a:off x="936097" y="2296781"/>
+            <a:ext cx="0" cy="575359"/>
+          </a:xfrm>
+          <a:prstGeom prst="line">
+            <a:avLst/>
+          </a:prstGeom>
+          <a:ln>
+            <a:solidFill>
+              <a:schemeClr val="accent5">
+                <a:lumMod val="75000"/>
+              </a:schemeClr>
+            </a:solidFill>
+          </a:ln>
+        </p:spPr>
+        <p:style>
+          <a:lnRef idx="2">
+            <a:schemeClr val="accent1"/>
+          </a:lnRef>
+          <a:fillRef idx="0">
+            <a:schemeClr val="accent1"/>
+          </a:fillRef>
+          <a:effectRef idx="1">
+            <a:schemeClr val="accent1"/>
+          </a:effectRef>
+          <a:fontRef idx="minor">
+            <a:schemeClr val="tx1"/>
+          </a:fontRef>
+        </p:style>
+      </p:cxnSp>
+      <p:cxnSp>
+        <p:nvCxnSpPr>
+          <p:cNvPr id="29" name="Straight Connector 28">
+            <a:extLst>
+              <a:ext uri="{FF2B5EF4-FFF2-40B4-BE49-F238E27FC236}">
+                <a16:creationId xmlns:a16="http://schemas.microsoft.com/office/drawing/2014/main" id="{2B59E6B8-95A8-4FB2-A4F9-1276754C802D}"/>
+              </a:ext>
+            </a:extLst>
+          </p:cNvPr>
+          <p:cNvCxnSpPr>
+            <a:cxnSpLocks/>
+          </p:cNvCxnSpPr>
+          <p:nvPr/>
+        </p:nvCxnSpPr>
+        <p:spPr>
+          <a:xfrm>
+            <a:off x="1087672" y="2497949"/>
+            <a:ext cx="0" cy="350520"/>
+          </a:xfrm>
+          <a:prstGeom prst="line">
+            <a:avLst/>
+          </a:prstGeom>
+          <a:ln>
+            <a:solidFill>
+              <a:schemeClr val="accent2">
+                <a:lumMod val="75000"/>
+              </a:schemeClr>
+            </a:solidFill>
+          </a:ln>
+        </p:spPr>
+        <p:style>
+          <a:lnRef idx="2">
+            <a:schemeClr val="accent1"/>
+          </a:lnRef>
+          <a:fillRef idx="0">
+            <a:schemeClr val="accent1"/>
+          </a:fillRef>
+          <a:effectRef idx="1">
+            <a:schemeClr val="accent1"/>
+          </a:effectRef>
+          <a:fontRef idx="minor">
+            <a:schemeClr val="tx1"/>
+          </a:fontRef>
+        </p:style>
+      </p:cxnSp>
+      <p:sp>
+        <p:nvSpPr>
+          <p:cNvPr id="30" name="Oval 29">
+            <a:extLst>
+              <a:ext uri="{FF2B5EF4-FFF2-40B4-BE49-F238E27FC236}">
+                <a16:creationId xmlns:a16="http://schemas.microsoft.com/office/drawing/2014/main" id="{378DCE6A-789D-F7C9-2835-D91998C8F30E}"/>
+              </a:ext>
+            </a:extLst>
+          </p:cNvPr>
+          <p:cNvSpPr/>
+          <p:nvPr/>
+        </p:nvSpPr>
+        <p:spPr>
+          <a:xfrm>
+            <a:off x="911815" y="2268352"/>
+            <a:ext cx="62346" cy="86009"/>
+          </a:xfrm>
+          <a:prstGeom prst="ellipse">
+            <a:avLst/>
+          </a:prstGeom>
+        </p:spPr>
+        <p:style>
+          <a:lnRef idx="2">
+            <a:schemeClr val="accent1">
+              <a:shade val="15000"/>
+            </a:schemeClr>
+          </a:lnRef>
+          <a:fillRef idx="1">
+            <a:schemeClr val="accent1"/>
+          </a:fillRef>
+          <a:effectRef idx="0">
+            <a:schemeClr val="accent1"/>
+          </a:effectRef>
+          <a:fontRef idx="minor">
+            <a:schemeClr val="lt1"/>
+          </a:fontRef>
+        </p:style>
+        <p:txBody>
+          <a:bodyPr rtlCol="0" anchor="ctr"/>
+          <a:lstStyle/>
+          <a:p>
+            <a:pPr algn="ctr"/>
+            <a:endParaRPr lang="en-SG"/>
+          </a:p>
+        </p:txBody>
+      </p:sp>
+      <p:sp>
+        <p:nvSpPr>
+          <p:cNvPr id="31" name="Oval 30">
+            <a:extLst>
+              <a:ext uri="{FF2B5EF4-FFF2-40B4-BE49-F238E27FC236}">
+                <a16:creationId xmlns:a16="http://schemas.microsoft.com/office/drawing/2014/main" id="{C085DEAB-4767-8C41-A210-B78ADC393F6D}"/>
+              </a:ext>
+            </a:extLst>
+          </p:cNvPr>
+          <p:cNvSpPr/>
+          <p:nvPr/>
+        </p:nvSpPr>
+        <p:spPr>
+          <a:xfrm>
+            <a:off x="1230669" y="2047411"/>
+            <a:ext cx="62346" cy="86009"/>
+          </a:xfrm>
+          <a:prstGeom prst="ellipse">
+            <a:avLst/>
+          </a:prstGeom>
+        </p:spPr>
+        <p:style>
+          <a:lnRef idx="2">
+            <a:schemeClr val="accent1">
+              <a:shade val="15000"/>
+            </a:schemeClr>
+          </a:lnRef>
+          <a:fillRef idx="1">
+            <a:schemeClr val="accent1"/>
+          </a:fillRef>
+          <a:effectRef idx="0">
+            <a:schemeClr val="accent1"/>
+          </a:effectRef>
+          <a:fontRef idx="minor">
+            <a:schemeClr val="lt1"/>
+          </a:fontRef>
+        </p:style>
+        <p:txBody>
+          <a:bodyPr rtlCol="0" anchor="ctr"/>
+          <a:lstStyle/>
+          <a:p>
+            <a:pPr algn="ctr"/>
+            <a:endParaRPr lang="en-SG"/>
+          </a:p>
+        </p:txBody>
+      </p:sp>
+      <p:sp>
+        <p:nvSpPr>
+          <p:cNvPr id="32" name="Oval 31">
+            <a:extLst>
+              <a:ext uri="{FF2B5EF4-FFF2-40B4-BE49-F238E27FC236}">
+                <a16:creationId xmlns:a16="http://schemas.microsoft.com/office/drawing/2014/main" id="{26AD8E13-3914-A8B7-249F-BFF948979ED0}"/>
+              </a:ext>
+            </a:extLst>
+          </p:cNvPr>
+          <p:cNvSpPr/>
+          <p:nvPr/>
+        </p:nvSpPr>
+        <p:spPr>
+          <a:xfrm>
+            <a:off x="1584645" y="2259805"/>
+            <a:ext cx="62346" cy="86009"/>
+          </a:xfrm>
+          <a:prstGeom prst="ellipse">
+            <a:avLst/>
+          </a:prstGeom>
+        </p:spPr>
+        <p:style>
+          <a:lnRef idx="2">
+            <a:schemeClr val="accent1">
+              <a:shade val="15000"/>
+            </a:schemeClr>
+          </a:lnRef>
+          <a:fillRef idx="1">
+            <a:schemeClr val="accent1"/>
+          </a:fillRef>
+          <a:effectRef idx="0">
+            <a:schemeClr val="accent1"/>
+          </a:effectRef>
+          <a:fontRef idx="minor">
+            <a:schemeClr val="lt1"/>
+          </a:fontRef>
+        </p:style>
+        <p:txBody>
+          <a:bodyPr rtlCol="0" anchor="ctr"/>
+          <a:lstStyle/>
+          <a:p>
+            <a:pPr algn="ctr"/>
+            <a:endParaRPr lang="en-SG"/>
+          </a:p>
+        </p:txBody>
+      </p:sp>
+      <p:sp>
+        <p:nvSpPr>
+          <p:cNvPr id="33" name="Oval 32">
+            <a:extLst>
+              <a:ext uri="{FF2B5EF4-FFF2-40B4-BE49-F238E27FC236}">
+                <a16:creationId xmlns:a16="http://schemas.microsoft.com/office/drawing/2014/main" id="{9E00281F-3D3B-26DF-2E20-390CB1722BC1}"/>
+              </a:ext>
+            </a:extLst>
+          </p:cNvPr>
+          <p:cNvSpPr/>
+          <p:nvPr/>
+        </p:nvSpPr>
+        <p:spPr>
+          <a:xfrm>
+            <a:off x="1056499" y="2462653"/>
+            <a:ext cx="62346" cy="86009"/>
+          </a:xfrm>
+          <a:prstGeom prst="ellipse">
+            <a:avLst/>
+          </a:prstGeom>
+        </p:spPr>
+        <p:style>
+          <a:lnRef idx="2">
+            <a:schemeClr val="accent1">
+              <a:shade val="15000"/>
+            </a:schemeClr>
+          </a:lnRef>
+          <a:fillRef idx="1">
+            <a:schemeClr val="accent1"/>
+          </a:fillRef>
+          <a:effectRef idx="0">
+            <a:schemeClr val="accent1"/>
+          </a:effectRef>
+          <a:fontRef idx="minor">
+            <a:schemeClr val="lt1"/>
+          </a:fontRef>
+        </p:style>
+        <p:txBody>
+          <a:bodyPr rtlCol="0" anchor="ctr"/>
+          <a:lstStyle/>
+          <a:p>
+            <a:pPr algn="ctr"/>
+            <a:endParaRPr lang="en-SG"/>
+          </a:p>
+        </p:txBody>
+      </p:sp>
+      <p:sp>
+        <p:nvSpPr>
+          <p:cNvPr id="34" name="Oval 33">
+            <a:extLst>
+              <a:ext uri="{FF2B5EF4-FFF2-40B4-BE49-F238E27FC236}">
+                <a16:creationId xmlns:a16="http://schemas.microsoft.com/office/drawing/2014/main" id="{8C0D3B98-0BB8-28E6-8FFE-3C38A665074C}"/>
+              </a:ext>
+            </a:extLst>
+          </p:cNvPr>
+          <p:cNvSpPr/>
+          <p:nvPr/>
+        </p:nvSpPr>
+        <p:spPr>
+          <a:xfrm>
+            <a:off x="2152847" y="2471842"/>
+            <a:ext cx="62346" cy="86009"/>
+          </a:xfrm>
+          <a:prstGeom prst="ellipse">
+            <a:avLst/>
+          </a:prstGeom>
+        </p:spPr>
+        <p:style>
+          <a:lnRef idx="2">
+            <a:schemeClr val="accent1">
+              <a:shade val="15000"/>
+            </a:schemeClr>
+          </a:lnRef>
+          <a:fillRef idx="1">
+            <a:schemeClr val="accent1"/>
+          </a:fillRef>
+          <a:effectRef idx="0">
+            <a:schemeClr val="accent1"/>
+          </a:effectRef>
+          <a:fontRef idx="minor">
+            <a:schemeClr val="lt1"/>
+          </a:fontRef>
+        </p:style>
+        <p:txBody>
+          <a:bodyPr rtlCol="0" anchor="ctr"/>
+          <a:lstStyle/>
+          <a:p>
+            <a:pPr algn="ctr"/>
+            <a:endParaRPr lang="en-SG"/>
+          </a:p>
+        </p:txBody>
+      </p:sp>
+      <p:sp>
+        <p:nvSpPr>
+          <p:cNvPr id="35" name="Oval 34">
+            <a:extLst>
+              <a:ext uri="{FF2B5EF4-FFF2-40B4-BE49-F238E27FC236}">
+                <a16:creationId xmlns:a16="http://schemas.microsoft.com/office/drawing/2014/main" id="{1921E01C-3E4B-BEFB-88B9-4B41E896E93B}"/>
+              </a:ext>
+            </a:extLst>
+          </p:cNvPr>
+          <p:cNvSpPr/>
+          <p:nvPr/>
+        </p:nvSpPr>
+        <p:spPr>
+          <a:xfrm>
+            <a:off x="2710089" y="2271183"/>
+            <a:ext cx="62346" cy="86009"/>
+          </a:xfrm>
+          <a:prstGeom prst="ellipse">
+            <a:avLst/>
+          </a:prstGeom>
+        </p:spPr>
+        <p:style>
+          <a:lnRef idx="2">
+            <a:schemeClr val="accent1">
+              <a:shade val="15000"/>
+            </a:schemeClr>
+          </a:lnRef>
+          <a:fillRef idx="1">
+            <a:schemeClr val="accent1"/>
+          </a:fillRef>
+          <a:effectRef idx="0">
+            <a:schemeClr val="accent1"/>
+          </a:effectRef>
+          <a:fontRef idx="minor">
+            <a:schemeClr val="lt1"/>
+          </a:fontRef>
+        </p:style>
+        <p:txBody>
+          <a:bodyPr rtlCol="0" anchor="ctr"/>
+          <a:lstStyle/>
+          <a:p>
+            <a:pPr algn="ctr"/>
+            <a:endParaRPr lang="en-SG"/>
+          </a:p>
+        </p:txBody>
+      </p:sp>
+      <p:sp>
+        <p:nvSpPr>
+          <p:cNvPr id="36" name="Oval 35">
+            <a:extLst>
+              <a:ext uri="{FF2B5EF4-FFF2-40B4-BE49-F238E27FC236}">
+                <a16:creationId xmlns:a16="http://schemas.microsoft.com/office/drawing/2014/main" id="{1A317BD7-1CAF-B7AC-E2D1-89EAEB0F30F3}"/>
+              </a:ext>
+            </a:extLst>
+          </p:cNvPr>
+          <p:cNvSpPr/>
+          <p:nvPr/>
+        </p:nvSpPr>
+        <p:spPr>
+          <a:xfrm>
+            <a:off x="4404661" y="2451871"/>
+            <a:ext cx="62346" cy="86009"/>
+          </a:xfrm>
+          <a:prstGeom prst="ellipse">
+            <a:avLst/>
+          </a:prstGeom>
+        </p:spPr>
+        <p:style>
+          <a:lnRef idx="2">
+            <a:schemeClr val="accent1">
+              <a:shade val="15000"/>
+            </a:schemeClr>
+          </a:lnRef>
+          <a:fillRef idx="1">
+            <a:schemeClr val="accent1"/>
+          </a:fillRef>
+          <a:effectRef idx="0">
+            <a:schemeClr val="accent1"/>
+          </a:effectRef>
+          <a:fontRef idx="minor">
+            <a:schemeClr val="lt1"/>
+          </a:fontRef>
+        </p:style>
+        <p:txBody>
+          <a:bodyPr rtlCol="0" anchor="ctr"/>
+          <a:lstStyle/>
+          <a:p>
+            <a:pPr algn="ctr"/>
+            <a:endParaRPr lang="en-SG"/>
+          </a:p>
+        </p:txBody>
+      </p:sp>
+      <p:sp>
+        <p:nvSpPr>
+          <p:cNvPr id="37" name="Oval 36">
+            <a:extLst>
+              <a:ext uri="{FF2B5EF4-FFF2-40B4-BE49-F238E27FC236}">
+                <a16:creationId xmlns:a16="http://schemas.microsoft.com/office/drawing/2014/main" id="{F7C141F6-7611-7CBE-2DE7-63B1E9863808}"/>
+              </a:ext>
+            </a:extLst>
+          </p:cNvPr>
+          <p:cNvSpPr/>
+          <p:nvPr/>
+        </p:nvSpPr>
+        <p:spPr>
+          <a:xfrm>
+            <a:off x="5069369" y="2075270"/>
+            <a:ext cx="62346" cy="86009"/>
+          </a:xfrm>
+          <a:prstGeom prst="ellipse">
+            <a:avLst/>
+          </a:prstGeom>
+        </p:spPr>
+        <p:style>
+          <a:lnRef idx="2">
+            <a:schemeClr val="accent1">
+              <a:shade val="15000"/>
+            </a:schemeClr>
+          </a:lnRef>
+          <a:fillRef idx="1">
+            <a:schemeClr val="accent1"/>
+          </a:fillRef>
+          <a:effectRef idx="0">
+            <a:schemeClr val="accent1"/>
+          </a:effectRef>
+          <a:fontRef idx="minor">
+            <a:schemeClr val="lt1"/>
+          </a:fontRef>
+        </p:style>
+        <p:txBody>
+          <a:bodyPr rtlCol="0" anchor="ctr"/>
+          <a:lstStyle/>
+          <a:p>
+            <a:pPr algn="ctr"/>
+            <a:endParaRPr lang="en-SG"/>
+          </a:p>
+        </p:txBody>
+      </p:sp>
+      <p:sp>
+        <p:nvSpPr>
+          <p:cNvPr id="38" name="Oval 37">
+            <a:extLst>
+              <a:ext uri="{FF2B5EF4-FFF2-40B4-BE49-F238E27FC236}">
+                <a16:creationId xmlns:a16="http://schemas.microsoft.com/office/drawing/2014/main" id="{416B6FA2-37C7-6518-5045-1E1D1869A00D}"/>
+              </a:ext>
+            </a:extLst>
+          </p:cNvPr>
+          <p:cNvSpPr/>
+          <p:nvPr/>
+        </p:nvSpPr>
+        <p:spPr>
+          <a:xfrm>
+            <a:off x="974161" y="3771561"/>
+            <a:ext cx="62346" cy="86009"/>
+          </a:xfrm>
+          <a:prstGeom prst="ellipse">
+            <a:avLst/>
+          </a:prstGeom>
+        </p:spPr>
+        <p:style>
+          <a:lnRef idx="2">
+            <a:schemeClr val="accent1">
+              <a:shade val="15000"/>
+            </a:schemeClr>
+          </a:lnRef>
+          <a:fillRef idx="1">
+            <a:schemeClr val="accent1"/>
+          </a:fillRef>
+          <a:effectRef idx="0">
+            <a:schemeClr val="accent1"/>
+          </a:effectRef>
+          <a:fontRef idx="minor">
+            <a:schemeClr val="lt1"/>
+          </a:fontRef>
+        </p:style>
+        <p:txBody>
+          <a:bodyPr rtlCol="0" anchor="ctr"/>
+          <a:lstStyle/>
+          <a:p>
+            <a:pPr algn="ctr"/>
+            <a:endParaRPr lang="en-SG"/>
+          </a:p>
+        </p:txBody>
+      </p:sp>
+      <p:pic>
+        <p:nvPicPr>
+          <p:cNvPr id="39" name="Graphic 38" descr="Wireless router with solid fill">
+            <a:extLst>
+              <a:ext uri="{FF2B5EF4-FFF2-40B4-BE49-F238E27FC236}">
+                <a16:creationId xmlns:a16="http://schemas.microsoft.com/office/drawing/2014/main" id="{8089DF6C-D64C-8CB5-F036-92DCA018C33E}"/>
+              </a:ext>
+            </a:extLst>
+          </p:cNvPr>
+          <p:cNvPicPr>
+            <a:picLocks noChangeAspect="1"/>
+          </p:cNvPicPr>
+          <p:nvPr/>
+        </p:nvPicPr>
+        <p:blipFill>
+          <a:blip r:embed="rId3">
+            <a:extLst>
+              <a:ext uri="{96DAC541-7B7A-43D3-8B79-37D633B846F1}">
+                <asvg:svgBlip xmlns:asvg="http://schemas.microsoft.com/office/drawing/2016/SVG/main" r:embed="rId4"/>
+              </a:ext>
+            </a:extLst>
+          </a:blip>
+          <a:stretch>
+            <a:fillRect/>
+          </a:stretch>
+        </p:blipFill>
+        <p:spPr>
+          <a:xfrm>
+            <a:off x="7493955" y="1399091"/>
+            <a:ext cx="329184" cy="329184"/>
+          </a:xfrm>
+          <a:prstGeom prst="rect">
+            <a:avLst/>
+          </a:prstGeom>
+        </p:spPr>
+      </p:pic>
+      <p:pic>
+        <p:nvPicPr>
+          <p:cNvPr id="40" name="Graphic 39" descr="Wireless router with solid fill">
+            <a:extLst>
+              <a:ext uri="{FF2B5EF4-FFF2-40B4-BE49-F238E27FC236}">
+                <a16:creationId xmlns:a16="http://schemas.microsoft.com/office/drawing/2014/main" id="{217FD2BE-9B67-4E99-C88A-25AC5279C953}"/>
+              </a:ext>
+            </a:extLst>
+          </p:cNvPr>
+          <p:cNvPicPr>
+            <a:picLocks noChangeAspect="1"/>
+          </p:cNvPicPr>
+          <p:nvPr/>
+        </p:nvPicPr>
+        <p:blipFill>
+          <a:blip r:embed="rId3">
+            <a:extLst>
+              <a:ext uri="{96DAC541-7B7A-43D3-8B79-37D633B846F1}">
+                <asvg:svgBlip xmlns:asvg="http://schemas.microsoft.com/office/drawing/2016/SVG/main" r:embed="rId4"/>
+              </a:ext>
+            </a:extLst>
+          </a:blip>
+          <a:stretch>
+            <a:fillRect/>
+          </a:stretch>
+        </p:blipFill>
+        <p:spPr>
+          <a:xfrm>
+            <a:off x="10317258" y="1381170"/>
+            <a:ext cx="329184" cy="329184"/>
+          </a:xfrm>
+          <a:prstGeom prst="rect">
+            <a:avLst/>
+          </a:prstGeom>
+        </p:spPr>
+      </p:pic>
+      <p:sp>
+        <p:nvSpPr>
+          <p:cNvPr id="41" name="Rectangle 40">
+            <a:extLst>
+              <a:ext uri="{FF2B5EF4-FFF2-40B4-BE49-F238E27FC236}">
+                <a16:creationId xmlns:a16="http://schemas.microsoft.com/office/drawing/2014/main" id="{CB379378-8672-CCB8-CF1A-F221D095F181}"/>
+              </a:ext>
+            </a:extLst>
+          </p:cNvPr>
+          <p:cNvSpPr/>
+          <p:nvPr/>
+        </p:nvSpPr>
+        <p:spPr>
+          <a:xfrm>
+            <a:off x="7109907" y="902819"/>
+            <a:ext cx="411479" cy="222033"/>
+          </a:xfrm>
+          <a:prstGeom prst="rect">
+            <a:avLst/>
+          </a:prstGeom>
+          <a:noFill/>
+        </p:spPr>
+        <p:style>
+          <a:lnRef idx="2">
+            <a:schemeClr val="accent1">
+              <a:shade val="15000"/>
+            </a:schemeClr>
+          </a:lnRef>
+          <a:fillRef idx="1">
+            <a:schemeClr val="accent1"/>
+          </a:fillRef>
+          <a:effectRef idx="0">
+            <a:schemeClr val="accent1"/>
+          </a:effectRef>
+          <a:fontRef idx="minor">
+            <a:schemeClr val="lt1"/>
+          </a:fontRef>
+        </p:style>
+        <p:txBody>
+          <a:bodyPr rtlCol="0" anchor="ctr"/>
+          <a:lstStyle/>
+          <a:p>
+            <a:pPr algn="ctr"/>
+            <a:endParaRPr lang="en-SG"/>
+          </a:p>
+        </p:txBody>
+      </p:sp>
+      <p:sp>
+        <p:nvSpPr>
+          <p:cNvPr id="42" name="Oval 41">
+            <a:extLst>
+              <a:ext uri="{FF2B5EF4-FFF2-40B4-BE49-F238E27FC236}">
+                <a16:creationId xmlns:a16="http://schemas.microsoft.com/office/drawing/2014/main" id="{0E2148FC-4E2D-E81E-890C-6BD199D5B581}"/>
+              </a:ext>
+            </a:extLst>
+          </p:cNvPr>
+          <p:cNvSpPr/>
+          <p:nvPr/>
+        </p:nvSpPr>
+        <p:spPr>
+          <a:xfrm>
+            <a:off x="7141910" y="937100"/>
+            <a:ext cx="164592" cy="153469"/>
+          </a:xfrm>
+          <a:prstGeom prst="ellipse">
+            <a:avLst/>
+          </a:prstGeom>
+          <a:solidFill>
+            <a:schemeClr val="accent6">
+              <a:lumMod val="75000"/>
+            </a:schemeClr>
+          </a:solidFill>
+        </p:spPr>
+        <p:style>
+          <a:lnRef idx="2">
+            <a:schemeClr val="accent1">
+              <a:shade val="15000"/>
+            </a:schemeClr>
+          </a:lnRef>
+          <a:fillRef idx="1">
+            <a:schemeClr val="accent1"/>
+          </a:fillRef>
+          <a:effectRef idx="0">
+            <a:schemeClr val="accent1"/>
+          </a:effectRef>
+          <a:fontRef idx="minor">
+            <a:schemeClr val="lt1"/>
+          </a:fontRef>
+        </p:style>
+        <p:txBody>
+          <a:bodyPr rtlCol="0" anchor="ctr"/>
+          <a:lstStyle/>
+          <a:p>
+            <a:pPr algn="ctr"/>
+            <a:endParaRPr lang="en-SG"/>
+          </a:p>
+        </p:txBody>
+      </p:sp>
+      <p:sp>
+        <p:nvSpPr>
+          <p:cNvPr id="43" name="Oval 42">
+            <a:extLst>
+              <a:ext uri="{FF2B5EF4-FFF2-40B4-BE49-F238E27FC236}">
+                <a16:creationId xmlns:a16="http://schemas.microsoft.com/office/drawing/2014/main" id="{7703AA88-B94C-9D2F-8B4C-77FECE74A5A7}"/>
+              </a:ext>
+            </a:extLst>
+          </p:cNvPr>
+          <p:cNvSpPr/>
+          <p:nvPr/>
+        </p:nvSpPr>
+        <p:spPr>
+          <a:xfrm>
+            <a:off x="7329363" y="937100"/>
+            <a:ext cx="164592" cy="153469"/>
+          </a:xfrm>
+          <a:prstGeom prst="ellipse">
+            <a:avLst/>
+          </a:prstGeom>
+          <a:noFill/>
+        </p:spPr>
+        <p:style>
+          <a:lnRef idx="2">
+            <a:schemeClr val="accent1">
+              <a:shade val="15000"/>
+            </a:schemeClr>
+          </a:lnRef>
+          <a:fillRef idx="1">
+            <a:schemeClr val="accent1"/>
+          </a:fillRef>
+          <a:effectRef idx="0">
+            <a:schemeClr val="accent1"/>
+          </a:effectRef>
+          <a:fontRef idx="minor">
+            <a:schemeClr val="lt1"/>
+          </a:fontRef>
+        </p:style>
+        <p:txBody>
+          <a:bodyPr rtlCol="0" anchor="ctr"/>
+          <a:lstStyle/>
+          <a:p>
+            <a:pPr algn="ctr"/>
+            <a:endParaRPr lang="en-SG"/>
+          </a:p>
+        </p:txBody>
+      </p:sp>
+      <p:cxnSp>
+        <p:nvCxnSpPr>
+          <p:cNvPr id="44" name="Straight Connector 43">
+            <a:extLst>
+              <a:ext uri="{FF2B5EF4-FFF2-40B4-BE49-F238E27FC236}">
+                <a16:creationId xmlns:a16="http://schemas.microsoft.com/office/drawing/2014/main" id="{DF924239-1E31-50E8-59FC-C8E37B2F3A6A}"/>
+              </a:ext>
+            </a:extLst>
+          </p:cNvPr>
+          <p:cNvCxnSpPr>
+            <a:cxnSpLocks/>
+            <a:stCxn id="41" idx="2"/>
+          </p:cNvCxnSpPr>
+          <p:nvPr/>
+        </p:nvCxnSpPr>
+        <p:spPr>
+          <a:xfrm flipH="1">
+            <a:off x="7315646" y="1124852"/>
+            <a:ext cx="1" cy="964594"/>
+          </a:xfrm>
+          <a:prstGeom prst="line">
+            <a:avLst/>
+          </a:prstGeom>
+        </p:spPr>
+        <p:style>
+          <a:lnRef idx="2">
+            <a:schemeClr val="accent1"/>
+          </a:lnRef>
+          <a:fillRef idx="0">
+            <a:schemeClr val="accent1"/>
+          </a:fillRef>
+          <a:effectRef idx="1">
+            <a:schemeClr val="accent1"/>
+          </a:effectRef>
+          <a:fontRef idx="minor">
+            <a:schemeClr val="tx1"/>
+          </a:fontRef>
+        </p:style>
+      </p:cxnSp>
+      <p:sp>
+        <p:nvSpPr>
+          <p:cNvPr id="45" name="Rectangle 44">
+            <a:extLst>
+              <a:ext uri="{FF2B5EF4-FFF2-40B4-BE49-F238E27FC236}">
+                <a16:creationId xmlns:a16="http://schemas.microsoft.com/office/drawing/2014/main" id="{DC9515C9-2141-BDEE-3C3B-8EC5083BD161}"/>
+              </a:ext>
+            </a:extLst>
+          </p:cNvPr>
+          <p:cNvSpPr/>
+          <p:nvPr/>
+        </p:nvSpPr>
+        <p:spPr>
+          <a:xfrm>
+            <a:off x="6905556" y="1728713"/>
+            <a:ext cx="4349541" cy="84388"/>
+          </a:xfrm>
+          <a:prstGeom prst="rect">
+            <a:avLst/>
+          </a:prstGeom>
+        </p:spPr>
+        <p:style>
+          <a:lnRef idx="2">
+            <a:schemeClr val="accent1">
+              <a:shade val="15000"/>
+            </a:schemeClr>
+          </a:lnRef>
+          <a:fillRef idx="1">
+            <a:schemeClr val="accent1"/>
+          </a:fillRef>
+          <a:effectRef idx="0">
+            <a:schemeClr val="accent1"/>
+          </a:effectRef>
+          <a:fontRef idx="minor">
+            <a:schemeClr val="lt1"/>
+          </a:fontRef>
+        </p:style>
+        <p:txBody>
+          <a:bodyPr rtlCol="0" anchor="ctr"/>
+          <a:lstStyle/>
+          <a:p>
+            <a:pPr algn="ctr"/>
+            <a:endParaRPr lang="en-SG"/>
+          </a:p>
+        </p:txBody>
+      </p:sp>
+      <p:pic>
+        <p:nvPicPr>
+          <p:cNvPr id="46" name="Picture 45">
+            <a:extLst>
+              <a:ext uri="{FF2B5EF4-FFF2-40B4-BE49-F238E27FC236}">
+                <a16:creationId xmlns:a16="http://schemas.microsoft.com/office/drawing/2014/main" id="{F697A6EF-3FFB-CAFF-9324-EC0D806F1FC5}"/>
+              </a:ext>
+            </a:extLst>
+          </p:cNvPr>
+          <p:cNvPicPr>
+            <a:picLocks noChangeAspect="1"/>
+          </p:cNvPicPr>
+          <p:nvPr/>
+        </p:nvPicPr>
+        <p:blipFill>
+          <a:blip r:embed="rId5"/>
+          <a:stretch>
+            <a:fillRect/>
+          </a:stretch>
+        </p:blipFill>
+        <p:spPr>
+          <a:xfrm>
+            <a:off x="8412614" y="3028533"/>
+            <a:ext cx="3200000" cy="1419048"/>
+          </a:xfrm>
+          <a:prstGeom prst="rect">
+            <a:avLst/>
+          </a:prstGeom>
+        </p:spPr>
+      </p:pic>
+      <p:pic>
+        <p:nvPicPr>
+          <p:cNvPr id="47" name="Picture 46">
+            <a:extLst>
+              <a:ext uri="{FF2B5EF4-FFF2-40B4-BE49-F238E27FC236}">
+                <a16:creationId xmlns:a16="http://schemas.microsoft.com/office/drawing/2014/main" id="{2353953A-CCE5-76CE-B51B-6DD5B8778029}"/>
+              </a:ext>
+            </a:extLst>
+          </p:cNvPr>
+          <p:cNvPicPr>
+            <a:picLocks noChangeAspect="1"/>
+          </p:cNvPicPr>
+          <p:nvPr/>
+        </p:nvPicPr>
+        <p:blipFill>
+          <a:blip r:embed="rId6"/>
+          <a:stretch>
+            <a:fillRect/>
+          </a:stretch>
+        </p:blipFill>
+        <p:spPr>
+          <a:xfrm>
+            <a:off x="7024028" y="3570774"/>
+            <a:ext cx="939854" cy="939854"/>
+          </a:xfrm>
+          <a:prstGeom prst="rect">
+            <a:avLst/>
+          </a:prstGeom>
+        </p:spPr>
+      </p:pic>
+      <p:sp>
+        <p:nvSpPr>
+          <p:cNvPr id="48" name="TextBox 47">
+            <a:extLst>
+              <a:ext uri="{FF2B5EF4-FFF2-40B4-BE49-F238E27FC236}">
+                <a16:creationId xmlns:a16="http://schemas.microsoft.com/office/drawing/2014/main" id="{8C36D7CD-FA15-6100-EAAC-3E3C3ED86976}"/>
+              </a:ext>
+            </a:extLst>
+          </p:cNvPr>
+          <p:cNvSpPr txBox="1"/>
+          <p:nvPr/>
+        </p:nvSpPr>
+        <p:spPr>
+          <a:xfrm>
+            <a:off x="7474993" y="1190160"/>
+            <a:ext cx="1139639" cy="261610"/>
+          </a:xfrm>
+          <a:prstGeom prst="rect">
+            <a:avLst/>
+          </a:prstGeom>
+          <a:noFill/>
+        </p:spPr>
+        <p:txBody>
+          <a:bodyPr wrap="square">
+            <a:spAutoFit/>
+          </a:bodyPr>
+          <a:lstStyle/>
+          <a:p>
+            <a:r>
+              <a:rPr lang="en-US" sz="1100" b="1" dirty="0"/>
+              <a:t>Sensor(n)</a:t>
+            </a:r>
+            <a:endParaRPr lang="en-SG" sz="1100" b="1" dirty="0"/>
+          </a:p>
+        </p:txBody>
+      </p:sp>
+      <p:sp>
+        <p:nvSpPr>
+          <p:cNvPr id="49" name="TextBox 48">
+            <a:extLst>
+              <a:ext uri="{FF2B5EF4-FFF2-40B4-BE49-F238E27FC236}">
+                <a16:creationId xmlns:a16="http://schemas.microsoft.com/office/drawing/2014/main" id="{C71E109D-92B0-5D8E-7E14-5D93DF36FBC5}"/>
+              </a:ext>
+            </a:extLst>
+          </p:cNvPr>
+          <p:cNvSpPr txBox="1"/>
+          <p:nvPr/>
+        </p:nvSpPr>
+        <p:spPr>
+          <a:xfrm>
+            <a:off x="10076622" y="1206586"/>
+            <a:ext cx="1139639" cy="261610"/>
+          </a:xfrm>
+          <a:prstGeom prst="rect">
+            <a:avLst/>
+          </a:prstGeom>
+          <a:noFill/>
+        </p:spPr>
+        <p:txBody>
+          <a:bodyPr wrap="square">
+            <a:spAutoFit/>
+          </a:bodyPr>
+          <a:lstStyle/>
+          <a:p>
+            <a:r>
+              <a:rPr lang="en-US" sz="1100" b="1" dirty="0"/>
+              <a:t>Sensor(n+1)</a:t>
+            </a:r>
+            <a:endParaRPr lang="en-SG" sz="1100" b="1" dirty="0"/>
+          </a:p>
+        </p:txBody>
+      </p:sp>
+      <p:sp>
+        <p:nvSpPr>
+          <p:cNvPr id="50" name="TextBox 49">
+            <a:extLst>
+              <a:ext uri="{FF2B5EF4-FFF2-40B4-BE49-F238E27FC236}">
+                <a16:creationId xmlns:a16="http://schemas.microsoft.com/office/drawing/2014/main" id="{296BDD36-DF68-B78F-DBE6-2CA0A7AEF666}"/>
+              </a:ext>
+            </a:extLst>
+          </p:cNvPr>
+          <p:cNvSpPr txBox="1"/>
+          <p:nvPr/>
+        </p:nvSpPr>
+        <p:spPr>
+          <a:xfrm>
+            <a:off x="6951566" y="561312"/>
+            <a:ext cx="1139639" cy="261610"/>
+          </a:xfrm>
+          <a:prstGeom prst="rect">
+            <a:avLst/>
+          </a:prstGeom>
+          <a:noFill/>
+        </p:spPr>
+        <p:txBody>
+          <a:bodyPr wrap="square">
+            <a:spAutoFit/>
+          </a:bodyPr>
+          <a:lstStyle/>
+          <a:p>
+            <a:r>
+              <a:rPr lang="en-US" sz="1100" b="1" dirty="0"/>
+              <a:t>Signal(n)</a:t>
+            </a:r>
+            <a:endParaRPr lang="en-SG" sz="1100" b="1" dirty="0"/>
+          </a:p>
+        </p:txBody>
+      </p:sp>
+      <p:cxnSp>
+        <p:nvCxnSpPr>
+          <p:cNvPr id="51" name="Straight Connector 50">
+            <a:extLst>
+              <a:ext uri="{FF2B5EF4-FFF2-40B4-BE49-F238E27FC236}">
+                <a16:creationId xmlns:a16="http://schemas.microsoft.com/office/drawing/2014/main" id="{E6B4A189-E8CF-E84A-D73C-F39260B6D953}"/>
+              </a:ext>
+            </a:extLst>
+          </p:cNvPr>
+          <p:cNvCxnSpPr/>
+          <p:nvPr/>
+        </p:nvCxnSpPr>
+        <p:spPr>
+          <a:xfrm>
+            <a:off x="6982919" y="2089446"/>
+            <a:ext cx="4194813" cy="0"/>
+          </a:xfrm>
+          <a:prstGeom prst="line">
+            <a:avLst/>
+          </a:prstGeom>
+        </p:spPr>
+        <p:style>
+          <a:lnRef idx="2">
+            <a:schemeClr val="accent1"/>
+          </a:lnRef>
+          <a:fillRef idx="0">
+            <a:schemeClr val="accent1"/>
+          </a:fillRef>
+          <a:effectRef idx="1">
+            <a:schemeClr val="accent1"/>
+          </a:effectRef>
+          <a:fontRef idx="minor">
+            <a:schemeClr val="tx1"/>
+          </a:fontRef>
+        </p:style>
+      </p:cxnSp>
+      <p:cxnSp>
+        <p:nvCxnSpPr>
+          <p:cNvPr id="52" name="Straight Connector 51">
+            <a:extLst>
+              <a:ext uri="{FF2B5EF4-FFF2-40B4-BE49-F238E27FC236}">
+                <a16:creationId xmlns:a16="http://schemas.microsoft.com/office/drawing/2014/main" id="{048FF2D0-4008-983F-6A8A-1E593C5846DF}"/>
+              </a:ext>
+            </a:extLst>
+          </p:cNvPr>
+          <p:cNvCxnSpPr>
+            <a:cxnSpLocks/>
+          </p:cNvCxnSpPr>
+          <p:nvPr/>
+        </p:nvCxnSpPr>
+        <p:spPr>
+          <a:xfrm>
+            <a:off x="6905556" y="2278422"/>
+            <a:ext cx="4272175" cy="0"/>
+          </a:xfrm>
+          <a:prstGeom prst="line">
+            <a:avLst/>
+          </a:prstGeom>
+          <a:ln>
+            <a:solidFill>
+              <a:schemeClr val="accent5">
+                <a:lumMod val="75000"/>
+              </a:schemeClr>
+            </a:solidFill>
+          </a:ln>
+        </p:spPr>
+        <p:style>
+          <a:lnRef idx="2">
+            <a:schemeClr val="accent1"/>
+          </a:lnRef>
+          <a:fillRef idx="0">
+            <a:schemeClr val="accent1"/>
+          </a:fillRef>
+          <a:effectRef idx="1">
+            <a:schemeClr val="accent1"/>
+          </a:effectRef>
+          <a:fontRef idx="minor">
+            <a:schemeClr val="tx1"/>
+          </a:fontRef>
+        </p:style>
+      </p:cxnSp>
+      <p:cxnSp>
+        <p:nvCxnSpPr>
+          <p:cNvPr id="53" name="Straight Connector 52">
+            <a:extLst>
+              <a:ext uri="{FF2B5EF4-FFF2-40B4-BE49-F238E27FC236}">
+                <a16:creationId xmlns:a16="http://schemas.microsoft.com/office/drawing/2014/main" id="{2C3A8CDA-694B-3D7C-102C-6D17C82CB599}"/>
+              </a:ext>
+            </a:extLst>
+          </p:cNvPr>
+          <p:cNvCxnSpPr>
+            <a:cxnSpLocks/>
+          </p:cNvCxnSpPr>
+          <p:nvPr/>
+        </p:nvCxnSpPr>
+        <p:spPr>
+          <a:xfrm>
+            <a:off x="6905556" y="2479590"/>
+            <a:ext cx="4272175" cy="0"/>
+          </a:xfrm>
+          <a:prstGeom prst="line">
+            <a:avLst/>
+          </a:prstGeom>
+          <a:ln>
+            <a:solidFill>
+              <a:schemeClr val="accent2">
+                <a:lumMod val="75000"/>
+              </a:schemeClr>
+            </a:solidFill>
+          </a:ln>
+        </p:spPr>
+        <p:style>
+          <a:lnRef idx="2">
+            <a:schemeClr val="accent1"/>
+          </a:lnRef>
+          <a:fillRef idx="0">
+            <a:schemeClr val="accent1"/>
+          </a:fillRef>
+          <a:effectRef idx="1">
+            <a:schemeClr val="accent1"/>
+          </a:effectRef>
+          <a:fontRef idx="minor">
+            <a:schemeClr val="tx1"/>
+          </a:fontRef>
+        </p:style>
+      </p:cxnSp>
+      <p:cxnSp>
+        <p:nvCxnSpPr>
+          <p:cNvPr id="54" name="Straight Connector 53">
+            <a:extLst>
+              <a:ext uri="{FF2B5EF4-FFF2-40B4-BE49-F238E27FC236}">
+                <a16:creationId xmlns:a16="http://schemas.microsoft.com/office/drawing/2014/main" id="{2A383277-BF66-8E38-42EF-0F5F5FC86457}"/>
+              </a:ext>
+            </a:extLst>
+          </p:cNvPr>
+          <p:cNvCxnSpPr>
+            <a:cxnSpLocks/>
+          </p:cNvCxnSpPr>
+          <p:nvPr/>
+        </p:nvCxnSpPr>
+        <p:spPr>
+          <a:xfrm>
+            <a:off x="7658547" y="1687125"/>
+            <a:ext cx="0" cy="575359"/>
+          </a:xfrm>
+          <a:prstGeom prst="line">
+            <a:avLst/>
+          </a:prstGeom>
+          <a:ln>
+            <a:solidFill>
+              <a:schemeClr val="accent5">
+                <a:lumMod val="75000"/>
+              </a:schemeClr>
+            </a:solidFill>
+          </a:ln>
+        </p:spPr>
+        <p:style>
+          <a:lnRef idx="2">
+            <a:schemeClr val="accent1"/>
+          </a:lnRef>
+          <a:fillRef idx="0">
+            <a:schemeClr val="accent1"/>
+          </a:fillRef>
+          <a:effectRef idx="1">
+            <a:schemeClr val="accent1"/>
+          </a:effectRef>
+          <a:fontRef idx="minor">
+            <a:schemeClr val="tx1"/>
+          </a:fontRef>
+        </p:style>
+      </p:cxnSp>
+      <p:cxnSp>
+        <p:nvCxnSpPr>
+          <p:cNvPr id="55" name="Straight Connector 54">
+            <a:extLst>
+              <a:ext uri="{FF2B5EF4-FFF2-40B4-BE49-F238E27FC236}">
+                <a16:creationId xmlns:a16="http://schemas.microsoft.com/office/drawing/2014/main" id="{B4A85AC9-7785-88E1-5D71-BB525A72BBCD}"/>
+              </a:ext>
+            </a:extLst>
+          </p:cNvPr>
+          <p:cNvCxnSpPr>
+            <a:cxnSpLocks/>
+          </p:cNvCxnSpPr>
+          <p:nvPr/>
+        </p:nvCxnSpPr>
+        <p:spPr>
+          <a:xfrm>
+            <a:off x="10481850" y="1813101"/>
+            <a:ext cx="0" cy="666489"/>
+          </a:xfrm>
+          <a:prstGeom prst="line">
+            <a:avLst/>
+          </a:prstGeom>
+          <a:ln>
+            <a:solidFill>
+              <a:schemeClr val="accent2">
+                <a:lumMod val="75000"/>
+              </a:schemeClr>
+            </a:solidFill>
+          </a:ln>
+        </p:spPr>
+        <p:style>
+          <a:lnRef idx="2">
+            <a:schemeClr val="accent1"/>
+          </a:lnRef>
+          <a:fillRef idx="0">
+            <a:schemeClr val="accent1"/>
+          </a:fillRef>
+          <a:effectRef idx="1">
+            <a:schemeClr val="accent1"/>
+          </a:effectRef>
+          <a:fontRef idx="minor">
+            <a:schemeClr val="tx1"/>
+          </a:fontRef>
+        </p:style>
+      </p:cxnSp>
+      <p:cxnSp>
+        <p:nvCxnSpPr>
+          <p:cNvPr id="56" name="Straight Connector 55">
+            <a:extLst>
+              <a:ext uri="{FF2B5EF4-FFF2-40B4-BE49-F238E27FC236}">
+                <a16:creationId xmlns:a16="http://schemas.microsoft.com/office/drawing/2014/main" id="{1C417DA1-6302-9D6F-4E3E-A9EAA229F2EF}"/>
+              </a:ext>
+            </a:extLst>
+          </p:cNvPr>
+          <p:cNvCxnSpPr>
+            <a:cxnSpLocks/>
+          </p:cNvCxnSpPr>
+          <p:nvPr/>
+        </p:nvCxnSpPr>
+        <p:spPr>
+          <a:xfrm>
+            <a:off x="11154162" y="2072057"/>
+            <a:ext cx="0" cy="1309741"/>
+          </a:xfrm>
+          <a:prstGeom prst="line">
+            <a:avLst/>
+          </a:prstGeom>
+        </p:spPr>
+        <p:style>
+          <a:lnRef idx="2">
+            <a:schemeClr val="accent1"/>
+          </a:lnRef>
+          <a:fillRef idx="0">
+            <a:schemeClr val="accent1"/>
+          </a:fillRef>
+          <a:effectRef idx="1">
+            <a:schemeClr val="accent1"/>
+          </a:effectRef>
+          <a:fontRef idx="minor">
+            <a:schemeClr val="tx1"/>
+          </a:fontRef>
+        </p:style>
+      </p:cxnSp>
+      <p:cxnSp>
+        <p:nvCxnSpPr>
+          <p:cNvPr id="57" name="Straight Connector 56">
+            <a:extLst>
+              <a:ext uri="{FF2B5EF4-FFF2-40B4-BE49-F238E27FC236}">
+                <a16:creationId xmlns:a16="http://schemas.microsoft.com/office/drawing/2014/main" id="{C5076F85-31D3-AA34-4200-7B67723819D8}"/>
+              </a:ext>
+            </a:extLst>
+          </p:cNvPr>
+          <p:cNvCxnSpPr>
+            <a:cxnSpLocks/>
+          </p:cNvCxnSpPr>
+          <p:nvPr/>
+        </p:nvCxnSpPr>
+        <p:spPr>
+          <a:xfrm>
+            <a:off x="8230656" y="2479590"/>
+            <a:ext cx="0" cy="1818995"/>
+          </a:xfrm>
+          <a:prstGeom prst="line">
+            <a:avLst/>
+          </a:prstGeom>
+          <a:ln>
+            <a:solidFill>
+              <a:schemeClr val="accent2">
+                <a:lumMod val="75000"/>
+              </a:schemeClr>
+            </a:solidFill>
+          </a:ln>
+        </p:spPr>
+        <p:style>
+          <a:lnRef idx="2">
+            <a:schemeClr val="accent1"/>
+          </a:lnRef>
+          <a:fillRef idx="0">
+            <a:schemeClr val="accent1"/>
+          </a:fillRef>
+          <a:effectRef idx="1">
+            <a:schemeClr val="accent1"/>
+          </a:effectRef>
+          <a:fontRef idx="minor">
+            <a:schemeClr val="tx1"/>
+          </a:fontRef>
+        </p:style>
+      </p:cxnSp>
+      <p:cxnSp>
+        <p:nvCxnSpPr>
+          <p:cNvPr id="58" name="Straight Connector 57">
+            <a:extLst>
+              <a:ext uri="{FF2B5EF4-FFF2-40B4-BE49-F238E27FC236}">
+                <a16:creationId xmlns:a16="http://schemas.microsoft.com/office/drawing/2014/main" id="{E6687786-DBD0-FCCF-7B51-5B4351146CDD}"/>
+              </a:ext>
+            </a:extLst>
+          </p:cNvPr>
+          <p:cNvCxnSpPr>
+            <a:cxnSpLocks/>
+          </p:cNvCxnSpPr>
+          <p:nvPr/>
+        </p:nvCxnSpPr>
+        <p:spPr>
+          <a:xfrm>
+            <a:off x="8230656" y="4298585"/>
+            <a:ext cx="519008" cy="0"/>
+          </a:xfrm>
+          <a:prstGeom prst="line">
+            <a:avLst/>
+          </a:prstGeom>
+          <a:ln>
+            <a:solidFill>
+              <a:schemeClr val="accent2">
+                <a:lumMod val="75000"/>
+              </a:schemeClr>
+            </a:solidFill>
+          </a:ln>
+        </p:spPr>
+        <p:style>
+          <a:lnRef idx="2">
+            <a:schemeClr val="accent1"/>
+          </a:lnRef>
+          <a:fillRef idx="0">
+            <a:schemeClr val="accent1"/>
+          </a:fillRef>
+          <a:effectRef idx="1">
+            <a:schemeClr val="accent1"/>
+          </a:effectRef>
+          <a:fontRef idx="minor">
+            <a:schemeClr val="tx1"/>
+          </a:fontRef>
+        </p:style>
+      </p:cxnSp>
+      <p:cxnSp>
+        <p:nvCxnSpPr>
+          <p:cNvPr id="59" name="Straight Connector 58">
+            <a:extLst>
+              <a:ext uri="{FF2B5EF4-FFF2-40B4-BE49-F238E27FC236}">
+                <a16:creationId xmlns:a16="http://schemas.microsoft.com/office/drawing/2014/main" id="{8C3DC6EB-23E8-7CB0-9E32-90365DEC2413}"/>
+              </a:ext>
+            </a:extLst>
+          </p:cNvPr>
+          <p:cNvCxnSpPr>
+            <a:cxnSpLocks/>
+          </p:cNvCxnSpPr>
+          <p:nvPr/>
+        </p:nvCxnSpPr>
+        <p:spPr>
+          <a:xfrm>
+            <a:off x="8789355" y="2278422"/>
+            <a:ext cx="0" cy="999744"/>
+          </a:xfrm>
+          <a:prstGeom prst="line">
+            <a:avLst/>
+          </a:prstGeom>
+          <a:ln>
+            <a:solidFill>
+              <a:schemeClr val="accent5">
+                <a:lumMod val="75000"/>
+              </a:schemeClr>
+            </a:solidFill>
+          </a:ln>
+        </p:spPr>
+        <p:style>
+          <a:lnRef idx="2">
+            <a:schemeClr val="accent1"/>
+          </a:lnRef>
+          <a:fillRef idx="0">
+            <a:schemeClr val="accent1"/>
+          </a:fillRef>
+          <a:effectRef idx="1">
+            <a:schemeClr val="accent1"/>
+          </a:effectRef>
+          <a:fontRef idx="minor">
+            <a:schemeClr val="tx1"/>
+          </a:fontRef>
+        </p:style>
+      </p:cxnSp>
+      <p:cxnSp>
+        <p:nvCxnSpPr>
+          <p:cNvPr id="60" name="Straight Connector 59">
+            <a:extLst>
+              <a:ext uri="{FF2B5EF4-FFF2-40B4-BE49-F238E27FC236}">
+                <a16:creationId xmlns:a16="http://schemas.microsoft.com/office/drawing/2014/main" id="{C28E7932-0B83-E8EC-73C6-CB7EFD02F0B3}"/>
+              </a:ext>
+            </a:extLst>
+          </p:cNvPr>
+          <p:cNvCxnSpPr/>
+          <p:nvPr/>
+        </p:nvCxnSpPr>
+        <p:spPr>
+          <a:xfrm flipH="1">
+            <a:off x="7880418" y="3811209"/>
+            <a:ext cx="937647" cy="0"/>
+          </a:xfrm>
+          <a:prstGeom prst="line">
+            <a:avLst/>
+          </a:prstGeom>
+          <a:ln>
+            <a:solidFill>
+              <a:schemeClr val="tx1"/>
+            </a:solidFill>
+          </a:ln>
+        </p:spPr>
+        <p:style>
+          <a:lnRef idx="2">
+            <a:schemeClr val="accent1"/>
+          </a:lnRef>
+          <a:fillRef idx="0">
+            <a:schemeClr val="accent1"/>
+          </a:fillRef>
+          <a:effectRef idx="1">
+            <a:schemeClr val="accent1"/>
+          </a:effectRef>
+          <a:fontRef idx="minor">
+            <a:schemeClr val="tx1"/>
+          </a:fontRef>
+        </p:style>
+      </p:cxnSp>
+      <p:pic>
+        <p:nvPicPr>
+          <p:cNvPr id="61" name="Picture 60">
+            <a:extLst>
+              <a:ext uri="{FF2B5EF4-FFF2-40B4-BE49-F238E27FC236}">
+                <a16:creationId xmlns:a16="http://schemas.microsoft.com/office/drawing/2014/main" id="{0B28C2DA-D6FE-4D2A-47D7-AB74AC0E0025}"/>
+              </a:ext>
+            </a:extLst>
+          </p:cNvPr>
+          <p:cNvPicPr>
+            <a:picLocks noChangeAspect="1"/>
+          </p:cNvPicPr>
+          <p:nvPr/>
+        </p:nvPicPr>
+        <p:blipFill>
+          <a:blip r:embed="rId7">
+            <a:extLst>
+              <a:ext uri="{28A0092B-C50C-407E-A947-70E740481C1C}">
+                <a14:useLocalDpi xmlns:a14="http://schemas.microsoft.com/office/drawing/2010/main" val="0"/>
+              </a:ext>
+            </a:extLst>
+          </a:blip>
+          <a:stretch>
+            <a:fillRect/>
+          </a:stretch>
+        </p:blipFill>
+        <p:spPr>
+          <a:xfrm rot="5400000">
+            <a:off x="6858319" y="2643707"/>
+            <a:ext cx="476190" cy="409524"/>
+          </a:xfrm>
+          <a:prstGeom prst="rect">
+            <a:avLst/>
+          </a:prstGeom>
+        </p:spPr>
+      </p:pic>
+      <p:cxnSp>
+        <p:nvCxnSpPr>
+          <p:cNvPr id="62" name="Straight Connector 61">
+            <a:extLst>
+              <a:ext uri="{FF2B5EF4-FFF2-40B4-BE49-F238E27FC236}">
+                <a16:creationId xmlns:a16="http://schemas.microsoft.com/office/drawing/2014/main" id="{C7F86CC5-BC4D-A852-CFE3-DA8E49302798}"/>
+              </a:ext>
+            </a:extLst>
+          </p:cNvPr>
+          <p:cNvCxnSpPr>
+            <a:cxnSpLocks/>
+          </p:cNvCxnSpPr>
+          <p:nvPr/>
+        </p:nvCxnSpPr>
+        <p:spPr>
+          <a:xfrm flipH="1" flipV="1">
+            <a:off x="7042176" y="3596596"/>
+            <a:ext cx="0" cy="206166"/>
+          </a:xfrm>
+          <a:prstGeom prst="line">
+            <a:avLst/>
+          </a:prstGeom>
+          <a:ln>
+            <a:solidFill>
+              <a:schemeClr val="tx1"/>
+            </a:solidFill>
+          </a:ln>
+        </p:spPr>
+        <p:style>
+          <a:lnRef idx="2">
+            <a:schemeClr val="accent1"/>
+          </a:lnRef>
+          <a:fillRef idx="0">
+            <a:schemeClr val="accent1"/>
+          </a:fillRef>
+          <a:effectRef idx="1">
+            <a:schemeClr val="accent1"/>
+          </a:effectRef>
+          <a:fontRef idx="minor">
+            <a:schemeClr val="tx1"/>
+          </a:fontRef>
+        </p:style>
+      </p:cxnSp>
+      <p:cxnSp>
+        <p:nvCxnSpPr>
+          <p:cNvPr id="63" name="Straight Connector 62">
+            <a:extLst>
+              <a:ext uri="{FF2B5EF4-FFF2-40B4-BE49-F238E27FC236}">
+                <a16:creationId xmlns:a16="http://schemas.microsoft.com/office/drawing/2014/main" id="{8BC4EBBF-6620-DF5D-0C69-06D487AD19FB}"/>
+              </a:ext>
+            </a:extLst>
+          </p:cNvPr>
+          <p:cNvCxnSpPr>
+            <a:cxnSpLocks/>
+          </p:cNvCxnSpPr>
+          <p:nvPr/>
+        </p:nvCxnSpPr>
+        <p:spPr>
+          <a:xfrm>
+            <a:off x="7030274" y="2278995"/>
+            <a:ext cx="806" cy="387046"/>
+          </a:xfrm>
+          <a:prstGeom prst="line">
+            <a:avLst/>
+          </a:prstGeom>
+          <a:ln>
+            <a:solidFill>
+              <a:schemeClr val="accent5">
+                <a:lumMod val="75000"/>
+              </a:schemeClr>
+            </a:solidFill>
+          </a:ln>
+        </p:spPr>
+        <p:style>
+          <a:lnRef idx="2">
+            <a:schemeClr val="accent1"/>
+          </a:lnRef>
+          <a:fillRef idx="0">
+            <a:schemeClr val="accent1"/>
+          </a:fillRef>
+          <a:effectRef idx="1">
+            <a:schemeClr val="accent1"/>
+          </a:effectRef>
+          <a:fontRef idx="minor">
+            <a:schemeClr val="tx1"/>
+          </a:fontRef>
+        </p:style>
+      </p:cxnSp>
+      <p:cxnSp>
+        <p:nvCxnSpPr>
+          <p:cNvPr id="64" name="Straight Connector 63">
+            <a:extLst>
+              <a:ext uri="{FF2B5EF4-FFF2-40B4-BE49-F238E27FC236}">
+                <a16:creationId xmlns:a16="http://schemas.microsoft.com/office/drawing/2014/main" id="{D857D925-26EB-A882-FA84-4B3EC0B1F301}"/>
+              </a:ext>
+            </a:extLst>
+          </p:cNvPr>
+          <p:cNvCxnSpPr>
+            <a:cxnSpLocks/>
+          </p:cNvCxnSpPr>
+          <p:nvPr/>
+        </p:nvCxnSpPr>
+        <p:spPr>
+          <a:xfrm flipH="1">
+            <a:off x="7176195" y="2480163"/>
+            <a:ext cx="5654" cy="176689"/>
+          </a:xfrm>
+          <a:prstGeom prst="line">
+            <a:avLst/>
+          </a:prstGeom>
+          <a:ln>
+            <a:solidFill>
+              <a:schemeClr val="accent2">
+                <a:lumMod val="75000"/>
+              </a:schemeClr>
+            </a:solidFill>
+          </a:ln>
+        </p:spPr>
+        <p:style>
+          <a:lnRef idx="2">
+            <a:schemeClr val="accent1"/>
+          </a:lnRef>
+          <a:fillRef idx="0">
+            <a:schemeClr val="accent1"/>
+          </a:fillRef>
+          <a:effectRef idx="1">
+            <a:schemeClr val="accent1"/>
+          </a:effectRef>
+          <a:fontRef idx="minor">
+            <a:schemeClr val="tx1"/>
+          </a:fontRef>
+        </p:style>
+      </p:cxnSp>
+      <p:sp>
+        <p:nvSpPr>
+          <p:cNvPr id="65" name="Oval 64">
+            <a:extLst>
+              <a:ext uri="{FF2B5EF4-FFF2-40B4-BE49-F238E27FC236}">
+                <a16:creationId xmlns:a16="http://schemas.microsoft.com/office/drawing/2014/main" id="{95CF9F51-666B-4C9C-78CF-79D664D0D1CA}"/>
+              </a:ext>
+            </a:extLst>
+          </p:cNvPr>
+          <p:cNvSpPr/>
+          <p:nvPr/>
+        </p:nvSpPr>
+        <p:spPr>
+          <a:xfrm>
+            <a:off x="7005992" y="2250566"/>
+            <a:ext cx="62346" cy="86009"/>
+          </a:xfrm>
+          <a:prstGeom prst="ellipse">
+            <a:avLst/>
+          </a:prstGeom>
+        </p:spPr>
+        <p:style>
+          <a:lnRef idx="2">
+            <a:schemeClr val="accent1">
+              <a:shade val="15000"/>
+            </a:schemeClr>
+          </a:lnRef>
+          <a:fillRef idx="1">
+            <a:schemeClr val="accent1"/>
+          </a:fillRef>
+          <a:effectRef idx="0">
+            <a:schemeClr val="accent1"/>
+          </a:effectRef>
+          <a:fontRef idx="minor">
+            <a:schemeClr val="lt1"/>
+          </a:fontRef>
+        </p:style>
+        <p:txBody>
+          <a:bodyPr rtlCol="0" anchor="ctr"/>
+          <a:lstStyle/>
+          <a:p>
+            <a:pPr algn="ctr"/>
+            <a:endParaRPr lang="en-SG"/>
+          </a:p>
+        </p:txBody>
+      </p:sp>
+      <p:sp>
+        <p:nvSpPr>
+          <p:cNvPr id="66" name="Oval 65">
+            <a:extLst>
+              <a:ext uri="{FF2B5EF4-FFF2-40B4-BE49-F238E27FC236}">
+                <a16:creationId xmlns:a16="http://schemas.microsoft.com/office/drawing/2014/main" id="{2DFB714A-EF23-D827-3010-C725CAB5AA9F}"/>
+              </a:ext>
+            </a:extLst>
+          </p:cNvPr>
+          <p:cNvSpPr/>
+          <p:nvPr/>
+        </p:nvSpPr>
+        <p:spPr>
+          <a:xfrm>
+            <a:off x="7276685" y="2029052"/>
+            <a:ext cx="62346" cy="86009"/>
+          </a:xfrm>
+          <a:prstGeom prst="ellipse">
+            <a:avLst/>
+          </a:prstGeom>
+        </p:spPr>
+        <p:style>
+          <a:lnRef idx="2">
+            <a:schemeClr val="accent1">
+              <a:shade val="15000"/>
+            </a:schemeClr>
+          </a:lnRef>
+          <a:fillRef idx="1">
+            <a:schemeClr val="accent1"/>
+          </a:fillRef>
+          <a:effectRef idx="0">
+            <a:schemeClr val="accent1"/>
+          </a:effectRef>
+          <a:fontRef idx="minor">
+            <a:schemeClr val="lt1"/>
+          </a:fontRef>
+        </p:style>
+        <p:txBody>
+          <a:bodyPr rtlCol="0" anchor="ctr"/>
+          <a:lstStyle/>
+          <a:p>
+            <a:pPr algn="ctr"/>
+            <a:endParaRPr lang="en-SG"/>
+          </a:p>
+        </p:txBody>
+      </p:sp>
+      <p:sp>
+        <p:nvSpPr>
+          <p:cNvPr id="67" name="Oval 66">
+            <a:extLst>
+              <a:ext uri="{FF2B5EF4-FFF2-40B4-BE49-F238E27FC236}">
+                <a16:creationId xmlns:a16="http://schemas.microsoft.com/office/drawing/2014/main" id="{670DF3CA-BA6E-6196-0557-5DB41D10BB9F}"/>
+              </a:ext>
+            </a:extLst>
+          </p:cNvPr>
+          <p:cNvSpPr/>
+          <p:nvPr/>
+        </p:nvSpPr>
+        <p:spPr>
+          <a:xfrm>
+            <a:off x="7630661" y="2241446"/>
+            <a:ext cx="62346" cy="86009"/>
+          </a:xfrm>
+          <a:prstGeom prst="ellipse">
+            <a:avLst/>
+          </a:prstGeom>
+        </p:spPr>
+        <p:style>
+          <a:lnRef idx="2">
+            <a:schemeClr val="accent1">
+              <a:shade val="15000"/>
+            </a:schemeClr>
+          </a:lnRef>
+          <a:fillRef idx="1">
+            <a:schemeClr val="accent1"/>
+          </a:fillRef>
+          <a:effectRef idx="0">
+            <a:schemeClr val="accent1"/>
+          </a:effectRef>
+          <a:fontRef idx="minor">
+            <a:schemeClr val="lt1"/>
+          </a:fontRef>
+        </p:style>
+        <p:txBody>
+          <a:bodyPr rtlCol="0" anchor="ctr"/>
+          <a:lstStyle/>
+          <a:p>
+            <a:pPr algn="ctr"/>
+            <a:endParaRPr lang="en-SG"/>
+          </a:p>
+        </p:txBody>
+      </p:sp>
+      <p:sp>
+        <p:nvSpPr>
+          <p:cNvPr id="68" name="Oval 67">
+            <a:extLst>
+              <a:ext uri="{FF2B5EF4-FFF2-40B4-BE49-F238E27FC236}">
+                <a16:creationId xmlns:a16="http://schemas.microsoft.com/office/drawing/2014/main" id="{C34B45F7-EADA-2878-464B-9DF937712D2B}"/>
+              </a:ext>
+            </a:extLst>
+          </p:cNvPr>
+          <p:cNvSpPr/>
+          <p:nvPr/>
+        </p:nvSpPr>
+        <p:spPr>
+          <a:xfrm>
+            <a:off x="7150676" y="2444867"/>
+            <a:ext cx="62346" cy="86009"/>
+          </a:xfrm>
+          <a:prstGeom prst="ellipse">
+            <a:avLst/>
+          </a:prstGeom>
+        </p:spPr>
+        <p:style>
+          <a:lnRef idx="2">
+            <a:schemeClr val="accent1">
+              <a:shade val="15000"/>
+            </a:schemeClr>
+          </a:lnRef>
+          <a:fillRef idx="1">
+            <a:schemeClr val="accent1"/>
+          </a:fillRef>
+          <a:effectRef idx="0">
+            <a:schemeClr val="accent1"/>
+          </a:effectRef>
+          <a:fontRef idx="minor">
+            <a:schemeClr val="lt1"/>
+          </a:fontRef>
+        </p:style>
+        <p:txBody>
+          <a:bodyPr rtlCol="0" anchor="ctr"/>
+          <a:lstStyle/>
+          <a:p>
+            <a:pPr algn="ctr"/>
+            <a:endParaRPr lang="en-SG"/>
+          </a:p>
+        </p:txBody>
+      </p:sp>
+      <p:sp>
+        <p:nvSpPr>
+          <p:cNvPr id="69" name="Oval 68">
+            <a:extLst>
+              <a:ext uri="{FF2B5EF4-FFF2-40B4-BE49-F238E27FC236}">
+                <a16:creationId xmlns:a16="http://schemas.microsoft.com/office/drawing/2014/main" id="{280A0CF7-7F68-1409-60AD-2E2B7D712A5C}"/>
+              </a:ext>
+            </a:extLst>
+          </p:cNvPr>
+          <p:cNvSpPr/>
+          <p:nvPr/>
+        </p:nvSpPr>
+        <p:spPr>
+          <a:xfrm>
+            <a:off x="8198863" y="2453483"/>
+            <a:ext cx="62346" cy="86009"/>
+          </a:xfrm>
+          <a:prstGeom prst="ellipse">
+            <a:avLst/>
+          </a:prstGeom>
+        </p:spPr>
+        <p:style>
+          <a:lnRef idx="2">
+            <a:schemeClr val="accent1">
+              <a:shade val="15000"/>
+            </a:schemeClr>
+          </a:lnRef>
+          <a:fillRef idx="1">
+            <a:schemeClr val="accent1"/>
+          </a:fillRef>
+          <a:effectRef idx="0">
+            <a:schemeClr val="accent1"/>
+          </a:effectRef>
+          <a:fontRef idx="minor">
+            <a:schemeClr val="lt1"/>
+          </a:fontRef>
+        </p:style>
+        <p:txBody>
+          <a:bodyPr rtlCol="0" anchor="ctr"/>
+          <a:lstStyle/>
+          <a:p>
+            <a:pPr algn="ctr"/>
+            <a:endParaRPr lang="en-SG"/>
+          </a:p>
+        </p:txBody>
+      </p:sp>
+      <p:sp>
+        <p:nvSpPr>
+          <p:cNvPr id="70" name="Oval 69">
+            <a:extLst>
+              <a:ext uri="{FF2B5EF4-FFF2-40B4-BE49-F238E27FC236}">
+                <a16:creationId xmlns:a16="http://schemas.microsoft.com/office/drawing/2014/main" id="{93BAB496-0BC4-CD62-30C0-BAFB00EC5A07}"/>
+              </a:ext>
+            </a:extLst>
+          </p:cNvPr>
+          <p:cNvSpPr/>
+          <p:nvPr/>
+        </p:nvSpPr>
+        <p:spPr>
+          <a:xfrm>
+            <a:off x="8756105" y="2252824"/>
+            <a:ext cx="62346" cy="86009"/>
+          </a:xfrm>
+          <a:prstGeom prst="ellipse">
+            <a:avLst/>
+          </a:prstGeom>
+        </p:spPr>
+        <p:style>
+          <a:lnRef idx="2">
+            <a:schemeClr val="accent1">
+              <a:shade val="15000"/>
+            </a:schemeClr>
+          </a:lnRef>
+          <a:fillRef idx="1">
+            <a:schemeClr val="accent1"/>
+          </a:fillRef>
+          <a:effectRef idx="0">
+            <a:schemeClr val="accent1"/>
+          </a:effectRef>
+          <a:fontRef idx="minor">
+            <a:schemeClr val="lt1"/>
+          </a:fontRef>
+        </p:style>
+        <p:txBody>
+          <a:bodyPr rtlCol="0" anchor="ctr"/>
+          <a:lstStyle/>
+          <a:p>
+            <a:pPr algn="ctr"/>
+            <a:endParaRPr lang="en-SG"/>
+          </a:p>
+        </p:txBody>
+      </p:sp>
+      <p:sp>
+        <p:nvSpPr>
+          <p:cNvPr id="71" name="Oval 70">
+            <a:extLst>
+              <a:ext uri="{FF2B5EF4-FFF2-40B4-BE49-F238E27FC236}">
+                <a16:creationId xmlns:a16="http://schemas.microsoft.com/office/drawing/2014/main" id="{36F0F1B6-5767-3296-394E-C00188344BC1}"/>
+              </a:ext>
+            </a:extLst>
+          </p:cNvPr>
+          <p:cNvSpPr/>
+          <p:nvPr/>
+        </p:nvSpPr>
+        <p:spPr>
+          <a:xfrm>
+            <a:off x="10450677" y="2433512"/>
+            <a:ext cx="62346" cy="86009"/>
+          </a:xfrm>
+          <a:prstGeom prst="ellipse">
+            <a:avLst/>
+          </a:prstGeom>
+        </p:spPr>
+        <p:style>
+          <a:lnRef idx="2">
+            <a:schemeClr val="accent1">
+              <a:shade val="15000"/>
+            </a:schemeClr>
+          </a:lnRef>
+          <a:fillRef idx="1">
+            <a:schemeClr val="accent1"/>
+          </a:fillRef>
+          <a:effectRef idx="0">
+            <a:schemeClr val="accent1"/>
+          </a:effectRef>
+          <a:fontRef idx="minor">
+            <a:schemeClr val="lt1"/>
+          </a:fontRef>
+        </p:style>
+        <p:txBody>
+          <a:bodyPr rtlCol="0" anchor="ctr"/>
+          <a:lstStyle/>
+          <a:p>
+            <a:pPr algn="ctr"/>
+            <a:endParaRPr lang="en-SG"/>
+          </a:p>
+        </p:txBody>
+      </p:sp>
+      <p:sp>
+        <p:nvSpPr>
+          <p:cNvPr id="72" name="Oval 71">
+            <a:extLst>
+              <a:ext uri="{FF2B5EF4-FFF2-40B4-BE49-F238E27FC236}">
+                <a16:creationId xmlns:a16="http://schemas.microsoft.com/office/drawing/2014/main" id="{2DEFE202-9C53-5702-37F5-CFA7BC24FB8A}"/>
+              </a:ext>
+            </a:extLst>
+          </p:cNvPr>
+          <p:cNvSpPr/>
+          <p:nvPr/>
+        </p:nvSpPr>
+        <p:spPr>
+          <a:xfrm>
+            <a:off x="11115385" y="2056911"/>
+            <a:ext cx="62346" cy="86009"/>
+          </a:xfrm>
+          <a:prstGeom prst="ellipse">
+            <a:avLst/>
+          </a:prstGeom>
+        </p:spPr>
+        <p:style>
+          <a:lnRef idx="2">
+            <a:schemeClr val="accent1">
+              <a:shade val="15000"/>
+            </a:schemeClr>
+          </a:lnRef>
+          <a:fillRef idx="1">
+            <a:schemeClr val="accent1"/>
+          </a:fillRef>
+          <a:effectRef idx="0">
+            <a:schemeClr val="accent1"/>
+          </a:effectRef>
+          <a:fontRef idx="minor">
+            <a:schemeClr val="lt1"/>
+          </a:fontRef>
+        </p:style>
+        <p:txBody>
+          <a:bodyPr rtlCol="0" anchor="ctr"/>
+          <a:lstStyle/>
+          <a:p>
+            <a:pPr algn="ctr"/>
+            <a:endParaRPr lang="en-SG"/>
+          </a:p>
+        </p:txBody>
+      </p:sp>
+      <p:sp>
+        <p:nvSpPr>
+          <p:cNvPr id="73" name="Oval 72">
+            <a:extLst>
+              <a:ext uri="{FF2B5EF4-FFF2-40B4-BE49-F238E27FC236}">
+                <a16:creationId xmlns:a16="http://schemas.microsoft.com/office/drawing/2014/main" id="{2773BBD3-200E-FB03-9E72-8FF5DA01D674}"/>
+              </a:ext>
+            </a:extLst>
+          </p:cNvPr>
+          <p:cNvSpPr/>
+          <p:nvPr/>
+        </p:nvSpPr>
+        <p:spPr>
+          <a:xfrm>
+            <a:off x="7020177" y="3753202"/>
+            <a:ext cx="62346" cy="86009"/>
+          </a:xfrm>
+          <a:prstGeom prst="ellipse">
+            <a:avLst/>
+          </a:prstGeom>
+        </p:spPr>
+        <p:style>
+          <a:lnRef idx="2">
+            <a:schemeClr val="accent1">
+              <a:shade val="15000"/>
+            </a:schemeClr>
+          </a:lnRef>
+          <a:fillRef idx="1">
+            <a:schemeClr val="accent1"/>
+          </a:fillRef>
+          <a:effectRef idx="0">
+            <a:schemeClr val="accent1"/>
+          </a:effectRef>
+          <a:fontRef idx="minor">
+            <a:schemeClr val="lt1"/>
+          </a:fontRef>
+        </p:style>
+        <p:txBody>
+          <a:bodyPr rtlCol="0" anchor="ctr"/>
+          <a:lstStyle/>
+          <a:p>
+            <a:pPr algn="ctr"/>
+            <a:endParaRPr lang="en-SG"/>
+          </a:p>
+        </p:txBody>
+      </p:sp>
+      <p:pic>
+        <p:nvPicPr>
+          <p:cNvPr id="78" name="Picture 77">
+            <a:extLst>
+              <a:ext uri="{FF2B5EF4-FFF2-40B4-BE49-F238E27FC236}">
+                <a16:creationId xmlns:a16="http://schemas.microsoft.com/office/drawing/2014/main" id="{DC3C2F11-982E-14B4-4D2E-75A888F57037}"/>
+              </a:ext>
+            </a:extLst>
+          </p:cNvPr>
+          <p:cNvPicPr>
+            <a:picLocks noChangeAspect="1"/>
+          </p:cNvPicPr>
+          <p:nvPr/>
+        </p:nvPicPr>
+        <p:blipFill>
+          <a:blip r:embed="rId8">
+            <a:extLst>
+              <a:ext uri="{28A0092B-C50C-407E-A947-70E740481C1C}">
+                <a14:useLocalDpi xmlns:a14="http://schemas.microsoft.com/office/drawing/2010/main" val="0"/>
+              </a:ext>
+            </a:extLst>
+          </a:blip>
+          <a:stretch>
+            <a:fillRect/>
+          </a:stretch>
+        </p:blipFill>
+        <p:spPr>
+          <a:xfrm rot="5400000">
+            <a:off x="6785932" y="3185872"/>
+            <a:ext cx="476190" cy="428571"/>
+          </a:xfrm>
+          <a:prstGeom prst="rect">
+            <a:avLst/>
+          </a:prstGeom>
+        </p:spPr>
+      </p:pic>
+      <p:cxnSp>
+        <p:nvCxnSpPr>
+          <p:cNvPr id="80" name="Straight Connector 79">
+            <a:extLst>
+              <a:ext uri="{FF2B5EF4-FFF2-40B4-BE49-F238E27FC236}">
+                <a16:creationId xmlns:a16="http://schemas.microsoft.com/office/drawing/2014/main" id="{EF72AE72-34E5-8524-7392-15C253FC72E6}"/>
+              </a:ext>
+            </a:extLst>
+          </p:cNvPr>
+          <p:cNvCxnSpPr>
+            <a:cxnSpLocks/>
+          </p:cNvCxnSpPr>
+          <p:nvPr/>
+        </p:nvCxnSpPr>
+        <p:spPr>
+          <a:xfrm flipH="1" flipV="1">
+            <a:off x="7109907" y="3063932"/>
+            <a:ext cx="0" cy="206166"/>
+          </a:xfrm>
+          <a:prstGeom prst="line">
+            <a:avLst/>
+          </a:prstGeom>
+          <a:ln>
+            <a:solidFill>
+              <a:schemeClr val="tx1"/>
+            </a:solidFill>
+          </a:ln>
+        </p:spPr>
+        <p:style>
+          <a:lnRef idx="2">
+            <a:schemeClr val="accent1"/>
+          </a:lnRef>
+          <a:fillRef idx="0">
+            <a:schemeClr val="accent1"/>
+          </a:fillRef>
+          <a:effectRef idx="1">
+            <a:schemeClr val="accent1"/>
+          </a:effectRef>
+          <a:fontRef idx="minor">
+            <a:schemeClr val="tx1"/>
+          </a:fontRef>
+        </p:style>
+      </p:cxnSp>
+      <p:pic>
+        <p:nvPicPr>
+          <p:cNvPr id="83" name="Picture 82">
+            <a:extLst>
+              <a:ext uri="{FF2B5EF4-FFF2-40B4-BE49-F238E27FC236}">
+                <a16:creationId xmlns:a16="http://schemas.microsoft.com/office/drawing/2014/main" id="{682DE7B4-A620-CBA0-1E5F-517BF2245B1D}"/>
+              </a:ext>
+            </a:extLst>
+          </p:cNvPr>
+          <p:cNvPicPr>
+            <a:picLocks noChangeAspect="1"/>
+          </p:cNvPicPr>
+          <p:nvPr/>
+        </p:nvPicPr>
+        <p:blipFill>
+          <a:blip r:embed="rId9"/>
+          <a:stretch>
+            <a:fillRect/>
+          </a:stretch>
+        </p:blipFill>
+        <p:spPr>
+          <a:xfrm>
+            <a:off x="6207737" y="4807597"/>
+            <a:ext cx="2797777" cy="1604059"/>
+          </a:xfrm>
+          <a:prstGeom prst="rect">
+            <a:avLst/>
+          </a:prstGeom>
+        </p:spPr>
+      </p:pic>
+      <p:cxnSp>
+        <p:nvCxnSpPr>
+          <p:cNvPr id="85" name="Connector: Elbow 84">
+            <a:extLst>
+              <a:ext uri="{FF2B5EF4-FFF2-40B4-BE49-F238E27FC236}">
+                <a16:creationId xmlns:a16="http://schemas.microsoft.com/office/drawing/2014/main" id="{E6D1A16F-D277-DBC3-C441-B573E9360743}"/>
+              </a:ext>
+            </a:extLst>
+          </p:cNvPr>
+          <p:cNvCxnSpPr>
+            <a:cxnSpLocks/>
+            <a:endCxn id="83" idx="1"/>
+          </p:cNvCxnSpPr>
+          <p:nvPr/>
+        </p:nvCxnSpPr>
+        <p:spPr>
+          <a:xfrm rot="5400000">
+            <a:off x="5356316" y="4013484"/>
+            <a:ext cx="2447565" cy="744721"/>
+          </a:xfrm>
+          <a:prstGeom prst="bentConnector4">
+            <a:avLst>
+              <a:gd name="adj1" fmla="val -820"/>
+              <a:gd name="adj2" fmla="val 130696"/>
+            </a:avLst>
+          </a:prstGeom>
+        </p:spPr>
+        <p:style>
+          <a:lnRef idx="2">
+            <a:schemeClr val="accent1"/>
+          </a:lnRef>
+          <a:fillRef idx="0">
+            <a:schemeClr val="accent1"/>
+          </a:fillRef>
+          <a:effectRef idx="1">
+            <a:schemeClr val="accent1"/>
+          </a:effectRef>
+          <a:fontRef idx="minor">
+            <a:schemeClr val="tx1"/>
+          </a:fontRef>
+        </p:style>
+      </p:cxnSp>
+      <p:pic>
+        <p:nvPicPr>
+          <p:cNvPr id="88" name="Graphic 87" descr="Construction worker male with solid fill">
+            <a:extLst>
+              <a:ext uri="{FF2B5EF4-FFF2-40B4-BE49-F238E27FC236}">
+                <a16:creationId xmlns:a16="http://schemas.microsoft.com/office/drawing/2014/main" id="{84BEB41A-BD40-70EF-AAE9-3E4591493B75}"/>
+              </a:ext>
+            </a:extLst>
+          </p:cNvPr>
+          <p:cNvPicPr>
+            <a:picLocks noChangeAspect="1"/>
+          </p:cNvPicPr>
+          <p:nvPr/>
+        </p:nvPicPr>
+        <p:blipFill>
+          <a:blip r:embed="rId10">
+            <a:extLst>
+              <a:ext uri="{96DAC541-7B7A-43D3-8B79-37D633B846F1}">
+                <asvg:svgBlip xmlns:asvg="http://schemas.microsoft.com/office/drawing/2016/SVG/main" r:embed="rId11"/>
+              </a:ext>
+            </a:extLst>
+          </a:blip>
+          <a:stretch>
+            <a:fillRect/>
+          </a:stretch>
+        </p:blipFill>
+        <p:spPr>
+          <a:xfrm>
+            <a:off x="9630729" y="5033173"/>
+            <a:ext cx="1152907" cy="1152907"/>
+          </a:xfrm>
+          <a:prstGeom prst="rect">
+            <a:avLst/>
+          </a:prstGeom>
+        </p:spPr>
+      </p:pic>
+      <p:sp>
+        <p:nvSpPr>
+          <p:cNvPr id="96" name="Arrow: Right 95">
+            <a:extLst>
+              <a:ext uri="{FF2B5EF4-FFF2-40B4-BE49-F238E27FC236}">
+                <a16:creationId xmlns:a16="http://schemas.microsoft.com/office/drawing/2014/main" id="{C384DFDA-BA85-BFD4-1B90-9E6B74B06CBF}"/>
+              </a:ext>
+            </a:extLst>
+          </p:cNvPr>
+          <p:cNvSpPr/>
+          <p:nvPr/>
+        </p:nvSpPr>
+        <p:spPr>
+          <a:xfrm>
+            <a:off x="5756744" y="2161279"/>
+            <a:ext cx="744721" cy="396571"/>
+          </a:xfrm>
+          <a:prstGeom prst="rightArrow">
+            <a:avLst/>
+          </a:prstGeom>
+        </p:spPr>
+        <p:style>
+          <a:lnRef idx="2">
+            <a:schemeClr val="accent6">
+              <a:shade val="15000"/>
+            </a:schemeClr>
+          </a:lnRef>
+          <a:fillRef idx="1">
+            <a:schemeClr val="accent6"/>
+          </a:fillRef>
+          <a:effectRef idx="0">
+            <a:schemeClr val="accent6"/>
+          </a:effectRef>
+          <a:fontRef idx="minor">
+            <a:schemeClr val="lt1"/>
+          </a:fontRef>
+        </p:style>
+        <p:txBody>
+          <a:bodyPr rtlCol="0" anchor="ctr"/>
+          <a:lstStyle/>
+          <a:p>
+            <a:pPr algn="ctr"/>
+            <a:endParaRPr lang="en-SG"/>
+          </a:p>
+        </p:txBody>
+      </p:sp>
+      <p:sp>
+        <p:nvSpPr>
+          <p:cNvPr id="97" name="TextBox 96">
+            <a:extLst>
+              <a:ext uri="{FF2B5EF4-FFF2-40B4-BE49-F238E27FC236}">
+                <a16:creationId xmlns:a16="http://schemas.microsoft.com/office/drawing/2014/main" id="{5CA2CA92-9F0C-050F-C657-CC82491C7A75}"/>
+              </a:ext>
+            </a:extLst>
+          </p:cNvPr>
+          <p:cNvSpPr txBox="1"/>
+          <p:nvPr/>
+        </p:nvSpPr>
+        <p:spPr>
+          <a:xfrm>
+            <a:off x="1619560" y="534618"/>
+            <a:ext cx="4088764" cy="584775"/>
+          </a:xfrm>
+          <a:prstGeom prst="rect">
+            <a:avLst/>
+          </a:prstGeom>
+          <a:noFill/>
+        </p:spPr>
+        <p:txBody>
+          <a:bodyPr wrap="square" rtlCol="0">
+            <a:spAutoFit/>
+          </a:bodyPr>
+          <a:lstStyle/>
+          <a:p>
+            <a:r>
+              <a:rPr lang="en-US" sz="1600" b="1" dirty="0">
+                <a:solidFill>
+                  <a:srgbClr val="C00000"/>
+                </a:solidFill>
+              </a:rPr>
+              <a:t>Track Block Controller Circuit Diagram without ATC override function</a:t>
+            </a:r>
+            <a:endParaRPr lang="en-SG" sz="1600" b="1" dirty="0">
+              <a:solidFill>
+                <a:srgbClr val="C00000"/>
+              </a:solidFill>
+            </a:endParaRPr>
+          </a:p>
+        </p:txBody>
+      </p:sp>
+      <p:sp>
+        <p:nvSpPr>
+          <p:cNvPr id="98" name="TextBox 97">
+            <a:extLst>
+              <a:ext uri="{FF2B5EF4-FFF2-40B4-BE49-F238E27FC236}">
+                <a16:creationId xmlns:a16="http://schemas.microsoft.com/office/drawing/2014/main" id="{7C59658D-1573-F574-E568-759A5164774B}"/>
+              </a:ext>
+            </a:extLst>
+          </p:cNvPr>
+          <p:cNvSpPr txBox="1"/>
+          <p:nvPr/>
+        </p:nvSpPr>
+        <p:spPr>
+          <a:xfrm>
+            <a:off x="7693007" y="528908"/>
+            <a:ext cx="3931472" cy="584775"/>
+          </a:xfrm>
+          <a:prstGeom prst="rect">
+            <a:avLst/>
+          </a:prstGeom>
+          <a:noFill/>
+        </p:spPr>
+        <p:txBody>
+          <a:bodyPr wrap="square" rtlCol="0">
+            <a:spAutoFit/>
+          </a:bodyPr>
+          <a:lstStyle/>
+          <a:p>
+            <a:r>
+              <a:rPr lang="en-US" sz="1600" b="1" dirty="0">
+                <a:solidFill>
+                  <a:schemeClr val="accent6">
+                    <a:lumMod val="75000"/>
+                  </a:schemeClr>
+                </a:solidFill>
+              </a:rPr>
+              <a:t>Track Block Controller Circuit Diagram with ATC override function</a:t>
+            </a:r>
+            <a:endParaRPr lang="en-SG" sz="1600" b="1" dirty="0">
+              <a:solidFill>
+                <a:schemeClr val="accent6">
+                  <a:lumMod val="75000"/>
+                </a:schemeClr>
+              </a:solidFill>
+            </a:endParaRPr>
+          </a:p>
+        </p:txBody>
+      </p:sp>
+      <p:pic>
+        <p:nvPicPr>
+          <p:cNvPr id="126" name="Picture 125">
+            <a:extLst>
+              <a:ext uri="{FF2B5EF4-FFF2-40B4-BE49-F238E27FC236}">
+                <a16:creationId xmlns:a16="http://schemas.microsoft.com/office/drawing/2014/main" id="{B9B229FD-0ABF-BFEC-74B3-0B0EB64BFB15}"/>
+              </a:ext>
+            </a:extLst>
+          </p:cNvPr>
+          <p:cNvPicPr>
+            <a:picLocks noChangeAspect="1"/>
+          </p:cNvPicPr>
+          <p:nvPr/>
+        </p:nvPicPr>
+        <p:blipFill>
+          <a:blip r:embed="rId12"/>
+          <a:stretch>
+            <a:fillRect/>
+          </a:stretch>
+        </p:blipFill>
+        <p:spPr>
+          <a:xfrm>
+            <a:off x="1619560" y="4825956"/>
+            <a:ext cx="3811181" cy="1542621"/>
+          </a:xfrm>
+          <a:prstGeom prst="rect">
+            <a:avLst/>
+          </a:prstGeom>
+          <a:ln w="6350">
+            <a:solidFill>
+              <a:schemeClr val="tx1"/>
+            </a:solidFill>
+          </a:ln>
+        </p:spPr>
+      </p:pic>
+      <p:sp>
+        <p:nvSpPr>
+          <p:cNvPr id="127" name="TextBox 126">
+            <a:extLst>
+              <a:ext uri="{FF2B5EF4-FFF2-40B4-BE49-F238E27FC236}">
+                <a16:creationId xmlns:a16="http://schemas.microsoft.com/office/drawing/2014/main" id="{41FB5783-B33B-67A2-BDBE-AACCC0AE7FF9}"/>
+              </a:ext>
+            </a:extLst>
+          </p:cNvPr>
+          <p:cNvSpPr txBox="1"/>
+          <p:nvPr/>
+        </p:nvSpPr>
+        <p:spPr>
+          <a:xfrm>
+            <a:off x="1036508" y="4586308"/>
+            <a:ext cx="4885372" cy="276999"/>
+          </a:xfrm>
+          <a:prstGeom prst="rect">
+            <a:avLst/>
+          </a:prstGeom>
+          <a:noFill/>
+        </p:spPr>
+        <p:txBody>
+          <a:bodyPr wrap="square" rtlCol="0">
+            <a:spAutoFit/>
+          </a:bodyPr>
+          <a:lstStyle/>
+          <a:p>
+            <a:r>
+              <a:rPr lang="en-US" sz="1200" b="1" dirty="0">
+                <a:solidFill>
+                  <a:schemeClr val="accent6">
+                    <a:lumMod val="75000"/>
+                  </a:schemeClr>
+                </a:solidFill>
+              </a:rPr>
+              <a:t>Track Block Controller Ladder Diagram with ATC override function</a:t>
+            </a:r>
+            <a:endParaRPr lang="en-SG" sz="1200" b="1" dirty="0">
+              <a:solidFill>
+                <a:schemeClr val="accent6">
+                  <a:lumMod val="75000"/>
+                </a:schemeClr>
+              </a:solidFill>
+            </a:endParaRPr>
+          </a:p>
+        </p:txBody>
+      </p:sp>
+      <p:sp>
+        <p:nvSpPr>
+          <p:cNvPr id="128" name="TextBox 127">
+            <a:extLst>
+              <a:ext uri="{FF2B5EF4-FFF2-40B4-BE49-F238E27FC236}">
+                <a16:creationId xmlns:a16="http://schemas.microsoft.com/office/drawing/2014/main" id="{E1F26016-E657-0899-9705-D9E3E49D594E}"/>
+              </a:ext>
+            </a:extLst>
+          </p:cNvPr>
+          <p:cNvSpPr txBox="1"/>
+          <p:nvPr/>
+        </p:nvSpPr>
+        <p:spPr>
+          <a:xfrm>
+            <a:off x="6205432" y="4489089"/>
+            <a:ext cx="2461636" cy="276999"/>
+          </a:xfrm>
+          <a:prstGeom prst="rect">
+            <a:avLst/>
+          </a:prstGeom>
+          <a:noFill/>
+        </p:spPr>
+        <p:txBody>
+          <a:bodyPr wrap="square" rtlCol="0">
+            <a:spAutoFit/>
+          </a:bodyPr>
+          <a:lstStyle/>
+          <a:p>
+            <a:r>
+              <a:rPr lang="en-US" sz="1200" b="1" dirty="0">
+                <a:solidFill>
+                  <a:schemeClr val="accent6">
+                    <a:lumMod val="75000"/>
+                  </a:schemeClr>
+                </a:solidFill>
+              </a:rPr>
+              <a:t>Track Block HQ Control HMI</a:t>
+            </a:r>
+            <a:endParaRPr lang="en-SG" sz="1200" b="1" dirty="0">
+              <a:solidFill>
+                <a:schemeClr val="accent6">
+                  <a:lumMod val="75000"/>
+                </a:schemeClr>
+              </a:solidFill>
+            </a:endParaRPr>
+          </a:p>
+        </p:txBody>
+      </p:sp>
+      <p:sp>
+        <p:nvSpPr>
+          <p:cNvPr id="129" name="Arrow: Right 128">
+            <a:extLst>
+              <a:ext uri="{FF2B5EF4-FFF2-40B4-BE49-F238E27FC236}">
+                <a16:creationId xmlns:a16="http://schemas.microsoft.com/office/drawing/2014/main" id="{AEB6EB6D-E34F-2BF3-320E-FD22D47C5D66}"/>
+              </a:ext>
+            </a:extLst>
+          </p:cNvPr>
+          <p:cNvSpPr/>
+          <p:nvPr/>
+        </p:nvSpPr>
+        <p:spPr>
+          <a:xfrm rot="10800000">
+            <a:off x="9082284" y="5464727"/>
+            <a:ext cx="564369" cy="307920"/>
+          </a:xfrm>
+          <a:prstGeom prst="rightArrow">
+            <a:avLst/>
+          </a:prstGeom>
+        </p:spPr>
+        <p:style>
+          <a:lnRef idx="2">
+            <a:schemeClr val="accent6">
+              <a:shade val="15000"/>
+            </a:schemeClr>
+          </a:lnRef>
+          <a:fillRef idx="1">
+            <a:schemeClr val="accent6"/>
+          </a:fillRef>
+          <a:effectRef idx="0">
+            <a:schemeClr val="accent6"/>
+          </a:effectRef>
+          <a:fontRef idx="minor">
+            <a:schemeClr val="lt1"/>
+          </a:fontRef>
+        </p:style>
+        <p:txBody>
+          <a:bodyPr rtlCol="0" anchor="ctr"/>
+          <a:lstStyle/>
+          <a:p>
+            <a:pPr algn="ctr"/>
+            <a:endParaRPr lang="en-SG"/>
+          </a:p>
+        </p:txBody>
+      </p:sp>
+      <p:sp>
+        <p:nvSpPr>
+          <p:cNvPr id="130" name="TextBox 129">
+            <a:extLst>
+              <a:ext uri="{FF2B5EF4-FFF2-40B4-BE49-F238E27FC236}">
+                <a16:creationId xmlns:a16="http://schemas.microsoft.com/office/drawing/2014/main" id="{635351A6-3B30-6BE0-E7FC-057A0B70E34D}"/>
+              </a:ext>
+            </a:extLst>
+          </p:cNvPr>
+          <p:cNvSpPr txBox="1"/>
+          <p:nvPr/>
+        </p:nvSpPr>
+        <p:spPr>
+          <a:xfrm>
+            <a:off x="9364468" y="4687456"/>
+            <a:ext cx="2461636" cy="276999"/>
+          </a:xfrm>
+          <a:prstGeom prst="rect">
+            <a:avLst/>
+          </a:prstGeom>
+          <a:noFill/>
+        </p:spPr>
+        <p:txBody>
+          <a:bodyPr wrap="square" rtlCol="0">
+            <a:spAutoFit/>
+          </a:bodyPr>
+          <a:lstStyle/>
+          <a:p>
+            <a:r>
+              <a:rPr lang="en-US" sz="1200" b="1" dirty="0">
+                <a:solidFill>
+                  <a:schemeClr val="tx2">
+                    <a:lumMod val="75000"/>
+                    <a:lumOff val="25000"/>
+                  </a:schemeClr>
+                </a:solidFill>
+              </a:rPr>
+              <a:t>Railway HQ Operator </a:t>
+            </a:r>
+            <a:endParaRPr lang="en-SG" sz="1200" b="1" dirty="0">
+              <a:solidFill>
+                <a:schemeClr val="tx2">
+                  <a:lumMod val="75000"/>
+                  <a:lumOff val="25000"/>
+                </a:schemeClr>
+              </a:solidFill>
+            </a:endParaRPr>
+          </a:p>
+        </p:txBody>
+      </p:sp>
+      <p:sp>
+        <p:nvSpPr>
+          <p:cNvPr id="131" name="Oval 130">
+            <a:extLst>
+              <a:ext uri="{FF2B5EF4-FFF2-40B4-BE49-F238E27FC236}">
+                <a16:creationId xmlns:a16="http://schemas.microsoft.com/office/drawing/2014/main" id="{367650CB-18D9-1D2C-C5AD-0398BDDF8C30}"/>
+              </a:ext>
+            </a:extLst>
+          </p:cNvPr>
+          <p:cNvSpPr/>
+          <p:nvPr/>
+        </p:nvSpPr>
+        <p:spPr>
+          <a:xfrm>
+            <a:off x="6272664" y="2603256"/>
+            <a:ext cx="1440539" cy="1495119"/>
+          </a:xfrm>
+          <a:prstGeom prst="ellipse">
+            <a:avLst/>
+          </a:prstGeom>
+          <a:noFill/>
+          <a:ln>
+            <a:solidFill>
+              <a:srgbClr val="FF0000"/>
+            </a:solidFill>
+            <a:prstDash val="sysDash"/>
+          </a:ln>
+        </p:spPr>
+        <p:style>
+          <a:lnRef idx="2">
+            <a:schemeClr val="accent1">
+              <a:shade val="15000"/>
+            </a:schemeClr>
+          </a:lnRef>
+          <a:fillRef idx="1">
+            <a:schemeClr val="accent1"/>
+          </a:fillRef>
+          <a:effectRef idx="0">
+            <a:schemeClr val="accent1"/>
+          </a:effectRef>
+          <a:fontRef idx="minor">
+            <a:schemeClr val="lt1"/>
+          </a:fontRef>
+        </p:style>
+        <p:txBody>
+          <a:bodyPr rtlCol="0" anchor="ctr"/>
+          <a:lstStyle/>
+          <a:p>
+            <a:pPr algn="ctr"/>
+            <a:endParaRPr lang="en-SG" dirty="0"/>
+          </a:p>
+        </p:txBody>
+      </p:sp>
+    </p:spTree>
+    <p:extLst>
+      <p:ext uri="{BB962C8B-B14F-4D97-AF65-F5344CB8AC3E}">
+        <p14:creationId xmlns:p14="http://schemas.microsoft.com/office/powerpoint/2010/main" val="3644548832"/>
+      </p:ext>
+    </p:extLst>
+  </p:cSld>
+  <p:clrMapOvr>
+    <a:masterClrMapping/>
+  </p:clrMapOvr>
+</p:sld>
+</file>
+
 <file path=ppt/slides/slide2.xml><?xml version="1.0" encoding="utf-8"?>
 <p:sld xmlns:a="http://schemas.openxmlformats.org/drawingml/2006/main" xmlns:r="http://schemas.openxmlformats.org/officeDocument/2006/relationships" xmlns:p="http://schemas.openxmlformats.org/presentationml/2006/main">
   <p:cSld>
@@ -11922,6 +15609,1088 @@
           </a:prstGeom>
         </p:spPr>
       </p:pic>
+      <p:pic>
+        <p:nvPicPr>
+          <p:cNvPr id="2" name="Picture 1">
+            <a:extLst>
+              <a:ext uri="{FF2B5EF4-FFF2-40B4-BE49-F238E27FC236}">
+                <a16:creationId xmlns:a16="http://schemas.microsoft.com/office/drawing/2014/main" id="{7E37034A-510B-2AB6-C278-D2DB3CB5D25E}"/>
+              </a:ext>
+            </a:extLst>
+          </p:cNvPr>
+          <p:cNvPicPr>
+            <a:picLocks noChangeAspect="1"/>
+          </p:cNvPicPr>
+          <p:nvPr/>
+        </p:nvPicPr>
+        <p:blipFill>
+          <a:blip r:embed="rId3">
+            <a:extLst>
+              <a:ext uri="{28A0092B-C50C-407E-A947-70E740481C1C}">
+                <a14:useLocalDpi xmlns:a14="http://schemas.microsoft.com/office/drawing/2010/main" val="0"/>
+              </a:ext>
+            </a:extLst>
+          </a:blip>
+          <a:stretch>
+            <a:fillRect/>
+          </a:stretch>
+        </p:blipFill>
+        <p:spPr>
+          <a:xfrm>
+            <a:off x="5223488" y="4967519"/>
+            <a:ext cx="409524" cy="323810"/>
+          </a:xfrm>
+          <a:prstGeom prst="rect">
+            <a:avLst/>
+          </a:prstGeom>
+        </p:spPr>
+      </p:pic>
+      <p:pic>
+        <p:nvPicPr>
+          <p:cNvPr id="3" name="Picture 2">
+            <a:extLst>
+              <a:ext uri="{FF2B5EF4-FFF2-40B4-BE49-F238E27FC236}">
+                <a16:creationId xmlns:a16="http://schemas.microsoft.com/office/drawing/2014/main" id="{BBDB5E82-EBA3-12BF-9D67-3EE0FF722CE7}"/>
+              </a:ext>
+            </a:extLst>
+          </p:cNvPr>
+          <p:cNvPicPr>
+            <a:picLocks noChangeAspect="1"/>
+          </p:cNvPicPr>
+          <p:nvPr/>
+        </p:nvPicPr>
+        <p:blipFill>
+          <a:blip r:embed="rId3">
+            <a:extLst>
+              <a:ext uri="{28A0092B-C50C-407E-A947-70E740481C1C}">
+                <a14:useLocalDpi xmlns:a14="http://schemas.microsoft.com/office/drawing/2010/main" val="0"/>
+              </a:ext>
+            </a:extLst>
+          </a:blip>
+          <a:stretch>
+            <a:fillRect/>
+          </a:stretch>
+        </p:blipFill>
+        <p:spPr>
+          <a:xfrm>
+            <a:off x="5220033" y="5530271"/>
+            <a:ext cx="409524" cy="323810"/>
+          </a:xfrm>
+          <a:prstGeom prst="rect">
+            <a:avLst/>
+          </a:prstGeom>
+        </p:spPr>
+      </p:pic>
+      <p:cxnSp>
+        <p:nvCxnSpPr>
+          <p:cNvPr id="4" name="Straight Connector 3">
+            <a:extLst>
+              <a:ext uri="{FF2B5EF4-FFF2-40B4-BE49-F238E27FC236}">
+                <a16:creationId xmlns:a16="http://schemas.microsoft.com/office/drawing/2014/main" id="{F6C0DCC3-6D1C-01E3-2AD6-08E36D665D8D}"/>
+              </a:ext>
+            </a:extLst>
+          </p:cNvPr>
+          <p:cNvCxnSpPr>
+            <a:cxnSpLocks/>
+          </p:cNvCxnSpPr>
+          <p:nvPr/>
+        </p:nvCxnSpPr>
+        <p:spPr>
+          <a:xfrm>
+            <a:off x="5629557" y="5119254"/>
+            <a:ext cx="712686" cy="0"/>
+          </a:xfrm>
+          <a:prstGeom prst="line">
+            <a:avLst/>
+          </a:prstGeom>
+        </p:spPr>
+        <p:style>
+          <a:lnRef idx="2">
+            <a:schemeClr val="dk1"/>
+          </a:lnRef>
+          <a:fillRef idx="0">
+            <a:schemeClr val="dk1"/>
+          </a:fillRef>
+          <a:effectRef idx="1">
+            <a:schemeClr val="dk1"/>
+          </a:effectRef>
+          <a:fontRef idx="minor">
+            <a:schemeClr val="tx1"/>
+          </a:fontRef>
+        </p:style>
+      </p:cxnSp>
+      <p:cxnSp>
+        <p:nvCxnSpPr>
+          <p:cNvPr id="12" name="Connector: Elbow 11">
+            <a:extLst>
+              <a:ext uri="{FF2B5EF4-FFF2-40B4-BE49-F238E27FC236}">
+                <a16:creationId xmlns:a16="http://schemas.microsoft.com/office/drawing/2014/main" id="{F06EB8D8-FF24-C91B-07D7-67141BE4F370}"/>
+              </a:ext>
+            </a:extLst>
+          </p:cNvPr>
+          <p:cNvCxnSpPr>
+            <a:cxnSpLocks/>
+            <a:stCxn id="3" idx="3"/>
+          </p:cNvCxnSpPr>
+          <p:nvPr/>
+        </p:nvCxnSpPr>
+        <p:spPr>
+          <a:xfrm flipV="1">
+            <a:off x="5629557" y="5119254"/>
+            <a:ext cx="712686" cy="572922"/>
+          </a:xfrm>
+          <a:prstGeom prst="bentConnector3">
+            <a:avLst/>
+          </a:prstGeom>
+        </p:spPr>
+        <p:style>
+          <a:lnRef idx="2">
+            <a:schemeClr val="dk1"/>
+          </a:lnRef>
+          <a:fillRef idx="0">
+            <a:schemeClr val="dk1"/>
+          </a:fillRef>
+          <a:effectRef idx="1">
+            <a:schemeClr val="dk1"/>
+          </a:effectRef>
+          <a:fontRef idx="minor">
+            <a:schemeClr val="tx1"/>
+          </a:fontRef>
+        </p:style>
+      </p:cxnSp>
+      <p:sp>
+        <p:nvSpPr>
+          <p:cNvPr id="13" name="TextBox 12">
+            <a:extLst>
+              <a:ext uri="{FF2B5EF4-FFF2-40B4-BE49-F238E27FC236}">
+                <a16:creationId xmlns:a16="http://schemas.microsoft.com/office/drawing/2014/main" id="{71F0E15C-5629-9C7D-58A1-3E47AB0507EC}"/>
+              </a:ext>
+            </a:extLst>
+          </p:cNvPr>
+          <p:cNvSpPr txBox="1"/>
+          <p:nvPr/>
+        </p:nvSpPr>
+        <p:spPr>
+          <a:xfrm>
+            <a:off x="5218564" y="4691639"/>
+            <a:ext cx="646455" cy="261610"/>
+          </a:xfrm>
+          <a:prstGeom prst="rect">
+            <a:avLst/>
+          </a:prstGeom>
+          <a:noFill/>
+        </p:spPr>
+        <p:txBody>
+          <a:bodyPr wrap="square" rtlCol="0">
+            <a:spAutoFit/>
+          </a:bodyPr>
+          <a:lstStyle/>
+          <a:p>
+            <a:r>
+              <a:rPr lang="en-US" sz="1100" b="1" dirty="0"/>
+              <a:t>HR1</a:t>
+            </a:r>
+            <a:endParaRPr lang="en-SG" sz="1100" b="1" dirty="0"/>
+          </a:p>
+        </p:txBody>
+      </p:sp>
+      <p:sp>
+        <p:nvSpPr>
+          <p:cNvPr id="14" name="TextBox 13">
+            <a:extLst>
+              <a:ext uri="{FF2B5EF4-FFF2-40B4-BE49-F238E27FC236}">
+                <a16:creationId xmlns:a16="http://schemas.microsoft.com/office/drawing/2014/main" id="{BAF40B29-8F92-9BAE-E71B-D433EC4AFBAC}"/>
+              </a:ext>
+            </a:extLst>
+          </p:cNvPr>
+          <p:cNvSpPr txBox="1"/>
+          <p:nvPr/>
+        </p:nvSpPr>
+        <p:spPr>
+          <a:xfrm>
+            <a:off x="5190226" y="5270990"/>
+            <a:ext cx="646455" cy="261610"/>
+          </a:xfrm>
+          <a:prstGeom prst="rect">
+            <a:avLst/>
+          </a:prstGeom>
+          <a:noFill/>
+        </p:spPr>
+        <p:txBody>
+          <a:bodyPr wrap="square" rtlCol="0">
+            <a:spAutoFit/>
+          </a:bodyPr>
+          <a:lstStyle/>
+          <a:p>
+            <a:r>
+              <a:rPr lang="en-US" sz="1100" b="1" dirty="0"/>
+              <a:t>HR2</a:t>
+            </a:r>
+            <a:endParaRPr lang="en-SG" sz="1100" b="1" dirty="0"/>
+          </a:p>
+        </p:txBody>
+      </p:sp>
+      <p:sp>
+        <p:nvSpPr>
+          <p:cNvPr id="15" name="Rectangle 14">
+            <a:extLst>
+              <a:ext uri="{FF2B5EF4-FFF2-40B4-BE49-F238E27FC236}">
+                <a16:creationId xmlns:a16="http://schemas.microsoft.com/office/drawing/2014/main" id="{0E308CBF-1C93-A58D-E757-2A89B6AEFB00}"/>
+              </a:ext>
+            </a:extLst>
+          </p:cNvPr>
+          <p:cNvSpPr/>
+          <p:nvPr/>
+        </p:nvSpPr>
+        <p:spPr>
+          <a:xfrm>
+            <a:off x="7946477" y="3848952"/>
+            <a:ext cx="1129085" cy="1572447"/>
+          </a:xfrm>
+          <a:prstGeom prst="rect">
+            <a:avLst/>
+          </a:prstGeom>
+          <a:noFill/>
+        </p:spPr>
+        <p:style>
+          <a:lnRef idx="2">
+            <a:schemeClr val="accent1">
+              <a:shade val="15000"/>
+            </a:schemeClr>
+          </a:lnRef>
+          <a:fillRef idx="1">
+            <a:schemeClr val="accent1"/>
+          </a:fillRef>
+          <a:effectRef idx="0">
+            <a:schemeClr val="accent1"/>
+          </a:effectRef>
+          <a:fontRef idx="minor">
+            <a:schemeClr val="lt1"/>
+          </a:fontRef>
+        </p:style>
+        <p:txBody>
+          <a:bodyPr rtlCol="0" anchor="ctr"/>
+          <a:lstStyle/>
+          <a:p>
+            <a:pPr algn="ctr"/>
+            <a:endParaRPr lang="en-SG" dirty="0"/>
+          </a:p>
+        </p:txBody>
+      </p:sp>
+      <p:sp>
+        <p:nvSpPr>
+          <p:cNvPr id="16" name="TextBox 15">
+            <a:extLst>
+              <a:ext uri="{FF2B5EF4-FFF2-40B4-BE49-F238E27FC236}">
+                <a16:creationId xmlns:a16="http://schemas.microsoft.com/office/drawing/2014/main" id="{129CDFCA-6BB3-6908-D807-BD148D7B73F1}"/>
+              </a:ext>
+            </a:extLst>
+          </p:cNvPr>
+          <p:cNvSpPr txBox="1"/>
+          <p:nvPr/>
+        </p:nvSpPr>
+        <p:spPr>
+          <a:xfrm>
+            <a:off x="8313829" y="3874692"/>
+            <a:ext cx="462356" cy="307777"/>
+          </a:xfrm>
+          <a:prstGeom prst="rect">
+            <a:avLst/>
+          </a:prstGeom>
+          <a:noFill/>
+        </p:spPr>
+        <p:txBody>
+          <a:bodyPr wrap="square" rtlCol="0">
+            <a:spAutoFit/>
+          </a:bodyPr>
+          <a:lstStyle/>
+          <a:p>
+            <a:r>
+              <a:rPr lang="en-US" sz="1400" b="1" dirty="0"/>
+              <a:t>JK</a:t>
+            </a:r>
+            <a:endParaRPr lang="en-SG" sz="1400" b="1" dirty="0"/>
+          </a:p>
+        </p:txBody>
+      </p:sp>
+      <p:pic>
+        <p:nvPicPr>
+          <p:cNvPr id="17" name="Picture 16">
+            <a:extLst>
+              <a:ext uri="{FF2B5EF4-FFF2-40B4-BE49-F238E27FC236}">
+                <a16:creationId xmlns:a16="http://schemas.microsoft.com/office/drawing/2014/main" id="{9A4F11E5-88DA-A194-FAC8-C4C4F9FACC21}"/>
+              </a:ext>
+            </a:extLst>
+          </p:cNvPr>
+          <p:cNvPicPr>
+            <a:picLocks noChangeAspect="1"/>
+          </p:cNvPicPr>
+          <p:nvPr/>
+        </p:nvPicPr>
+        <p:blipFill>
+          <a:blip r:embed="rId3">
+            <a:extLst>
+              <a:ext uri="{28A0092B-C50C-407E-A947-70E740481C1C}">
+                <a14:useLocalDpi xmlns:a14="http://schemas.microsoft.com/office/drawing/2010/main" val="0"/>
+              </a:ext>
+            </a:extLst>
+          </a:blip>
+          <a:stretch>
+            <a:fillRect/>
+          </a:stretch>
+        </p:blipFill>
+        <p:spPr>
+          <a:xfrm>
+            <a:off x="5271034" y="3819157"/>
+            <a:ext cx="409524" cy="323810"/>
+          </a:xfrm>
+          <a:prstGeom prst="rect">
+            <a:avLst/>
+          </a:prstGeom>
+        </p:spPr>
+      </p:pic>
+      <p:sp>
+        <p:nvSpPr>
+          <p:cNvPr id="18" name="TextBox 17">
+            <a:extLst>
+              <a:ext uri="{FF2B5EF4-FFF2-40B4-BE49-F238E27FC236}">
+                <a16:creationId xmlns:a16="http://schemas.microsoft.com/office/drawing/2014/main" id="{E1BD1A28-4BA5-E917-06C3-75505520E0B8}"/>
+              </a:ext>
+            </a:extLst>
+          </p:cNvPr>
+          <p:cNvSpPr txBox="1"/>
+          <p:nvPr/>
+        </p:nvSpPr>
+        <p:spPr>
+          <a:xfrm>
+            <a:off x="5232053" y="3577285"/>
+            <a:ext cx="646455" cy="261610"/>
+          </a:xfrm>
+          <a:prstGeom prst="rect">
+            <a:avLst/>
+          </a:prstGeom>
+          <a:noFill/>
+        </p:spPr>
+        <p:txBody>
+          <a:bodyPr wrap="square" rtlCol="0">
+            <a:spAutoFit/>
+          </a:bodyPr>
+          <a:lstStyle/>
+          <a:p>
+            <a:r>
+              <a:rPr lang="en-US" sz="1100" b="1" dirty="0"/>
+              <a:t>HR1</a:t>
+            </a:r>
+            <a:endParaRPr lang="en-SG" sz="1100" b="1" dirty="0"/>
+          </a:p>
+        </p:txBody>
+      </p:sp>
+      <p:cxnSp>
+        <p:nvCxnSpPr>
+          <p:cNvPr id="19" name="Straight Connector 18">
+            <a:extLst>
+              <a:ext uri="{FF2B5EF4-FFF2-40B4-BE49-F238E27FC236}">
+                <a16:creationId xmlns:a16="http://schemas.microsoft.com/office/drawing/2014/main" id="{6626E68F-022C-0B3E-C050-553E79FA3C5D}"/>
+              </a:ext>
+            </a:extLst>
+          </p:cNvPr>
+          <p:cNvCxnSpPr>
+            <a:cxnSpLocks/>
+          </p:cNvCxnSpPr>
+          <p:nvPr/>
+        </p:nvCxnSpPr>
+        <p:spPr>
+          <a:xfrm>
+            <a:off x="5659472" y="3975805"/>
+            <a:ext cx="2265919" cy="9568"/>
+          </a:xfrm>
+          <a:prstGeom prst="line">
+            <a:avLst/>
+          </a:prstGeom>
+        </p:spPr>
+        <p:style>
+          <a:lnRef idx="2">
+            <a:schemeClr val="dk1"/>
+          </a:lnRef>
+          <a:fillRef idx="0">
+            <a:schemeClr val="dk1"/>
+          </a:fillRef>
+          <a:effectRef idx="1">
+            <a:schemeClr val="dk1"/>
+          </a:effectRef>
+          <a:fontRef idx="minor">
+            <a:schemeClr val="tx1"/>
+          </a:fontRef>
+        </p:style>
+      </p:cxnSp>
+      <p:sp>
+        <p:nvSpPr>
+          <p:cNvPr id="22" name="TextBox 21">
+            <a:extLst>
+              <a:ext uri="{FF2B5EF4-FFF2-40B4-BE49-F238E27FC236}">
+                <a16:creationId xmlns:a16="http://schemas.microsoft.com/office/drawing/2014/main" id="{5B61B794-41F7-24C4-C9EE-350417481AAE}"/>
+              </a:ext>
+            </a:extLst>
+          </p:cNvPr>
+          <p:cNvSpPr txBox="1"/>
+          <p:nvPr/>
+        </p:nvSpPr>
+        <p:spPr>
+          <a:xfrm>
+            <a:off x="7963849" y="3881357"/>
+            <a:ext cx="294053" cy="261610"/>
+          </a:xfrm>
+          <a:prstGeom prst="rect">
+            <a:avLst/>
+          </a:prstGeom>
+          <a:noFill/>
+        </p:spPr>
+        <p:txBody>
+          <a:bodyPr wrap="square" rtlCol="0">
+            <a:spAutoFit/>
+          </a:bodyPr>
+          <a:lstStyle/>
+          <a:p>
+            <a:r>
+              <a:rPr lang="en-US" sz="1100" b="1" dirty="0"/>
+              <a:t>J</a:t>
+            </a:r>
+            <a:endParaRPr lang="en-SG" sz="1100" b="1" dirty="0"/>
+          </a:p>
+        </p:txBody>
+      </p:sp>
+      <p:pic>
+        <p:nvPicPr>
+          <p:cNvPr id="23" name="Picture 22">
+            <a:extLst>
+              <a:ext uri="{FF2B5EF4-FFF2-40B4-BE49-F238E27FC236}">
+                <a16:creationId xmlns:a16="http://schemas.microsoft.com/office/drawing/2014/main" id="{1F7242ED-1299-7A7B-47D1-B30BDC23878E}"/>
+              </a:ext>
+            </a:extLst>
+          </p:cNvPr>
+          <p:cNvPicPr>
+            <a:picLocks noChangeAspect="1"/>
+          </p:cNvPicPr>
+          <p:nvPr/>
+        </p:nvPicPr>
+        <p:blipFill>
+          <a:blip r:embed="rId3">
+            <a:extLst>
+              <a:ext uri="{28A0092B-C50C-407E-A947-70E740481C1C}">
+                <a14:useLocalDpi xmlns:a14="http://schemas.microsoft.com/office/drawing/2010/main" val="0"/>
+              </a:ext>
+            </a:extLst>
+          </a:blip>
+          <a:stretch>
+            <a:fillRect/>
+          </a:stretch>
+        </p:blipFill>
+        <p:spPr>
+          <a:xfrm>
+            <a:off x="5248479" y="4362596"/>
+            <a:ext cx="409524" cy="323810"/>
+          </a:xfrm>
+          <a:prstGeom prst="rect">
+            <a:avLst/>
+          </a:prstGeom>
+        </p:spPr>
+      </p:pic>
+      <p:sp>
+        <p:nvSpPr>
+          <p:cNvPr id="24" name="TextBox 23">
+            <a:extLst>
+              <a:ext uri="{FF2B5EF4-FFF2-40B4-BE49-F238E27FC236}">
+                <a16:creationId xmlns:a16="http://schemas.microsoft.com/office/drawing/2014/main" id="{D7058074-B09F-696B-45D3-27652EEA54DA}"/>
+              </a:ext>
+            </a:extLst>
+          </p:cNvPr>
+          <p:cNvSpPr txBox="1"/>
+          <p:nvPr/>
+        </p:nvSpPr>
+        <p:spPr>
+          <a:xfrm>
+            <a:off x="5248478" y="4155046"/>
+            <a:ext cx="646455" cy="261610"/>
+          </a:xfrm>
+          <a:prstGeom prst="rect">
+            <a:avLst/>
+          </a:prstGeom>
+          <a:noFill/>
+        </p:spPr>
+        <p:txBody>
+          <a:bodyPr wrap="square" rtlCol="0">
+            <a:spAutoFit/>
+          </a:bodyPr>
+          <a:lstStyle/>
+          <a:p>
+            <a:r>
+              <a:rPr lang="en-US" sz="1100" b="1" dirty="0"/>
+              <a:t>HR2</a:t>
+            </a:r>
+            <a:endParaRPr lang="en-SG" sz="1100" b="1" dirty="0"/>
+          </a:p>
+        </p:txBody>
+      </p:sp>
+      <p:cxnSp>
+        <p:nvCxnSpPr>
+          <p:cNvPr id="26" name="Straight Connector 25">
+            <a:extLst>
+              <a:ext uri="{FF2B5EF4-FFF2-40B4-BE49-F238E27FC236}">
+                <a16:creationId xmlns:a16="http://schemas.microsoft.com/office/drawing/2014/main" id="{B437B06D-62EE-0EC2-01FC-C18F0A1400F3}"/>
+              </a:ext>
+            </a:extLst>
+          </p:cNvPr>
+          <p:cNvCxnSpPr>
+            <a:cxnSpLocks/>
+          </p:cNvCxnSpPr>
+          <p:nvPr/>
+        </p:nvCxnSpPr>
+        <p:spPr>
+          <a:xfrm>
+            <a:off x="5653130" y="4517210"/>
+            <a:ext cx="2265919" cy="9568"/>
+          </a:xfrm>
+          <a:prstGeom prst="line">
+            <a:avLst/>
+          </a:prstGeom>
+        </p:spPr>
+        <p:style>
+          <a:lnRef idx="2">
+            <a:schemeClr val="dk1"/>
+          </a:lnRef>
+          <a:fillRef idx="0">
+            <a:schemeClr val="dk1"/>
+          </a:fillRef>
+          <a:effectRef idx="1">
+            <a:schemeClr val="dk1"/>
+          </a:effectRef>
+          <a:fontRef idx="minor">
+            <a:schemeClr val="tx1"/>
+          </a:fontRef>
+        </p:style>
+      </p:cxnSp>
+      <p:sp>
+        <p:nvSpPr>
+          <p:cNvPr id="27" name="TextBox 26">
+            <a:extLst>
+              <a:ext uri="{FF2B5EF4-FFF2-40B4-BE49-F238E27FC236}">
+                <a16:creationId xmlns:a16="http://schemas.microsoft.com/office/drawing/2014/main" id="{67076EB1-297A-6ECC-417C-74D9500E6B7D}"/>
+              </a:ext>
+            </a:extLst>
+          </p:cNvPr>
+          <p:cNvSpPr txBox="1"/>
+          <p:nvPr/>
+        </p:nvSpPr>
+        <p:spPr>
+          <a:xfrm>
+            <a:off x="7963849" y="4381113"/>
+            <a:ext cx="294053" cy="261610"/>
+          </a:xfrm>
+          <a:prstGeom prst="rect">
+            <a:avLst/>
+          </a:prstGeom>
+          <a:noFill/>
+        </p:spPr>
+        <p:txBody>
+          <a:bodyPr wrap="square" rtlCol="0">
+            <a:spAutoFit/>
+          </a:bodyPr>
+          <a:lstStyle/>
+          <a:p>
+            <a:r>
+              <a:rPr lang="en-US" sz="1100" b="1" dirty="0"/>
+              <a:t>K</a:t>
+            </a:r>
+            <a:endParaRPr lang="en-SG" sz="1100" b="1" dirty="0"/>
+          </a:p>
+        </p:txBody>
+      </p:sp>
+      <p:sp>
+        <p:nvSpPr>
+          <p:cNvPr id="30" name="TextBox 29">
+            <a:extLst>
+              <a:ext uri="{FF2B5EF4-FFF2-40B4-BE49-F238E27FC236}">
+                <a16:creationId xmlns:a16="http://schemas.microsoft.com/office/drawing/2014/main" id="{74F5522E-1503-F545-7E28-F3D86B25CD04}"/>
+              </a:ext>
+            </a:extLst>
+          </p:cNvPr>
+          <p:cNvSpPr txBox="1"/>
+          <p:nvPr/>
+        </p:nvSpPr>
+        <p:spPr>
+          <a:xfrm>
+            <a:off x="7946477" y="5006259"/>
+            <a:ext cx="462356" cy="261610"/>
+          </a:xfrm>
+          <a:prstGeom prst="rect">
+            <a:avLst/>
+          </a:prstGeom>
+          <a:noFill/>
+        </p:spPr>
+        <p:txBody>
+          <a:bodyPr wrap="square" rtlCol="0">
+            <a:spAutoFit/>
+          </a:bodyPr>
+          <a:lstStyle/>
+          <a:p>
+            <a:r>
+              <a:rPr lang="en-US" sz="1100" b="1" dirty="0"/>
+              <a:t>CLK</a:t>
+            </a:r>
+            <a:endParaRPr lang="en-SG" sz="1100" b="1" dirty="0"/>
+          </a:p>
+        </p:txBody>
+      </p:sp>
+      <p:sp>
+        <p:nvSpPr>
+          <p:cNvPr id="33" name="TextBox 32">
+            <a:extLst>
+              <a:ext uri="{FF2B5EF4-FFF2-40B4-BE49-F238E27FC236}">
+                <a16:creationId xmlns:a16="http://schemas.microsoft.com/office/drawing/2014/main" id="{429EF9F9-681E-4588-026B-D9009A450663}"/>
+              </a:ext>
+            </a:extLst>
+          </p:cNvPr>
+          <p:cNvSpPr txBox="1"/>
+          <p:nvPr/>
+        </p:nvSpPr>
+        <p:spPr>
+          <a:xfrm>
+            <a:off x="6837666" y="4953249"/>
+            <a:ext cx="646455" cy="261610"/>
+          </a:xfrm>
+          <a:prstGeom prst="rect">
+            <a:avLst/>
+          </a:prstGeom>
+          <a:noFill/>
+        </p:spPr>
+        <p:txBody>
+          <a:bodyPr wrap="square" rtlCol="0">
+            <a:spAutoFit/>
+          </a:bodyPr>
+          <a:lstStyle/>
+          <a:p>
+            <a:r>
+              <a:rPr lang="en-US" sz="1100" b="1" dirty="0"/>
+              <a:t>TON</a:t>
+            </a:r>
+            <a:endParaRPr lang="en-SG" sz="1100" b="1" dirty="0"/>
+          </a:p>
+        </p:txBody>
+      </p:sp>
+      <p:sp>
+        <p:nvSpPr>
+          <p:cNvPr id="34" name="TextBox 33">
+            <a:extLst>
+              <a:ext uri="{FF2B5EF4-FFF2-40B4-BE49-F238E27FC236}">
+                <a16:creationId xmlns:a16="http://schemas.microsoft.com/office/drawing/2014/main" id="{E4272AA8-E827-1FA5-B899-F09CC1B022EA}"/>
+              </a:ext>
+            </a:extLst>
+          </p:cNvPr>
+          <p:cNvSpPr txBox="1"/>
+          <p:nvPr/>
+        </p:nvSpPr>
+        <p:spPr>
+          <a:xfrm>
+            <a:off x="6596497" y="4670709"/>
+            <a:ext cx="1000395" cy="261610"/>
+          </a:xfrm>
+          <a:prstGeom prst="rect">
+            <a:avLst/>
+          </a:prstGeom>
+          <a:noFill/>
+        </p:spPr>
+        <p:txBody>
+          <a:bodyPr wrap="square" rtlCol="0">
+            <a:spAutoFit/>
+          </a:bodyPr>
+          <a:lstStyle/>
+          <a:p>
+            <a:r>
+              <a:rPr lang="en-US" sz="1100" b="1" dirty="0"/>
+              <a:t>Delay Timer</a:t>
+            </a:r>
+            <a:endParaRPr lang="en-SG" sz="1100" b="1" dirty="0"/>
+          </a:p>
+        </p:txBody>
+      </p:sp>
+      <p:sp>
+        <p:nvSpPr>
+          <p:cNvPr id="37" name="TextBox 36">
+            <a:extLst>
+              <a:ext uri="{FF2B5EF4-FFF2-40B4-BE49-F238E27FC236}">
+                <a16:creationId xmlns:a16="http://schemas.microsoft.com/office/drawing/2014/main" id="{F8CC43CA-5DB2-07EB-B759-73C0E1182300}"/>
+              </a:ext>
+            </a:extLst>
+          </p:cNvPr>
+          <p:cNvSpPr txBox="1"/>
+          <p:nvPr/>
+        </p:nvSpPr>
+        <p:spPr>
+          <a:xfrm>
+            <a:off x="6771438" y="5245692"/>
+            <a:ext cx="646455" cy="430887"/>
+          </a:xfrm>
+          <a:prstGeom prst="rect">
+            <a:avLst/>
+          </a:prstGeom>
+          <a:noFill/>
+        </p:spPr>
+        <p:txBody>
+          <a:bodyPr wrap="square" rtlCol="0">
+            <a:spAutoFit/>
+          </a:bodyPr>
+          <a:lstStyle/>
+          <a:p>
+            <a:r>
+              <a:rPr lang="en-US" sz="1100" b="1" dirty="0"/>
+              <a:t>Delay (1sec)</a:t>
+            </a:r>
+            <a:endParaRPr lang="en-SG" sz="1100" b="1" dirty="0"/>
+          </a:p>
+        </p:txBody>
+      </p:sp>
+      <p:cxnSp>
+        <p:nvCxnSpPr>
+          <p:cNvPr id="40" name="Straight Connector 39">
+            <a:extLst>
+              <a:ext uri="{FF2B5EF4-FFF2-40B4-BE49-F238E27FC236}">
+                <a16:creationId xmlns:a16="http://schemas.microsoft.com/office/drawing/2014/main" id="{8674B603-61FE-AEE5-024C-457A0830A77B}"/>
+              </a:ext>
+            </a:extLst>
+          </p:cNvPr>
+          <p:cNvCxnSpPr>
+            <a:cxnSpLocks/>
+            <a:endCxn id="30" idx="1"/>
+          </p:cNvCxnSpPr>
+          <p:nvPr/>
+        </p:nvCxnSpPr>
+        <p:spPr>
+          <a:xfrm>
+            <a:off x="7506683" y="5135988"/>
+            <a:ext cx="439794" cy="1076"/>
+          </a:xfrm>
+          <a:prstGeom prst="line">
+            <a:avLst/>
+          </a:prstGeom>
+        </p:spPr>
+        <p:style>
+          <a:lnRef idx="2">
+            <a:schemeClr val="dk1"/>
+          </a:lnRef>
+          <a:fillRef idx="0">
+            <a:schemeClr val="dk1"/>
+          </a:fillRef>
+          <a:effectRef idx="1">
+            <a:schemeClr val="dk1"/>
+          </a:effectRef>
+          <a:fontRef idx="minor">
+            <a:schemeClr val="tx1"/>
+          </a:fontRef>
+        </p:style>
+      </p:cxnSp>
+      <p:sp>
+        <p:nvSpPr>
+          <p:cNvPr id="53" name="TextBox 52">
+            <a:extLst>
+              <a:ext uri="{FF2B5EF4-FFF2-40B4-BE49-F238E27FC236}">
+                <a16:creationId xmlns:a16="http://schemas.microsoft.com/office/drawing/2014/main" id="{03969500-B2BA-2894-493E-2FFCA04436A1}"/>
+              </a:ext>
+            </a:extLst>
+          </p:cNvPr>
+          <p:cNvSpPr txBox="1"/>
+          <p:nvPr/>
+        </p:nvSpPr>
+        <p:spPr>
+          <a:xfrm>
+            <a:off x="8817217" y="3872452"/>
+            <a:ext cx="294053" cy="261610"/>
+          </a:xfrm>
+          <a:prstGeom prst="rect">
+            <a:avLst/>
+          </a:prstGeom>
+          <a:noFill/>
+        </p:spPr>
+        <p:txBody>
+          <a:bodyPr wrap="square" rtlCol="0">
+            <a:spAutoFit/>
+          </a:bodyPr>
+          <a:lstStyle/>
+          <a:p>
+            <a:r>
+              <a:rPr lang="en-US" sz="1100" b="1" dirty="0"/>
+              <a:t>Q</a:t>
+            </a:r>
+            <a:endParaRPr lang="en-SG" sz="1100" b="1" dirty="0"/>
+          </a:p>
+        </p:txBody>
+      </p:sp>
+      <p:cxnSp>
+        <p:nvCxnSpPr>
+          <p:cNvPr id="54" name="Straight Connector 53">
+            <a:extLst>
+              <a:ext uri="{FF2B5EF4-FFF2-40B4-BE49-F238E27FC236}">
+                <a16:creationId xmlns:a16="http://schemas.microsoft.com/office/drawing/2014/main" id="{72331839-3830-4815-5981-61BA9EED7206}"/>
+              </a:ext>
+            </a:extLst>
+          </p:cNvPr>
+          <p:cNvCxnSpPr>
+            <a:cxnSpLocks/>
+          </p:cNvCxnSpPr>
+          <p:nvPr/>
+        </p:nvCxnSpPr>
+        <p:spPr>
+          <a:xfrm>
+            <a:off x="9075562" y="4005178"/>
+            <a:ext cx="1546601" cy="0"/>
+          </a:xfrm>
+          <a:prstGeom prst="line">
+            <a:avLst/>
+          </a:prstGeom>
+        </p:spPr>
+        <p:style>
+          <a:lnRef idx="2">
+            <a:schemeClr val="dk1"/>
+          </a:lnRef>
+          <a:fillRef idx="0">
+            <a:schemeClr val="dk1"/>
+          </a:fillRef>
+          <a:effectRef idx="1">
+            <a:schemeClr val="dk1"/>
+          </a:effectRef>
+          <a:fontRef idx="minor">
+            <a:schemeClr val="tx1"/>
+          </a:fontRef>
+        </p:style>
+      </p:cxnSp>
+      <p:pic>
+        <p:nvPicPr>
+          <p:cNvPr id="55" name="Picture 54">
+            <a:extLst>
+              <a:ext uri="{FF2B5EF4-FFF2-40B4-BE49-F238E27FC236}">
+                <a16:creationId xmlns:a16="http://schemas.microsoft.com/office/drawing/2014/main" id="{8EF7A86D-67DF-9AD6-C293-A95A5E8D8F96}"/>
+              </a:ext>
+            </a:extLst>
+          </p:cNvPr>
+          <p:cNvPicPr>
+            <a:picLocks noChangeAspect="1"/>
+          </p:cNvPicPr>
+          <p:nvPr/>
+        </p:nvPicPr>
+        <p:blipFill>
+          <a:blip r:embed="rId4">
+            <a:extLst>
+              <a:ext uri="{28A0092B-C50C-407E-A947-70E740481C1C}">
+                <a14:useLocalDpi xmlns:a14="http://schemas.microsoft.com/office/drawing/2010/main" val="0"/>
+              </a:ext>
+            </a:extLst>
+          </a:blip>
+          <a:stretch>
+            <a:fillRect/>
+          </a:stretch>
+        </p:blipFill>
+        <p:spPr>
+          <a:xfrm>
+            <a:off x="10644581" y="3840733"/>
+            <a:ext cx="438095" cy="342857"/>
+          </a:xfrm>
+          <a:prstGeom prst="rect">
+            <a:avLst/>
+          </a:prstGeom>
+        </p:spPr>
+      </p:pic>
+      <p:sp>
+        <p:nvSpPr>
+          <p:cNvPr id="56" name="TextBox 55">
+            <a:extLst>
+              <a:ext uri="{FF2B5EF4-FFF2-40B4-BE49-F238E27FC236}">
+                <a16:creationId xmlns:a16="http://schemas.microsoft.com/office/drawing/2014/main" id="{688C2677-D09D-FA82-F08D-93C045921368}"/>
+              </a:ext>
+            </a:extLst>
+          </p:cNvPr>
+          <p:cNvSpPr txBox="1"/>
+          <p:nvPr/>
+        </p:nvSpPr>
+        <p:spPr>
+          <a:xfrm>
+            <a:off x="10668435" y="3644753"/>
+            <a:ext cx="646455" cy="261610"/>
+          </a:xfrm>
+          <a:prstGeom prst="rect">
+            <a:avLst/>
+          </a:prstGeom>
+          <a:noFill/>
+        </p:spPr>
+        <p:txBody>
+          <a:bodyPr wrap="square" rtlCol="0">
+            <a:spAutoFit/>
+          </a:bodyPr>
+          <a:lstStyle/>
+          <a:p>
+            <a:r>
+              <a:rPr lang="en-US" sz="1100" b="1" dirty="0"/>
+              <a:t>C0</a:t>
+            </a:r>
+            <a:endParaRPr lang="en-SG" sz="1100" b="1" dirty="0"/>
+          </a:p>
+        </p:txBody>
+      </p:sp>
+      <p:pic>
+        <p:nvPicPr>
+          <p:cNvPr id="57" name="Picture 56">
+            <a:extLst>
+              <a:ext uri="{FF2B5EF4-FFF2-40B4-BE49-F238E27FC236}">
+                <a16:creationId xmlns:a16="http://schemas.microsoft.com/office/drawing/2014/main" id="{F0AA4471-C273-0DB6-45B7-B09D1ECCE202}"/>
+              </a:ext>
+            </a:extLst>
+          </p:cNvPr>
+          <p:cNvPicPr>
+            <a:picLocks noChangeAspect="1"/>
+          </p:cNvPicPr>
+          <p:nvPr/>
+        </p:nvPicPr>
+        <p:blipFill>
+          <a:blip r:embed="rId3">
+            <a:extLst>
+              <a:ext uri="{28A0092B-C50C-407E-A947-70E740481C1C}">
+                <a14:useLocalDpi xmlns:a14="http://schemas.microsoft.com/office/drawing/2010/main" val="0"/>
+              </a:ext>
+            </a:extLst>
+          </a:blip>
+          <a:stretch>
+            <a:fillRect/>
+          </a:stretch>
+        </p:blipFill>
+        <p:spPr>
+          <a:xfrm>
+            <a:off x="6170937" y="4974083"/>
+            <a:ext cx="409524" cy="323810"/>
+          </a:xfrm>
+          <a:prstGeom prst="rect">
+            <a:avLst/>
+          </a:prstGeom>
+        </p:spPr>
+      </p:pic>
+      <p:cxnSp>
+        <p:nvCxnSpPr>
+          <p:cNvPr id="63" name="Straight Connector 62">
+            <a:extLst>
+              <a:ext uri="{FF2B5EF4-FFF2-40B4-BE49-F238E27FC236}">
+                <a16:creationId xmlns:a16="http://schemas.microsoft.com/office/drawing/2014/main" id="{6D679EC7-DCF2-80E8-A219-3E74F3F9662A}"/>
+              </a:ext>
+            </a:extLst>
+          </p:cNvPr>
+          <p:cNvCxnSpPr>
+            <a:cxnSpLocks/>
+          </p:cNvCxnSpPr>
+          <p:nvPr/>
+        </p:nvCxnSpPr>
+        <p:spPr>
+          <a:xfrm>
+            <a:off x="6566309" y="5135988"/>
+            <a:ext cx="97841" cy="0"/>
+          </a:xfrm>
+          <a:prstGeom prst="line">
+            <a:avLst/>
+          </a:prstGeom>
+        </p:spPr>
+        <p:style>
+          <a:lnRef idx="2">
+            <a:schemeClr val="dk1"/>
+          </a:lnRef>
+          <a:fillRef idx="0">
+            <a:schemeClr val="dk1"/>
+          </a:fillRef>
+          <a:effectRef idx="1">
+            <a:schemeClr val="dk1"/>
+          </a:effectRef>
+          <a:fontRef idx="minor">
+            <a:schemeClr val="tx1"/>
+          </a:fontRef>
+        </p:style>
+      </p:cxnSp>
+      <p:sp>
+        <p:nvSpPr>
+          <p:cNvPr id="32" name="Rectangle 31">
+            <a:extLst>
+              <a:ext uri="{FF2B5EF4-FFF2-40B4-BE49-F238E27FC236}">
+                <a16:creationId xmlns:a16="http://schemas.microsoft.com/office/drawing/2014/main" id="{93190EA7-F8FF-E981-5EE4-1196EDF04923}"/>
+              </a:ext>
+            </a:extLst>
+          </p:cNvPr>
+          <p:cNvSpPr/>
+          <p:nvPr/>
+        </p:nvSpPr>
+        <p:spPr>
+          <a:xfrm>
+            <a:off x="6664150" y="4957332"/>
+            <a:ext cx="840547" cy="871959"/>
+          </a:xfrm>
+          <a:prstGeom prst="rect">
+            <a:avLst/>
+          </a:prstGeom>
+          <a:noFill/>
+        </p:spPr>
+        <p:style>
+          <a:lnRef idx="2">
+            <a:schemeClr val="accent1">
+              <a:shade val="15000"/>
+            </a:schemeClr>
+          </a:lnRef>
+          <a:fillRef idx="1">
+            <a:schemeClr val="accent1"/>
+          </a:fillRef>
+          <a:effectRef idx="0">
+            <a:schemeClr val="accent1"/>
+          </a:effectRef>
+          <a:fontRef idx="minor">
+            <a:schemeClr val="lt1"/>
+          </a:fontRef>
+        </p:style>
+        <p:txBody>
+          <a:bodyPr rtlCol="0" anchor="ctr"/>
+          <a:lstStyle/>
+          <a:p>
+            <a:pPr algn="ctr"/>
+            <a:endParaRPr lang="en-SG" dirty="0"/>
+          </a:p>
+        </p:txBody>
+      </p:sp>
+      <p:sp>
+        <p:nvSpPr>
+          <p:cNvPr id="65" name="TextBox 64">
+            <a:extLst>
+              <a:ext uri="{FF2B5EF4-FFF2-40B4-BE49-F238E27FC236}">
+                <a16:creationId xmlns:a16="http://schemas.microsoft.com/office/drawing/2014/main" id="{35492DAA-AD0B-FB00-DA51-5524548DA2F7}"/>
+              </a:ext>
+            </a:extLst>
+          </p:cNvPr>
+          <p:cNvSpPr txBox="1"/>
+          <p:nvPr/>
+        </p:nvSpPr>
+        <p:spPr>
+          <a:xfrm>
+            <a:off x="6115720" y="4713464"/>
+            <a:ext cx="646455" cy="261610"/>
+          </a:xfrm>
+          <a:prstGeom prst="rect">
+            <a:avLst/>
+          </a:prstGeom>
+          <a:noFill/>
+        </p:spPr>
+        <p:txBody>
+          <a:bodyPr wrap="square" rtlCol="0">
+            <a:spAutoFit/>
+          </a:bodyPr>
+          <a:lstStyle/>
+          <a:p>
+            <a:r>
+              <a:rPr lang="en-US" sz="1100" b="1" dirty="0"/>
+              <a:t>HR3</a:t>
+            </a:r>
+            <a:endParaRPr lang="en-SG" sz="1100" b="1" dirty="0"/>
+          </a:p>
+        </p:txBody>
+      </p:sp>
     </p:spTree>
     <p:extLst>
       <p:ext uri="{BB962C8B-B14F-4D97-AF65-F5344CB8AC3E}">
